--- a/poster.pptx
+++ b/poster.pptx
@@ -3040,7 +3040,1144 @@
           </a:lstStyle>
           <a:p>
             <a:pPr algn="just"/>
-            <a:endParaRPr lang="en-US" sz="4000" b="1" dirty="0">
+            <a:r>
+              <a:rPr lang="et-EE" sz="4000" dirty="0" err="1" smtClean="0">
+                <a:latin typeface="+mn-lt"/>
+              </a:rPr>
+              <a:t>Since</a:t>
+            </a:r>
+            <a:r>
+              <a:rPr lang="et-EE" sz="4000" dirty="0" smtClean="0">
+                <a:latin typeface="+mn-lt"/>
+              </a:rPr>
+              <a:t> </a:t>
+            </a:r>
+            <a:r>
+              <a:rPr lang="et-EE" sz="4000" dirty="0" err="1" smtClean="0">
+                <a:latin typeface="+mn-lt"/>
+              </a:rPr>
+              <a:t>music</a:t>
+            </a:r>
+            <a:r>
+              <a:rPr lang="et-EE" sz="4000" dirty="0" smtClean="0">
+                <a:latin typeface="+mn-lt"/>
+              </a:rPr>
+              <a:t> </a:t>
+            </a:r>
+            <a:r>
+              <a:rPr lang="et-EE" sz="4000" dirty="0" err="1" smtClean="0">
+                <a:latin typeface="+mn-lt"/>
+              </a:rPr>
+              <a:t>is</a:t>
+            </a:r>
+            <a:r>
+              <a:rPr lang="et-EE" sz="4000" dirty="0" smtClean="0">
+                <a:latin typeface="+mn-lt"/>
+              </a:rPr>
+              <a:t> a </a:t>
+            </a:r>
+            <a:r>
+              <a:rPr lang="et-EE" sz="4000" dirty="0" err="1" smtClean="0">
+                <a:latin typeface="+mn-lt"/>
+              </a:rPr>
+              <a:t>huge</a:t>
+            </a:r>
+            <a:r>
+              <a:rPr lang="et-EE" sz="4000" dirty="0" smtClean="0">
+                <a:latin typeface="+mn-lt"/>
+              </a:rPr>
+              <a:t> part of a </a:t>
+            </a:r>
+            <a:r>
+              <a:rPr lang="et-EE" sz="4000" dirty="0" err="1" smtClean="0">
+                <a:latin typeface="+mn-lt"/>
+              </a:rPr>
+              <a:t>lot</a:t>
+            </a:r>
+            <a:r>
+              <a:rPr lang="et-EE" sz="4000" dirty="0" smtClean="0">
+                <a:latin typeface="+mn-lt"/>
+              </a:rPr>
+              <a:t> of </a:t>
+            </a:r>
+            <a:r>
+              <a:rPr lang="et-EE" sz="4000" dirty="0" err="1" smtClean="0">
+                <a:latin typeface="+mn-lt"/>
+              </a:rPr>
+              <a:t>people’s</a:t>
+            </a:r>
+            <a:r>
+              <a:rPr lang="et-EE" sz="4000" dirty="0" smtClean="0">
+                <a:latin typeface="+mn-lt"/>
+              </a:rPr>
+              <a:t> </a:t>
+            </a:r>
+            <a:r>
+              <a:rPr lang="et-EE" sz="4000" dirty="0" err="1" smtClean="0">
+                <a:latin typeface="+mn-lt"/>
+              </a:rPr>
+              <a:t>lives</a:t>
+            </a:r>
+            <a:r>
+              <a:rPr lang="et-EE" sz="4000" dirty="0" smtClean="0">
+                <a:latin typeface="+mn-lt"/>
+              </a:rPr>
+              <a:t>, </a:t>
+            </a:r>
+            <a:r>
+              <a:rPr lang="et-EE" sz="4000" dirty="0" err="1" smtClean="0">
+                <a:latin typeface="+mn-lt"/>
+              </a:rPr>
+              <a:t>including</a:t>
+            </a:r>
+            <a:r>
+              <a:rPr lang="et-EE" sz="4000" dirty="0" smtClean="0">
+                <a:latin typeface="+mn-lt"/>
+              </a:rPr>
+              <a:t> </a:t>
+            </a:r>
+            <a:r>
+              <a:rPr lang="et-EE" sz="4000" dirty="0" err="1" smtClean="0">
+                <a:latin typeface="+mn-lt"/>
+              </a:rPr>
+              <a:t>ours</a:t>
+            </a:r>
+            <a:r>
+              <a:rPr lang="et-EE" sz="4000" dirty="0" smtClean="0">
+                <a:latin typeface="+mn-lt"/>
+              </a:rPr>
+              <a:t>, </a:t>
+            </a:r>
+            <a:r>
+              <a:rPr lang="et-EE" sz="4000" dirty="0" err="1" smtClean="0">
+                <a:latin typeface="+mn-lt"/>
+              </a:rPr>
+              <a:t>we</a:t>
+            </a:r>
+            <a:r>
+              <a:rPr lang="et-EE" sz="4000" dirty="0" smtClean="0">
+                <a:latin typeface="+mn-lt"/>
+              </a:rPr>
+              <a:t> </a:t>
+            </a:r>
+            <a:r>
+              <a:rPr lang="et-EE" sz="4000" dirty="0" err="1" smtClean="0">
+                <a:latin typeface="+mn-lt"/>
+              </a:rPr>
+              <a:t>figured</a:t>
+            </a:r>
+            <a:r>
+              <a:rPr lang="et-EE" sz="4000" dirty="0" smtClean="0">
+                <a:latin typeface="+mn-lt"/>
+              </a:rPr>
+              <a:t> </a:t>
+            </a:r>
+            <a:r>
+              <a:rPr lang="et-EE" sz="4000" dirty="0" err="1" smtClean="0">
+                <a:latin typeface="+mn-lt"/>
+              </a:rPr>
+              <a:t>there</a:t>
+            </a:r>
+            <a:r>
+              <a:rPr lang="et-EE" sz="4000" dirty="0" smtClean="0">
+                <a:latin typeface="+mn-lt"/>
+              </a:rPr>
+              <a:t> </a:t>
+            </a:r>
+            <a:r>
+              <a:rPr lang="et-EE" sz="4000" dirty="0" err="1" smtClean="0">
+                <a:latin typeface="+mn-lt"/>
+              </a:rPr>
+              <a:t>could</a:t>
+            </a:r>
+            <a:r>
+              <a:rPr lang="et-EE" sz="4000" dirty="0" smtClean="0">
+                <a:latin typeface="+mn-lt"/>
+              </a:rPr>
+              <a:t> </a:t>
+            </a:r>
+            <a:r>
+              <a:rPr lang="et-EE" sz="4000" dirty="0" err="1" smtClean="0">
+                <a:latin typeface="+mn-lt"/>
+              </a:rPr>
+              <a:t>be</a:t>
+            </a:r>
+            <a:r>
+              <a:rPr lang="et-EE" sz="4000" dirty="0" smtClean="0">
+                <a:latin typeface="+mn-lt"/>
+              </a:rPr>
+              <a:t> no </a:t>
+            </a:r>
+            <a:r>
+              <a:rPr lang="et-EE" sz="4000" dirty="0" err="1" smtClean="0">
+                <a:latin typeface="+mn-lt"/>
+              </a:rPr>
+              <a:t>better</a:t>
+            </a:r>
+            <a:r>
+              <a:rPr lang="et-EE" sz="4000" dirty="0" smtClean="0">
+                <a:latin typeface="+mn-lt"/>
+              </a:rPr>
+              <a:t> </a:t>
+            </a:r>
+            <a:r>
+              <a:rPr lang="et-EE" sz="4000" dirty="0" err="1" smtClean="0">
+                <a:latin typeface="+mn-lt"/>
+              </a:rPr>
+              <a:t>topic</a:t>
+            </a:r>
+            <a:r>
+              <a:rPr lang="et-EE" sz="4000" dirty="0" smtClean="0">
+                <a:latin typeface="+mn-lt"/>
+              </a:rPr>
+              <a:t> </a:t>
+            </a:r>
+            <a:r>
+              <a:rPr lang="et-EE" sz="4000" dirty="0" err="1" smtClean="0">
+                <a:latin typeface="+mn-lt"/>
+              </a:rPr>
+              <a:t>for</a:t>
+            </a:r>
+            <a:r>
+              <a:rPr lang="et-EE" sz="4000" dirty="0" smtClean="0">
+                <a:latin typeface="+mn-lt"/>
+              </a:rPr>
+              <a:t> </a:t>
+            </a:r>
+            <a:r>
+              <a:rPr lang="et-EE" sz="4000" dirty="0" err="1" smtClean="0">
+                <a:latin typeface="+mn-lt"/>
+              </a:rPr>
+              <a:t>this</a:t>
+            </a:r>
+            <a:r>
+              <a:rPr lang="et-EE" sz="4000" dirty="0" smtClean="0">
+                <a:latin typeface="+mn-lt"/>
+              </a:rPr>
+              <a:t> </a:t>
+            </a:r>
+            <a:r>
+              <a:rPr lang="et-EE" sz="4000" dirty="0" err="1" smtClean="0">
+                <a:latin typeface="+mn-lt"/>
+              </a:rPr>
+              <a:t>project</a:t>
+            </a:r>
+            <a:r>
+              <a:rPr lang="et-EE" sz="4000" dirty="0" smtClean="0">
+                <a:latin typeface="+mn-lt"/>
+              </a:rPr>
+              <a:t>.</a:t>
+            </a:r>
+          </a:p>
+          <a:p>
+            <a:pPr algn="just"/>
+            <a:r>
+              <a:rPr lang="et-EE" sz="4000" dirty="0" err="1" smtClean="0">
+                <a:latin typeface="+mn-lt"/>
+              </a:rPr>
+              <a:t>The</a:t>
+            </a:r>
+            <a:r>
+              <a:rPr lang="et-EE" sz="4000" dirty="0" smtClean="0">
+                <a:latin typeface="+mn-lt"/>
+              </a:rPr>
+              <a:t> </a:t>
+            </a:r>
+            <a:r>
+              <a:rPr lang="et-EE" sz="4000" dirty="0" err="1" smtClean="0">
+                <a:latin typeface="+mn-lt"/>
+              </a:rPr>
+              <a:t>goal</a:t>
+            </a:r>
+            <a:r>
+              <a:rPr lang="et-EE" sz="4000" dirty="0" smtClean="0">
+                <a:latin typeface="+mn-lt"/>
+              </a:rPr>
+              <a:t> </a:t>
+            </a:r>
+            <a:r>
+              <a:rPr lang="et-EE" sz="4000" dirty="0" err="1" smtClean="0">
+                <a:latin typeface="+mn-lt"/>
+              </a:rPr>
+              <a:t>was</a:t>
+            </a:r>
+            <a:r>
+              <a:rPr lang="et-EE" sz="4000" dirty="0" smtClean="0">
+                <a:latin typeface="+mn-lt"/>
+              </a:rPr>
+              <a:t> </a:t>
+            </a:r>
+            <a:r>
+              <a:rPr lang="et-EE" sz="4000" dirty="0" err="1" smtClean="0">
+                <a:latin typeface="+mn-lt"/>
+              </a:rPr>
+              <a:t>to</a:t>
+            </a:r>
+            <a:r>
+              <a:rPr lang="et-EE" sz="4000" dirty="0" smtClean="0">
+                <a:latin typeface="+mn-lt"/>
+              </a:rPr>
+              <a:t> take </a:t>
+            </a:r>
+            <a:r>
+              <a:rPr lang="et-EE" sz="4000" dirty="0" err="1" smtClean="0">
+                <a:latin typeface="+mn-lt"/>
+              </a:rPr>
+              <a:t>different</a:t>
+            </a:r>
+            <a:r>
+              <a:rPr lang="et-EE" sz="4000" dirty="0" smtClean="0">
+                <a:latin typeface="+mn-lt"/>
+              </a:rPr>
+              <a:t> </a:t>
+            </a:r>
+            <a:r>
+              <a:rPr lang="et-EE" sz="4000" dirty="0" err="1" smtClean="0">
+                <a:latin typeface="+mn-lt"/>
+              </a:rPr>
+              <a:t>datasets</a:t>
+            </a:r>
+            <a:r>
+              <a:rPr lang="et-EE" sz="4000" dirty="0" smtClean="0">
+                <a:latin typeface="+mn-lt"/>
+              </a:rPr>
+              <a:t> </a:t>
+            </a:r>
+            <a:r>
+              <a:rPr lang="et-EE" sz="4000" dirty="0" err="1" smtClean="0">
+                <a:latin typeface="+mn-lt"/>
+              </a:rPr>
+              <a:t>from</a:t>
+            </a:r>
+            <a:r>
+              <a:rPr lang="et-EE" sz="4000" dirty="0" smtClean="0">
+                <a:latin typeface="+mn-lt"/>
+              </a:rPr>
+              <a:t> </a:t>
+            </a:r>
+            <a:r>
+              <a:rPr lang="et-EE" sz="4000" dirty="0" err="1" smtClean="0">
+                <a:latin typeface="+mn-lt"/>
+              </a:rPr>
+              <a:t>Kaggle</a:t>
+            </a:r>
+            <a:r>
+              <a:rPr lang="et-EE" sz="4000" dirty="0" smtClean="0">
+                <a:latin typeface="+mn-lt"/>
+              </a:rPr>
+              <a:t> </a:t>
+            </a:r>
+            <a:r>
+              <a:rPr lang="et-EE" sz="4000" dirty="0" err="1" smtClean="0">
+                <a:latin typeface="+mn-lt"/>
+              </a:rPr>
+              <a:t>that</a:t>
+            </a:r>
+            <a:r>
+              <a:rPr lang="et-EE" sz="4000" dirty="0" smtClean="0">
+                <a:latin typeface="+mn-lt"/>
+              </a:rPr>
+              <a:t> all </a:t>
+            </a:r>
+            <a:r>
+              <a:rPr lang="et-EE" sz="4000" dirty="0" err="1" smtClean="0">
+                <a:latin typeface="+mn-lt"/>
+              </a:rPr>
+              <a:t>include</a:t>
+            </a:r>
+            <a:r>
+              <a:rPr lang="et-EE" sz="4000" dirty="0" smtClean="0">
+                <a:latin typeface="+mn-lt"/>
+              </a:rPr>
+              <a:t> </a:t>
+            </a:r>
+            <a:r>
+              <a:rPr lang="et-EE" sz="4000" dirty="0" err="1" smtClean="0">
+                <a:latin typeface="+mn-lt"/>
+              </a:rPr>
+              <a:t>songs</a:t>
+            </a:r>
+            <a:r>
+              <a:rPr lang="et-EE" sz="4000" dirty="0" smtClean="0">
+                <a:latin typeface="+mn-lt"/>
+              </a:rPr>
+              <a:t> </a:t>
+            </a:r>
+            <a:r>
+              <a:rPr lang="et-EE" sz="4000" dirty="0" err="1" smtClean="0">
+                <a:latin typeface="+mn-lt"/>
+              </a:rPr>
+              <a:t>with</a:t>
+            </a:r>
+            <a:r>
+              <a:rPr lang="et-EE" sz="4000" dirty="0" smtClean="0">
+                <a:latin typeface="+mn-lt"/>
+              </a:rPr>
+              <a:t> </a:t>
+            </a:r>
+            <a:r>
+              <a:rPr lang="et-EE" sz="4000" dirty="0" err="1" smtClean="0">
+                <a:latin typeface="+mn-lt"/>
+              </a:rPr>
+              <a:t>their</a:t>
+            </a:r>
+            <a:r>
+              <a:rPr lang="et-EE" sz="4000" dirty="0" smtClean="0">
+                <a:latin typeface="+mn-lt"/>
+              </a:rPr>
+              <a:t> </a:t>
+            </a:r>
+            <a:r>
+              <a:rPr lang="et-EE" sz="4000" dirty="0" err="1" smtClean="0">
+                <a:latin typeface="+mn-lt"/>
+              </a:rPr>
+              <a:t>attributes</a:t>
+            </a:r>
+            <a:r>
+              <a:rPr lang="et-EE" sz="4000" dirty="0" smtClean="0">
+                <a:latin typeface="+mn-lt"/>
+              </a:rPr>
+              <a:t> and </a:t>
+            </a:r>
+            <a:r>
+              <a:rPr lang="et-EE" sz="4000" dirty="0" err="1" smtClean="0">
+                <a:latin typeface="+mn-lt"/>
+              </a:rPr>
+              <a:t>try</a:t>
+            </a:r>
+            <a:r>
+              <a:rPr lang="et-EE" sz="4000" dirty="0" smtClean="0">
+                <a:latin typeface="+mn-lt"/>
+              </a:rPr>
+              <a:t> </a:t>
+            </a:r>
+            <a:r>
+              <a:rPr lang="et-EE" sz="4000" dirty="0" err="1" smtClean="0">
+                <a:latin typeface="+mn-lt"/>
+              </a:rPr>
+              <a:t>to</a:t>
+            </a:r>
+            <a:r>
+              <a:rPr lang="et-EE" sz="4000" dirty="0" smtClean="0">
+                <a:latin typeface="+mn-lt"/>
+              </a:rPr>
+              <a:t> </a:t>
+            </a:r>
+            <a:r>
+              <a:rPr lang="et-EE" sz="4000" dirty="0" err="1" smtClean="0">
+                <a:latin typeface="+mn-lt"/>
+              </a:rPr>
+              <a:t>predict</a:t>
+            </a:r>
+            <a:r>
+              <a:rPr lang="et-EE" sz="4000" dirty="0" smtClean="0">
+                <a:latin typeface="+mn-lt"/>
+              </a:rPr>
+              <a:t> </a:t>
+            </a:r>
+            <a:r>
+              <a:rPr lang="et-EE" sz="4000" dirty="0" err="1" smtClean="0">
+                <a:latin typeface="+mn-lt"/>
+              </a:rPr>
+              <a:t>if</a:t>
+            </a:r>
+            <a:r>
+              <a:rPr lang="et-EE" sz="4000" dirty="0" smtClean="0">
+                <a:latin typeface="+mn-lt"/>
+              </a:rPr>
+              <a:t> a song </a:t>
+            </a:r>
+            <a:r>
+              <a:rPr lang="et-EE" sz="4000" dirty="0" err="1" smtClean="0">
+                <a:latin typeface="+mn-lt"/>
+              </a:rPr>
+              <a:t>would</a:t>
+            </a:r>
+            <a:r>
+              <a:rPr lang="et-EE" sz="4000" dirty="0" smtClean="0">
+                <a:latin typeface="+mn-lt"/>
+              </a:rPr>
+              <a:t> </a:t>
+            </a:r>
+            <a:r>
+              <a:rPr lang="et-EE" sz="4000" dirty="0" err="1" smtClean="0">
+                <a:latin typeface="+mn-lt"/>
+              </a:rPr>
+              <a:t>be</a:t>
+            </a:r>
+            <a:r>
+              <a:rPr lang="et-EE" sz="4000" dirty="0" smtClean="0">
+                <a:latin typeface="+mn-lt"/>
+              </a:rPr>
+              <a:t> </a:t>
+            </a:r>
+            <a:r>
+              <a:rPr lang="et-EE" sz="4000" dirty="0" err="1" smtClean="0">
+                <a:latin typeface="+mn-lt"/>
+              </a:rPr>
+              <a:t>popular</a:t>
+            </a:r>
+            <a:r>
+              <a:rPr lang="et-EE" sz="4000" dirty="0" smtClean="0">
+                <a:latin typeface="+mn-lt"/>
+              </a:rPr>
+              <a:t> </a:t>
+            </a:r>
+            <a:r>
+              <a:rPr lang="et-EE" sz="4000" dirty="0" err="1" smtClean="0">
+                <a:latin typeface="+mn-lt"/>
+              </a:rPr>
+              <a:t>or</a:t>
+            </a:r>
+            <a:r>
+              <a:rPr lang="et-EE" sz="4000" dirty="0" smtClean="0">
+                <a:latin typeface="+mn-lt"/>
+              </a:rPr>
+              <a:t> </a:t>
+            </a:r>
+            <a:r>
+              <a:rPr lang="et-EE" sz="4000" dirty="0" err="1" smtClean="0">
+                <a:latin typeface="+mn-lt"/>
+              </a:rPr>
+              <a:t>not</a:t>
+            </a:r>
+            <a:r>
+              <a:rPr lang="et-EE" sz="4000" dirty="0" smtClean="0">
+                <a:latin typeface="+mn-lt"/>
+              </a:rPr>
+              <a:t> </a:t>
+            </a:r>
+            <a:r>
+              <a:rPr lang="et-EE" sz="4000" dirty="0" err="1" smtClean="0">
+                <a:latin typeface="+mn-lt"/>
+              </a:rPr>
+              <a:t>based</a:t>
+            </a:r>
+            <a:r>
+              <a:rPr lang="et-EE" sz="4000" dirty="0" smtClean="0">
+                <a:latin typeface="+mn-lt"/>
+              </a:rPr>
+              <a:t> on </a:t>
+            </a:r>
+            <a:r>
+              <a:rPr lang="et-EE" sz="4000" dirty="0" err="1" smtClean="0">
+                <a:latin typeface="+mn-lt"/>
+              </a:rPr>
+              <a:t>those</a:t>
+            </a:r>
+            <a:r>
+              <a:rPr lang="et-EE" sz="4000" dirty="0" smtClean="0">
+                <a:latin typeface="+mn-lt"/>
+              </a:rPr>
+              <a:t> </a:t>
+            </a:r>
+            <a:r>
+              <a:rPr lang="et-EE" sz="4000" dirty="0" err="1" smtClean="0">
+                <a:latin typeface="+mn-lt"/>
+              </a:rPr>
+              <a:t>features</a:t>
+            </a:r>
+            <a:r>
+              <a:rPr lang="et-EE" sz="4000" dirty="0" smtClean="0">
+                <a:latin typeface="+mn-lt"/>
+              </a:rPr>
+              <a:t>. </a:t>
+            </a:r>
+            <a:r>
+              <a:rPr lang="et-EE" sz="4000" dirty="0" err="1" smtClean="0">
+                <a:latin typeface="+mn-lt"/>
+              </a:rPr>
+              <a:t>We</a:t>
+            </a:r>
+            <a:r>
+              <a:rPr lang="et-EE" sz="4000" dirty="0" smtClean="0">
+                <a:latin typeface="+mn-lt"/>
+              </a:rPr>
+              <a:t> </a:t>
+            </a:r>
+            <a:r>
+              <a:rPr lang="et-EE" sz="4000" dirty="0" err="1" smtClean="0">
+                <a:latin typeface="+mn-lt"/>
+              </a:rPr>
+              <a:t>found</a:t>
+            </a:r>
+            <a:r>
+              <a:rPr lang="et-EE" sz="4000" dirty="0" smtClean="0">
+                <a:latin typeface="+mn-lt"/>
+              </a:rPr>
+              <a:t> a </a:t>
+            </a:r>
+            <a:r>
+              <a:rPr lang="et-EE" sz="4000" dirty="0" err="1" smtClean="0">
+                <a:latin typeface="+mn-lt"/>
+              </a:rPr>
+              <a:t>very</a:t>
+            </a:r>
+            <a:r>
+              <a:rPr lang="et-EE" sz="4000" dirty="0" smtClean="0">
+                <a:latin typeface="+mn-lt"/>
+              </a:rPr>
+              <a:t> </a:t>
+            </a:r>
+            <a:r>
+              <a:rPr lang="et-EE" sz="4000" dirty="0" err="1" smtClean="0">
+                <a:latin typeface="+mn-lt"/>
+              </a:rPr>
+              <a:t>large</a:t>
+            </a:r>
+            <a:r>
+              <a:rPr lang="et-EE" sz="4000" dirty="0" smtClean="0">
+                <a:latin typeface="+mn-lt"/>
+              </a:rPr>
+              <a:t> </a:t>
+            </a:r>
+            <a:r>
+              <a:rPr lang="et-EE" sz="4000" dirty="0" err="1" smtClean="0">
+                <a:latin typeface="+mn-lt"/>
+              </a:rPr>
+              <a:t>dataset</a:t>
+            </a:r>
+            <a:r>
+              <a:rPr lang="et-EE" sz="4000" dirty="0" smtClean="0">
+                <a:latin typeface="+mn-lt"/>
+              </a:rPr>
+              <a:t> </a:t>
+            </a:r>
+            <a:r>
+              <a:rPr lang="et-EE" sz="4000" dirty="0" err="1" smtClean="0">
+                <a:latin typeface="+mn-lt"/>
+              </a:rPr>
+              <a:t>with</a:t>
+            </a:r>
+            <a:r>
+              <a:rPr lang="et-EE" sz="4000" dirty="0" smtClean="0">
+                <a:latin typeface="+mn-lt"/>
+              </a:rPr>
+              <a:t> </a:t>
+            </a:r>
+            <a:r>
+              <a:rPr lang="et-EE" sz="4000" dirty="0" err="1" smtClean="0">
+                <a:latin typeface="+mn-lt"/>
+              </a:rPr>
+              <a:t>over</a:t>
+            </a:r>
+            <a:r>
+              <a:rPr lang="et-EE" sz="4000" dirty="0" smtClean="0">
+                <a:latin typeface="+mn-lt"/>
+              </a:rPr>
+              <a:t> 200 000 </a:t>
+            </a:r>
+            <a:r>
+              <a:rPr lang="et-EE" sz="4000" dirty="0" err="1" smtClean="0">
+                <a:latin typeface="+mn-lt"/>
+              </a:rPr>
+              <a:t>songs</a:t>
+            </a:r>
+            <a:r>
+              <a:rPr lang="et-EE" sz="4000" dirty="0" smtClean="0">
+                <a:latin typeface="+mn-lt"/>
+              </a:rPr>
+              <a:t>, so </a:t>
+            </a:r>
+            <a:r>
+              <a:rPr lang="et-EE" sz="4000" dirty="0" err="1" smtClean="0">
+                <a:latin typeface="+mn-lt"/>
+              </a:rPr>
+              <a:t>we</a:t>
+            </a:r>
+            <a:r>
+              <a:rPr lang="et-EE" sz="4000" dirty="0" smtClean="0">
+                <a:latin typeface="+mn-lt"/>
+              </a:rPr>
+              <a:t> </a:t>
+            </a:r>
+            <a:r>
+              <a:rPr lang="et-EE" sz="4000" dirty="0" err="1" smtClean="0">
+                <a:latin typeface="+mn-lt"/>
+              </a:rPr>
+              <a:t>split</a:t>
+            </a:r>
+            <a:r>
+              <a:rPr lang="et-EE" sz="4000" dirty="0" smtClean="0">
+                <a:latin typeface="+mn-lt"/>
+              </a:rPr>
+              <a:t> </a:t>
+            </a:r>
+            <a:r>
+              <a:rPr lang="et-EE" sz="4000" dirty="0" err="1" smtClean="0">
+                <a:latin typeface="+mn-lt"/>
+              </a:rPr>
+              <a:t>that</a:t>
+            </a:r>
+            <a:r>
+              <a:rPr lang="et-EE" sz="4000" dirty="0" smtClean="0">
+                <a:latin typeface="+mn-lt"/>
+              </a:rPr>
+              <a:t> </a:t>
+            </a:r>
+            <a:r>
+              <a:rPr lang="et-EE" sz="4000" dirty="0" err="1" smtClean="0">
+                <a:latin typeface="+mn-lt"/>
+              </a:rPr>
+              <a:t>into</a:t>
+            </a:r>
+            <a:r>
+              <a:rPr lang="et-EE" sz="4000" dirty="0" smtClean="0">
+                <a:latin typeface="+mn-lt"/>
+              </a:rPr>
+              <a:t> a </a:t>
+            </a:r>
+            <a:r>
+              <a:rPr lang="et-EE" sz="4000" dirty="0" err="1" smtClean="0">
+                <a:latin typeface="+mn-lt"/>
+              </a:rPr>
+              <a:t>trainset</a:t>
+            </a:r>
+            <a:r>
+              <a:rPr lang="et-EE" sz="4000" dirty="0" smtClean="0">
+                <a:latin typeface="+mn-lt"/>
+              </a:rPr>
+              <a:t> and a </a:t>
+            </a:r>
+            <a:r>
+              <a:rPr lang="et-EE" sz="4000" dirty="0" err="1" smtClean="0">
+                <a:latin typeface="+mn-lt"/>
+              </a:rPr>
+              <a:t>testset</a:t>
+            </a:r>
+            <a:r>
+              <a:rPr lang="et-EE" sz="4000" dirty="0" smtClean="0">
+                <a:latin typeface="+mn-lt"/>
+              </a:rPr>
+              <a:t>. </a:t>
+            </a:r>
+            <a:r>
+              <a:rPr lang="et-EE" sz="4000" dirty="0" err="1" smtClean="0">
+                <a:latin typeface="+mn-lt"/>
+              </a:rPr>
+              <a:t>For</a:t>
+            </a:r>
+            <a:r>
+              <a:rPr lang="et-EE" sz="4000" dirty="0" smtClean="0">
+                <a:latin typeface="+mn-lt"/>
+              </a:rPr>
+              <a:t> </a:t>
+            </a:r>
+            <a:r>
+              <a:rPr lang="et-EE" sz="4000" dirty="0" err="1" smtClean="0">
+                <a:latin typeface="+mn-lt"/>
+              </a:rPr>
+              <a:t>testing</a:t>
+            </a:r>
+            <a:r>
+              <a:rPr lang="et-EE" sz="4000" dirty="0" smtClean="0">
+                <a:latin typeface="+mn-lt"/>
+              </a:rPr>
+              <a:t>, </a:t>
+            </a:r>
+            <a:r>
+              <a:rPr lang="et-EE" sz="4000" dirty="0" err="1" smtClean="0">
+                <a:latin typeface="+mn-lt"/>
+              </a:rPr>
+              <a:t>we</a:t>
+            </a:r>
+            <a:r>
+              <a:rPr lang="et-EE" sz="4000" dirty="0" smtClean="0">
+                <a:latin typeface="+mn-lt"/>
+              </a:rPr>
+              <a:t> </a:t>
+            </a:r>
+            <a:r>
+              <a:rPr lang="et-EE" sz="4000" dirty="0" err="1" smtClean="0">
+                <a:latin typeface="+mn-lt"/>
+              </a:rPr>
+              <a:t>also</a:t>
+            </a:r>
+            <a:r>
+              <a:rPr lang="et-EE" sz="4000" dirty="0" smtClean="0">
+                <a:latin typeface="+mn-lt"/>
+              </a:rPr>
+              <a:t> </a:t>
+            </a:r>
+            <a:r>
+              <a:rPr lang="et-EE" sz="4000" dirty="0" err="1" smtClean="0">
+                <a:latin typeface="+mn-lt"/>
+              </a:rPr>
+              <a:t>used</a:t>
+            </a:r>
+            <a:r>
+              <a:rPr lang="et-EE" sz="4000" dirty="0" smtClean="0">
+                <a:latin typeface="+mn-lt"/>
+              </a:rPr>
+              <a:t> tops of 2017 and 2018, </a:t>
+            </a:r>
+            <a:r>
+              <a:rPr lang="et-EE" sz="4000" dirty="0" err="1" smtClean="0">
+                <a:latin typeface="+mn-lt"/>
+              </a:rPr>
+              <a:t>assuming</a:t>
+            </a:r>
+            <a:r>
+              <a:rPr lang="et-EE" sz="4000" dirty="0" smtClean="0">
+                <a:latin typeface="+mn-lt"/>
+              </a:rPr>
+              <a:t> </a:t>
+            </a:r>
+            <a:r>
+              <a:rPr lang="et-EE" sz="4000" dirty="0" err="1" smtClean="0">
+                <a:latin typeface="+mn-lt"/>
+              </a:rPr>
+              <a:t>that</a:t>
+            </a:r>
+            <a:r>
+              <a:rPr lang="et-EE" sz="4000" dirty="0" smtClean="0">
+                <a:latin typeface="+mn-lt"/>
+              </a:rPr>
+              <a:t> </a:t>
+            </a:r>
+            <a:r>
+              <a:rPr lang="et-EE" sz="4000" dirty="0" err="1" smtClean="0">
+                <a:latin typeface="+mn-lt"/>
+              </a:rPr>
+              <a:t>those</a:t>
+            </a:r>
+            <a:r>
+              <a:rPr lang="et-EE" sz="4000" dirty="0" smtClean="0">
+                <a:latin typeface="+mn-lt"/>
+              </a:rPr>
+              <a:t> </a:t>
+            </a:r>
+            <a:r>
+              <a:rPr lang="et-EE" sz="4000" dirty="0" err="1" smtClean="0">
+                <a:latin typeface="+mn-lt"/>
+              </a:rPr>
+              <a:t>were</a:t>
+            </a:r>
+            <a:r>
+              <a:rPr lang="et-EE" sz="4000" dirty="0" smtClean="0">
+                <a:latin typeface="+mn-lt"/>
+              </a:rPr>
+              <a:t> all </a:t>
+            </a:r>
+            <a:r>
+              <a:rPr lang="et-EE" sz="4000" dirty="0" err="1" smtClean="0">
+                <a:latin typeface="+mn-lt"/>
+              </a:rPr>
+              <a:t>popular</a:t>
+            </a:r>
+            <a:r>
+              <a:rPr lang="et-EE" sz="4000" dirty="0" smtClean="0">
+                <a:latin typeface="+mn-lt"/>
+              </a:rPr>
+              <a:t> </a:t>
+            </a:r>
+            <a:r>
+              <a:rPr lang="et-EE" sz="4000" dirty="0" err="1" smtClean="0">
+                <a:latin typeface="+mn-lt"/>
+              </a:rPr>
+              <a:t>songs</a:t>
+            </a:r>
+            <a:r>
+              <a:rPr lang="et-EE" sz="4000" dirty="0" smtClean="0">
+                <a:latin typeface="+mn-lt"/>
+              </a:rPr>
+              <a:t>.</a:t>
+            </a:r>
+            <a:endParaRPr lang="et-EE" sz="4000" dirty="0" smtClean="0">
+              <a:latin typeface="+mn-lt"/>
+            </a:endParaRPr>
+          </a:p>
+          <a:p>
+            <a:pPr algn="just"/>
+            <a:r>
+              <a:rPr lang="et-EE" sz="4000" dirty="0" err="1" smtClean="0">
+                <a:latin typeface="+mn-lt"/>
+              </a:rPr>
+              <a:t>Another</a:t>
+            </a:r>
+            <a:r>
+              <a:rPr lang="et-EE" sz="4000" dirty="0" smtClean="0">
+                <a:latin typeface="+mn-lt"/>
+              </a:rPr>
+              <a:t> </a:t>
+            </a:r>
+            <a:r>
+              <a:rPr lang="et-EE" sz="4000" dirty="0" err="1" smtClean="0">
+                <a:latin typeface="+mn-lt"/>
+              </a:rPr>
+              <a:t>goal</a:t>
+            </a:r>
+            <a:r>
+              <a:rPr lang="et-EE" sz="4000" dirty="0" smtClean="0">
+                <a:latin typeface="+mn-lt"/>
+              </a:rPr>
+              <a:t> </a:t>
+            </a:r>
+            <a:r>
+              <a:rPr lang="et-EE" sz="4000" dirty="0" err="1" smtClean="0">
+                <a:latin typeface="+mn-lt"/>
+              </a:rPr>
+              <a:t>we</a:t>
+            </a:r>
+            <a:r>
+              <a:rPr lang="et-EE" sz="4000" dirty="0" smtClean="0">
+                <a:latin typeface="+mn-lt"/>
+              </a:rPr>
+              <a:t> </a:t>
+            </a:r>
+            <a:r>
+              <a:rPr lang="et-EE" sz="4000" dirty="0" err="1" smtClean="0">
+                <a:latin typeface="+mn-lt"/>
+              </a:rPr>
+              <a:t>set</a:t>
+            </a:r>
+            <a:r>
+              <a:rPr lang="et-EE" sz="4000" dirty="0" smtClean="0">
+                <a:latin typeface="+mn-lt"/>
+              </a:rPr>
+              <a:t> </a:t>
+            </a:r>
+            <a:r>
+              <a:rPr lang="et-EE" sz="4000" dirty="0" err="1" smtClean="0">
+                <a:latin typeface="+mn-lt"/>
+              </a:rPr>
+              <a:t>based</a:t>
+            </a:r>
+            <a:r>
+              <a:rPr lang="et-EE" sz="4000" dirty="0" smtClean="0">
+                <a:latin typeface="+mn-lt"/>
+              </a:rPr>
+              <a:t> on </a:t>
+            </a:r>
+            <a:r>
+              <a:rPr lang="et-EE" sz="4000" dirty="0" err="1" smtClean="0">
+                <a:latin typeface="+mn-lt"/>
+              </a:rPr>
+              <a:t>the</a:t>
+            </a:r>
+            <a:r>
+              <a:rPr lang="et-EE" sz="4000" dirty="0" smtClean="0">
+                <a:latin typeface="+mn-lt"/>
+              </a:rPr>
+              <a:t> tops of 2017 and 2018 </a:t>
+            </a:r>
+            <a:r>
+              <a:rPr lang="et-EE" sz="4000" dirty="0" err="1" smtClean="0">
+                <a:latin typeface="+mn-lt"/>
+              </a:rPr>
+              <a:t>was</a:t>
+            </a:r>
+            <a:r>
+              <a:rPr lang="et-EE" sz="4000" dirty="0" smtClean="0">
+                <a:latin typeface="+mn-lt"/>
+              </a:rPr>
+              <a:t> </a:t>
+            </a:r>
+            <a:r>
+              <a:rPr lang="et-EE" sz="4000" dirty="0" err="1" smtClean="0">
+                <a:latin typeface="+mn-lt"/>
+              </a:rPr>
+              <a:t>to</a:t>
+            </a:r>
+            <a:r>
+              <a:rPr lang="et-EE" sz="4000" dirty="0" smtClean="0">
+                <a:latin typeface="+mn-lt"/>
+              </a:rPr>
+              <a:t> </a:t>
+            </a:r>
+            <a:r>
+              <a:rPr lang="et-EE" sz="4000" dirty="0" err="1" smtClean="0">
+                <a:latin typeface="+mn-lt"/>
+              </a:rPr>
+              <a:t>analyze</a:t>
+            </a:r>
+            <a:r>
+              <a:rPr lang="et-EE" sz="4000" dirty="0" smtClean="0">
+                <a:latin typeface="+mn-lt"/>
+              </a:rPr>
+              <a:t> </a:t>
+            </a:r>
+            <a:r>
+              <a:rPr lang="et-EE" sz="4000" dirty="0" err="1" smtClean="0">
+                <a:latin typeface="+mn-lt"/>
+              </a:rPr>
+              <a:t>the</a:t>
+            </a:r>
+            <a:r>
+              <a:rPr lang="et-EE" sz="4000" dirty="0" smtClean="0">
+                <a:latin typeface="+mn-lt"/>
+              </a:rPr>
+              <a:t> </a:t>
+            </a:r>
+            <a:r>
+              <a:rPr lang="et-EE" sz="4000" dirty="0" err="1" smtClean="0">
+                <a:latin typeface="+mn-lt"/>
+              </a:rPr>
+              <a:t>features</a:t>
+            </a:r>
+            <a:r>
+              <a:rPr lang="et-EE" sz="4000" dirty="0" smtClean="0">
+                <a:latin typeface="+mn-lt"/>
+              </a:rPr>
+              <a:t> of </a:t>
+            </a:r>
+            <a:r>
+              <a:rPr lang="et-EE" sz="4000" dirty="0" err="1" smtClean="0">
+                <a:latin typeface="+mn-lt"/>
+              </a:rPr>
+              <a:t>those</a:t>
+            </a:r>
+            <a:r>
+              <a:rPr lang="et-EE" sz="4000" dirty="0" smtClean="0">
+                <a:latin typeface="+mn-lt"/>
+              </a:rPr>
+              <a:t> </a:t>
+            </a:r>
+            <a:r>
+              <a:rPr lang="et-EE" sz="4000" dirty="0" err="1" smtClean="0">
+                <a:latin typeface="+mn-lt"/>
+              </a:rPr>
+              <a:t>songs</a:t>
+            </a:r>
+            <a:r>
+              <a:rPr lang="et-EE" sz="4000" dirty="0" smtClean="0">
+                <a:latin typeface="+mn-lt"/>
+              </a:rPr>
+              <a:t> and see </a:t>
+            </a:r>
+            <a:r>
+              <a:rPr lang="et-EE" sz="4000" dirty="0" err="1" smtClean="0">
+                <a:latin typeface="+mn-lt"/>
+              </a:rPr>
+              <a:t>whether</a:t>
+            </a:r>
+            <a:r>
+              <a:rPr lang="et-EE" sz="4000" dirty="0" smtClean="0">
+                <a:latin typeface="+mn-lt"/>
+              </a:rPr>
+              <a:t> </a:t>
+            </a:r>
+            <a:r>
+              <a:rPr lang="et-EE" sz="4000" dirty="0" err="1" smtClean="0">
+                <a:latin typeface="+mn-lt"/>
+              </a:rPr>
+              <a:t>the</a:t>
+            </a:r>
+            <a:r>
+              <a:rPr lang="et-EE" sz="4000" dirty="0" smtClean="0">
+                <a:latin typeface="+mn-lt"/>
+              </a:rPr>
+              <a:t> </a:t>
+            </a:r>
+            <a:r>
+              <a:rPr lang="et-EE" sz="4000" dirty="0" err="1" smtClean="0">
+                <a:latin typeface="+mn-lt"/>
+              </a:rPr>
+              <a:t>music</a:t>
+            </a:r>
+            <a:r>
+              <a:rPr lang="et-EE" sz="4000" dirty="0" smtClean="0">
+                <a:latin typeface="+mn-lt"/>
+              </a:rPr>
+              <a:t> </a:t>
+            </a:r>
+            <a:r>
+              <a:rPr lang="et-EE" sz="4000" dirty="0" err="1" smtClean="0">
+                <a:latin typeface="+mn-lt"/>
+              </a:rPr>
+              <a:t>people</a:t>
+            </a:r>
+            <a:r>
+              <a:rPr lang="et-EE" sz="4000" dirty="0" smtClean="0">
+                <a:latin typeface="+mn-lt"/>
+              </a:rPr>
+              <a:t> </a:t>
+            </a:r>
+            <a:r>
+              <a:rPr lang="et-EE" sz="4000" dirty="0" err="1" smtClean="0">
+                <a:latin typeface="+mn-lt"/>
+              </a:rPr>
+              <a:t>listen</a:t>
+            </a:r>
+            <a:r>
+              <a:rPr lang="et-EE" sz="4000" dirty="0" smtClean="0">
+                <a:latin typeface="+mn-lt"/>
+              </a:rPr>
+              <a:t> </a:t>
+            </a:r>
+            <a:r>
+              <a:rPr lang="et-EE" sz="4000" dirty="0" err="1" smtClean="0">
+                <a:latin typeface="+mn-lt"/>
+              </a:rPr>
+              <a:t>to</a:t>
+            </a:r>
+            <a:r>
+              <a:rPr lang="et-EE" sz="4000" dirty="0" smtClean="0">
+                <a:latin typeface="+mn-lt"/>
+              </a:rPr>
+              <a:t> </a:t>
+            </a:r>
+            <a:r>
+              <a:rPr lang="et-EE" sz="4000" dirty="0" err="1" smtClean="0">
+                <a:latin typeface="+mn-lt"/>
+              </a:rPr>
+              <a:t>had</a:t>
+            </a:r>
+            <a:r>
+              <a:rPr lang="et-EE" sz="4000" dirty="0" smtClean="0">
+                <a:latin typeface="+mn-lt"/>
+              </a:rPr>
+              <a:t> </a:t>
+            </a:r>
+            <a:r>
+              <a:rPr lang="et-EE" sz="4000" dirty="0" err="1" smtClean="0">
+                <a:latin typeface="+mn-lt"/>
+              </a:rPr>
+              <a:t>changed</a:t>
+            </a:r>
+            <a:r>
+              <a:rPr lang="et-EE" sz="4000" dirty="0" smtClean="0">
+                <a:latin typeface="+mn-lt"/>
+              </a:rPr>
+              <a:t> in a </a:t>
+            </a:r>
+            <a:r>
+              <a:rPr lang="et-EE" sz="4000" dirty="0" err="1" smtClean="0">
+                <a:latin typeface="+mn-lt"/>
+              </a:rPr>
+              <a:t>year</a:t>
+            </a:r>
+            <a:r>
+              <a:rPr lang="et-EE" sz="4000" dirty="0" smtClean="0">
+                <a:latin typeface="+mn-lt"/>
+              </a:rPr>
+              <a:t> </a:t>
+            </a:r>
+            <a:r>
+              <a:rPr lang="et-EE" sz="4000" dirty="0" err="1" smtClean="0">
+                <a:latin typeface="+mn-lt"/>
+              </a:rPr>
+              <a:t>or</a:t>
+            </a:r>
+            <a:r>
+              <a:rPr lang="et-EE" sz="4000" dirty="0" smtClean="0">
+                <a:latin typeface="+mn-lt"/>
+              </a:rPr>
+              <a:t> </a:t>
+            </a:r>
+            <a:r>
+              <a:rPr lang="et-EE" sz="4000" dirty="0" err="1" smtClean="0">
+                <a:latin typeface="+mn-lt"/>
+              </a:rPr>
+              <a:t>not</a:t>
+            </a:r>
+            <a:r>
+              <a:rPr lang="et-EE" sz="4000" dirty="0" smtClean="0">
+                <a:latin typeface="+mn-lt"/>
+              </a:rPr>
+              <a:t>.</a:t>
+            </a:r>
+            <a:endParaRPr lang="en-US" sz="4000" dirty="0">
               <a:latin typeface="+mn-lt"/>
             </a:endParaRPr>
           </a:p>
@@ -3061,9 +4198,7 @@
             <a:avLst/>
           </a:prstGeom>
           <a:solidFill>
-            <a:schemeClr val="accent1">
-              <a:lumMod val="75000"/>
-            </a:schemeClr>
+            <a:srgbClr val="F088E9"/>
           </a:solidFill>
         </p:spPr>
         <p:style>
@@ -3113,7 +4248,7 @@
         </p:nvSpPr>
         <p:spPr bwMode="auto">
           <a:xfrm>
-            <a:off x="10420584" y="19290117"/>
+            <a:off x="10420584" y="7646781"/>
             <a:ext cx="9574010" cy="9637817"/>
           </a:xfrm>
           <a:prstGeom prst="rect">
@@ -3235,6 +4370,1044 @@
           </a:lstStyle>
           <a:p>
             <a:pPr algn="just" eaLnBrk="1" hangingPunct="1"/>
+            <a:r>
+              <a:rPr lang="et-EE" sz="4000" dirty="0" err="1" smtClean="0">
+                <a:latin typeface="+mn-lt"/>
+              </a:rPr>
+              <a:t>Since</a:t>
+            </a:r>
+            <a:r>
+              <a:rPr lang="et-EE" sz="4000" dirty="0" smtClean="0">
+                <a:latin typeface="+mn-lt"/>
+              </a:rPr>
+              <a:t> </a:t>
+            </a:r>
+            <a:r>
+              <a:rPr lang="et-EE" sz="4000" dirty="0" err="1" smtClean="0">
+                <a:latin typeface="+mn-lt"/>
+              </a:rPr>
+              <a:t>the</a:t>
+            </a:r>
+            <a:r>
+              <a:rPr lang="et-EE" sz="4000" dirty="0" smtClean="0">
+                <a:latin typeface="+mn-lt"/>
+              </a:rPr>
+              <a:t> </a:t>
+            </a:r>
+            <a:r>
+              <a:rPr lang="et-EE" sz="4000" dirty="0" err="1" smtClean="0">
+                <a:latin typeface="+mn-lt"/>
+              </a:rPr>
+              <a:t>datasets</a:t>
+            </a:r>
+            <a:r>
+              <a:rPr lang="et-EE" sz="4000" dirty="0" smtClean="0">
+                <a:latin typeface="+mn-lt"/>
+              </a:rPr>
+              <a:t> </a:t>
+            </a:r>
+            <a:r>
+              <a:rPr lang="et-EE" sz="4000" dirty="0" err="1" smtClean="0">
+                <a:latin typeface="+mn-lt"/>
+              </a:rPr>
+              <a:t>didn’t</a:t>
+            </a:r>
+            <a:r>
+              <a:rPr lang="et-EE" sz="4000" dirty="0" smtClean="0">
+                <a:latin typeface="+mn-lt"/>
+              </a:rPr>
+              <a:t> </a:t>
+            </a:r>
+            <a:r>
+              <a:rPr lang="et-EE" sz="4000" dirty="0" err="1" smtClean="0">
+                <a:latin typeface="+mn-lt"/>
+              </a:rPr>
+              <a:t>have</a:t>
+            </a:r>
+            <a:r>
+              <a:rPr lang="et-EE" sz="4000" dirty="0" smtClean="0">
+                <a:latin typeface="+mn-lt"/>
+              </a:rPr>
+              <a:t> </a:t>
+            </a:r>
+            <a:r>
+              <a:rPr lang="et-EE" sz="4000" dirty="0" err="1" smtClean="0">
+                <a:latin typeface="+mn-lt"/>
+              </a:rPr>
+              <a:t>any</a:t>
+            </a:r>
+            <a:r>
+              <a:rPr lang="et-EE" sz="4000" dirty="0" smtClean="0">
+                <a:latin typeface="+mn-lt"/>
+              </a:rPr>
+              <a:t> null </a:t>
+            </a:r>
+            <a:r>
+              <a:rPr lang="et-EE" sz="4000" dirty="0" err="1" smtClean="0">
+                <a:latin typeface="+mn-lt"/>
+              </a:rPr>
+              <a:t>values</a:t>
+            </a:r>
+            <a:r>
+              <a:rPr lang="et-EE" sz="4000" dirty="0" smtClean="0">
+                <a:latin typeface="+mn-lt"/>
+              </a:rPr>
+              <a:t>, </a:t>
+            </a:r>
+            <a:r>
+              <a:rPr lang="et-EE" sz="4000" dirty="0" err="1" smtClean="0">
+                <a:latin typeface="+mn-lt"/>
+              </a:rPr>
+              <a:t>we</a:t>
+            </a:r>
+            <a:r>
+              <a:rPr lang="et-EE" sz="4000" dirty="0" smtClean="0">
+                <a:latin typeface="+mn-lt"/>
+              </a:rPr>
+              <a:t> </a:t>
+            </a:r>
+            <a:r>
+              <a:rPr lang="et-EE" sz="4000" dirty="0" err="1" smtClean="0">
+                <a:latin typeface="+mn-lt"/>
+              </a:rPr>
+              <a:t>didn’t</a:t>
+            </a:r>
+            <a:r>
+              <a:rPr lang="et-EE" sz="4000" dirty="0" smtClean="0">
+                <a:latin typeface="+mn-lt"/>
+              </a:rPr>
+              <a:t> </a:t>
+            </a:r>
+            <a:r>
+              <a:rPr lang="et-EE" sz="4000" dirty="0" err="1" smtClean="0">
+                <a:latin typeface="+mn-lt"/>
+              </a:rPr>
+              <a:t>have</a:t>
+            </a:r>
+            <a:r>
+              <a:rPr lang="et-EE" sz="4000" dirty="0" smtClean="0">
+                <a:latin typeface="+mn-lt"/>
+              </a:rPr>
+              <a:t> </a:t>
+            </a:r>
+            <a:r>
+              <a:rPr lang="et-EE" sz="4000" dirty="0" err="1" smtClean="0">
+                <a:latin typeface="+mn-lt"/>
+              </a:rPr>
+              <a:t>to</a:t>
+            </a:r>
+            <a:r>
+              <a:rPr lang="et-EE" sz="4000" dirty="0" smtClean="0">
+                <a:latin typeface="+mn-lt"/>
+              </a:rPr>
+              <a:t> </a:t>
+            </a:r>
+            <a:r>
+              <a:rPr lang="et-EE" sz="4000" dirty="0" err="1" smtClean="0">
+                <a:latin typeface="+mn-lt"/>
+              </a:rPr>
+              <a:t>worry</a:t>
+            </a:r>
+            <a:r>
+              <a:rPr lang="et-EE" sz="4000" dirty="0" smtClean="0">
+                <a:latin typeface="+mn-lt"/>
+              </a:rPr>
+              <a:t> </a:t>
+            </a:r>
+            <a:r>
+              <a:rPr lang="et-EE" sz="4000" dirty="0" err="1" smtClean="0">
+                <a:latin typeface="+mn-lt"/>
+              </a:rPr>
+              <a:t>about</a:t>
+            </a:r>
+            <a:r>
+              <a:rPr lang="et-EE" sz="4000" dirty="0" smtClean="0">
+                <a:latin typeface="+mn-lt"/>
+              </a:rPr>
+              <a:t> </a:t>
+            </a:r>
+            <a:r>
+              <a:rPr lang="et-EE" sz="4000" dirty="0" err="1" smtClean="0">
+                <a:latin typeface="+mn-lt"/>
+              </a:rPr>
+              <a:t>dealing</a:t>
+            </a:r>
+            <a:r>
+              <a:rPr lang="et-EE" sz="4000" dirty="0" smtClean="0">
+                <a:latin typeface="+mn-lt"/>
+              </a:rPr>
+              <a:t> </a:t>
+            </a:r>
+            <a:r>
+              <a:rPr lang="et-EE" sz="4000" dirty="0" err="1" smtClean="0">
+                <a:latin typeface="+mn-lt"/>
+              </a:rPr>
+              <a:t>with</a:t>
+            </a:r>
+            <a:r>
+              <a:rPr lang="et-EE" sz="4000" dirty="0" smtClean="0">
+                <a:latin typeface="+mn-lt"/>
+              </a:rPr>
+              <a:t> </a:t>
+            </a:r>
+            <a:r>
+              <a:rPr lang="et-EE" sz="4000" dirty="0" err="1" smtClean="0">
+                <a:latin typeface="+mn-lt"/>
+              </a:rPr>
+              <a:t>those</a:t>
+            </a:r>
+            <a:r>
+              <a:rPr lang="et-EE" sz="4000" dirty="0" smtClean="0">
+                <a:latin typeface="+mn-lt"/>
+              </a:rPr>
+              <a:t>. </a:t>
+            </a:r>
+            <a:r>
+              <a:rPr lang="et-EE" sz="4000" dirty="0" err="1" smtClean="0">
+                <a:latin typeface="+mn-lt"/>
+              </a:rPr>
+              <a:t>However</a:t>
+            </a:r>
+            <a:r>
+              <a:rPr lang="et-EE" sz="4000" dirty="0" smtClean="0">
+                <a:latin typeface="+mn-lt"/>
+              </a:rPr>
+              <a:t>, </a:t>
+            </a:r>
+            <a:r>
+              <a:rPr lang="et-EE" sz="4000" dirty="0" err="1" smtClean="0">
+                <a:latin typeface="+mn-lt"/>
+              </a:rPr>
+              <a:t>the</a:t>
+            </a:r>
+            <a:r>
+              <a:rPr lang="et-EE" sz="4000" dirty="0" smtClean="0">
+                <a:latin typeface="+mn-lt"/>
+              </a:rPr>
+              <a:t> </a:t>
+            </a:r>
+            <a:r>
+              <a:rPr lang="et-EE" sz="4000" dirty="0" err="1" smtClean="0">
+                <a:latin typeface="+mn-lt"/>
+              </a:rPr>
+              <a:t>large</a:t>
+            </a:r>
+            <a:r>
+              <a:rPr lang="et-EE" sz="4000" dirty="0" smtClean="0">
+                <a:latin typeface="+mn-lt"/>
+              </a:rPr>
+              <a:t> </a:t>
+            </a:r>
+            <a:r>
+              <a:rPr lang="et-EE" sz="4000" dirty="0" err="1" smtClean="0">
+                <a:latin typeface="+mn-lt"/>
+              </a:rPr>
+              <a:t>dataset</a:t>
+            </a:r>
+            <a:r>
+              <a:rPr lang="et-EE" sz="4000" dirty="0" smtClean="0">
+                <a:latin typeface="+mn-lt"/>
+              </a:rPr>
+              <a:t> </a:t>
+            </a:r>
+            <a:r>
+              <a:rPr lang="et-EE" sz="4000" dirty="0" err="1" smtClean="0">
+                <a:latin typeface="+mn-lt"/>
+              </a:rPr>
+              <a:t>had</a:t>
+            </a:r>
+            <a:r>
+              <a:rPr lang="et-EE" sz="4000" dirty="0" smtClean="0">
+                <a:latin typeface="+mn-lt"/>
+              </a:rPr>
+              <a:t> </a:t>
+            </a:r>
+            <a:r>
+              <a:rPr lang="et-EE" sz="4000" dirty="0" err="1" smtClean="0">
+                <a:latin typeface="+mn-lt"/>
+              </a:rPr>
+              <a:t>some</a:t>
+            </a:r>
+            <a:r>
+              <a:rPr lang="et-EE" sz="4000" dirty="0" smtClean="0">
+                <a:latin typeface="+mn-lt"/>
+              </a:rPr>
+              <a:t> </a:t>
+            </a:r>
+            <a:r>
+              <a:rPr lang="et-EE" sz="4000" dirty="0" err="1" smtClean="0">
+                <a:latin typeface="+mn-lt"/>
+              </a:rPr>
+              <a:t>duplicate</a:t>
+            </a:r>
+            <a:r>
+              <a:rPr lang="et-EE" sz="4000" dirty="0" smtClean="0">
+                <a:latin typeface="+mn-lt"/>
+              </a:rPr>
+              <a:t> </a:t>
+            </a:r>
+            <a:r>
+              <a:rPr lang="et-EE" sz="4000" dirty="0" err="1" smtClean="0">
+                <a:latin typeface="+mn-lt"/>
+              </a:rPr>
+              <a:t>rows</a:t>
+            </a:r>
+            <a:r>
+              <a:rPr lang="et-EE" sz="4000" dirty="0" smtClean="0">
+                <a:latin typeface="+mn-lt"/>
+              </a:rPr>
+              <a:t>, so </a:t>
+            </a:r>
+            <a:r>
+              <a:rPr lang="et-EE" sz="4000" dirty="0" err="1" smtClean="0">
+                <a:latin typeface="+mn-lt"/>
+              </a:rPr>
+              <a:t>we</a:t>
+            </a:r>
+            <a:r>
+              <a:rPr lang="et-EE" sz="4000" dirty="0" smtClean="0">
+                <a:latin typeface="+mn-lt"/>
+              </a:rPr>
+              <a:t> </a:t>
+            </a:r>
+            <a:r>
+              <a:rPr lang="et-EE" sz="4000" dirty="0" err="1" smtClean="0">
+                <a:latin typeface="+mn-lt"/>
+              </a:rPr>
+              <a:t>had</a:t>
+            </a:r>
+            <a:r>
+              <a:rPr lang="et-EE" sz="4000" dirty="0" smtClean="0">
+                <a:latin typeface="+mn-lt"/>
+              </a:rPr>
+              <a:t> </a:t>
+            </a:r>
+            <a:r>
+              <a:rPr lang="et-EE" sz="4000" dirty="0" err="1" smtClean="0">
+                <a:latin typeface="+mn-lt"/>
+              </a:rPr>
+              <a:t>to</a:t>
+            </a:r>
+            <a:r>
+              <a:rPr lang="et-EE" sz="4000" dirty="0" smtClean="0">
+                <a:latin typeface="+mn-lt"/>
+              </a:rPr>
+              <a:t> </a:t>
+            </a:r>
+            <a:r>
+              <a:rPr lang="et-EE" sz="4000" dirty="0" err="1" smtClean="0">
+                <a:latin typeface="+mn-lt"/>
+              </a:rPr>
+              <a:t>remove</a:t>
+            </a:r>
+            <a:r>
+              <a:rPr lang="et-EE" sz="4000" dirty="0" smtClean="0">
+                <a:latin typeface="+mn-lt"/>
+              </a:rPr>
+              <a:t> </a:t>
+            </a:r>
+            <a:r>
+              <a:rPr lang="et-EE" sz="4000" dirty="0" err="1" smtClean="0">
+                <a:latin typeface="+mn-lt"/>
+              </a:rPr>
+              <a:t>them</a:t>
+            </a:r>
+            <a:r>
+              <a:rPr lang="et-EE" sz="4000" dirty="0" smtClean="0">
+                <a:latin typeface="+mn-lt"/>
+              </a:rPr>
+              <a:t>.</a:t>
+            </a:r>
+          </a:p>
+          <a:p>
+            <a:pPr algn="just" eaLnBrk="1" hangingPunct="1"/>
+            <a:r>
+              <a:rPr lang="et-EE" sz="4000" dirty="0" err="1" smtClean="0">
+                <a:latin typeface="+mn-lt"/>
+              </a:rPr>
+              <a:t>Although</a:t>
+            </a:r>
+            <a:r>
+              <a:rPr lang="et-EE" sz="4000" dirty="0" smtClean="0">
+                <a:latin typeface="+mn-lt"/>
+              </a:rPr>
+              <a:t> </a:t>
+            </a:r>
+            <a:r>
+              <a:rPr lang="et-EE" sz="4000" dirty="0" err="1" smtClean="0">
+                <a:latin typeface="+mn-lt"/>
+              </a:rPr>
+              <a:t>the</a:t>
+            </a:r>
+            <a:r>
+              <a:rPr lang="et-EE" sz="4000" dirty="0" smtClean="0">
+                <a:latin typeface="+mn-lt"/>
+              </a:rPr>
+              <a:t> </a:t>
+            </a:r>
+            <a:r>
+              <a:rPr lang="et-EE" sz="4000" dirty="0" err="1" smtClean="0">
+                <a:latin typeface="+mn-lt"/>
+              </a:rPr>
+              <a:t>attributes</a:t>
+            </a:r>
+            <a:r>
+              <a:rPr lang="et-EE" sz="4000" dirty="0" smtClean="0">
+                <a:latin typeface="+mn-lt"/>
+              </a:rPr>
+              <a:t> in </a:t>
+            </a:r>
+            <a:r>
+              <a:rPr lang="et-EE" sz="4000" dirty="0" err="1" smtClean="0">
+                <a:latin typeface="+mn-lt"/>
+              </a:rPr>
+              <a:t>the</a:t>
+            </a:r>
+            <a:r>
+              <a:rPr lang="et-EE" sz="4000" dirty="0" smtClean="0">
+                <a:latin typeface="+mn-lt"/>
+              </a:rPr>
+              <a:t> </a:t>
+            </a:r>
+            <a:r>
+              <a:rPr lang="et-EE" sz="4000" dirty="0" err="1" smtClean="0">
+                <a:latin typeface="+mn-lt"/>
+              </a:rPr>
+              <a:t>different</a:t>
+            </a:r>
+            <a:r>
+              <a:rPr lang="et-EE" sz="4000" dirty="0" smtClean="0">
+                <a:latin typeface="+mn-lt"/>
+              </a:rPr>
+              <a:t> </a:t>
+            </a:r>
+            <a:r>
+              <a:rPr lang="et-EE" sz="4000" dirty="0" err="1" smtClean="0">
+                <a:latin typeface="+mn-lt"/>
+              </a:rPr>
+              <a:t>datasets</a:t>
+            </a:r>
+            <a:r>
+              <a:rPr lang="et-EE" sz="4000" dirty="0" smtClean="0">
+                <a:latin typeface="+mn-lt"/>
+              </a:rPr>
+              <a:t> </a:t>
+            </a:r>
+            <a:r>
+              <a:rPr lang="et-EE" sz="4000" dirty="0" err="1" smtClean="0">
+                <a:latin typeface="+mn-lt"/>
+              </a:rPr>
+              <a:t>were</a:t>
+            </a:r>
+            <a:r>
+              <a:rPr lang="et-EE" sz="4000" dirty="0" smtClean="0">
+                <a:latin typeface="+mn-lt"/>
+              </a:rPr>
+              <a:t> </a:t>
+            </a:r>
+            <a:r>
+              <a:rPr lang="et-EE" sz="4000" dirty="0" err="1" smtClean="0">
+                <a:latin typeface="+mn-lt"/>
+              </a:rPr>
+              <a:t>the</a:t>
+            </a:r>
+            <a:r>
+              <a:rPr lang="et-EE" sz="4000" dirty="0" smtClean="0">
+                <a:latin typeface="+mn-lt"/>
+              </a:rPr>
+              <a:t> </a:t>
+            </a:r>
+            <a:r>
+              <a:rPr lang="et-EE" sz="4000" dirty="0" err="1" smtClean="0">
+                <a:latin typeface="+mn-lt"/>
+              </a:rPr>
+              <a:t>same</a:t>
+            </a:r>
+            <a:r>
+              <a:rPr lang="et-EE" sz="4000" dirty="0" smtClean="0">
+                <a:latin typeface="+mn-lt"/>
+              </a:rPr>
+              <a:t>, </a:t>
+            </a:r>
+            <a:r>
+              <a:rPr lang="et-EE" sz="4000" dirty="0" err="1" smtClean="0">
+                <a:latin typeface="+mn-lt"/>
+              </a:rPr>
+              <a:t>there</a:t>
+            </a:r>
+            <a:r>
+              <a:rPr lang="et-EE" sz="4000" dirty="0" smtClean="0">
+                <a:latin typeface="+mn-lt"/>
+              </a:rPr>
+              <a:t> </a:t>
+            </a:r>
+            <a:r>
+              <a:rPr lang="et-EE" sz="4000" dirty="0" err="1" smtClean="0">
+                <a:latin typeface="+mn-lt"/>
+              </a:rPr>
+              <a:t>were</a:t>
+            </a:r>
+            <a:r>
+              <a:rPr lang="et-EE" sz="4000" dirty="0" smtClean="0">
+                <a:latin typeface="+mn-lt"/>
+              </a:rPr>
+              <a:t> </a:t>
+            </a:r>
+            <a:r>
+              <a:rPr lang="et-EE" sz="4000" dirty="0" err="1" smtClean="0">
+                <a:latin typeface="+mn-lt"/>
+              </a:rPr>
+              <a:t>some</a:t>
+            </a:r>
+            <a:r>
+              <a:rPr lang="et-EE" sz="4000" dirty="0" smtClean="0">
+                <a:latin typeface="+mn-lt"/>
+              </a:rPr>
+              <a:t> </a:t>
+            </a:r>
+            <a:r>
+              <a:rPr lang="et-EE" sz="4000" dirty="0" err="1" smtClean="0">
+                <a:latin typeface="+mn-lt"/>
+              </a:rPr>
+              <a:t>that</a:t>
+            </a:r>
+            <a:r>
+              <a:rPr lang="et-EE" sz="4000" dirty="0" smtClean="0">
+                <a:latin typeface="+mn-lt"/>
+              </a:rPr>
+              <a:t> </a:t>
+            </a:r>
+            <a:r>
+              <a:rPr lang="et-EE" sz="4000" dirty="0" err="1" smtClean="0">
+                <a:latin typeface="+mn-lt"/>
+              </a:rPr>
+              <a:t>were</a:t>
+            </a:r>
+            <a:r>
+              <a:rPr lang="et-EE" sz="4000" dirty="0" smtClean="0">
+                <a:latin typeface="+mn-lt"/>
+              </a:rPr>
+              <a:t> </a:t>
+            </a:r>
+            <a:r>
+              <a:rPr lang="et-EE" sz="4000" dirty="0" err="1" smtClean="0">
+                <a:latin typeface="+mn-lt"/>
+              </a:rPr>
+              <a:t>named</a:t>
+            </a:r>
+            <a:r>
+              <a:rPr lang="et-EE" sz="4000" dirty="0" smtClean="0">
+                <a:latin typeface="+mn-lt"/>
+              </a:rPr>
+              <a:t> </a:t>
+            </a:r>
+            <a:r>
+              <a:rPr lang="et-EE" sz="4000" dirty="0" err="1" smtClean="0">
+                <a:latin typeface="+mn-lt"/>
+              </a:rPr>
+              <a:t>slightly</a:t>
+            </a:r>
+            <a:r>
+              <a:rPr lang="et-EE" sz="4000" dirty="0" smtClean="0">
+                <a:latin typeface="+mn-lt"/>
+              </a:rPr>
+              <a:t> </a:t>
+            </a:r>
+            <a:r>
+              <a:rPr lang="et-EE" sz="4000" dirty="0" err="1" smtClean="0">
+                <a:latin typeface="+mn-lt"/>
+              </a:rPr>
+              <a:t>differently</a:t>
+            </a:r>
+            <a:r>
+              <a:rPr lang="et-EE" sz="4000" dirty="0" smtClean="0">
+                <a:latin typeface="+mn-lt"/>
+              </a:rPr>
+              <a:t>, so </a:t>
+            </a:r>
+            <a:r>
+              <a:rPr lang="et-EE" sz="4000" dirty="0" err="1" smtClean="0">
+                <a:latin typeface="+mn-lt"/>
+              </a:rPr>
+              <a:t>we</a:t>
+            </a:r>
+            <a:r>
+              <a:rPr lang="et-EE" sz="4000" dirty="0" smtClean="0">
+                <a:latin typeface="+mn-lt"/>
+              </a:rPr>
+              <a:t> </a:t>
+            </a:r>
+            <a:r>
+              <a:rPr lang="et-EE" sz="4000" dirty="0" err="1" smtClean="0">
+                <a:latin typeface="+mn-lt"/>
+              </a:rPr>
+              <a:t>had</a:t>
+            </a:r>
+            <a:r>
+              <a:rPr lang="et-EE" sz="4000" dirty="0" smtClean="0">
+                <a:latin typeface="+mn-lt"/>
+              </a:rPr>
+              <a:t> </a:t>
+            </a:r>
+            <a:r>
+              <a:rPr lang="et-EE" sz="4000" dirty="0" err="1" smtClean="0">
+                <a:latin typeface="+mn-lt"/>
+              </a:rPr>
+              <a:t>to</a:t>
+            </a:r>
+            <a:r>
+              <a:rPr lang="et-EE" sz="4000" dirty="0" smtClean="0">
+                <a:latin typeface="+mn-lt"/>
+              </a:rPr>
+              <a:t> take </a:t>
+            </a:r>
+            <a:r>
+              <a:rPr lang="et-EE" sz="4000" dirty="0" err="1" smtClean="0">
+                <a:latin typeface="+mn-lt"/>
+              </a:rPr>
+              <a:t>that</a:t>
+            </a:r>
+            <a:r>
+              <a:rPr lang="et-EE" sz="4000" dirty="0" smtClean="0">
+                <a:latin typeface="+mn-lt"/>
+              </a:rPr>
+              <a:t> </a:t>
+            </a:r>
+            <a:r>
+              <a:rPr lang="et-EE" sz="4000" dirty="0" err="1" smtClean="0">
+                <a:latin typeface="+mn-lt"/>
+              </a:rPr>
+              <a:t>into</a:t>
+            </a:r>
+            <a:r>
+              <a:rPr lang="et-EE" sz="4000" dirty="0" smtClean="0">
+                <a:latin typeface="+mn-lt"/>
+              </a:rPr>
+              <a:t> </a:t>
+            </a:r>
+            <a:r>
+              <a:rPr lang="et-EE" sz="4000" dirty="0" err="1" smtClean="0">
+                <a:latin typeface="+mn-lt"/>
+              </a:rPr>
+              <a:t>consideration</a:t>
+            </a:r>
+            <a:r>
+              <a:rPr lang="et-EE" sz="4000" dirty="0" smtClean="0">
+                <a:latin typeface="+mn-lt"/>
+              </a:rPr>
+              <a:t>.</a:t>
+            </a:r>
+          </a:p>
+          <a:p>
+            <a:pPr algn="just" eaLnBrk="1" hangingPunct="1"/>
+            <a:r>
+              <a:rPr lang="et-EE" sz="4000" dirty="0" err="1" smtClean="0">
+                <a:latin typeface="+mn-lt"/>
+              </a:rPr>
+              <a:t>We</a:t>
+            </a:r>
+            <a:r>
+              <a:rPr lang="et-EE" sz="4000" dirty="0" smtClean="0">
+                <a:latin typeface="+mn-lt"/>
+              </a:rPr>
+              <a:t> </a:t>
+            </a:r>
+            <a:r>
+              <a:rPr lang="et-EE" sz="4000" dirty="0" err="1" smtClean="0">
+                <a:latin typeface="+mn-lt"/>
+              </a:rPr>
+              <a:t>also</a:t>
+            </a:r>
+            <a:r>
+              <a:rPr lang="et-EE" sz="4000" dirty="0" smtClean="0">
+                <a:latin typeface="+mn-lt"/>
+              </a:rPr>
+              <a:t> </a:t>
+            </a:r>
+            <a:r>
+              <a:rPr lang="et-EE" sz="4000" dirty="0" err="1" smtClean="0">
+                <a:latin typeface="+mn-lt"/>
+              </a:rPr>
+              <a:t>noticed</a:t>
+            </a:r>
+            <a:r>
+              <a:rPr lang="et-EE" sz="4000" dirty="0" smtClean="0">
+                <a:latin typeface="+mn-lt"/>
+              </a:rPr>
+              <a:t>, </a:t>
+            </a:r>
+            <a:r>
+              <a:rPr lang="et-EE" sz="4000" dirty="0" err="1" smtClean="0">
+                <a:latin typeface="+mn-lt"/>
+              </a:rPr>
+              <a:t>that</a:t>
+            </a:r>
+            <a:r>
+              <a:rPr lang="et-EE" sz="4000" dirty="0" smtClean="0">
+                <a:latin typeface="+mn-lt"/>
+              </a:rPr>
+              <a:t> </a:t>
+            </a:r>
+            <a:r>
+              <a:rPr lang="et-EE" sz="4000" dirty="0" err="1" smtClean="0">
+                <a:latin typeface="+mn-lt"/>
+              </a:rPr>
+              <a:t>the</a:t>
+            </a:r>
+            <a:r>
+              <a:rPr lang="et-EE" sz="4000" dirty="0" smtClean="0">
+                <a:latin typeface="+mn-lt"/>
+              </a:rPr>
+              <a:t> </a:t>
+            </a:r>
+            <a:r>
+              <a:rPr lang="et-EE" sz="4000" dirty="0" err="1" smtClean="0">
+                <a:latin typeface="+mn-lt"/>
+              </a:rPr>
+              <a:t>best</a:t>
+            </a:r>
+            <a:r>
+              <a:rPr lang="et-EE" sz="4000" dirty="0" smtClean="0">
+                <a:latin typeface="+mn-lt"/>
+              </a:rPr>
+              <a:t> </a:t>
+            </a:r>
+            <a:r>
+              <a:rPr lang="et-EE" sz="4000" dirty="0" err="1" smtClean="0">
+                <a:latin typeface="+mn-lt"/>
+              </a:rPr>
+              <a:t>results</a:t>
+            </a:r>
+            <a:r>
+              <a:rPr lang="et-EE" sz="4000" dirty="0" smtClean="0">
+                <a:latin typeface="+mn-lt"/>
+              </a:rPr>
+              <a:t> </a:t>
+            </a:r>
+            <a:r>
+              <a:rPr lang="et-EE" sz="4000" dirty="0" err="1" smtClean="0">
+                <a:latin typeface="+mn-lt"/>
+              </a:rPr>
+              <a:t>were</a:t>
+            </a:r>
+            <a:r>
+              <a:rPr lang="et-EE" sz="4000" dirty="0" smtClean="0">
+                <a:latin typeface="+mn-lt"/>
+              </a:rPr>
+              <a:t> </a:t>
+            </a:r>
+            <a:r>
+              <a:rPr lang="et-EE" sz="4000" dirty="0" err="1" smtClean="0">
+                <a:latin typeface="+mn-lt"/>
+              </a:rPr>
+              <a:t>obtained</a:t>
+            </a:r>
+            <a:r>
+              <a:rPr lang="et-EE" sz="4000" dirty="0" smtClean="0">
+                <a:latin typeface="+mn-lt"/>
+              </a:rPr>
+              <a:t>, </a:t>
+            </a:r>
+            <a:r>
+              <a:rPr lang="et-EE" sz="4000" dirty="0" err="1" smtClean="0">
+                <a:latin typeface="+mn-lt"/>
+              </a:rPr>
+              <a:t>when</a:t>
+            </a:r>
+            <a:r>
+              <a:rPr lang="et-EE" sz="4000" dirty="0" smtClean="0">
+                <a:latin typeface="+mn-lt"/>
+              </a:rPr>
+              <a:t> </a:t>
+            </a:r>
+            <a:r>
+              <a:rPr lang="et-EE" sz="4000" dirty="0" err="1" smtClean="0">
+                <a:latin typeface="+mn-lt"/>
+              </a:rPr>
+              <a:t>we</a:t>
+            </a:r>
+            <a:r>
+              <a:rPr lang="et-EE" sz="4000" dirty="0" smtClean="0">
+                <a:latin typeface="+mn-lt"/>
+              </a:rPr>
+              <a:t> </a:t>
+            </a:r>
+            <a:r>
+              <a:rPr lang="et-EE" sz="4000" dirty="0" err="1" smtClean="0">
+                <a:latin typeface="+mn-lt"/>
+              </a:rPr>
+              <a:t>only</a:t>
+            </a:r>
+            <a:r>
+              <a:rPr lang="et-EE" sz="4000" dirty="0" smtClean="0">
+                <a:latin typeface="+mn-lt"/>
+              </a:rPr>
+              <a:t> </a:t>
+            </a:r>
+            <a:r>
+              <a:rPr lang="et-EE" sz="4000" dirty="0" err="1" smtClean="0">
+                <a:latin typeface="+mn-lt"/>
+              </a:rPr>
+              <a:t>used</a:t>
+            </a:r>
+            <a:r>
+              <a:rPr lang="et-EE" sz="4000" dirty="0" smtClean="0">
+                <a:latin typeface="+mn-lt"/>
+              </a:rPr>
+              <a:t> </a:t>
+            </a:r>
+            <a:r>
+              <a:rPr lang="et-EE" sz="4000" dirty="0" err="1" smtClean="0">
+                <a:latin typeface="+mn-lt"/>
+              </a:rPr>
+              <a:t>songs</a:t>
+            </a:r>
+            <a:r>
+              <a:rPr lang="et-EE" sz="4000" dirty="0" smtClean="0">
+                <a:latin typeface="+mn-lt"/>
+              </a:rPr>
+              <a:t> </a:t>
+            </a:r>
+            <a:r>
+              <a:rPr lang="et-EE" sz="4000" dirty="0" err="1" smtClean="0">
+                <a:latin typeface="+mn-lt"/>
+              </a:rPr>
+              <a:t>with</a:t>
+            </a:r>
+            <a:r>
+              <a:rPr lang="et-EE" sz="4000" dirty="0" smtClean="0">
+                <a:latin typeface="+mn-lt"/>
+              </a:rPr>
+              <a:t> </a:t>
+            </a:r>
+            <a:r>
+              <a:rPr lang="et-EE" sz="4000" dirty="0" err="1" smtClean="0">
+                <a:latin typeface="+mn-lt"/>
+              </a:rPr>
+              <a:t>popularity</a:t>
+            </a:r>
+            <a:r>
+              <a:rPr lang="et-EE" sz="4000" dirty="0" smtClean="0">
+                <a:latin typeface="+mn-lt"/>
+              </a:rPr>
+              <a:t> </a:t>
+            </a:r>
+            <a:r>
+              <a:rPr lang="et-EE" sz="4000" dirty="0" err="1" smtClean="0">
+                <a:latin typeface="+mn-lt"/>
+              </a:rPr>
+              <a:t>over</a:t>
+            </a:r>
+            <a:r>
+              <a:rPr lang="et-EE" sz="4000" dirty="0" smtClean="0">
+                <a:latin typeface="+mn-lt"/>
+              </a:rPr>
+              <a:t> 60 </a:t>
+            </a:r>
+            <a:r>
+              <a:rPr lang="et-EE" sz="4000" dirty="0" err="1" smtClean="0">
+                <a:latin typeface="+mn-lt"/>
+              </a:rPr>
+              <a:t>for</a:t>
+            </a:r>
+            <a:r>
+              <a:rPr lang="et-EE" sz="4000" dirty="0" smtClean="0">
+                <a:latin typeface="+mn-lt"/>
+              </a:rPr>
+              <a:t> </a:t>
+            </a:r>
+            <a:r>
+              <a:rPr lang="et-EE" sz="4000" dirty="0" err="1" smtClean="0">
+                <a:latin typeface="+mn-lt"/>
+              </a:rPr>
+              <a:t>popular</a:t>
+            </a:r>
+            <a:r>
+              <a:rPr lang="et-EE" sz="4000" dirty="0" smtClean="0">
+                <a:latin typeface="+mn-lt"/>
+              </a:rPr>
+              <a:t> and </a:t>
+            </a:r>
+            <a:r>
+              <a:rPr lang="et-EE" sz="4000" dirty="0" err="1" smtClean="0">
+                <a:latin typeface="+mn-lt"/>
+              </a:rPr>
+              <a:t>songs</a:t>
+            </a:r>
+            <a:r>
+              <a:rPr lang="et-EE" sz="4000" dirty="0" smtClean="0">
+                <a:latin typeface="+mn-lt"/>
+              </a:rPr>
+              <a:t> </a:t>
+            </a:r>
+            <a:r>
+              <a:rPr lang="et-EE" sz="4000" dirty="0" err="1" smtClean="0">
+                <a:latin typeface="+mn-lt"/>
+              </a:rPr>
+              <a:t>with</a:t>
+            </a:r>
+            <a:r>
+              <a:rPr lang="et-EE" sz="4000" dirty="0" smtClean="0">
+                <a:latin typeface="+mn-lt"/>
+              </a:rPr>
+              <a:t> </a:t>
+            </a:r>
+            <a:r>
+              <a:rPr lang="et-EE" sz="4000" dirty="0" err="1" smtClean="0">
+                <a:latin typeface="+mn-lt"/>
+              </a:rPr>
+              <a:t>popularity</a:t>
+            </a:r>
+            <a:r>
+              <a:rPr lang="et-EE" sz="4000" dirty="0" smtClean="0">
+                <a:latin typeface="+mn-lt"/>
+              </a:rPr>
+              <a:t> </a:t>
+            </a:r>
+            <a:r>
+              <a:rPr lang="et-EE" sz="4000" dirty="0" err="1" smtClean="0">
+                <a:latin typeface="+mn-lt"/>
+              </a:rPr>
+              <a:t>under</a:t>
+            </a:r>
+            <a:r>
+              <a:rPr lang="et-EE" sz="4000" dirty="0" smtClean="0">
+                <a:latin typeface="+mn-lt"/>
+              </a:rPr>
+              <a:t> 40 </a:t>
+            </a:r>
+            <a:r>
+              <a:rPr lang="et-EE" sz="4000" dirty="0" err="1" smtClean="0">
+                <a:latin typeface="+mn-lt"/>
+              </a:rPr>
+              <a:t>for</a:t>
+            </a:r>
+            <a:r>
+              <a:rPr lang="et-EE" sz="4000" dirty="0" smtClean="0">
+                <a:latin typeface="+mn-lt"/>
+              </a:rPr>
+              <a:t> non-</a:t>
+            </a:r>
+            <a:r>
+              <a:rPr lang="et-EE" sz="4000" dirty="0" err="1" smtClean="0">
+                <a:latin typeface="+mn-lt"/>
+              </a:rPr>
+              <a:t>popular</a:t>
+            </a:r>
+            <a:r>
+              <a:rPr lang="et-EE" sz="4000" dirty="0" smtClean="0">
+                <a:latin typeface="+mn-lt"/>
+              </a:rPr>
+              <a:t> </a:t>
+            </a:r>
+            <a:r>
+              <a:rPr lang="et-EE" sz="4000" dirty="0" err="1" smtClean="0">
+                <a:latin typeface="+mn-lt"/>
+              </a:rPr>
+              <a:t>songs</a:t>
+            </a:r>
+            <a:r>
+              <a:rPr lang="et-EE" sz="4000" dirty="0" smtClean="0">
+                <a:latin typeface="+mn-lt"/>
+              </a:rPr>
+              <a:t> </a:t>
+            </a:r>
+            <a:r>
+              <a:rPr lang="et-EE" sz="4000" dirty="0" err="1" smtClean="0">
+                <a:latin typeface="+mn-lt"/>
+              </a:rPr>
+              <a:t>for</a:t>
+            </a:r>
+            <a:r>
+              <a:rPr lang="et-EE" sz="4000" dirty="0" smtClean="0">
+                <a:latin typeface="+mn-lt"/>
+              </a:rPr>
+              <a:t> </a:t>
+            </a:r>
+            <a:r>
+              <a:rPr lang="et-EE" sz="4000" dirty="0" err="1" smtClean="0">
+                <a:latin typeface="+mn-lt"/>
+              </a:rPr>
+              <a:t>training</a:t>
+            </a:r>
+            <a:r>
+              <a:rPr lang="et-EE" sz="4000" dirty="0" smtClean="0">
+                <a:latin typeface="+mn-lt"/>
+              </a:rPr>
+              <a:t>, so </a:t>
+            </a:r>
+            <a:r>
+              <a:rPr lang="et-EE" sz="4000" dirty="0" err="1" smtClean="0">
+                <a:latin typeface="+mn-lt"/>
+              </a:rPr>
+              <a:t>we</a:t>
+            </a:r>
+            <a:r>
+              <a:rPr lang="et-EE" sz="4000" dirty="0" smtClean="0">
+                <a:latin typeface="+mn-lt"/>
+              </a:rPr>
+              <a:t> </a:t>
+            </a:r>
+            <a:r>
+              <a:rPr lang="et-EE" sz="4000" dirty="0" err="1" smtClean="0">
+                <a:latin typeface="+mn-lt"/>
+              </a:rPr>
+              <a:t>discarded</a:t>
+            </a:r>
+            <a:r>
+              <a:rPr lang="et-EE" sz="4000" dirty="0" smtClean="0">
+                <a:latin typeface="+mn-lt"/>
+              </a:rPr>
+              <a:t> </a:t>
+            </a:r>
+            <a:r>
+              <a:rPr lang="et-EE" sz="4000" dirty="0" err="1" smtClean="0">
+                <a:latin typeface="+mn-lt"/>
+              </a:rPr>
+              <a:t>those</a:t>
+            </a:r>
+            <a:r>
+              <a:rPr lang="et-EE" sz="4000" dirty="0" smtClean="0">
+                <a:latin typeface="+mn-lt"/>
+              </a:rPr>
+              <a:t> </a:t>
+            </a:r>
+            <a:r>
+              <a:rPr lang="et-EE" sz="4000" dirty="0" err="1" smtClean="0">
+                <a:latin typeface="+mn-lt"/>
+              </a:rPr>
+              <a:t>that</a:t>
+            </a:r>
+            <a:r>
+              <a:rPr lang="et-EE" sz="4000" dirty="0" smtClean="0">
+                <a:latin typeface="+mn-lt"/>
+              </a:rPr>
+              <a:t> </a:t>
+            </a:r>
+            <a:r>
+              <a:rPr lang="et-EE" sz="4000" dirty="0" err="1" smtClean="0">
+                <a:latin typeface="+mn-lt"/>
+              </a:rPr>
+              <a:t>were</a:t>
+            </a:r>
+            <a:r>
+              <a:rPr lang="et-EE" sz="4000" dirty="0" smtClean="0">
+                <a:latin typeface="+mn-lt"/>
+              </a:rPr>
+              <a:t> </a:t>
+            </a:r>
+            <a:r>
+              <a:rPr lang="et-EE" sz="4000" dirty="0" err="1" smtClean="0">
+                <a:latin typeface="+mn-lt"/>
+              </a:rPr>
+              <a:t>inbetween</a:t>
+            </a:r>
+            <a:r>
+              <a:rPr lang="et-EE" sz="4000" dirty="0" smtClean="0">
+                <a:latin typeface="+mn-lt"/>
+              </a:rPr>
+              <a:t>.</a:t>
+            </a:r>
             <a:endParaRPr lang="et-EE" sz="4000" dirty="0">
               <a:latin typeface="+mn-lt"/>
             </a:endParaRPr>
@@ -4153,9 +6326,7 @@
             <a:avLst/>
           </a:prstGeom>
           <a:solidFill>
-            <a:schemeClr val="accent1">
-              <a:lumMod val="75000"/>
-            </a:schemeClr>
+            <a:srgbClr val="F088E9"/>
           </a:solidFill>
         </p:spPr>
         <p:style>
@@ -4197,7 +6368,7 @@
         <p:spPr bwMode="auto">
           <a:xfrm>
             <a:off x="20352119" y="25705044"/>
-            <a:ext cx="8780024" cy="9724398"/>
+            <a:ext cx="8780024" cy="8112675"/>
           </a:xfrm>
           <a:prstGeom prst="rect">
             <a:avLst/>
@@ -4316,6 +6487,522 @@
               </a:defRPr>
             </a:lvl9pPr>
           </a:lstStyle>
+          <a:p>
+            <a:pPr marL="571500" indent="-571500" algn="just" eaLnBrk="1" hangingPunct="1">
+              <a:buFont typeface="Arial" panose="020B0604020202020204" pitchFamily="34" charset="0"/>
+              <a:buChar char="•"/>
+            </a:pPr>
+            <a:r>
+              <a:rPr lang="et-EE" sz="4000" dirty="0" err="1" smtClean="0">
+                <a:latin typeface="+mn-lt"/>
+              </a:rPr>
+              <a:t>Comparing</a:t>
+            </a:r>
+            <a:r>
+              <a:rPr lang="et-EE" sz="4000" dirty="0" smtClean="0">
+                <a:latin typeface="+mn-lt"/>
+              </a:rPr>
+              <a:t> 2017 and 2018, </a:t>
+            </a:r>
+            <a:r>
+              <a:rPr lang="et-EE" sz="4000" dirty="0" err="1" smtClean="0">
+                <a:latin typeface="+mn-lt"/>
+              </a:rPr>
+              <a:t>it</a:t>
+            </a:r>
+            <a:r>
+              <a:rPr lang="et-EE" sz="4000" dirty="0" smtClean="0">
+                <a:latin typeface="+mn-lt"/>
+              </a:rPr>
+              <a:t> </a:t>
+            </a:r>
+            <a:r>
+              <a:rPr lang="et-EE" sz="4000" dirty="0" err="1" smtClean="0">
+                <a:latin typeface="+mn-lt"/>
+              </a:rPr>
+              <a:t>was</a:t>
+            </a:r>
+            <a:r>
+              <a:rPr lang="et-EE" sz="4000" dirty="0" smtClean="0">
+                <a:latin typeface="+mn-lt"/>
+              </a:rPr>
+              <a:t> </a:t>
+            </a:r>
+            <a:r>
+              <a:rPr lang="et-EE" sz="4000" dirty="0" err="1" smtClean="0">
+                <a:latin typeface="+mn-lt"/>
+              </a:rPr>
+              <a:t>clear</a:t>
+            </a:r>
+            <a:r>
+              <a:rPr lang="et-EE" sz="4000" dirty="0" smtClean="0">
+                <a:latin typeface="+mn-lt"/>
+              </a:rPr>
+              <a:t>, </a:t>
+            </a:r>
+            <a:r>
+              <a:rPr lang="et-EE" sz="4000" dirty="0" err="1" smtClean="0">
+                <a:latin typeface="+mn-lt"/>
+              </a:rPr>
+              <a:t>that</a:t>
+            </a:r>
+            <a:r>
+              <a:rPr lang="et-EE" sz="4000" dirty="0" smtClean="0">
+                <a:latin typeface="+mn-lt"/>
+              </a:rPr>
+              <a:t> </a:t>
+            </a:r>
+            <a:r>
+              <a:rPr lang="et-EE" sz="4000" dirty="0" err="1" smtClean="0">
+                <a:latin typeface="+mn-lt"/>
+              </a:rPr>
+              <a:t>the</a:t>
+            </a:r>
+            <a:r>
+              <a:rPr lang="et-EE" sz="4000" dirty="0" smtClean="0">
+                <a:latin typeface="+mn-lt"/>
+              </a:rPr>
+              <a:t> </a:t>
+            </a:r>
+            <a:r>
+              <a:rPr lang="et-EE" sz="4000" dirty="0" err="1" smtClean="0">
+                <a:latin typeface="+mn-lt"/>
+              </a:rPr>
+              <a:t>differences</a:t>
+            </a:r>
+            <a:r>
+              <a:rPr lang="et-EE" sz="4000" dirty="0" smtClean="0">
+                <a:latin typeface="+mn-lt"/>
+              </a:rPr>
+              <a:t> in </a:t>
+            </a:r>
+            <a:r>
+              <a:rPr lang="et-EE" sz="4000" dirty="0" err="1" smtClean="0">
+                <a:latin typeface="+mn-lt"/>
+              </a:rPr>
+              <a:t>attributes</a:t>
+            </a:r>
+            <a:r>
+              <a:rPr lang="et-EE" sz="4000" dirty="0" smtClean="0">
+                <a:latin typeface="+mn-lt"/>
+              </a:rPr>
+              <a:t> </a:t>
+            </a:r>
+            <a:r>
+              <a:rPr lang="et-EE" sz="4000" dirty="0" err="1" smtClean="0">
+                <a:latin typeface="+mn-lt"/>
+              </a:rPr>
+              <a:t>weren’t</a:t>
+            </a:r>
+            <a:r>
+              <a:rPr lang="et-EE" sz="4000" dirty="0" smtClean="0">
+                <a:latin typeface="+mn-lt"/>
+              </a:rPr>
+              <a:t> </a:t>
+            </a:r>
+            <a:r>
+              <a:rPr lang="et-EE" sz="4000" dirty="0" err="1" smtClean="0">
+                <a:latin typeface="+mn-lt"/>
+              </a:rPr>
+              <a:t>very</a:t>
+            </a:r>
+            <a:r>
+              <a:rPr lang="et-EE" sz="4000" dirty="0" smtClean="0">
+                <a:latin typeface="+mn-lt"/>
+              </a:rPr>
+              <a:t> </a:t>
+            </a:r>
+            <a:r>
+              <a:rPr lang="et-EE" sz="4000" dirty="0" err="1" smtClean="0">
+                <a:latin typeface="+mn-lt"/>
+              </a:rPr>
+              <a:t>large</a:t>
+            </a:r>
+            <a:endParaRPr lang="et-EE" sz="4000" dirty="0" smtClean="0">
+              <a:latin typeface="+mn-lt"/>
+            </a:endParaRPr>
+          </a:p>
+          <a:p>
+            <a:pPr marL="571500" indent="-571500" algn="just" eaLnBrk="1" hangingPunct="1">
+              <a:buFont typeface="Arial" panose="020B0604020202020204" pitchFamily="34" charset="0"/>
+              <a:buChar char="•"/>
+            </a:pPr>
+            <a:r>
+              <a:rPr lang="et-EE" sz="4000" dirty="0" err="1" smtClean="0">
+                <a:latin typeface="+mn-lt"/>
+              </a:rPr>
+              <a:t>For</a:t>
+            </a:r>
+            <a:r>
+              <a:rPr lang="et-EE" sz="4000" dirty="0" smtClean="0">
+                <a:latin typeface="+mn-lt"/>
+              </a:rPr>
+              <a:t> </a:t>
+            </a:r>
+            <a:r>
+              <a:rPr lang="et-EE" sz="4000" dirty="0" err="1" smtClean="0">
+                <a:latin typeface="+mn-lt"/>
+              </a:rPr>
+              <a:t>predicting</a:t>
+            </a:r>
+            <a:r>
+              <a:rPr lang="et-EE" sz="4000" dirty="0" smtClean="0">
+                <a:latin typeface="+mn-lt"/>
+              </a:rPr>
+              <a:t> </a:t>
+            </a:r>
+            <a:r>
+              <a:rPr lang="et-EE" sz="4000" dirty="0" err="1" smtClean="0">
+                <a:latin typeface="+mn-lt"/>
+              </a:rPr>
+              <a:t>classes</a:t>
+            </a:r>
+            <a:r>
+              <a:rPr lang="et-EE" sz="4000" dirty="0" smtClean="0">
+                <a:latin typeface="+mn-lt"/>
+              </a:rPr>
+              <a:t>, </a:t>
+            </a:r>
+            <a:r>
+              <a:rPr lang="et-EE" sz="4000" dirty="0" err="1" smtClean="0">
+                <a:latin typeface="+mn-lt"/>
+              </a:rPr>
+              <a:t>it</a:t>
+            </a:r>
+            <a:r>
+              <a:rPr lang="et-EE" sz="4000" dirty="0" smtClean="0">
+                <a:latin typeface="+mn-lt"/>
+              </a:rPr>
+              <a:t> </a:t>
+            </a:r>
+            <a:r>
+              <a:rPr lang="et-EE" sz="4000" dirty="0" err="1" smtClean="0">
+                <a:latin typeface="+mn-lt"/>
+              </a:rPr>
+              <a:t>was</a:t>
+            </a:r>
+            <a:r>
+              <a:rPr lang="et-EE" sz="4000" dirty="0" smtClean="0">
+                <a:latin typeface="+mn-lt"/>
+              </a:rPr>
+              <a:t> </a:t>
+            </a:r>
+            <a:r>
+              <a:rPr lang="et-EE" sz="4000" dirty="0" err="1" smtClean="0">
+                <a:latin typeface="+mn-lt"/>
+              </a:rPr>
+              <a:t>best</a:t>
+            </a:r>
+            <a:r>
+              <a:rPr lang="et-EE" sz="4000" dirty="0" smtClean="0">
+                <a:latin typeface="+mn-lt"/>
+              </a:rPr>
+              <a:t> </a:t>
+            </a:r>
+            <a:r>
+              <a:rPr lang="et-EE" sz="4000" dirty="0" err="1" smtClean="0">
+                <a:latin typeface="+mn-lt"/>
+              </a:rPr>
+              <a:t>to</a:t>
+            </a:r>
+            <a:r>
+              <a:rPr lang="et-EE" sz="4000" dirty="0" smtClean="0">
+                <a:latin typeface="+mn-lt"/>
+              </a:rPr>
+              <a:t> </a:t>
+            </a:r>
+            <a:r>
+              <a:rPr lang="et-EE" sz="4000" dirty="0" err="1" smtClean="0">
+                <a:latin typeface="+mn-lt"/>
+              </a:rPr>
+              <a:t>remove</a:t>
+            </a:r>
+            <a:r>
+              <a:rPr lang="et-EE" sz="4000" dirty="0">
+                <a:latin typeface="+mn-lt"/>
+              </a:rPr>
+              <a:t> </a:t>
+            </a:r>
+            <a:r>
+              <a:rPr lang="et-EE" sz="4000" dirty="0" err="1" smtClean="0">
+                <a:latin typeface="+mn-lt"/>
+              </a:rPr>
+              <a:t>songs</a:t>
+            </a:r>
+            <a:r>
+              <a:rPr lang="et-EE" sz="4000" dirty="0" smtClean="0">
+                <a:latin typeface="+mn-lt"/>
+              </a:rPr>
+              <a:t> </a:t>
+            </a:r>
+            <a:r>
+              <a:rPr lang="et-EE" sz="4000" dirty="0" err="1" smtClean="0">
+                <a:latin typeface="+mn-lt"/>
+              </a:rPr>
+              <a:t>that</a:t>
+            </a:r>
+            <a:r>
+              <a:rPr lang="et-EE" sz="4000" dirty="0" smtClean="0">
+                <a:latin typeface="+mn-lt"/>
+              </a:rPr>
+              <a:t> </a:t>
+            </a:r>
+            <a:r>
+              <a:rPr lang="et-EE" sz="4000" dirty="0" err="1" smtClean="0">
+                <a:latin typeface="+mn-lt"/>
+              </a:rPr>
+              <a:t>had</a:t>
+            </a:r>
+            <a:r>
+              <a:rPr lang="et-EE" sz="4000" dirty="0" smtClean="0">
+                <a:latin typeface="+mn-lt"/>
+              </a:rPr>
+              <a:t> </a:t>
+            </a:r>
+            <a:r>
+              <a:rPr lang="et-EE" sz="4000" dirty="0" err="1" smtClean="0">
+                <a:latin typeface="+mn-lt"/>
+              </a:rPr>
+              <a:t>popularity</a:t>
+            </a:r>
+            <a:r>
+              <a:rPr lang="et-EE" sz="4000" dirty="0" smtClean="0">
+                <a:latin typeface="+mn-lt"/>
+              </a:rPr>
+              <a:t> </a:t>
+            </a:r>
+            <a:r>
+              <a:rPr lang="et-EE" sz="4000" dirty="0" err="1" smtClean="0">
+                <a:latin typeface="+mn-lt"/>
+              </a:rPr>
+              <a:t>somewhere</a:t>
+            </a:r>
+            <a:r>
+              <a:rPr lang="et-EE" sz="4000" dirty="0" smtClean="0">
+                <a:latin typeface="+mn-lt"/>
+              </a:rPr>
+              <a:t> in </a:t>
+            </a:r>
+            <a:r>
+              <a:rPr lang="et-EE" sz="4000" dirty="0" err="1" smtClean="0">
+                <a:latin typeface="+mn-lt"/>
+              </a:rPr>
+              <a:t>the</a:t>
+            </a:r>
+            <a:r>
+              <a:rPr lang="et-EE" sz="4000" dirty="0" smtClean="0">
+                <a:latin typeface="+mn-lt"/>
+              </a:rPr>
+              <a:t> </a:t>
+            </a:r>
+            <a:r>
+              <a:rPr lang="et-EE" sz="4000" dirty="0" err="1" smtClean="0">
+                <a:latin typeface="+mn-lt"/>
+              </a:rPr>
+              <a:t>middle</a:t>
+            </a:r>
+            <a:r>
+              <a:rPr lang="et-EE" sz="4000" dirty="0" smtClean="0">
+                <a:latin typeface="+mn-lt"/>
+              </a:rPr>
+              <a:t> (so 40-60 </a:t>
+            </a:r>
+            <a:r>
+              <a:rPr lang="et-EE" sz="4000" dirty="0" err="1" smtClean="0">
+                <a:latin typeface="+mn-lt"/>
+              </a:rPr>
+              <a:t>out</a:t>
+            </a:r>
+            <a:r>
+              <a:rPr lang="et-EE" sz="4000" dirty="0" smtClean="0">
+                <a:latin typeface="+mn-lt"/>
+              </a:rPr>
+              <a:t> of 100)</a:t>
+            </a:r>
+          </a:p>
+          <a:p>
+            <a:pPr marL="571500" indent="-571500" algn="just" eaLnBrk="1" hangingPunct="1">
+              <a:buFont typeface="Arial" panose="020B0604020202020204" pitchFamily="34" charset="0"/>
+              <a:buChar char="•"/>
+            </a:pPr>
+            <a:r>
+              <a:rPr lang="et-EE" sz="4000" dirty="0" err="1" smtClean="0">
+                <a:latin typeface="+mn-lt"/>
+              </a:rPr>
+              <a:t>The</a:t>
+            </a:r>
+            <a:r>
+              <a:rPr lang="et-EE" sz="4000" dirty="0" smtClean="0">
+                <a:latin typeface="+mn-lt"/>
+              </a:rPr>
+              <a:t> </a:t>
+            </a:r>
+            <a:r>
+              <a:rPr lang="et-EE" sz="4000" dirty="0" err="1" smtClean="0">
+                <a:latin typeface="+mn-lt"/>
+              </a:rPr>
+              <a:t>model</a:t>
+            </a:r>
+            <a:r>
+              <a:rPr lang="et-EE" sz="4000" dirty="0" smtClean="0">
+                <a:latin typeface="+mn-lt"/>
+              </a:rPr>
+              <a:t> </a:t>
+            </a:r>
+            <a:r>
+              <a:rPr lang="et-EE" sz="4000" dirty="0" err="1" smtClean="0">
+                <a:latin typeface="+mn-lt"/>
+              </a:rPr>
+              <a:t>that</a:t>
+            </a:r>
+            <a:r>
+              <a:rPr lang="et-EE" sz="4000" dirty="0" smtClean="0">
+                <a:latin typeface="+mn-lt"/>
+              </a:rPr>
+              <a:t> </a:t>
+            </a:r>
+            <a:r>
+              <a:rPr lang="et-EE" sz="4000" dirty="0" err="1" smtClean="0">
+                <a:latin typeface="+mn-lt"/>
+              </a:rPr>
+              <a:t>got</a:t>
+            </a:r>
+            <a:r>
+              <a:rPr lang="et-EE" sz="4000" dirty="0" smtClean="0">
+                <a:latin typeface="+mn-lt"/>
+              </a:rPr>
+              <a:t> </a:t>
+            </a:r>
+            <a:r>
+              <a:rPr lang="et-EE" sz="4000" dirty="0" err="1" smtClean="0">
+                <a:latin typeface="+mn-lt"/>
+              </a:rPr>
+              <a:t>the</a:t>
+            </a:r>
+            <a:r>
+              <a:rPr lang="et-EE" sz="4000" dirty="0" smtClean="0">
+                <a:latin typeface="+mn-lt"/>
+              </a:rPr>
+              <a:t> </a:t>
+            </a:r>
+            <a:r>
+              <a:rPr lang="et-EE" sz="4000" dirty="0" err="1" smtClean="0">
+                <a:latin typeface="+mn-lt"/>
+              </a:rPr>
+              <a:t>best</a:t>
+            </a:r>
+            <a:r>
+              <a:rPr lang="et-EE" sz="4000" dirty="0" smtClean="0">
+                <a:latin typeface="+mn-lt"/>
+              </a:rPr>
+              <a:t> </a:t>
+            </a:r>
+            <a:r>
+              <a:rPr lang="et-EE" sz="4000" dirty="0" err="1" smtClean="0">
+                <a:latin typeface="+mn-lt"/>
+              </a:rPr>
+              <a:t>results</a:t>
+            </a:r>
+            <a:r>
+              <a:rPr lang="et-EE" sz="4000" dirty="0" smtClean="0">
+                <a:latin typeface="+mn-lt"/>
+              </a:rPr>
+              <a:t> on all </a:t>
+            </a:r>
+            <a:r>
+              <a:rPr lang="et-EE" sz="4000" dirty="0" err="1" smtClean="0">
+                <a:latin typeface="+mn-lt"/>
+              </a:rPr>
+              <a:t>datasets</a:t>
+            </a:r>
+            <a:r>
+              <a:rPr lang="et-EE" sz="4000" dirty="0" smtClean="0">
+                <a:latin typeface="+mn-lt"/>
+              </a:rPr>
+              <a:t> </a:t>
+            </a:r>
+            <a:r>
+              <a:rPr lang="et-EE" sz="4000" dirty="0" err="1" smtClean="0">
+                <a:latin typeface="+mn-lt"/>
+              </a:rPr>
+              <a:t>that</a:t>
+            </a:r>
+            <a:r>
+              <a:rPr lang="et-EE" sz="4000" dirty="0" smtClean="0">
+                <a:latin typeface="+mn-lt"/>
+              </a:rPr>
+              <a:t> </a:t>
+            </a:r>
+            <a:r>
+              <a:rPr lang="et-EE" sz="4000" dirty="0" err="1" smtClean="0">
+                <a:latin typeface="+mn-lt"/>
+              </a:rPr>
+              <a:t>we</a:t>
+            </a:r>
+            <a:r>
+              <a:rPr lang="et-EE" sz="4000" dirty="0" smtClean="0">
+                <a:latin typeface="+mn-lt"/>
+              </a:rPr>
+              <a:t> </a:t>
+            </a:r>
+            <a:r>
+              <a:rPr lang="et-EE" sz="4000" dirty="0" err="1" smtClean="0">
+                <a:latin typeface="+mn-lt"/>
+              </a:rPr>
+              <a:t>used</a:t>
+            </a:r>
+            <a:r>
+              <a:rPr lang="et-EE" sz="4000" dirty="0">
+                <a:latin typeface="+mn-lt"/>
+              </a:rPr>
+              <a:t> </a:t>
+            </a:r>
+            <a:r>
+              <a:rPr lang="et-EE" sz="4000" dirty="0" err="1" smtClean="0">
+                <a:latin typeface="+mn-lt"/>
+              </a:rPr>
+              <a:t>was</a:t>
+            </a:r>
+            <a:r>
+              <a:rPr lang="et-EE" sz="4000" dirty="0" smtClean="0">
+                <a:latin typeface="+mn-lt"/>
+              </a:rPr>
+              <a:t> </a:t>
+            </a:r>
+            <a:r>
+              <a:rPr lang="et-EE" sz="4000" dirty="0" err="1" smtClean="0">
+                <a:latin typeface="+mn-lt"/>
+              </a:rPr>
+              <a:t>random</a:t>
+            </a:r>
+            <a:r>
+              <a:rPr lang="et-EE" sz="4000" dirty="0" smtClean="0">
+                <a:latin typeface="+mn-lt"/>
+              </a:rPr>
+              <a:t> </a:t>
+            </a:r>
+            <a:r>
+              <a:rPr lang="et-EE" sz="4000" dirty="0" err="1" smtClean="0">
+                <a:latin typeface="+mn-lt"/>
+              </a:rPr>
+              <a:t>forest</a:t>
+            </a:r>
+            <a:r>
+              <a:rPr lang="et-EE" sz="4000" dirty="0" smtClean="0">
+                <a:latin typeface="+mn-lt"/>
+              </a:rPr>
+              <a:t> </a:t>
+            </a:r>
+            <a:r>
+              <a:rPr lang="et-EE" sz="4000" dirty="0" err="1" smtClean="0">
+                <a:latin typeface="+mn-lt"/>
+              </a:rPr>
+              <a:t>classifier</a:t>
+            </a:r>
+            <a:endParaRPr lang="et-EE" sz="4000" dirty="0" smtClean="0">
+              <a:latin typeface="+mn-lt"/>
+            </a:endParaRPr>
+          </a:p>
           <a:p>
             <a:pPr marL="571500" indent="-571500" algn="just" eaLnBrk="1" hangingPunct="1">
               <a:buFont typeface="Arial" panose="020B0604020202020204" pitchFamily="34" charset="0"/>
@@ -4342,9 +7029,7 @@
             <a:avLst/>
           </a:prstGeom>
           <a:solidFill>
-            <a:schemeClr val="accent1">
-              <a:lumMod val="75000"/>
-            </a:schemeClr>
+            <a:srgbClr val="F088E9"/>
           </a:solidFill>
         </p:spPr>
         <p:style>
@@ -4400,16 +7085,14 @@
         </p:nvSpPr>
         <p:spPr>
           <a:xfrm>
-            <a:off x="10422166" y="18329428"/>
+            <a:off x="10437080" y="6668760"/>
             <a:ext cx="9578285" cy="960690"/>
           </a:xfrm>
           <a:prstGeom prst="rect">
             <a:avLst/>
           </a:prstGeom>
           <a:solidFill>
-            <a:schemeClr val="accent1">
-              <a:lumMod val="75000"/>
-            </a:schemeClr>
+            <a:srgbClr val="F088E9"/>
           </a:solidFill>
         </p:spPr>
         <p:style>
@@ -4458,7 +7141,7 @@
           <p:nvPr>
             <p:extLst>
               <p:ext uri="{D42A27DB-BD31-4B8C-83A1-F6EECF244321}">
-                <p14:modId xmlns:p14="http://schemas.microsoft.com/office/powerpoint/2010/main" val="3037473854"/>
+                <p14:modId xmlns:p14="http://schemas.microsoft.com/office/powerpoint/2010/main" val="1098907549"/>
               </p:ext>
             </p:extLst>
           </p:nvPr>
@@ -4496,6 +7179,42 @@
                     <a:bodyPr/>
                     <a:lstStyle/>
                     <a:p>
+                      <a:r>
+                        <a:rPr lang="en-US" sz="3600" b="1" dirty="0" smtClean="0">
+                          <a:solidFill>
+                            <a:schemeClr val="tx1"/>
+                          </a:solidFill>
+                        </a:rPr>
+                        <a:t>Source code</a:t>
+                      </a:r>
+                      <a:r>
+                        <a:rPr lang="en-US" sz="3600" b="1" baseline="0" dirty="0" smtClean="0">
+                          <a:solidFill>
+                            <a:schemeClr val="tx1"/>
+                          </a:solidFill>
+                        </a:rPr>
+                        <a:t>:</a:t>
+                      </a:r>
+                      <a:endParaRPr lang="et-EE" sz="3600" b="1" baseline="0" dirty="0" smtClean="0">
+                        <a:solidFill>
+                          <a:schemeClr val="tx1"/>
+                        </a:solidFill>
+                      </a:endParaRPr>
+                    </a:p>
+                    <a:p>
+                      <a:r>
+                        <a:rPr lang="et-EE" sz="3600" dirty="0" smtClean="0">
+                          <a:hlinkClick r:id="rId2"/>
+                        </a:rPr>
+                        <a:t>https://github.com/birgitsormus/spotify-predictions</a:t>
+                      </a:r>
+                      <a:endParaRPr lang="en-US" sz="3600" b="1" baseline="0" dirty="0" smtClean="0">
+                        <a:solidFill>
+                          <a:schemeClr val="tx1"/>
+                        </a:solidFill>
+                      </a:endParaRPr>
+                    </a:p>
+                    <a:p>
                       <a:endParaRPr lang="en-US" sz="3800" b="0" baseline="0" dirty="0" smtClean="0">
                         <a:solidFill>
                           <a:schemeClr val="tx1"/>
@@ -4532,35 +7251,6 @@
                     <a:bodyPr/>
                     <a:lstStyle/>
                     <a:p>
-                      <a:r>
-                        <a:rPr lang="en-US" sz="3800" b="1" dirty="0" smtClean="0">
-                          <a:solidFill>
-                            <a:schemeClr val="tx1"/>
-                          </a:solidFill>
-                        </a:rPr>
-                        <a:t>Source code</a:t>
-                      </a:r>
-                      <a:r>
-                        <a:rPr lang="en-US" sz="3800" b="1" baseline="0" dirty="0" smtClean="0">
-                          <a:solidFill>
-                            <a:schemeClr val="tx1"/>
-                          </a:solidFill>
-                        </a:rPr>
-                        <a:t>:</a:t>
-                      </a:r>
-                      <a:endParaRPr lang="et-EE" sz="3800" b="1" baseline="0" dirty="0" smtClean="0">
-                        <a:solidFill>
-                          <a:schemeClr val="tx1"/>
-                        </a:solidFill>
-                      </a:endParaRPr>
-                    </a:p>
-                    <a:p>
-                      <a:r>
-                        <a:rPr lang="et-EE" sz="4000" dirty="0" smtClean="0">
-                          <a:hlinkClick r:id="rId2"/>
-                        </a:rPr>
-                        <a:t>https://github.com/birgitsormus/spotify-predictions</a:t>
-                      </a:r>
                       <a:endParaRPr lang="en-US" sz="3800" b="1" baseline="0" dirty="0" smtClean="0">
                         <a:solidFill>
                           <a:schemeClr val="tx1"/>
@@ -4639,8 +7329,8 @@
         </p:nvSpPr>
         <p:spPr>
           <a:xfrm>
-            <a:off x="12935604" y="17120098"/>
-            <a:ext cx="1524263" cy="492443"/>
+            <a:off x="10432052" y="27633988"/>
+            <a:ext cx="10019346" cy="492443"/>
           </a:xfrm>
           <a:prstGeom prst="rect">
             <a:avLst/>
@@ -4656,11 +7346,7 @@
             <a:pPr algn="just"/>
             <a:r>
               <a:rPr lang="en-US" sz="2600" b="1" dirty="0" smtClean="0"/>
-              <a:t>Figure </a:t>
-            </a:r>
-            <a:r>
-              <a:rPr lang="en-US" sz="2600" b="1" dirty="0"/>
-              <a:t>1</a:t>
+              <a:t>Figure 1</a:t>
             </a:r>
             <a:r>
               <a:rPr lang="et-EE" sz="2600" b="1" dirty="0" smtClean="0"/>
@@ -4669,6 +7355,70 @@
             <a:r>
               <a:rPr lang="et-EE" sz="2600" dirty="0" smtClean="0"/>
               <a:t> </a:t>
+            </a:r>
+            <a:r>
+              <a:rPr lang="et-EE" sz="2600" dirty="0" err="1" smtClean="0"/>
+              <a:t>different</a:t>
+            </a:r>
+            <a:r>
+              <a:rPr lang="et-EE" sz="2600" dirty="0" smtClean="0"/>
+              <a:t> </a:t>
+            </a:r>
+            <a:r>
+              <a:rPr lang="et-EE" sz="2600" dirty="0" err="1" smtClean="0"/>
+              <a:t>key</a:t>
+            </a:r>
+            <a:r>
+              <a:rPr lang="et-EE" sz="2600" dirty="0" smtClean="0"/>
+              <a:t> </a:t>
+            </a:r>
+            <a:r>
+              <a:rPr lang="et-EE" sz="2600" dirty="0" err="1" smtClean="0"/>
+              <a:t>counts</a:t>
+            </a:r>
+            <a:r>
+              <a:rPr lang="et-EE" sz="2600" dirty="0" smtClean="0"/>
+              <a:t> </a:t>
+            </a:r>
+            <a:r>
+              <a:rPr lang="et-EE" sz="2600" dirty="0" err="1" smtClean="0"/>
+              <a:t>for</a:t>
+            </a:r>
+            <a:r>
+              <a:rPr lang="et-EE" sz="2600" dirty="0" smtClean="0"/>
+              <a:t> 2017 (</a:t>
+            </a:r>
+            <a:r>
+              <a:rPr lang="et-EE" sz="2600" dirty="0" err="1" smtClean="0"/>
+              <a:t>first</a:t>
+            </a:r>
+            <a:r>
+              <a:rPr lang="et-EE" sz="2600" dirty="0" smtClean="0"/>
+              <a:t> </a:t>
+            </a:r>
+            <a:r>
+              <a:rPr lang="et-EE" sz="2600" dirty="0" err="1" smtClean="0"/>
+              <a:t>plot</a:t>
+            </a:r>
+            <a:r>
+              <a:rPr lang="et-EE" sz="2600" dirty="0" smtClean="0"/>
+              <a:t>) and 2018 (</a:t>
+            </a:r>
+            <a:r>
+              <a:rPr lang="et-EE" sz="2600" dirty="0" err="1" smtClean="0"/>
+              <a:t>second</a:t>
+            </a:r>
+            <a:r>
+              <a:rPr lang="et-EE" sz="2600" dirty="0" smtClean="0"/>
+              <a:t> </a:t>
+            </a:r>
+            <a:r>
+              <a:rPr lang="et-EE" sz="2600" dirty="0" err="1" smtClean="0"/>
+              <a:t>plot</a:t>
+            </a:r>
+            <a:r>
+              <a:rPr lang="et-EE" sz="2600" dirty="0" smtClean="0"/>
+              <a:t>)</a:t>
             </a:r>
             <a:endParaRPr lang="et-EE" sz="2600" dirty="0"/>
           </a:p>
@@ -4685,7 +7435,7 @@
         <p:spPr bwMode="auto">
           <a:xfrm>
             <a:off x="20359839" y="6653529"/>
-            <a:ext cx="8785850" cy="11874530"/>
+            <a:ext cx="8785850" cy="9333390"/>
           </a:xfrm>
           <a:prstGeom prst="rect">
             <a:avLst/>
@@ -4806,9 +7556,753 @@
           </a:lstStyle>
           <a:p>
             <a:pPr algn="just" eaLnBrk="1" hangingPunct="1"/>
-            <a:endParaRPr lang="et-EE" sz="4000" dirty="0">
-              <a:latin typeface="+mn-lt"/>
-            </a:endParaRPr>
+            <a:r>
+              <a:rPr lang="et-EE" sz="4000" dirty="0" err="1" smtClean="0">
+                <a:latin typeface="+mn-lt"/>
+              </a:rPr>
+              <a:t>The</a:t>
+            </a:r>
+            <a:r>
+              <a:rPr lang="et-EE" sz="4000" dirty="0" smtClean="0">
+                <a:latin typeface="+mn-lt"/>
+              </a:rPr>
+              <a:t> </a:t>
+            </a:r>
+            <a:r>
+              <a:rPr lang="et-EE" sz="4000" dirty="0" err="1" smtClean="0">
+                <a:latin typeface="+mn-lt"/>
+              </a:rPr>
+              <a:t>models</a:t>
+            </a:r>
+            <a:r>
+              <a:rPr lang="et-EE" sz="4000" dirty="0" smtClean="0">
+                <a:latin typeface="+mn-lt"/>
+              </a:rPr>
+              <a:t> </a:t>
+            </a:r>
+            <a:r>
+              <a:rPr lang="et-EE" sz="4000" dirty="0" err="1" smtClean="0">
+                <a:latin typeface="+mn-lt"/>
+              </a:rPr>
+              <a:t>we</a:t>
+            </a:r>
+            <a:r>
+              <a:rPr lang="et-EE" sz="4000" dirty="0" smtClean="0">
+                <a:latin typeface="+mn-lt"/>
+              </a:rPr>
+              <a:t> </a:t>
+            </a:r>
+            <a:r>
+              <a:rPr lang="et-EE" sz="4000" dirty="0" err="1" smtClean="0">
+                <a:latin typeface="+mn-lt"/>
+              </a:rPr>
+              <a:t>used</a:t>
+            </a:r>
+            <a:r>
+              <a:rPr lang="et-EE" sz="4000" dirty="0" smtClean="0">
+                <a:latin typeface="+mn-lt"/>
+              </a:rPr>
+              <a:t> </a:t>
+            </a:r>
+            <a:r>
+              <a:rPr lang="et-EE" sz="4000" dirty="0" err="1" smtClean="0">
+                <a:latin typeface="+mn-lt"/>
+              </a:rPr>
+              <a:t>for</a:t>
+            </a:r>
+            <a:r>
+              <a:rPr lang="et-EE" sz="4000" dirty="0" smtClean="0">
+                <a:latin typeface="+mn-lt"/>
+              </a:rPr>
+              <a:t> </a:t>
+            </a:r>
+            <a:r>
+              <a:rPr lang="et-EE" sz="4000" dirty="0" err="1" smtClean="0">
+                <a:latin typeface="+mn-lt"/>
+              </a:rPr>
+              <a:t>training</a:t>
+            </a:r>
+            <a:r>
+              <a:rPr lang="et-EE" sz="4000" dirty="0" smtClean="0">
+                <a:latin typeface="+mn-lt"/>
+              </a:rPr>
+              <a:t> </a:t>
+            </a:r>
+            <a:r>
+              <a:rPr lang="et-EE" sz="4000" dirty="0" err="1" smtClean="0">
+                <a:latin typeface="+mn-lt"/>
+              </a:rPr>
+              <a:t>were</a:t>
+            </a:r>
+            <a:r>
+              <a:rPr lang="et-EE" sz="4000" dirty="0">
+                <a:latin typeface="+mn-lt"/>
+              </a:rPr>
+              <a:t> </a:t>
+            </a:r>
+            <a:r>
+              <a:rPr lang="et-EE" sz="4000" dirty="0" err="1" smtClean="0">
+                <a:latin typeface="+mn-lt"/>
+              </a:rPr>
+              <a:t>random</a:t>
+            </a:r>
+            <a:r>
+              <a:rPr lang="et-EE" sz="4000" dirty="0" smtClean="0">
+                <a:latin typeface="+mn-lt"/>
+              </a:rPr>
+              <a:t> </a:t>
+            </a:r>
+            <a:r>
+              <a:rPr lang="et-EE" sz="4000" dirty="0" err="1" smtClean="0">
+                <a:latin typeface="+mn-lt"/>
+              </a:rPr>
+              <a:t>forest</a:t>
+            </a:r>
+            <a:r>
+              <a:rPr lang="et-EE" sz="4000" dirty="0" smtClean="0">
+                <a:latin typeface="+mn-lt"/>
+              </a:rPr>
+              <a:t>, K </a:t>
+            </a:r>
+            <a:r>
+              <a:rPr lang="et-EE" sz="4000" dirty="0" err="1" smtClean="0">
+                <a:latin typeface="+mn-lt"/>
+              </a:rPr>
+              <a:t>nearest</a:t>
+            </a:r>
+            <a:r>
+              <a:rPr lang="et-EE" sz="4000" dirty="0" smtClean="0">
+                <a:latin typeface="+mn-lt"/>
+              </a:rPr>
+              <a:t> </a:t>
+            </a:r>
+            <a:r>
+              <a:rPr lang="et-EE" sz="4000" dirty="0" err="1" smtClean="0">
+                <a:latin typeface="+mn-lt"/>
+              </a:rPr>
+              <a:t>neighbors</a:t>
+            </a:r>
+            <a:r>
+              <a:rPr lang="et-EE" sz="4000" dirty="0" smtClean="0">
+                <a:latin typeface="+mn-lt"/>
+              </a:rPr>
+              <a:t> and </a:t>
+            </a:r>
+            <a:r>
+              <a:rPr lang="et-EE" sz="4000" dirty="0" err="1" smtClean="0">
+                <a:latin typeface="+mn-lt"/>
+              </a:rPr>
+              <a:t>decision</a:t>
+            </a:r>
+            <a:r>
+              <a:rPr lang="et-EE" sz="4000" dirty="0" smtClean="0">
+                <a:latin typeface="+mn-lt"/>
+              </a:rPr>
+              <a:t> </a:t>
+            </a:r>
+            <a:r>
+              <a:rPr lang="et-EE" sz="4000" dirty="0" err="1" smtClean="0">
+                <a:latin typeface="+mn-lt"/>
+              </a:rPr>
+              <a:t>tree</a:t>
+            </a:r>
+            <a:r>
+              <a:rPr lang="et-EE" sz="4000" dirty="0" smtClean="0">
+                <a:latin typeface="+mn-lt"/>
+              </a:rPr>
+              <a:t>. </a:t>
+            </a:r>
+            <a:r>
+              <a:rPr lang="et-EE" sz="4000" dirty="0" err="1" smtClean="0">
+                <a:latin typeface="+mn-lt"/>
+              </a:rPr>
+              <a:t>To</a:t>
+            </a:r>
+            <a:r>
+              <a:rPr lang="et-EE" sz="4000" dirty="0" smtClean="0">
+                <a:latin typeface="+mn-lt"/>
+              </a:rPr>
+              <a:t> </a:t>
+            </a:r>
+            <a:r>
+              <a:rPr lang="et-EE" sz="4000" dirty="0" err="1" smtClean="0">
+                <a:latin typeface="+mn-lt"/>
+              </a:rPr>
+              <a:t>get</a:t>
+            </a:r>
+            <a:r>
+              <a:rPr lang="et-EE" sz="4000" dirty="0" smtClean="0">
+                <a:latin typeface="+mn-lt"/>
+              </a:rPr>
+              <a:t> </a:t>
+            </a:r>
+            <a:r>
+              <a:rPr lang="et-EE" sz="4000" dirty="0" err="1" smtClean="0">
+                <a:latin typeface="+mn-lt"/>
+              </a:rPr>
+              <a:t>better</a:t>
+            </a:r>
+            <a:r>
+              <a:rPr lang="et-EE" sz="4000" dirty="0" smtClean="0">
+                <a:latin typeface="+mn-lt"/>
+              </a:rPr>
+              <a:t> </a:t>
+            </a:r>
+            <a:r>
+              <a:rPr lang="et-EE" sz="4000" dirty="0" err="1" smtClean="0">
+                <a:latin typeface="+mn-lt"/>
+              </a:rPr>
+              <a:t>results</a:t>
+            </a:r>
+            <a:r>
+              <a:rPr lang="et-EE" sz="4000" dirty="0" smtClean="0">
+                <a:latin typeface="+mn-lt"/>
+              </a:rPr>
+              <a:t>, </a:t>
+            </a:r>
+            <a:r>
+              <a:rPr lang="et-EE" sz="4000" dirty="0" err="1" smtClean="0">
+                <a:latin typeface="+mn-lt"/>
+              </a:rPr>
+              <a:t>we</a:t>
+            </a:r>
+            <a:r>
+              <a:rPr lang="et-EE" sz="4000" dirty="0" smtClean="0">
+                <a:latin typeface="+mn-lt"/>
+              </a:rPr>
+              <a:t> </a:t>
+            </a:r>
+            <a:r>
+              <a:rPr lang="et-EE" sz="4000" dirty="0" err="1" smtClean="0">
+                <a:latin typeface="+mn-lt"/>
+              </a:rPr>
+              <a:t>tried</a:t>
+            </a:r>
+            <a:r>
+              <a:rPr lang="et-EE" sz="4000" dirty="0" smtClean="0">
+                <a:latin typeface="+mn-lt"/>
+              </a:rPr>
+              <a:t> </a:t>
+            </a:r>
+            <a:r>
+              <a:rPr lang="et-EE" sz="4000" dirty="0" err="1" smtClean="0">
+                <a:latin typeface="+mn-lt"/>
+              </a:rPr>
+              <a:t>different</a:t>
+            </a:r>
+            <a:r>
+              <a:rPr lang="et-EE" sz="4000" dirty="0" smtClean="0">
+                <a:latin typeface="+mn-lt"/>
+              </a:rPr>
+              <a:t> </a:t>
+            </a:r>
+            <a:r>
+              <a:rPr lang="et-EE" sz="4000" dirty="0" err="1" smtClean="0">
+                <a:latin typeface="+mn-lt"/>
+              </a:rPr>
+              <a:t>parameters</a:t>
+            </a:r>
+            <a:r>
+              <a:rPr lang="et-EE" sz="4000" dirty="0" smtClean="0">
+                <a:latin typeface="+mn-lt"/>
+              </a:rPr>
+              <a:t>, </a:t>
+            </a:r>
+            <a:r>
+              <a:rPr lang="et-EE" sz="4000" dirty="0" err="1" smtClean="0">
+                <a:latin typeface="+mn-lt"/>
+              </a:rPr>
+              <a:t>but</a:t>
+            </a:r>
+            <a:r>
+              <a:rPr lang="et-EE" sz="4000" dirty="0" smtClean="0">
+                <a:latin typeface="+mn-lt"/>
+              </a:rPr>
+              <a:t> </a:t>
+            </a:r>
+            <a:r>
+              <a:rPr lang="et-EE" sz="4000" dirty="0" err="1" smtClean="0">
+                <a:latin typeface="+mn-lt"/>
+              </a:rPr>
+              <a:t>parameter</a:t>
+            </a:r>
+            <a:r>
+              <a:rPr lang="et-EE" sz="4000" dirty="0" smtClean="0">
+                <a:latin typeface="+mn-lt"/>
+              </a:rPr>
+              <a:t> </a:t>
+            </a:r>
+            <a:r>
+              <a:rPr lang="et-EE" sz="4000" dirty="0" err="1" smtClean="0">
+                <a:latin typeface="+mn-lt"/>
+              </a:rPr>
+              <a:t>tuning</a:t>
+            </a:r>
+            <a:r>
+              <a:rPr lang="et-EE" sz="4000" dirty="0" smtClean="0">
+                <a:latin typeface="+mn-lt"/>
+              </a:rPr>
+              <a:t> </a:t>
+            </a:r>
+            <a:r>
+              <a:rPr lang="et-EE" sz="4000" dirty="0" err="1" smtClean="0">
+                <a:latin typeface="+mn-lt"/>
+              </a:rPr>
+              <a:t>didn’t</a:t>
+            </a:r>
+            <a:r>
+              <a:rPr lang="et-EE" sz="4000" dirty="0" smtClean="0">
+                <a:latin typeface="+mn-lt"/>
+              </a:rPr>
+              <a:t> </a:t>
+            </a:r>
+            <a:r>
+              <a:rPr lang="et-EE" sz="4000" dirty="0" err="1" smtClean="0">
+                <a:latin typeface="+mn-lt"/>
+              </a:rPr>
+              <a:t>improve</a:t>
+            </a:r>
+            <a:r>
+              <a:rPr lang="et-EE" sz="4000" dirty="0" smtClean="0">
+                <a:latin typeface="+mn-lt"/>
+              </a:rPr>
+              <a:t> </a:t>
+            </a:r>
+            <a:r>
+              <a:rPr lang="et-EE" sz="4000" dirty="0" err="1" smtClean="0">
+                <a:latin typeface="+mn-lt"/>
+              </a:rPr>
+              <a:t>results</a:t>
+            </a:r>
+            <a:r>
+              <a:rPr lang="et-EE" sz="4000" dirty="0" smtClean="0">
+                <a:latin typeface="+mn-lt"/>
+              </a:rPr>
+              <a:t> </a:t>
+            </a:r>
+            <a:r>
+              <a:rPr lang="et-EE" sz="4000" dirty="0" err="1" smtClean="0">
+                <a:latin typeface="+mn-lt"/>
+              </a:rPr>
+              <a:t>as</a:t>
+            </a:r>
+            <a:r>
+              <a:rPr lang="et-EE" sz="4000" dirty="0" smtClean="0">
+                <a:latin typeface="+mn-lt"/>
+              </a:rPr>
+              <a:t> </a:t>
+            </a:r>
+            <a:r>
+              <a:rPr lang="et-EE" sz="4000" dirty="0" err="1" smtClean="0">
+                <a:latin typeface="+mn-lt"/>
+              </a:rPr>
+              <a:t>much</a:t>
+            </a:r>
+            <a:r>
+              <a:rPr lang="et-EE" sz="4000" dirty="0" smtClean="0">
+                <a:latin typeface="+mn-lt"/>
+              </a:rPr>
+              <a:t>, so </a:t>
+            </a:r>
+            <a:r>
+              <a:rPr lang="et-EE" sz="4000" dirty="0" err="1" smtClean="0">
+                <a:latin typeface="+mn-lt"/>
+              </a:rPr>
+              <a:t>for</a:t>
+            </a:r>
+            <a:r>
+              <a:rPr lang="et-EE" sz="4000" dirty="0" smtClean="0">
+                <a:latin typeface="+mn-lt"/>
+              </a:rPr>
+              <a:t> </a:t>
+            </a:r>
+            <a:r>
+              <a:rPr lang="et-EE" sz="4000" dirty="0" err="1" smtClean="0">
+                <a:latin typeface="+mn-lt"/>
+              </a:rPr>
+              <a:t>the</a:t>
+            </a:r>
+            <a:r>
+              <a:rPr lang="et-EE" sz="4000" dirty="0" smtClean="0">
+                <a:latin typeface="+mn-lt"/>
+              </a:rPr>
+              <a:t> </a:t>
+            </a:r>
+            <a:r>
+              <a:rPr lang="et-EE" sz="4000" dirty="0" err="1" smtClean="0">
+                <a:latin typeface="+mn-lt"/>
+              </a:rPr>
+              <a:t>most</a:t>
+            </a:r>
+            <a:r>
+              <a:rPr lang="et-EE" sz="4000" dirty="0" smtClean="0">
+                <a:latin typeface="+mn-lt"/>
+              </a:rPr>
+              <a:t> part, </a:t>
+            </a:r>
+            <a:r>
+              <a:rPr lang="et-EE" sz="4000" dirty="0" err="1" smtClean="0">
+                <a:latin typeface="+mn-lt"/>
+              </a:rPr>
+              <a:t>we</a:t>
+            </a:r>
+            <a:r>
+              <a:rPr lang="et-EE" sz="4000" dirty="0" smtClean="0">
+                <a:latin typeface="+mn-lt"/>
+              </a:rPr>
+              <a:t> </a:t>
+            </a:r>
+            <a:r>
+              <a:rPr lang="et-EE" sz="4000" dirty="0" err="1" smtClean="0">
+                <a:latin typeface="+mn-lt"/>
+              </a:rPr>
+              <a:t>used</a:t>
+            </a:r>
+            <a:r>
+              <a:rPr lang="et-EE" sz="4000" dirty="0" smtClean="0">
+                <a:latin typeface="+mn-lt"/>
+              </a:rPr>
+              <a:t> </a:t>
+            </a:r>
+            <a:r>
+              <a:rPr lang="et-EE" sz="4000" dirty="0" err="1" smtClean="0">
+                <a:latin typeface="+mn-lt"/>
+              </a:rPr>
+              <a:t>default</a:t>
+            </a:r>
+            <a:r>
+              <a:rPr lang="et-EE" sz="4000" dirty="0" smtClean="0">
+                <a:latin typeface="+mn-lt"/>
+              </a:rPr>
+              <a:t> </a:t>
+            </a:r>
+            <a:r>
+              <a:rPr lang="et-EE" sz="4000" dirty="0" err="1" smtClean="0">
+                <a:latin typeface="+mn-lt"/>
+              </a:rPr>
+              <a:t>parameters</a:t>
+            </a:r>
+            <a:r>
+              <a:rPr lang="et-EE" sz="4000" dirty="0" smtClean="0">
+                <a:latin typeface="+mn-lt"/>
+              </a:rPr>
+              <a:t>, </a:t>
+            </a:r>
+            <a:r>
+              <a:rPr lang="et-EE" sz="4000" dirty="0" err="1" smtClean="0">
+                <a:latin typeface="+mn-lt"/>
+              </a:rPr>
+              <a:t>only</a:t>
+            </a:r>
+            <a:r>
+              <a:rPr lang="et-EE" sz="4000" dirty="0" smtClean="0">
+                <a:latin typeface="+mn-lt"/>
+              </a:rPr>
+              <a:t> </a:t>
+            </a:r>
+            <a:r>
+              <a:rPr lang="et-EE" sz="4000" dirty="0" err="1" smtClean="0">
+                <a:latin typeface="+mn-lt"/>
+              </a:rPr>
+              <a:t>changing</a:t>
+            </a:r>
+            <a:r>
+              <a:rPr lang="et-EE" sz="4000" dirty="0" smtClean="0">
+                <a:latin typeface="+mn-lt"/>
+              </a:rPr>
+              <a:t> </a:t>
+            </a:r>
+            <a:r>
+              <a:rPr lang="et-EE" sz="4000" dirty="0" err="1" smtClean="0">
+                <a:latin typeface="+mn-lt"/>
+              </a:rPr>
+              <a:t>n_neighbors</a:t>
+            </a:r>
+            <a:r>
+              <a:rPr lang="et-EE" sz="4000" dirty="0" smtClean="0">
+                <a:latin typeface="+mn-lt"/>
+              </a:rPr>
+              <a:t> </a:t>
+            </a:r>
+            <a:r>
+              <a:rPr lang="et-EE" sz="4000" dirty="0" err="1" smtClean="0">
+                <a:latin typeface="+mn-lt"/>
+              </a:rPr>
+              <a:t>for</a:t>
+            </a:r>
+            <a:r>
+              <a:rPr lang="et-EE" sz="4000" dirty="0" smtClean="0">
+                <a:latin typeface="+mn-lt"/>
+              </a:rPr>
+              <a:t> KNN and </a:t>
+            </a:r>
+            <a:r>
+              <a:rPr lang="et-EE" sz="4000" dirty="0" err="1" smtClean="0">
+                <a:latin typeface="+mn-lt"/>
+              </a:rPr>
+              <a:t>n_estimators</a:t>
+            </a:r>
+            <a:r>
+              <a:rPr lang="et-EE" sz="4000" dirty="0" smtClean="0">
+                <a:latin typeface="+mn-lt"/>
+              </a:rPr>
+              <a:t> </a:t>
+            </a:r>
+            <a:r>
+              <a:rPr lang="et-EE" sz="4000" dirty="0" err="1" smtClean="0">
+                <a:latin typeface="+mn-lt"/>
+              </a:rPr>
+              <a:t>for</a:t>
+            </a:r>
+            <a:r>
+              <a:rPr lang="et-EE" sz="4000" dirty="0" smtClean="0">
+                <a:latin typeface="+mn-lt"/>
+              </a:rPr>
+              <a:t> RF </a:t>
+            </a:r>
+            <a:r>
+              <a:rPr lang="et-EE" sz="4000" dirty="0" err="1" smtClean="0">
+                <a:latin typeface="+mn-lt"/>
+              </a:rPr>
+              <a:t>to</a:t>
+            </a:r>
+            <a:r>
+              <a:rPr lang="et-EE" sz="4000" dirty="0" smtClean="0">
+                <a:latin typeface="+mn-lt"/>
+              </a:rPr>
+              <a:t> 100.</a:t>
+            </a:r>
+          </a:p>
+          <a:p>
+            <a:pPr algn="just" eaLnBrk="1" hangingPunct="1"/>
+            <a:r>
+              <a:rPr lang="et-EE" sz="4000" dirty="0" err="1" smtClean="0">
+                <a:latin typeface="+mn-lt"/>
+              </a:rPr>
+              <a:t>The</a:t>
+            </a:r>
+            <a:r>
+              <a:rPr lang="et-EE" sz="4000" dirty="0" smtClean="0">
+                <a:latin typeface="+mn-lt"/>
+              </a:rPr>
+              <a:t> </a:t>
+            </a:r>
+            <a:r>
+              <a:rPr lang="et-EE" sz="4000" dirty="0" err="1" smtClean="0">
+                <a:latin typeface="+mn-lt"/>
+              </a:rPr>
+              <a:t>best</a:t>
+            </a:r>
+            <a:r>
+              <a:rPr lang="et-EE" sz="4000" dirty="0" smtClean="0">
+                <a:latin typeface="+mn-lt"/>
+              </a:rPr>
+              <a:t> </a:t>
+            </a:r>
+            <a:r>
+              <a:rPr lang="et-EE" sz="4000" dirty="0" err="1" smtClean="0">
+                <a:latin typeface="+mn-lt"/>
+              </a:rPr>
+              <a:t>results</a:t>
+            </a:r>
+            <a:r>
+              <a:rPr lang="et-EE" sz="4000" dirty="0" smtClean="0">
+                <a:latin typeface="+mn-lt"/>
+              </a:rPr>
+              <a:t> </a:t>
+            </a:r>
+            <a:r>
+              <a:rPr lang="et-EE" sz="4000" dirty="0" err="1" smtClean="0">
+                <a:latin typeface="+mn-lt"/>
+              </a:rPr>
+              <a:t>were</a:t>
+            </a:r>
+            <a:r>
+              <a:rPr lang="et-EE" sz="4000" dirty="0" smtClean="0">
+                <a:latin typeface="+mn-lt"/>
+              </a:rPr>
+              <a:t> </a:t>
+            </a:r>
+            <a:r>
+              <a:rPr lang="et-EE" sz="4000" dirty="0" err="1" smtClean="0">
+                <a:latin typeface="+mn-lt"/>
+              </a:rPr>
+              <a:t>obtained</a:t>
+            </a:r>
+            <a:r>
+              <a:rPr lang="et-EE" sz="4000" dirty="0" smtClean="0">
+                <a:latin typeface="+mn-lt"/>
+              </a:rPr>
+              <a:t> </a:t>
+            </a:r>
+            <a:r>
+              <a:rPr lang="et-EE" sz="4000" dirty="0" err="1" smtClean="0">
+                <a:latin typeface="+mn-lt"/>
+              </a:rPr>
+              <a:t>using</a:t>
+            </a:r>
+            <a:r>
+              <a:rPr lang="et-EE" sz="4000" dirty="0" smtClean="0">
+                <a:latin typeface="+mn-lt"/>
+              </a:rPr>
+              <a:t> </a:t>
+            </a:r>
+            <a:r>
+              <a:rPr lang="et-EE" sz="4000" dirty="0" err="1" smtClean="0">
+                <a:latin typeface="+mn-lt"/>
+              </a:rPr>
+              <a:t>the</a:t>
+            </a:r>
+            <a:r>
+              <a:rPr lang="et-EE" sz="4000" dirty="0" smtClean="0">
+                <a:latin typeface="+mn-lt"/>
+              </a:rPr>
+              <a:t> </a:t>
+            </a:r>
+            <a:r>
+              <a:rPr lang="et-EE" sz="4000" dirty="0" err="1" smtClean="0">
+                <a:latin typeface="+mn-lt"/>
+              </a:rPr>
+              <a:t>random</a:t>
+            </a:r>
+            <a:r>
+              <a:rPr lang="et-EE" sz="4000" dirty="0" smtClean="0">
+                <a:latin typeface="+mn-lt"/>
+              </a:rPr>
+              <a:t> </a:t>
+            </a:r>
+            <a:r>
+              <a:rPr lang="et-EE" sz="4000" dirty="0" err="1" smtClean="0">
+                <a:latin typeface="+mn-lt"/>
+              </a:rPr>
+              <a:t>forest</a:t>
+            </a:r>
+            <a:r>
+              <a:rPr lang="et-EE" sz="4000" dirty="0" smtClean="0">
+                <a:latin typeface="+mn-lt"/>
+              </a:rPr>
+              <a:t> </a:t>
+            </a:r>
+            <a:r>
+              <a:rPr lang="et-EE" sz="4000" dirty="0" err="1" smtClean="0">
+                <a:latin typeface="+mn-lt"/>
+              </a:rPr>
+              <a:t>classifier</a:t>
+            </a:r>
+            <a:r>
+              <a:rPr lang="et-EE" sz="4000" dirty="0" smtClean="0">
+                <a:latin typeface="+mn-lt"/>
+              </a:rPr>
+              <a:t>. </a:t>
+            </a:r>
+            <a:r>
+              <a:rPr lang="et-EE" sz="4000" dirty="0" err="1" smtClean="0">
+                <a:latin typeface="+mn-lt"/>
+              </a:rPr>
+              <a:t>It</a:t>
+            </a:r>
+            <a:r>
+              <a:rPr lang="et-EE" sz="4000" dirty="0" smtClean="0">
+                <a:latin typeface="+mn-lt"/>
+              </a:rPr>
+              <a:t> </a:t>
+            </a:r>
+            <a:r>
+              <a:rPr lang="et-EE" sz="4000" dirty="0" err="1" smtClean="0">
+                <a:latin typeface="+mn-lt"/>
+              </a:rPr>
+              <a:t>had</a:t>
+            </a:r>
+            <a:r>
+              <a:rPr lang="et-EE" sz="4000" dirty="0" smtClean="0">
+                <a:latin typeface="+mn-lt"/>
+              </a:rPr>
+              <a:t> </a:t>
+            </a:r>
+            <a:r>
+              <a:rPr lang="et-EE" sz="4000" dirty="0" err="1" smtClean="0">
+                <a:latin typeface="+mn-lt"/>
+              </a:rPr>
+              <a:t>an</a:t>
+            </a:r>
+            <a:r>
+              <a:rPr lang="et-EE" sz="4000" dirty="0" smtClean="0">
+                <a:latin typeface="+mn-lt"/>
+              </a:rPr>
+              <a:t> </a:t>
+            </a:r>
+            <a:r>
+              <a:rPr lang="et-EE" sz="4000" dirty="0" err="1" smtClean="0">
+                <a:latin typeface="+mn-lt"/>
+              </a:rPr>
+              <a:t>accuracy</a:t>
+            </a:r>
+            <a:r>
+              <a:rPr lang="et-EE" sz="4000" dirty="0" smtClean="0">
+                <a:latin typeface="+mn-lt"/>
+              </a:rPr>
+              <a:t> of 86.7% on </a:t>
+            </a:r>
+            <a:r>
+              <a:rPr lang="et-EE" sz="4000" dirty="0" err="1" smtClean="0">
+                <a:latin typeface="+mn-lt"/>
+              </a:rPr>
+              <a:t>the</a:t>
+            </a:r>
+            <a:r>
+              <a:rPr lang="et-EE" sz="4000" dirty="0" smtClean="0">
+                <a:latin typeface="+mn-lt"/>
+              </a:rPr>
+              <a:t> </a:t>
+            </a:r>
+            <a:r>
+              <a:rPr lang="et-EE" sz="4000" dirty="0" err="1" smtClean="0">
+                <a:latin typeface="+mn-lt"/>
+              </a:rPr>
+              <a:t>large</a:t>
+            </a:r>
+            <a:r>
+              <a:rPr lang="et-EE" sz="4000" dirty="0" smtClean="0">
+                <a:latin typeface="+mn-lt"/>
+              </a:rPr>
+              <a:t> </a:t>
+            </a:r>
+            <a:r>
+              <a:rPr lang="et-EE" sz="4000" dirty="0" err="1" smtClean="0">
+                <a:latin typeface="+mn-lt"/>
+              </a:rPr>
+              <a:t>dataset</a:t>
+            </a:r>
+            <a:r>
+              <a:rPr lang="et-EE" sz="4000" dirty="0" smtClean="0">
+                <a:latin typeface="+mn-lt"/>
+              </a:rPr>
+              <a:t> and 70% and 84% on </a:t>
+            </a:r>
+            <a:r>
+              <a:rPr lang="et-EE" sz="4000" dirty="0" err="1" smtClean="0">
+                <a:latin typeface="+mn-lt"/>
+              </a:rPr>
+              <a:t>the</a:t>
+            </a:r>
+            <a:r>
+              <a:rPr lang="et-EE" sz="4000" dirty="0" smtClean="0">
+                <a:latin typeface="+mn-lt"/>
+              </a:rPr>
+              <a:t> tops of 2017 and 2018 </a:t>
+            </a:r>
+            <a:r>
+              <a:rPr lang="et-EE" sz="4000" dirty="0" err="1" smtClean="0">
+                <a:latin typeface="+mn-lt"/>
+              </a:rPr>
+              <a:t>respectively</a:t>
+            </a:r>
+            <a:r>
+              <a:rPr lang="et-EE" sz="4000" dirty="0" smtClean="0">
+                <a:latin typeface="+mn-lt"/>
+              </a:rPr>
+              <a:t>.</a:t>
+            </a:r>
           </a:p>
         </p:txBody>
       </p:sp>
@@ -4827,9 +8321,7 @@
             <a:avLst/>
           </a:prstGeom>
           <a:solidFill>
-            <a:schemeClr val="accent1">
-              <a:lumMod val="75000"/>
-            </a:schemeClr>
+            <a:srgbClr val="F088E9"/>
           </a:solidFill>
         </p:spPr>
         <p:style>
@@ -4877,8 +8369,8 @@
         </p:nvSpPr>
         <p:spPr>
           <a:xfrm>
-            <a:off x="974378" y="35060126"/>
-            <a:ext cx="9011354" cy="492443"/>
+            <a:off x="3856037" y="36725206"/>
+            <a:ext cx="13944599" cy="492443"/>
           </a:xfrm>
           <a:prstGeom prst="rect">
             <a:avLst/>
@@ -4903,6 +8395,78 @@
             <a:r>
               <a:rPr lang="et-EE" sz="2600" b="1" dirty="0" smtClean="0"/>
               <a:t>. </a:t>
+            </a:r>
+            <a:r>
+              <a:rPr lang="et-EE" sz="2600" dirty="0" err="1" smtClean="0"/>
+              <a:t>Density</a:t>
+            </a:r>
+            <a:r>
+              <a:rPr lang="et-EE" sz="2600" dirty="0" smtClean="0"/>
+              <a:t> </a:t>
+            </a:r>
+            <a:r>
+              <a:rPr lang="et-EE" sz="2600" dirty="0" err="1" smtClean="0"/>
+              <a:t>plots</a:t>
+            </a:r>
+            <a:r>
+              <a:rPr lang="et-EE" sz="2600" dirty="0" smtClean="0"/>
+              <a:t> </a:t>
+            </a:r>
+            <a:r>
+              <a:rPr lang="et-EE" sz="2600" dirty="0" err="1" smtClean="0"/>
+              <a:t>for</a:t>
+            </a:r>
+            <a:r>
+              <a:rPr lang="et-EE" sz="2600" dirty="0" smtClean="0"/>
+              <a:t> </a:t>
+            </a:r>
+            <a:r>
+              <a:rPr lang="et-EE" sz="2600" dirty="0" err="1" smtClean="0"/>
+              <a:t>different</a:t>
+            </a:r>
+            <a:r>
+              <a:rPr lang="et-EE" sz="2600" dirty="0" smtClean="0"/>
+              <a:t> </a:t>
+            </a:r>
+            <a:r>
+              <a:rPr lang="et-EE" sz="2600" dirty="0" err="1" smtClean="0"/>
+              <a:t>features</a:t>
+            </a:r>
+            <a:r>
+              <a:rPr lang="et-EE" sz="2600" dirty="0" smtClean="0"/>
+              <a:t>, 2018 </a:t>
+            </a:r>
+            <a:r>
+              <a:rPr lang="et-EE" sz="2600" dirty="0" err="1" smtClean="0"/>
+              <a:t>is</a:t>
+            </a:r>
+            <a:r>
+              <a:rPr lang="et-EE" sz="2600" dirty="0" smtClean="0"/>
+              <a:t> </a:t>
+            </a:r>
+            <a:r>
+              <a:rPr lang="et-EE" sz="2600" dirty="0" err="1" smtClean="0"/>
+              <a:t>coloured</a:t>
+            </a:r>
+            <a:r>
+              <a:rPr lang="et-EE" sz="2600" dirty="0" smtClean="0"/>
+              <a:t> </a:t>
+            </a:r>
+            <a:r>
+              <a:rPr lang="et-EE" sz="2600" dirty="0" err="1" smtClean="0"/>
+              <a:t>red</a:t>
+            </a:r>
+            <a:r>
+              <a:rPr lang="et-EE" sz="2600" dirty="0" smtClean="0"/>
+              <a:t>, 2017 </a:t>
+            </a:r>
+            <a:r>
+              <a:rPr lang="et-EE" sz="2600" dirty="0" err="1" smtClean="0"/>
+              <a:t>blue</a:t>
+            </a:r>
+            <a:r>
+              <a:rPr lang="et-EE" sz="2600" b="1" dirty="0" smtClean="0"/>
+              <a:t> </a:t>
             </a:r>
             <a:endParaRPr lang="et-EE" sz="2600" dirty="0"/>
           </a:p>
@@ -4932,15 +8496,7 @@
           <a:p>
             <a:pPr algn="just"/>
             <a:r>
-              <a:rPr lang="en-US" sz="2600" b="1" dirty="0" smtClean="0"/>
-              <a:t>Figure 3</a:t>
-            </a:r>
-            <a:r>
-              <a:rPr lang="et-EE" sz="2600" b="1" dirty="0" smtClean="0"/>
-              <a:t>.</a:t>
-            </a:r>
-            <a:r>
-              <a:rPr lang="et-EE" sz="2600" dirty="0"/>
+              <a:rPr lang="et-EE" sz="2600" dirty="0" smtClean="0"/>
               <a:t> </a:t>
             </a:r>
             <a:endParaRPr lang="et-EE" sz="2600" dirty="0"/>
@@ -4956,7 +8512,7 @@
         <p:spPr>
           <a:xfrm>
             <a:off x="20382282" y="23733572"/>
-            <a:ext cx="8757472" cy="492443"/>
+            <a:ext cx="8757472" cy="892552"/>
           </a:xfrm>
           <a:prstGeom prst="rect">
             <a:avLst/>
@@ -4975,11 +8531,79 @@
             </a:r>
             <a:r>
               <a:rPr lang="et-EE" sz="2600" b="1" dirty="0" smtClean="0"/>
-              <a:t>4.</a:t>
+              <a:t>3</a:t>
+            </a:r>
+            <a:r>
+              <a:rPr lang="et-EE" sz="2600" b="1" dirty="0" smtClean="0"/>
+              <a:t>.</a:t>
             </a:r>
             <a:r>
               <a:rPr lang="en-US" sz="2600" dirty="0" smtClean="0"/>
               <a:t> </a:t>
+            </a:r>
+            <a:r>
+              <a:rPr lang="et-EE" sz="2600" dirty="0" err="1" smtClean="0"/>
+              <a:t>Accuracies</a:t>
+            </a:r>
+            <a:r>
+              <a:rPr lang="et-EE" sz="2600" dirty="0" smtClean="0"/>
+              <a:t> of </a:t>
+            </a:r>
+            <a:r>
+              <a:rPr lang="et-EE" sz="2600" dirty="0" err="1" smtClean="0"/>
+              <a:t>the</a:t>
+            </a:r>
+            <a:r>
+              <a:rPr lang="et-EE" sz="2600" dirty="0" smtClean="0"/>
+              <a:t> </a:t>
+            </a:r>
+            <a:r>
+              <a:rPr lang="et-EE" sz="2600" dirty="0" err="1" smtClean="0"/>
+              <a:t>three</a:t>
+            </a:r>
+            <a:r>
+              <a:rPr lang="et-EE" sz="2600" dirty="0" smtClean="0"/>
+              <a:t> </a:t>
+            </a:r>
+            <a:r>
+              <a:rPr lang="et-EE" sz="2600" dirty="0" err="1" smtClean="0"/>
+              <a:t>models</a:t>
+            </a:r>
+            <a:r>
+              <a:rPr lang="et-EE" sz="2600" dirty="0" smtClean="0"/>
+              <a:t> </a:t>
+            </a:r>
+            <a:r>
+              <a:rPr lang="et-EE" sz="2600" dirty="0" err="1" smtClean="0"/>
+              <a:t>we</a:t>
+            </a:r>
+            <a:r>
+              <a:rPr lang="et-EE" sz="2600" dirty="0" smtClean="0"/>
+              <a:t> </a:t>
+            </a:r>
+            <a:r>
+              <a:rPr lang="et-EE" sz="2600" dirty="0" err="1" smtClean="0"/>
+              <a:t>used</a:t>
+            </a:r>
+            <a:r>
+              <a:rPr lang="et-EE" sz="2600" dirty="0" smtClean="0"/>
+              <a:t> on </a:t>
+            </a:r>
+            <a:r>
+              <a:rPr lang="et-EE" sz="2600" dirty="0" err="1" smtClean="0"/>
+              <a:t>different</a:t>
+            </a:r>
+            <a:r>
+              <a:rPr lang="et-EE" sz="2600" dirty="0"/>
+              <a:t> </a:t>
+            </a:r>
+            <a:r>
+              <a:rPr lang="et-EE" sz="2600" dirty="0" err="1" smtClean="0"/>
+              <a:t>datasets</a:t>
+            </a:r>
+            <a:r>
+              <a:rPr lang="et-EE" sz="2600" dirty="0"/>
+              <a:t>.</a:t>
             </a:r>
             <a:endParaRPr lang="en-US" dirty="0"/>
           </a:p>
@@ -5026,6 +8650,549 @@
           </a:extLst>
         </p:spPr>
       </p:pic>
+      <p:graphicFrame>
+        <p:nvGraphicFramePr>
+          <p:cNvPr id="17" name="Table 16"/>
+          <p:cNvGraphicFramePr>
+            <a:graphicFrameLocks noGrp="1"/>
+          </p:cNvGraphicFramePr>
+          <p:nvPr>
+            <p:extLst>
+              <p:ext uri="{D42A27DB-BD31-4B8C-83A1-F6EECF244321}">
+                <p14:modId xmlns:p14="http://schemas.microsoft.com/office/powerpoint/2010/main" val="3723059842"/>
+              </p:ext>
+            </p:extLst>
+          </p:nvPr>
+        </p:nvGraphicFramePr>
+        <p:xfrm>
+          <a:off x="20382282" y="16452572"/>
+          <a:ext cx="8488892" cy="6848164"/>
+        </p:xfrm>
+        <a:graphic>
+          <a:graphicData uri="http://schemas.openxmlformats.org/drawingml/2006/table">
+            <a:tbl>
+              <a:tblPr firstRow="1" bandRow="1">
+                <a:tableStyleId>{5C22544A-7EE6-4342-B048-85BDC9FD1C3A}</a:tableStyleId>
+              </a:tblPr>
+              <a:tblGrid>
+                <a:gridCol w="2122223">
+                  <a:extLst>
+                    <a:ext uri="{9D8B030D-6E8A-4147-A177-3AD203B41FA5}">
+                      <a16:colId xmlns:a16="http://schemas.microsoft.com/office/drawing/2014/main" val="2716006139"/>
+                    </a:ext>
+                  </a:extLst>
+                </a:gridCol>
+                <a:gridCol w="2122223">
+                  <a:extLst>
+                    <a:ext uri="{9D8B030D-6E8A-4147-A177-3AD203B41FA5}">
+                      <a16:colId xmlns:a16="http://schemas.microsoft.com/office/drawing/2014/main" val="245930864"/>
+                    </a:ext>
+                  </a:extLst>
+                </a:gridCol>
+                <a:gridCol w="2122223">
+                  <a:extLst>
+                    <a:ext uri="{9D8B030D-6E8A-4147-A177-3AD203B41FA5}">
+                      <a16:colId xmlns:a16="http://schemas.microsoft.com/office/drawing/2014/main" val="4034955358"/>
+                    </a:ext>
+                  </a:extLst>
+                </a:gridCol>
+                <a:gridCol w="2122223">
+                  <a:extLst>
+                    <a:ext uri="{9D8B030D-6E8A-4147-A177-3AD203B41FA5}">
+                      <a16:colId xmlns:a16="http://schemas.microsoft.com/office/drawing/2014/main" val="3608866023"/>
+                    </a:ext>
+                  </a:extLst>
+                </a:gridCol>
+              </a:tblGrid>
+              <a:tr h="1515547">
+                <a:tc>
+                  <a:txBody>
+                    <a:bodyPr/>
+                    <a:lstStyle/>
+                    <a:p>
+                      <a:endParaRPr lang="et-EE" dirty="0"/>
+                    </a:p>
+                  </a:txBody>
+                  <a:tcPr>
+                    <a:solidFill>
+                      <a:srgbClr val="F088E9"/>
+                    </a:solidFill>
+                  </a:tcPr>
+                </a:tc>
+                <a:tc>
+                  <a:txBody>
+                    <a:bodyPr/>
+                    <a:lstStyle/>
+                    <a:p>
+                      <a:pPr algn="ctr"/>
+                      <a:r>
+                        <a:rPr lang="et-EE" sz="3600" dirty="0" err="1" smtClean="0"/>
+                        <a:t>Large</a:t>
+                      </a:r>
+                      <a:r>
+                        <a:rPr lang="et-EE" sz="3600" baseline="0" dirty="0" smtClean="0"/>
+                        <a:t> </a:t>
+                      </a:r>
+                      <a:r>
+                        <a:rPr lang="et-EE" sz="3600" baseline="0" dirty="0" err="1" smtClean="0"/>
+                        <a:t>dataset</a:t>
+                      </a:r>
+                      <a:endParaRPr lang="et-EE" sz="3600" dirty="0"/>
+                    </a:p>
+                  </a:txBody>
+                  <a:tcPr>
+                    <a:solidFill>
+                      <a:srgbClr val="F088E9"/>
+                    </a:solidFill>
+                  </a:tcPr>
+                </a:tc>
+                <a:tc>
+                  <a:txBody>
+                    <a:bodyPr/>
+                    <a:lstStyle/>
+                    <a:p>
+                      <a:pPr algn="ctr"/>
+                      <a:r>
+                        <a:rPr lang="et-EE" sz="3600" dirty="0" smtClean="0"/>
+                        <a:t>2017</a:t>
+                      </a:r>
+                    </a:p>
+                    <a:p>
+                      <a:pPr algn="ctr"/>
+                      <a:r>
+                        <a:rPr lang="et-EE" sz="3600" dirty="0" err="1" smtClean="0"/>
+                        <a:t>top</a:t>
+                      </a:r>
+                      <a:endParaRPr lang="et-EE" sz="3600" dirty="0"/>
+                    </a:p>
+                  </a:txBody>
+                  <a:tcPr>
+                    <a:solidFill>
+                      <a:srgbClr val="F088E9"/>
+                    </a:solidFill>
+                  </a:tcPr>
+                </a:tc>
+                <a:tc>
+                  <a:txBody>
+                    <a:bodyPr/>
+                    <a:lstStyle/>
+                    <a:p>
+                      <a:pPr algn="ctr"/>
+                      <a:r>
+                        <a:rPr lang="et-EE" sz="3600" dirty="0" smtClean="0"/>
+                        <a:t>2018</a:t>
+                      </a:r>
+                    </a:p>
+                    <a:p>
+                      <a:pPr algn="ctr"/>
+                      <a:r>
+                        <a:rPr lang="et-EE" sz="3600" dirty="0" err="1" smtClean="0"/>
+                        <a:t>top</a:t>
+                      </a:r>
+                      <a:endParaRPr lang="et-EE" sz="3600" dirty="0"/>
+                    </a:p>
+                  </a:txBody>
+                  <a:tcPr>
+                    <a:solidFill>
+                      <a:srgbClr val="F088E9"/>
+                    </a:solidFill>
+                  </a:tcPr>
+                </a:tc>
+                <a:extLst>
+                  <a:ext uri="{0D108BD9-81ED-4DB2-BD59-A6C34878D82A}">
+                    <a16:rowId xmlns:a16="http://schemas.microsoft.com/office/drawing/2014/main" val="3307744844"/>
+                  </a:ext>
+                </a:extLst>
+              </a:tr>
+              <a:tr h="1777539">
+                <a:tc>
+                  <a:txBody>
+                    <a:bodyPr/>
+                    <a:lstStyle/>
+                    <a:p>
+                      <a:r>
+                        <a:rPr lang="et-EE" dirty="0" smtClean="0">
+                          <a:solidFill>
+                            <a:schemeClr val="bg1"/>
+                          </a:solidFill>
+                        </a:rPr>
+                        <a:t>RF</a:t>
+                      </a:r>
+                      <a:endParaRPr lang="et-EE" dirty="0">
+                        <a:solidFill>
+                          <a:schemeClr val="bg1"/>
+                        </a:solidFill>
+                      </a:endParaRPr>
+                    </a:p>
+                  </a:txBody>
+                  <a:tcPr>
+                    <a:solidFill>
+                      <a:srgbClr val="F088E9"/>
+                    </a:solidFill>
+                  </a:tcPr>
+                </a:tc>
+                <a:tc>
+                  <a:txBody>
+                    <a:bodyPr/>
+                    <a:lstStyle/>
+                    <a:p>
+                      <a:pPr algn="ctr"/>
+                      <a:r>
+                        <a:rPr lang="et-EE" sz="6100" dirty="0" smtClean="0"/>
+                        <a:t>86.7%</a:t>
+                      </a:r>
+                      <a:endParaRPr lang="et-EE" sz="6100" dirty="0"/>
+                    </a:p>
+                  </a:txBody>
+                  <a:tcPr>
+                    <a:solidFill>
+                      <a:srgbClr val="FDDFFA"/>
+                    </a:solidFill>
+                  </a:tcPr>
+                </a:tc>
+                <a:tc>
+                  <a:txBody>
+                    <a:bodyPr/>
+                    <a:lstStyle/>
+                    <a:p>
+                      <a:pPr algn="ctr"/>
+                      <a:r>
+                        <a:rPr lang="et-EE" sz="6100" dirty="0" smtClean="0"/>
+                        <a:t>70%</a:t>
+                      </a:r>
+                      <a:endParaRPr lang="et-EE" sz="6100" dirty="0"/>
+                    </a:p>
+                  </a:txBody>
+                  <a:tcPr>
+                    <a:solidFill>
+                      <a:srgbClr val="FDDFFA"/>
+                    </a:solidFill>
+                  </a:tcPr>
+                </a:tc>
+                <a:tc>
+                  <a:txBody>
+                    <a:bodyPr/>
+                    <a:lstStyle/>
+                    <a:p>
+                      <a:pPr algn="ctr"/>
+                      <a:r>
+                        <a:rPr lang="et-EE" sz="6100" dirty="0" smtClean="0"/>
+                        <a:t>84%</a:t>
+                      </a:r>
+                      <a:endParaRPr lang="et-EE" sz="6100" dirty="0"/>
+                    </a:p>
+                  </a:txBody>
+                  <a:tcPr>
+                    <a:solidFill>
+                      <a:srgbClr val="FDDFFA"/>
+                    </a:solidFill>
+                  </a:tcPr>
+                </a:tc>
+                <a:extLst>
+                  <a:ext uri="{0D108BD9-81ED-4DB2-BD59-A6C34878D82A}">
+                    <a16:rowId xmlns:a16="http://schemas.microsoft.com/office/drawing/2014/main" val="1226356435"/>
+                  </a:ext>
+                </a:extLst>
+              </a:tr>
+              <a:tr h="1777539">
+                <a:tc>
+                  <a:txBody>
+                    <a:bodyPr/>
+                    <a:lstStyle/>
+                    <a:p>
+                      <a:r>
+                        <a:rPr lang="et-EE" dirty="0" smtClean="0">
+                          <a:solidFill>
+                            <a:schemeClr val="bg1"/>
+                          </a:solidFill>
+                        </a:rPr>
+                        <a:t>KNN</a:t>
+                      </a:r>
+                      <a:endParaRPr lang="et-EE" dirty="0">
+                        <a:solidFill>
+                          <a:schemeClr val="bg1"/>
+                        </a:solidFill>
+                      </a:endParaRPr>
+                    </a:p>
+                  </a:txBody>
+                  <a:tcPr>
+                    <a:solidFill>
+                      <a:srgbClr val="F088E9"/>
+                    </a:solidFill>
+                  </a:tcPr>
+                </a:tc>
+                <a:tc>
+                  <a:txBody>
+                    <a:bodyPr/>
+                    <a:lstStyle/>
+                    <a:p>
+                      <a:pPr algn="ctr"/>
+                      <a:r>
+                        <a:rPr lang="et-EE" sz="6100" dirty="0" smtClean="0"/>
+                        <a:t>79.5%</a:t>
+                      </a:r>
+                      <a:endParaRPr lang="et-EE" sz="6100" dirty="0"/>
+                    </a:p>
+                  </a:txBody>
+                  <a:tcPr>
+                    <a:solidFill>
+                      <a:srgbClr val="FFF3FE"/>
+                    </a:solidFill>
+                  </a:tcPr>
+                </a:tc>
+                <a:tc>
+                  <a:txBody>
+                    <a:bodyPr/>
+                    <a:lstStyle/>
+                    <a:p>
+                      <a:pPr algn="ctr"/>
+                      <a:r>
+                        <a:rPr lang="et-EE" sz="6100" dirty="0" smtClean="0"/>
+                        <a:t>60%</a:t>
+                      </a:r>
+                      <a:endParaRPr lang="et-EE" sz="6100" dirty="0"/>
+                    </a:p>
+                  </a:txBody>
+                  <a:tcPr>
+                    <a:solidFill>
+                      <a:srgbClr val="FFF3FE"/>
+                    </a:solidFill>
+                  </a:tcPr>
+                </a:tc>
+                <a:tc>
+                  <a:txBody>
+                    <a:bodyPr/>
+                    <a:lstStyle/>
+                    <a:p>
+                      <a:pPr algn="ctr"/>
+                      <a:r>
+                        <a:rPr lang="et-EE" sz="6100" dirty="0" smtClean="0"/>
+                        <a:t>74%</a:t>
+                      </a:r>
+                      <a:endParaRPr lang="et-EE" sz="6100" dirty="0"/>
+                    </a:p>
+                  </a:txBody>
+                  <a:tcPr>
+                    <a:solidFill>
+                      <a:srgbClr val="FFF3FE"/>
+                    </a:solidFill>
+                  </a:tcPr>
+                </a:tc>
+                <a:extLst>
+                  <a:ext uri="{0D108BD9-81ED-4DB2-BD59-A6C34878D82A}">
+                    <a16:rowId xmlns:a16="http://schemas.microsoft.com/office/drawing/2014/main" val="824898300"/>
+                  </a:ext>
+                </a:extLst>
+              </a:tr>
+              <a:tr h="1777539">
+                <a:tc>
+                  <a:txBody>
+                    <a:bodyPr/>
+                    <a:lstStyle/>
+                    <a:p>
+                      <a:r>
+                        <a:rPr lang="et-EE" dirty="0" smtClean="0">
+                          <a:solidFill>
+                            <a:schemeClr val="bg1"/>
+                          </a:solidFill>
+                        </a:rPr>
+                        <a:t>DT</a:t>
+                      </a:r>
+                      <a:endParaRPr lang="et-EE" dirty="0">
+                        <a:solidFill>
+                          <a:schemeClr val="bg1"/>
+                        </a:solidFill>
+                      </a:endParaRPr>
+                    </a:p>
+                  </a:txBody>
+                  <a:tcPr>
+                    <a:solidFill>
+                      <a:srgbClr val="F088E9"/>
+                    </a:solidFill>
+                  </a:tcPr>
+                </a:tc>
+                <a:tc>
+                  <a:txBody>
+                    <a:bodyPr/>
+                    <a:lstStyle/>
+                    <a:p>
+                      <a:pPr algn="ctr"/>
+                      <a:r>
+                        <a:rPr lang="et-EE" sz="6100" dirty="0" smtClean="0"/>
+                        <a:t>79.5%</a:t>
+                      </a:r>
+                      <a:endParaRPr lang="et-EE" sz="6100" dirty="0"/>
+                    </a:p>
+                  </a:txBody>
+                  <a:tcPr>
+                    <a:solidFill>
+                      <a:srgbClr val="FDDFFA"/>
+                    </a:solidFill>
+                  </a:tcPr>
+                </a:tc>
+                <a:tc>
+                  <a:txBody>
+                    <a:bodyPr/>
+                    <a:lstStyle/>
+                    <a:p>
+                      <a:pPr algn="ctr"/>
+                      <a:r>
+                        <a:rPr lang="et-EE" sz="6100" dirty="0" smtClean="0"/>
+                        <a:t>66%</a:t>
+                      </a:r>
+                      <a:endParaRPr lang="et-EE" sz="6100" dirty="0"/>
+                    </a:p>
+                  </a:txBody>
+                  <a:tcPr>
+                    <a:solidFill>
+                      <a:srgbClr val="FDDFFA"/>
+                    </a:solidFill>
+                  </a:tcPr>
+                </a:tc>
+                <a:tc>
+                  <a:txBody>
+                    <a:bodyPr/>
+                    <a:lstStyle/>
+                    <a:p>
+                      <a:pPr algn="ctr"/>
+                      <a:r>
+                        <a:rPr lang="et-EE" sz="6100" dirty="0" smtClean="0"/>
+                        <a:t>76%</a:t>
+                      </a:r>
+                      <a:endParaRPr lang="et-EE" sz="6100" dirty="0"/>
+                    </a:p>
+                  </a:txBody>
+                  <a:tcPr>
+                    <a:solidFill>
+                      <a:srgbClr val="FDDFFA"/>
+                    </a:solidFill>
+                  </a:tcPr>
+                </a:tc>
+                <a:extLst>
+                  <a:ext uri="{0D108BD9-81ED-4DB2-BD59-A6C34878D82A}">
+                    <a16:rowId xmlns:a16="http://schemas.microsoft.com/office/drawing/2014/main" val="11128229"/>
+                  </a:ext>
+                </a:extLst>
+              </a:tr>
+            </a:tbl>
+          </a:graphicData>
+        </a:graphic>
+      </p:graphicFrame>
+      <p:pic>
+        <p:nvPicPr>
+          <p:cNvPr id="24" name="Picture 23"/>
+          <p:cNvPicPr>
+            <a:picLocks noChangeAspect="1"/>
+          </p:cNvPicPr>
+          <p:nvPr/>
+        </p:nvPicPr>
+        <p:blipFill rotWithShape="1">
+          <a:blip r:embed="rId5"/>
+          <a:srcRect l="18168" t="14816" r="50998" b="11110"/>
+          <a:stretch/>
+        </p:blipFill>
+        <p:spPr>
+          <a:xfrm>
+            <a:off x="2162258" y="28958978"/>
+            <a:ext cx="5638801" cy="7620000"/>
+          </a:xfrm>
+          <a:prstGeom prst="rect">
+            <a:avLst/>
+          </a:prstGeom>
+        </p:spPr>
+      </p:pic>
+      <p:pic>
+        <p:nvPicPr>
+          <p:cNvPr id="25" name="Picture 24"/>
+          <p:cNvPicPr>
+            <a:picLocks noChangeAspect="1"/>
+          </p:cNvPicPr>
+          <p:nvPr/>
+        </p:nvPicPr>
+        <p:blipFill rotWithShape="1">
+          <a:blip r:embed="rId6"/>
+          <a:srcRect l="19816" t="15836" r="50365" b="10830"/>
+          <a:stretch/>
+        </p:blipFill>
+        <p:spPr>
+          <a:xfrm>
+            <a:off x="7670593" y="28997078"/>
+            <a:ext cx="5453319" cy="7543800"/>
+          </a:xfrm>
+          <a:prstGeom prst="rect">
+            <a:avLst/>
+          </a:prstGeom>
+        </p:spPr>
+      </p:pic>
+      <p:pic>
+        <p:nvPicPr>
+          <p:cNvPr id="26" name="Picture 25"/>
+          <p:cNvPicPr>
+            <a:picLocks noChangeAspect="1"/>
+          </p:cNvPicPr>
+          <p:nvPr/>
+        </p:nvPicPr>
+        <p:blipFill rotWithShape="1">
+          <a:blip r:embed="rId7"/>
+          <a:srcRect l="19584" t="14348" r="50047" b="11577"/>
+          <a:stretch/>
+        </p:blipFill>
+        <p:spPr>
+          <a:xfrm>
+            <a:off x="13073660" y="28958978"/>
+            <a:ext cx="5553824" cy="7620000"/>
+          </a:xfrm>
+          <a:prstGeom prst="rect">
+            <a:avLst/>
+          </a:prstGeom>
+        </p:spPr>
+      </p:pic>
+      <p:pic>
+        <p:nvPicPr>
+          <p:cNvPr id="27" name="Picture 26"/>
+          <p:cNvPicPr>
+            <a:picLocks noChangeAspect="1"/>
+          </p:cNvPicPr>
+          <p:nvPr/>
+        </p:nvPicPr>
+        <p:blipFill rotWithShape="1">
+          <a:blip r:embed="rId8"/>
+          <a:srcRect l="17917" t="27037" r="15833" b="21111"/>
+          <a:stretch/>
+        </p:blipFill>
+        <p:spPr>
+          <a:xfrm>
+            <a:off x="10264008" y="18414438"/>
+            <a:ext cx="9924430" cy="4369246"/>
+          </a:xfrm>
+          <a:prstGeom prst="rect">
+            <a:avLst/>
+          </a:prstGeom>
+        </p:spPr>
+      </p:pic>
+      <p:pic>
+        <p:nvPicPr>
+          <p:cNvPr id="30" name="Picture 29"/>
+          <p:cNvPicPr>
+            <a:picLocks noChangeAspect="1"/>
+          </p:cNvPicPr>
+          <p:nvPr/>
+        </p:nvPicPr>
+        <p:blipFill rotWithShape="1">
+          <a:blip r:embed="rId9"/>
+          <a:srcRect l="17916" t="20371" r="16667" b="25555"/>
+          <a:stretch/>
+        </p:blipFill>
+        <p:spPr>
+          <a:xfrm>
+            <a:off x="10264008" y="22984942"/>
+            <a:ext cx="9954593" cy="4628568"/>
+          </a:xfrm>
+          <a:prstGeom prst="rect">
+            <a:avLst/>
+          </a:prstGeom>
+        </p:spPr>
+      </p:pic>
     </p:spTree>
     <p:extLst>
       <p:ext uri="{BB962C8B-B14F-4D97-AF65-F5344CB8AC3E}">
@@ -5049,7 +9216,7 @@
 <file path=ppt/theme/theme1.xml><?xml version="1.0" encoding="utf-8"?>
 <a:theme xmlns:a="http://schemas.openxmlformats.org/drawingml/2006/main" name="Office Theme">
   <a:themeElements>
-    <a:clrScheme name="Office">
+    <a:clrScheme name="Custom 2">
       <a:dk1>
         <a:sysClr val="windowText" lastClr="000000"/>
       </a:dk1>
@@ -5057,34 +9224,34 @@
         <a:sysClr val="window" lastClr="FFFFFF"/>
       </a:lt1>
       <a:dk2>
-        <a:srgbClr val="1F497D"/>
+        <a:srgbClr val="454551"/>
       </a:dk2>
       <a:lt2>
-        <a:srgbClr val="EEECE1"/>
+        <a:srgbClr val="D8D9DC"/>
       </a:lt2>
       <a:accent1>
-        <a:srgbClr val="4F81BD"/>
+        <a:srgbClr val="E32D91"/>
       </a:accent1>
       <a:accent2>
-        <a:srgbClr val="C0504D"/>
+        <a:srgbClr val="C830CC"/>
       </a:accent2>
       <a:accent3>
-        <a:srgbClr val="9BBB59"/>
+        <a:srgbClr val="F3ACD3"/>
       </a:accent3>
       <a:accent4>
-        <a:srgbClr val="8064A2"/>
+        <a:srgbClr val="4775E7"/>
       </a:accent4>
       <a:accent5>
-        <a:srgbClr val="4BACC6"/>
+        <a:srgbClr val="8971E1"/>
       </a:accent5>
       <a:accent6>
-        <a:srgbClr val="F79646"/>
+        <a:srgbClr val="D54773"/>
       </a:accent6>
       <a:hlink>
-        <a:srgbClr val="0000FF"/>
+        <a:srgbClr val="6B9F25"/>
       </a:hlink>
       <a:folHlink>
-        <a:srgbClr val="800080"/>
+        <a:srgbClr val="8C8C8C"/>
       </a:folHlink>
     </a:clrScheme>
     <a:fontScheme name="Office">

--- a/poster.pptx
+++ b/poster.pptx
@@ -197,7 +197,7 @@
           <a:lstStyle/>
           <a:p>
             <a:pPr algn="ctr"/>
-            <a:endParaRPr lang="en-US" dirty="0"/>
+            <a:endParaRPr lang="en-US"/>
           </a:p>
         </p:txBody>
       </p:sp>
@@ -246,7 +246,7 @@
           <a:lstStyle/>
           <a:p>
             <a:pPr algn="ctr"/>
-            <a:endParaRPr lang="en-US" dirty="0"/>
+            <a:endParaRPr lang="en-US"/>
           </a:p>
         </p:txBody>
       </p:sp>
@@ -294,7 +294,7 @@
           <a:lstStyle/>
           <a:p>
             <a:pPr algn="ctr"/>
-            <a:endParaRPr lang="en-US" dirty="0"/>
+            <a:endParaRPr lang="en-US"/>
           </a:p>
         </p:txBody>
       </p:sp>
@@ -343,7 +343,7 @@
           <a:lstStyle/>
           <a:p>
             <a:pPr algn="ctr"/>
-            <a:endParaRPr lang="en-US" dirty="0"/>
+            <a:endParaRPr lang="en-US"/>
           </a:p>
         </p:txBody>
       </p:sp>
@@ -493,7 +493,7 @@
               </a:spcAft>
             </a:pPr>
             <a:r>
-              <a:rPr lang="en-US" sz="8800" dirty="0" smtClean="0">
+              <a:rPr lang="en-US" sz="8800" smtClean="0">
                 <a:solidFill>
                   <a:srgbClr val="7F7F7F"/>
                 </a:solidFill>
@@ -502,7 +502,7 @@
               </a:rPr>
               <a:t>Poster Print Size:</a:t>
             </a:r>
-            <a:endParaRPr sz="8800" dirty="0">
+            <a:endParaRPr sz="8800">
               <a:solidFill>
                 <a:srgbClr val="7F7F7F"/>
               </a:solidFill>
@@ -520,7 +520,7 @@
               </a:spcAft>
             </a:pPr>
             <a:r>
-              <a:rPr lang="en-US" sz="6000" dirty="0" smtClean="0">
+              <a:rPr lang="en-US" sz="6000" smtClean="0">
                 <a:solidFill>
                   <a:srgbClr val="7F7F7F"/>
                 </a:solidFill>
@@ -530,7 +530,7 @@
               <a:t>This poster template is set up for A0</a:t>
             </a:r>
             <a:r>
-              <a:rPr lang="en-US" sz="6000" baseline="0" dirty="0" smtClean="0">
+              <a:rPr lang="en-US" sz="6000" baseline="0" smtClean="0">
                 <a:solidFill>
                   <a:srgbClr val="7F7F7F"/>
                 </a:solidFill>
@@ -540,7 +540,7 @@
               <a:t> international paper size of 1189 mm x 841 mm</a:t>
             </a:r>
             <a:r>
-              <a:rPr lang="en-US" sz="6000" dirty="0" smtClean="0">
+              <a:rPr lang="en-US" sz="6000" smtClean="0">
                 <a:solidFill>
                   <a:srgbClr val="7F7F7F"/>
                 </a:solidFill>
@@ -550,7 +550,7 @@
               <a:t> (46.8” high by 33.1” wide). It can be printed at</a:t>
             </a:r>
             <a:r>
-              <a:rPr lang="en-US" sz="6000" baseline="0" dirty="0" smtClean="0">
+              <a:rPr lang="en-US" sz="6000" baseline="0" smtClean="0">
                 <a:solidFill>
                   <a:srgbClr val="7F7F7F"/>
                 </a:solidFill>
@@ -559,7 +559,7 @@
               </a:rPr>
               <a:t> 70.6% for an A1 poster of 841 mm x 594 mm.</a:t>
             </a:r>
-            <a:endParaRPr lang="en-US" sz="6000" dirty="0" smtClean="0">
+            <a:endParaRPr lang="en-US" sz="6000" smtClean="0">
               <a:solidFill>
                 <a:srgbClr val="7F7F7F"/>
               </a:solidFill>
@@ -577,7 +577,7 @@
               </a:spcAft>
             </a:pPr>
             <a:r>
-              <a:rPr lang="en-US" sz="8800" dirty="0" smtClean="0">
+              <a:rPr lang="en-US" sz="8800" smtClean="0">
                 <a:solidFill>
                   <a:srgbClr val="7F7F7F"/>
                 </a:solidFill>
@@ -587,7 +587,7 @@
               <a:t>Placeholders</a:t>
             </a:r>
             <a:r>
-              <a:rPr sz="8800" dirty="0" smtClean="0">
+              <a:rPr sz="8800" smtClean="0">
                 <a:solidFill>
                   <a:srgbClr val="7F7F7F"/>
                 </a:solidFill>
@@ -596,7 +596,7 @@
               </a:rPr>
               <a:t>:</a:t>
             </a:r>
-            <a:endParaRPr sz="8800" dirty="0">
+            <a:endParaRPr sz="8800">
               <a:solidFill>
                 <a:srgbClr val="7F7F7F"/>
               </a:solidFill>
@@ -614,7 +614,7 @@
               </a:spcAft>
             </a:pPr>
             <a:r>
-              <a:rPr sz="6000" dirty="0">
+              <a:rPr sz="6000">
                 <a:solidFill>
                   <a:srgbClr val="7F7F7F"/>
                 </a:solidFill>
@@ -624,7 +624,7 @@
               <a:t>The </a:t>
             </a:r>
             <a:r>
-              <a:rPr lang="en-US" sz="6000" dirty="0" smtClean="0">
+              <a:rPr lang="en-US" sz="6000" smtClean="0">
                 <a:solidFill>
                   <a:srgbClr val="7F7F7F"/>
                 </a:solidFill>
@@ -634,7 +634,7 @@
               <a:t>various elements included</a:t>
             </a:r>
             <a:r>
-              <a:rPr sz="6000" dirty="0" smtClean="0">
+              <a:rPr sz="6000" smtClean="0">
                 <a:solidFill>
                   <a:srgbClr val="7F7F7F"/>
                 </a:solidFill>
@@ -644,7 +644,7 @@
               <a:t> </a:t>
             </a:r>
             <a:r>
-              <a:rPr sz="6000" dirty="0">
+              <a:rPr sz="6000">
                 <a:solidFill>
                   <a:srgbClr val="7F7F7F"/>
                 </a:solidFill>
@@ -654,7 +654,7 @@
               <a:t>in this </a:t>
             </a:r>
             <a:r>
-              <a:rPr lang="en-US" sz="6000" dirty="0" smtClean="0">
+              <a:rPr lang="en-US" sz="6000" smtClean="0">
                 <a:solidFill>
                   <a:srgbClr val="7F7F7F"/>
                 </a:solidFill>
@@ -664,7 +664,7 @@
               <a:t>poster are ones</a:t>
             </a:r>
             <a:r>
-              <a:rPr lang="en-US" sz="6000" baseline="0" dirty="0" smtClean="0">
+              <a:rPr lang="en-US" sz="6000" baseline="0" smtClean="0">
                 <a:solidFill>
                   <a:srgbClr val="7F7F7F"/>
                 </a:solidFill>
@@ -674,7 +674,7 @@
               <a:t> we often see in medical, research, and scientific posters.</a:t>
             </a:r>
             <a:r>
-              <a:rPr sz="6000" dirty="0" smtClean="0">
+              <a:rPr sz="6000" smtClean="0">
                 <a:solidFill>
                   <a:srgbClr val="7F7F7F"/>
                 </a:solidFill>
@@ -684,7 +684,7 @@
               <a:t> </a:t>
             </a:r>
             <a:r>
-              <a:rPr lang="en-US" sz="6000" dirty="0" smtClean="0">
+              <a:rPr lang="en-US" sz="6000" smtClean="0">
                 <a:solidFill>
                   <a:srgbClr val="7F7F7F"/>
                 </a:solidFill>
@@ -694,7 +694,7 @@
               <a:t>Feel</a:t>
             </a:r>
             <a:r>
-              <a:rPr lang="en-US" sz="6000" baseline="0" dirty="0" smtClean="0">
+              <a:rPr lang="en-US" sz="6000" baseline="0" smtClean="0">
                 <a:solidFill>
                   <a:srgbClr val="7F7F7F"/>
                 </a:solidFill>
@@ -714,7 +714,7 @@
               </a:spcAft>
             </a:pPr>
             <a:r>
-              <a:rPr lang="en-US" sz="8800" dirty="0" smtClean="0">
+              <a:rPr lang="en-US" sz="8800" smtClean="0">
                 <a:solidFill>
                   <a:srgbClr val="7F7F7F"/>
                 </a:solidFill>
@@ -724,7 +724,7 @@
               <a:t>Image</a:t>
             </a:r>
             <a:r>
-              <a:rPr lang="en-US" sz="8800" baseline="0" dirty="0" smtClean="0">
+              <a:rPr lang="en-US" sz="8800" baseline="0" smtClean="0">
                 <a:solidFill>
                   <a:srgbClr val="7F7F7F"/>
                 </a:solidFill>
@@ -734,7 +734,7 @@
               <a:t> Quality</a:t>
             </a:r>
             <a:r>
-              <a:rPr lang="en-US" sz="8800" dirty="0" smtClean="0">
+              <a:rPr lang="en-US" sz="8800" smtClean="0">
                 <a:solidFill>
                   <a:srgbClr val="7F7F7F"/>
                 </a:solidFill>
@@ -754,7 +754,7 @@
               </a:spcAft>
             </a:pPr>
             <a:r>
-              <a:rPr lang="en-US" sz="6000" dirty="0" smtClean="0">
+              <a:rPr lang="en-US" sz="6000" smtClean="0">
                 <a:solidFill>
                   <a:srgbClr val="7F7F7F"/>
                 </a:solidFill>
@@ -764,7 +764,7 @@
               <a:t>You can place digital photos or logo art in your poster file by selecting the </a:t>
             </a:r>
             <a:r>
-              <a:rPr lang="en-US" sz="6000" b="1" dirty="0" smtClean="0">
+              <a:rPr lang="en-US" sz="6000" b="1" smtClean="0">
                 <a:solidFill>
                   <a:srgbClr val="7F7F7F"/>
                 </a:solidFill>
@@ -774,7 +774,7 @@
               <a:t>Insert, Picture</a:t>
             </a:r>
             <a:r>
-              <a:rPr lang="en-US" sz="6000" dirty="0" smtClean="0">
+              <a:rPr lang="en-US" sz="6000" smtClean="0">
                 <a:solidFill>
                   <a:srgbClr val="7F7F7F"/>
                 </a:solidFill>
@@ -784,7 +784,7 @@
               <a:t> command, or by using standard copy &amp; paste. For best results, all graphic elements should be at least </a:t>
             </a:r>
             <a:r>
-              <a:rPr lang="en-US" sz="6000" b="1" dirty="0" smtClean="0">
+              <a:rPr lang="en-US" sz="6000" b="1" smtClean="0">
                 <a:solidFill>
                   <a:srgbClr val="7F7F7F"/>
                 </a:solidFill>
@@ -794,7 +794,7 @@
               <a:t>150-200 pixels per inch in their final printed size</a:t>
             </a:r>
             <a:r>
-              <a:rPr lang="en-US" sz="6000" dirty="0" smtClean="0">
+              <a:rPr lang="en-US" sz="6000" smtClean="0">
                 <a:solidFill>
                   <a:srgbClr val="7F7F7F"/>
                 </a:solidFill>
@@ -804,7 +804,7 @@
               <a:t>. For instance, a 1600 x 1200 pixel</a:t>
             </a:r>
             <a:r>
-              <a:rPr lang="en-US" sz="6000" baseline="0" dirty="0" smtClean="0">
+              <a:rPr lang="en-US" sz="6000" baseline="0" smtClean="0">
                 <a:solidFill>
                   <a:srgbClr val="7F7F7F"/>
                 </a:solidFill>
@@ -814,7 +814,7 @@
               <a:t> photo will usually look fine up to </a:t>
             </a:r>
             <a:r>
-              <a:rPr lang="en-US" sz="6000" dirty="0" smtClean="0">
+              <a:rPr lang="en-US" sz="6000" smtClean="0">
                 <a:solidFill>
                   <a:srgbClr val="7F7F7F"/>
                 </a:solidFill>
@@ -834,7 +834,7 @@
               </a:spcAft>
             </a:pPr>
             <a:r>
-              <a:rPr lang="en-US" sz="6000" dirty="0" smtClean="0">
+              <a:rPr lang="en-US" sz="6000" smtClean="0">
                 <a:solidFill>
                   <a:srgbClr val="7F7F7F"/>
                 </a:solidFill>
@@ -854,7 +854,7 @@
               </a:spcAft>
             </a:pPr>
             <a:r>
-              <a:rPr lang="en-US" sz="6000" dirty="0" smtClean="0">
+              <a:rPr lang="en-US" sz="6000" smtClean="0">
                 <a:solidFill>
                   <a:srgbClr val="7F7F7F"/>
                 </a:solidFill>
@@ -874,7 +874,7 @@
               </a:spcAft>
             </a:pPr>
             <a:r>
-              <a:rPr lang="en-US" sz="4400" dirty="0" smtClean="0">
+              <a:rPr lang="en-US" sz="4400" smtClean="0">
                 <a:solidFill>
                   <a:srgbClr val="7F7F7F"/>
                 </a:solidFill>
@@ -884,7 +884,7 @@
               <a:t/>
             </a:r>
             <a:br>
-              <a:rPr lang="en-US" sz="4400" dirty="0" smtClean="0">
+              <a:rPr lang="en-US" sz="4400" smtClean="0">
                 <a:solidFill>
                   <a:srgbClr val="7F7F7F"/>
                 </a:solidFill>
@@ -893,7 +893,7 @@
               </a:rPr>
             </a:br>
             <a:r>
-              <a:rPr lang="en-US" sz="4400" dirty="0" smtClean="0">
+              <a:rPr lang="en-US" sz="4400" smtClean="0">
                 <a:solidFill>
                   <a:srgbClr val="7F7F7F"/>
                 </a:solidFill>
@@ -1065,7 +1065,7 @@
                 </a:spcAft>
               </a:pPr>
               <a:r>
-                <a:rPr lang="en-US" sz="8800" dirty="0" smtClean="0">
+                <a:rPr lang="en-US" sz="8800" smtClean="0">
                   <a:solidFill>
                     <a:schemeClr val="bg1">
                       <a:lumMod val="50000"/>
@@ -1077,7 +1077,7 @@
                 <a:t>Change</a:t>
               </a:r>
               <a:r>
-                <a:rPr lang="en-US" sz="8800" baseline="0" dirty="0" smtClean="0">
+                <a:rPr lang="en-US" sz="8800" baseline="0" smtClean="0">
                   <a:solidFill>
                     <a:schemeClr val="bg1">
                       <a:lumMod val="50000"/>
@@ -1089,7 +1089,7 @@
                 <a:t> Color Theme</a:t>
               </a:r>
               <a:r>
-                <a:rPr lang="en-US" sz="8800" dirty="0" smtClean="0">
+                <a:rPr lang="en-US" sz="8800" smtClean="0">
                   <a:solidFill>
                     <a:schemeClr val="bg1">
                       <a:lumMod val="50000"/>
@@ -1100,7 +1100,7 @@
                 </a:rPr>
                 <a:t>:</a:t>
               </a:r>
-              <a:endParaRPr sz="8800" dirty="0">
+              <a:endParaRPr sz="8800">
                 <a:solidFill>
                   <a:schemeClr val="bg1">
                     <a:lumMod val="50000"/>
@@ -1120,7 +1120,7 @@
                 </a:spcAft>
               </a:pPr>
               <a:r>
-                <a:rPr lang="en-US" sz="6000" dirty="0" smtClean="0">
+                <a:rPr lang="en-US" sz="6000" smtClean="0">
                   <a:solidFill>
                     <a:schemeClr val="bg1">
                       <a:lumMod val="50000"/>
@@ -1132,7 +1132,7 @@
                 <a:t>This template is designed to use the built-in color themes in</a:t>
               </a:r>
               <a:r>
-                <a:rPr lang="en-US" sz="6000" baseline="0" dirty="0" smtClean="0">
+                <a:rPr lang="en-US" sz="6000" baseline="0" smtClean="0">
                   <a:solidFill>
                     <a:schemeClr val="bg1">
                       <a:lumMod val="50000"/>
@@ -1154,7 +1154,7 @@
                 </a:spcAft>
               </a:pPr>
               <a:r>
-                <a:rPr lang="en-US" sz="6000" baseline="0" dirty="0" smtClean="0">
+                <a:rPr lang="en-US" sz="6000" baseline="0" smtClean="0">
                   <a:solidFill>
                     <a:schemeClr val="bg1">
                       <a:lumMod val="50000"/>
@@ -1166,7 +1166,7 @@
                 <a:t>To change the color theme, select the </a:t>
               </a:r>
               <a:r>
-                <a:rPr lang="en-US" sz="6000" b="1" baseline="0" dirty="0" smtClean="0">
+                <a:rPr lang="en-US" sz="6000" b="1" baseline="0" smtClean="0">
                   <a:solidFill>
                     <a:schemeClr val="bg1">
                       <a:lumMod val="50000"/>
@@ -1178,7 +1178,7 @@
                 <a:t>Design</a:t>
               </a:r>
               <a:r>
-                <a:rPr lang="en-US" sz="6000" baseline="0" dirty="0" smtClean="0">
+                <a:rPr lang="en-US" sz="6000" baseline="0" smtClean="0">
                   <a:solidFill>
                     <a:schemeClr val="bg1">
                       <a:lumMod val="50000"/>
@@ -1190,7 +1190,7 @@
                 <a:t> tab, then select the </a:t>
               </a:r>
               <a:r>
-                <a:rPr lang="en-US" sz="6000" b="1" baseline="0" dirty="0" smtClean="0">
+                <a:rPr lang="en-US" sz="6000" b="1" baseline="0" smtClean="0">
                   <a:solidFill>
                     <a:schemeClr val="bg1">
                       <a:lumMod val="50000"/>
@@ -1202,7 +1202,7 @@
                 <a:t>Colors</a:t>
               </a:r>
               <a:r>
-                <a:rPr lang="en-US" sz="6000" baseline="0" dirty="0" smtClean="0">
+                <a:rPr lang="en-US" sz="6000" baseline="0" smtClean="0">
                   <a:solidFill>
                     <a:schemeClr val="bg1">
                       <a:lumMod val="50000"/>
@@ -1223,7 +1223,7 @@
                   <a:spcPts val="2282"/>
                 </a:spcAft>
               </a:pPr>
-              <a:endParaRPr lang="en-US" sz="6000" baseline="0" dirty="0" smtClean="0">
+              <a:endParaRPr lang="en-US" sz="6000" baseline="0" smtClean="0">
                 <a:solidFill>
                   <a:schemeClr val="bg1">
                     <a:lumMod val="50000"/>
@@ -1242,7 +1242,7 @@
                   <a:spcPts val="2282"/>
                 </a:spcAft>
               </a:pPr>
-              <a:endParaRPr lang="en-US" sz="6000" baseline="0" dirty="0" smtClean="0">
+              <a:endParaRPr lang="en-US" sz="6000" baseline="0" smtClean="0">
                 <a:solidFill>
                   <a:schemeClr val="bg1">
                     <a:lumMod val="50000"/>
@@ -1261,7 +1261,7 @@
                   <a:spcPts val="2282"/>
                 </a:spcAft>
               </a:pPr>
-              <a:endParaRPr lang="en-US" sz="6000" baseline="0" dirty="0" smtClean="0">
+              <a:endParaRPr lang="en-US" sz="6000" baseline="0" smtClean="0">
                 <a:solidFill>
                   <a:schemeClr val="bg1">
                     <a:lumMod val="50000"/>
@@ -1280,7 +1280,7 @@
                   <a:spcPts val="2282"/>
                 </a:spcAft>
               </a:pPr>
-              <a:endParaRPr lang="en-US" sz="6000" baseline="0" dirty="0" smtClean="0">
+              <a:endParaRPr lang="en-US" sz="6000" baseline="0" smtClean="0">
                 <a:solidFill>
                   <a:schemeClr val="bg1">
                     <a:lumMod val="50000"/>
@@ -1299,7 +1299,7 @@
                   <a:spcPts val="2282"/>
                 </a:spcAft>
               </a:pPr>
-              <a:endParaRPr lang="en-US" sz="6000" baseline="0" dirty="0" smtClean="0">
+              <a:endParaRPr lang="en-US" sz="6000" baseline="0" smtClean="0">
                 <a:solidFill>
                   <a:schemeClr val="bg1">
                     <a:lumMod val="50000"/>
@@ -1318,7 +1318,7 @@
                   <a:spcPts val="2282"/>
                 </a:spcAft>
               </a:pPr>
-              <a:endParaRPr lang="en-US" sz="6000" baseline="0" dirty="0" smtClean="0">
+              <a:endParaRPr lang="en-US" sz="6000" baseline="0" smtClean="0">
                 <a:solidFill>
                   <a:schemeClr val="bg1">
                     <a:lumMod val="50000"/>
@@ -1337,7 +1337,7 @@
                   <a:spcPts val="2282"/>
                 </a:spcAft>
               </a:pPr>
-              <a:endParaRPr lang="en-US" sz="6000" baseline="0" dirty="0" smtClean="0">
+              <a:endParaRPr lang="en-US" sz="6000" baseline="0" smtClean="0">
                 <a:solidFill>
                   <a:schemeClr val="bg1">
                     <a:lumMod val="50000"/>
@@ -1356,7 +1356,7 @@
                   <a:spcPts val="2282"/>
                 </a:spcAft>
               </a:pPr>
-              <a:endParaRPr lang="en-US" sz="6000" baseline="0" dirty="0" smtClean="0">
+              <a:endParaRPr lang="en-US" sz="6000" baseline="0" smtClean="0">
                 <a:solidFill>
                   <a:schemeClr val="bg1">
                     <a:lumMod val="50000"/>
@@ -1375,7 +1375,7 @@
                   <a:spcPts val="2282"/>
                 </a:spcAft>
               </a:pPr>
-              <a:endParaRPr lang="en-US" sz="6000" baseline="0" dirty="0" smtClean="0">
+              <a:endParaRPr lang="en-US" sz="6000" baseline="0" smtClean="0">
                 <a:solidFill>
                   <a:schemeClr val="bg1">
                     <a:lumMod val="50000"/>
@@ -1395,7 +1395,7 @@
                 </a:spcAft>
               </a:pPr>
               <a:r>
-                <a:rPr lang="en-US" sz="6000" baseline="0" dirty="0" smtClean="0">
+                <a:rPr lang="en-US" sz="6000" baseline="0" smtClean="0">
                   <a:solidFill>
                     <a:schemeClr val="bg1">
                       <a:lumMod val="50000"/>
@@ -1417,7 +1417,7 @@
                 </a:spcAft>
               </a:pPr>
               <a:r>
-                <a:rPr lang="en-US" sz="8800" dirty="0" smtClean="0">
+                <a:rPr lang="en-US" sz="8800" smtClean="0">
                   <a:solidFill>
                     <a:schemeClr val="bg1">
                       <a:lumMod val="50000"/>
@@ -1439,7 +1439,7 @@
                 </a:spcAft>
               </a:pPr>
               <a:r>
-                <a:rPr lang="en-US" sz="6000" dirty="0" smtClean="0">
+                <a:rPr lang="en-US" sz="6000" smtClean="0">
                   <a:solidFill>
                     <a:schemeClr val="bg1">
                       <a:lumMod val="50000"/>
@@ -1451,7 +1451,7 @@
                 <a:t>Once your poster file is ready, visit</a:t>
               </a:r>
               <a:r>
-                <a:rPr lang="en-US" sz="6000" baseline="0" dirty="0" smtClean="0">
+                <a:rPr lang="en-US" sz="6000" baseline="0" smtClean="0">
                   <a:solidFill>
                     <a:schemeClr val="bg1">
                       <a:lumMod val="50000"/>
@@ -1463,7 +1463,7 @@
                 <a:t> </a:t>
               </a:r>
               <a:r>
-                <a:rPr lang="en-US" sz="6000" b="1" baseline="0" dirty="0" smtClean="0">
+                <a:rPr lang="en-US" sz="6000" b="1" baseline="0" smtClean="0">
                   <a:solidFill>
                     <a:schemeClr val="bg1">
                       <a:lumMod val="50000"/>
@@ -1475,7 +1475,7 @@
                 <a:t>www.genigraphics.com</a:t>
               </a:r>
               <a:r>
-                <a:rPr lang="en-US" sz="6000" baseline="0" dirty="0" smtClean="0">
+                <a:rPr lang="en-US" sz="6000" baseline="0" smtClean="0">
                   <a:solidFill>
                     <a:schemeClr val="bg1">
                       <a:lumMod val="50000"/>
@@ -1497,7 +1497,7 @@
                 </a:spcAft>
               </a:pPr>
               <a:r>
-                <a:rPr lang="en-US" sz="6000" baseline="0" dirty="0" smtClean="0">
+                <a:rPr lang="en-US" sz="6000" baseline="0" smtClean="0">
                   <a:solidFill>
                     <a:schemeClr val="bg1">
                       <a:lumMod val="50000"/>
@@ -1518,7 +1518,7 @@
                   <a:spcPts val="0"/>
                 </a:spcAft>
               </a:pPr>
-              <a:endParaRPr lang="en-US" sz="6000" baseline="0" dirty="0" smtClean="0">
+              <a:endParaRPr lang="en-US" sz="6000" baseline="0" smtClean="0">
                 <a:solidFill>
                   <a:schemeClr val="bg1">
                     <a:lumMod val="50000"/>
@@ -1538,7 +1538,7 @@
                 </a:spcAft>
               </a:pPr>
               <a:r>
-                <a:rPr lang="en-US" sz="6000" baseline="0" dirty="0" smtClean="0">
+                <a:rPr lang="en-US" sz="6000" baseline="0" smtClean="0">
                   <a:solidFill>
                     <a:schemeClr val="bg1">
                       <a:lumMod val="50000"/>
@@ -1560,7 +1560,7 @@
                 </a:spcAft>
               </a:pPr>
               <a:r>
-                <a:rPr lang="en-US" sz="6000" baseline="0" dirty="0" smtClean="0">
+                <a:rPr lang="en-US" sz="6000" baseline="0" smtClean="0">
                   <a:solidFill>
                     <a:schemeClr val="bg1">
                       <a:lumMod val="50000"/>
@@ -1572,7 +1572,7 @@
                 <a:t>International: +(1) 913-441-1410</a:t>
               </a:r>
               <a:br>
-                <a:rPr lang="en-US" sz="6000" baseline="0" dirty="0" smtClean="0">
+                <a:rPr lang="en-US" sz="6000" baseline="0" smtClean="0">
                   <a:solidFill>
                     <a:schemeClr val="bg1">
                       <a:lumMod val="50000"/>
@@ -1583,7 +1583,7 @@
                 </a:rPr>
               </a:br>
               <a:r>
-                <a:rPr lang="en-US" sz="6000" baseline="0" dirty="0" smtClean="0">
+                <a:rPr lang="en-US" sz="6000" baseline="0" smtClean="0">
                   <a:solidFill>
                     <a:schemeClr val="bg1">
                       <a:lumMod val="50000"/>
@@ -1605,7 +1605,7 @@
                 </a:spcAft>
               </a:pPr>
               <a:r>
-                <a:rPr lang="en-US" sz="4400" dirty="0" smtClean="0">
+                <a:rPr lang="en-US" sz="4400" smtClean="0">
                   <a:solidFill>
                     <a:schemeClr val="bg1">
                       <a:lumMod val="50000"/>
@@ -1617,7 +1617,7 @@
                 <a:t/>
               </a:r>
               <a:br>
-                <a:rPr lang="en-US" sz="4400" dirty="0" smtClean="0">
+                <a:rPr lang="en-US" sz="4400" smtClean="0">
                   <a:solidFill>
                     <a:schemeClr val="bg1">
                       <a:lumMod val="50000"/>
@@ -1628,7 +1628,7 @@
                 </a:rPr>
               </a:br>
               <a:r>
-                <a:rPr lang="en-US" sz="4400" dirty="0" smtClean="0">
+                <a:rPr lang="en-US" sz="4400" smtClean="0">
                   <a:solidFill>
                     <a:schemeClr val="bg1">
                       <a:lumMod val="50000"/>
@@ -1832,9 +1832,9 @@
           <a:p>
             <a:fld id="{985D6BDF-9D0E-4E2B-85B8-D8F4790360C9}" type="datetimeFigureOut">
               <a:rPr lang="en-US" smtClean="0"/>
-              <a:t>12/14/2019</a:t>
+              <a:t>15-Dec-19</a:t>
             </a:fld>
-            <a:endParaRPr lang="en-US" dirty="0"/>
+            <a:endParaRPr lang="en-US"/>
           </a:p>
         </p:txBody>
       </p:sp>
@@ -1853,7 +1853,7 @@
           <a:bodyPr/>
           <a:lstStyle/>
           <a:p>
-            <a:endParaRPr lang="en-US" dirty="0"/>
+            <a:endParaRPr lang="en-US"/>
           </a:p>
         </p:txBody>
       </p:sp>
@@ -1876,7 +1876,7 @@
               <a:rPr lang="en-US" smtClean="0"/>
               <a:t>‹#›</a:t>
             </a:fld>
-            <a:endParaRPr lang="en-US" dirty="0"/>
+            <a:endParaRPr lang="en-US"/>
           </a:p>
         </p:txBody>
       </p:sp>
@@ -2052,9 +2052,9 @@
           <a:p>
             <a:fld id="{985D6BDF-9D0E-4E2B-85B8-D8F4790360C9}" type="datetimeFigureOut">
               <a:rPr lang="en-US" smtClean="0"/>
-              <a:t>12/14/2019</a:t>
+              <a:t>15-Dec-19</a:t>
             </a:fld>
-            <a:endParaRPr lang="en-US" dirty="0"/>
+            <a:endParaRPr lang="en-US"/>
           </a:p>
         </p:txBody>
       </p:sp>
@@ -2091,7 +2091,7 @@
             </a:lvl1pPr>
           </a:lstStyle>
           <a:p>
-            <a:endParaRPr lang="en-US" dirty="0"/>
+            <a:endParaRPr lang="en-US"/>
           </a:p>
         </p:txBody>
       </p:sp>
@@ -2132,7 +2132,7 @@
               <a:rPr lang="en-US" smtClean="0"/>
               <a:t>‹#›</a:t>
             </a:fld>
-            <a:endParaRPr lang="en-US" dirty="0"/>
+            <a:endParaRPr lang="en-US"/>
           </a:p>
         </p:txBody>
       </p:sp>
@@ -2580,7 +2580,7 @@
           <a:p>
             <a:pPr algn="ctr" eaLnBrk="1" hangingPunct="1"/>
             <a:r>
-              <a:rPr lang="et-EE" sz="8000" b="1" dirty="0" err="1" smtClean="0">
+              <a:rPr lang="et-EE" sz="8000" b="1" err="1" smtClean="0">
                 <a:solidFill>
                   <a:schemeClr val="bg1">
                     <a:lumMod val="95000"/>
@@ -2590,7 +2590,7 @@
               <a:t>Predicting</a:t>
             </a:r>
             <a:r>
-              <a:rPr lang="et-EE" sz="8000" b="1" dirty="0" smtClean="0">
+              <a:rPr lang="et-EE" sz="8000" b="1" smtClean="0">
                 <a:solidFill>
                   <a:schemeClr val="bg1">
                     <a:lumMod val="95000"/>
@@ -2600,7 +2600,7 @@
               <a:t> </a:t>
             </a:r>
             <a:r>
-              <a:rPr lang="et-EE" sz="8000" b="1" dirty="0" err="1" smtClean="0">
+              <a:rPr lang="et-EE" sz="8000" b="1" err="1" smtClean="0">
                 <a:solidFill>
                   <a:schemeClr val="bg1">
                     <a:lumMod val="95000"/>
@@ -2610,7 +2610,7 @@
               <a:t>the</a:t>
             </a:r>
             <a:r>
-              <a:rPr lang="et-EE" sz="8000" b="1" dirty="0" smtClean="0">
+              <a:rPr lang="et-EE" sz="8000" b="1" smtClean="0">
                 <a:solidFill>
                   <a:schemeClr val="bg1">
                     <a:lumMod val="95000"/>
@@ -2620,7 +2620,7 @@
               <a:t> </a:t>
             </a:r>
             <a:r>
-              <a:rPr lang="et-EE" sz="8000" b="1" dirty="0" err="1" smtClean="0">
+              <a:rPr lang="et-EE" sz="8000" b="1" err="1" smtClean="0">
                 <a:solidFill>
                   <a:schemeClr val="bg1">
                     <a:lumMod val="95000"/>
@@ -2630,7 +2630,7 @@
               <a:t>popularity</a:t>
             </a:r>
             <a:r>
-              <a:rPr lang="et-EE" sz="8000" b="1" dirty="0" smtClean="0">
+              <a:rPr lang="et-EE" sz="8000" b="1" smtClean="0">
                 <a:solidFill>
                   <a:schemeClr val="bg1">
                     <a:lumMod val="95000"/>
@@ -2640,7 +2640,7 @@
               <a:t> of </a:t>
             </a:r>
             <a:r>
-              <a:rPr lang="et-EE" sz="8000" b="1" dirty="0" err="1" smtClean="0">
+              <a:rPr lang="et-EE" sz="8000" b="1" err="1" smtClean="0">
                 <a:solidFill>
                   <a:schemeClr val="bg1">
                     <a:lumMod val="95000"/>
@@ -2650,7 +2650,7 @@
               <a:t>songs</a:t>
             </a:r>
             <a:r>
-              <a:rPr lang="et-EE" sz="8000" b="1" dirty="0" smtClean="0">
+              <a:rPr lang="et-EE" sz="8000" b="1" smtClean="0">
                 <a:solidFill>
                   <a:schemeClr val="bg1">
                     <a:lumMod val="95000"/>
@@ -2660,7 +2660,7 @@
               <a:t> </a:t>
             </a:r>
             <a:r>
-              <a:rPr lang="et-EE" sz="8000" b="1" dirty="0" err="1" smtClean="0">
+              <a:rPr lang="et-EE" sz="8000" b="1" err="1" smtClean="0">
                 <a:solidFill>
                   <a:schemeClr val="bg1">
                     <a:lumMod val="95000"/>
@@ -2670,7 +2670,7 @@
               <a:t>based</a:t>
             </a:r>
             <a:r>
-              <a:rPr lang="et-EE" sz="8000" b="1" dirty="0" smtClean="0">
+              <a:rPr lang="et-EE" sz="8000" b="1" smtClean="0">
                 <a:solidFill>
                   <a:schemeClr val="bg1">
                     <a:lumMod val="95000"/>
@@ -2680,7 +2680,7 @@
               <a:t> on </a:t>
             </a:r>
             <a:r>
-              <a:rPr lang="et-EE" sz="8000" b="1" dirty="0" err="1" smtClean="0">
+              <a:rPr lang="et-EE" sz="8000" b="1" err="1" smtClean="0">
                 <a:solidFill>
                   <a:schemeClr val="bg1">
                     <a:lumMod val="95000"/>
@@ -2690,7 +2690,7 @@
               <a:t>Spotify</a:t>
             </a:r>
             <a:r>
-              <a:rPr lang="et-EE" sz="8000" b="1" dirty="0">
+              <a:rPr lang="et-EE" sz="8000" b="1">
                 <a:solidFill>
                   <a:schemeClr val="bg1">
                     <a:lumMod val="95000"/>
@@ -2700,7 +2700,7 @@
               <a:t> </a:t>
             </a:r>
             <a:r>
-              <a:rPr lang="et-EE" sz="8000" b="1" dirty="0" err="1" smtClean="0">
+              <a:rPr lang="et-EE" sz="8000" b="1" err="1" smtClean="0">
                 <a:solidFill>
                   <a:schemeClr val="bg1">
                     <a:lumMod val="95000"/>
@@ -2709,7 +2709,7 @@
               </a:rPr>
               <a:t>attributes</a:t>
             </a:r>
-            <a:endParaRPr lang="et-EE" sz="8000" b="1" dirty="0">
+            <a:endParaRPr lang="et-EE" sz="8000" b="1">
               <a:solidFill>
                 <a:schemeClr val="bg1">
                   <a:lumMod val="95000"/>
@@ -2873,7 +2873,7 @@
           <a:p>
             <a:pPr algn="ctr" eaLnBrk="1" hangingPunct="1"/>
             <a:r>
-              <a:rPr lang="et-EE" sz="4600" dirty="0" smtClean="0">
+              <a:rPr lang="et-EE" sz="4600" smtClean="0">
                 <a:solidFill>
                   <a:schemeClr val="bg1"/>
                 </a:solidFill>
@@ -2881,7 +2881,7 @@
               </a:rPr>
               <a:t>Birgit Sõrmus</a:t>
             </a:r>
-            <a:endParaRPr lang="en-US" sz="4600" dirty="0" smtClean="0">
+            <a:endParaRPr lang="en-US" sz="4600" smtClean="0">
               <a:solidFill>
                 <a:schemeClr val="bg1"/>
               </a:solidFill>
@@ -2891,7 +2891,7 @@
           <a:p>
             <a:pPr algn="ctr" eaLnBrk="1" hangingPunct="1"/>
             <a:r>
-              <a:rPr lang="et-EE" sz="4600" dirty="0" smtClean="0">
+              <a:rPr lang="et-EE" sz="4600" smtClean="0">
                 <a:solidFill>
                   <a:schemeClr val="bg1"/>
                 </a:solidFill>
@@ -2899,12 +2899,6 @@
               </a:rPr>
               <a:t>Kaspar Kadalipp</a:t>
             </a:r>
-            <a:endParaRPr lang="et-EE" sz="4600" dirty="0" smtClean="0">
-              <a:solidFill>
-                <a:schemeClr val="bg1"/>
-              </a:solidFill>
-              <a:latin typeface="+mn-lt"/>
-            </a:endParaRPr>
           </a:p>
         </p:txBody>
       </p:sp>
@@ -3041,229 +3035,229 @@
           <a:p>
             <a:pPr algn="just"/>
             <a:r>
-              <a:rPr lang="et-EE" sz="4000" dirty="0" err="1" smtClean="0">
+              <a:rPr lang="et-EE" sz="4000" err="1" smtClean="0">
                 <a:latin typeface="+mn-lt"/>
               </a:rPr>
               <a:t>Since</a:t>
             </a:r>
             <a:r>
-              <a:rPr lang="et-EE" sz="4000" dirty="0" smtClean="0">
-                <a:latin typeface="+mn-lt"/>
-              </a:rPr>
-              <a:t> </a:t>
-            </a:r>
-            <a:r>
-              <a:rPr lang="et-EE" sz="4000" dirty="0" err="1" smtClean="0">
+              <a:rPr lang="et-EE" sz="4000" smtClean="0">
+                <a:latin typeface="+mn-lt"/>
+              </a:rPr>
+              <a:t> </a:t>
+            </a:r>
+            <a:r>
+              <a:rPr lang="et-EE" sz="4000" err="1" smtClean="0">
                 <a:latin typeface="+mn-lt"/>
               </a:rPr>
               <a:t>music</a:t>
             </a:r>
             <a:r>
-              <a:rPr lang="et-EE" sz="4000" dirty="0" smtClean="0">
-                <a:latin typeface="+mn-lt"/>
-              </a:rPr>
-              <a:t> </a:t>
-            </a:r>
-            <a:r>
-              <a:rPr lang="et-EE" sz="4000" dirty="0" err="1" smtClean="0">
+              <a:rPr lang="et-EE" sz="4000" smtClean="0">
+                <a:latin typeface="+mn-lt"/>
+              </a:rPr>
+              <a:t> </a:t>
+            </a:r>
+            <a:r>
+              <a:rPr lang="et-EE" sz="4000" err="1" smtClean="0">
                 <a:latin typeface="+mn-lt"/>
               </a:rPr>
               <a:t>is</a:t>
             </a:r>
             <a:r>
-              <a:rPr lang="et-EE" sz="4000" dirty="0" smtClean="0">
+              <a:rPr lang="et-EE" sz="4000" smtClean="0">
                 <a:latin typeface="+mn-lt"/>
               </a:rPr>
               <a:t> a </a:t>
             </a:r>
             <a:r>
-              <a:rPr lang="et-EE" sz="4000" dirty="0" err="1" smtClean="0">
+              <a:rPr lang="et-EE" sz="4000" err="1" smtClean="0">
                 <a:latin typeface="+mn-lt"/>
               </a:rPr>
               <a:t>huge</a:t>
             </a:r>
             <a:r>
-              <a:rPr lang="et-EE" sz="4000" dirty="0" smtClean="0">
+              <a:rPr lang="et-EE" sz="4000" smtClean="0">
                 <a:latin typeface="+mn-lt"/>
               </a:rPr>
               <a:t> part of a </a:t>
             </a:r>
             <a:r>
-              <a:rPr lang="et-EE" sz="4000" dirty="0" err="1" smtClean="0">
+              <a:rPr lang="et-EE" sz="4000" err="1" smtClean="0">
                 <a:latin typeface="+mn-lt"/>
               </a:rPr>
               <a:t>lot</a:t>
             </a:r>
             <a:r>
-              <a:rPr lang="et-EE" sz="4000" dirty="0" smtClean="0">
+              <a:rPr lang="et-EE" sz="4000" smtClean="0">
                 <a:latin typeface="+mn-lt"/>
               </a:rPr>
               <a:t> of </a:t>
             </a:r>
             <a:r>
-              <a:rPr lang="et-EE" sz="4000" dirty="0" err="1" smtClean="0">
+              <a:rPr lang="et-EE" sz="4000" err="1" smtClean="0">
                 <a:latin typeface="+mn-lt"/>
               </a:rPr>
               <a:t>people’s</a:t>
             </a:r>
             <a:r>
-              <a:rPr lang="et-EE" sz="4000" dirty="0" smtClean="0">
-                <a:latin typeface="+mn-lt"/>
-              </a:rPr>
-              <a:t> </a:t>
-            </a:r>
-            <a:r>
-              <a:rPr lang="et-EE" sz="4000" dirty="0" err="1" smtClean="0">
+              <a:rPr lang="et-EE" sz="4000" smtClean="0">
+                <a:latin typeface="+mn-lt"/>
+              </a:rPr>
+              <a:t> </a:t>
+            </a:r>
+            <a:r>
+              <a:rPr lang="et-EE" sz="4000" err="1" smtClean="0">
                 <a:latin typeface="+mn-lt"/>
               </a:rPr>
               <a:t>lives</a:t>
             </a:r>
             <a:r>
-              <a:rPr lang="et-EE" sz="4000" dirty="0" smtClean="0">
+              <a:rPr lang="et-EE" sz="4000" smtClean="0">
                 <a:latin typeface="+mn-lt"/>
               </a:rPr>
               <a:t>, </a:t>
             </a:r>
             <a:r>
-              <a:rPr lang="et-EE" sz="4000" dirty="0" err="1" smtClean="0">
+              <a:rPr lang="et-EE" sz="4000" err="1" smtClean="0">
                 <a:latin typeface="+mn-lt"/>
               </a:rPr>
               <a:t>including</a:t>
             </a:r>
             <a:r>
-              <a:rPr lang="et-EE" sz="4000" dirty="0" smtClean="0">
-                <a:latin typeface="+mn-lt"/>
-              </a:rPr>
-              <a:t> </a:t>
-            </a:r>
-            <a:r>
-              <a:rPr lang="et-EE" sz="4000" dirty="0" err="1" smtClean="0">
+              <a:rPr lang="et-EE" sz="4000" smtClean="0">
+                <a:latin typeface="+mn-lt"/>
+              </a:rPr>
+              <a:t> </a:t>
+            </a:r>
+            <a:r>
+              <a:rPr lang="et-EE" sz="4000" err="1" smtClean="0">
                 <a:latin typeface="+mn-lt"/>
               </a:rPr>
               <a:t>ours</a:t>
             </a:r>
             <a:r>
-              <a:rPr lang="et-EE" sz="4000" dirty="0" smtClean="0">
+              <a:rPr lang="et-EE" sz="4000" smtClean="0">
                 <a:latin typeface="+mn-lt"/>
               </a:rPr>
               <a:t>, </a:t>
             </a:r>
             <a:r>
-              <a:rPr lang="et-EE" sz="4000" dirty="0" err="1" smtClean="0">
+              <a:rPr lang="et-EE" sz="4000" err="1" smtClean="0">
                 <a:latin typeface="+mn-lt"/>
               </a:rPr>
               <a:t>we</a:t>
             </a:r>
             <a:r>
-              <a:rPr lang="et-EE" sz="4000" dirty="0" smtClean="0">
-                <a:latin typeface="+mn-lt"/>
-              </a:rPr>
-              <a:t> </a:t>
-            </a:r>
-            <a:r>
-              <a:rPr lang="et-EE" sz="4000" dirty="0" err="1" smtClean="0">
+              <a:rPr lang="et-EE" sz="4000" smtClean="0">
+                <a:latin typeface="+mn-lt"/>
+              </a:rPr>
+              <a:t> </a:t>
+            </a:r>
+            <a:r>
+              <a:rPr lang="et-EE" sz="4000" err="1" smtClean="0">
                 <a:latin typeface="+mn-lt"/>
               </a:rPr>
               <a:t>figured</a:t>
             </a:r>
             <a:r>
-              <a:rPr lang="et-EE" sz="4000" dirty="0" smtClean="0">
-                <a:latin typeface="+mn-lt"/>
-              </a:rPr>
-              <a:t> </a:t>
-            </a:r>
-            <a:r>
-              <a:rPr lang="et-EE" sz="4000" dirty="0" err="1" smtClean="0">
+              <a:rPr lang="et-EE" sz="4000" smtClean="0">
+                <a:latin typeface="+mn-lt"/>
+              </a:rPr>
+              <a:t> </a:t>
+            </a:r>
+            <a:r>
+              <a:rPr lang="et-EE" sz="4000" err="1" smtClean="0">
                 <a:latin typeface="+mn-lt"/>
               </a:rPr>
               <a:t>there</a:t>
             </a:r>
             <a:r>
-              <a:rPr lang="et-EE" sz="4000" dirty="0" smtClean="0">
-                <a:latin typeface="+mn-lt"/>
-              </a:rPr>
-              <a:t> </a:t>
-            </a:r>
-            <a:r>
-              <a:rPr lang="et-EE" sz="4000" dirty="0" err="1" smtClean="0">
+              <a:rPr lang="et-EE" sz="4000" smtClean="0">
+                <a:latin typeface="+mn-lt"/>
+              </a:rPr>
+              <a:t> </a:t>
+            </a:r>
+            <a:r>
+              <a:rPr lang="et-EE" sz="4000" err="1" smtClean="0">
                 <a:latin typeface="+mn-lt"/>
               </a:rPr>
               <a:t>could</a:t>
             </a:r>
             <a:r>
-              <a:rPr lang="et-EE" sz="4000" dirty="0" smtClean="0">
-                <a:latin typeface="+mn-lt"/>
-              </a:rPr>
-              <a:t> </a:t>
-            </a:r>
-            <a:r>
-              <a:rPr lang="et-EE" sz="4000" dirty="0" err="1" smtClean="0">
+              <a:rPr lang="et-EE" sz="4000" smtClean="0">
+                <a:latin typeface="+mn-lt"/>
+              </a:rPr>
+              <a:t> </a:t>
+            </a:r>
+            <a:r>
+              <a:rPr lang="et-EE" sz="4000" err="1" smtClean="0">
                 <a:latin typeface="+mn-lt"/>
               </a:rPr>
               <a:t>be</a:t>
             </a:r>
             <a:r>
-              <a:rPr lang="et-EE" sz="4000" dirty="0" smtClean="0">
+              <a:rPr lang="et-EE" sz="4000" smtClean="0">
                 <a:latin typeface="+mn-lt"/>
               </a:rPr>
               <a:t> no </a:t>
             </a:r>
             <a:r>
-              <a:rPr lang="et-EE" sz="4000" dirty="0" err="1" smtClean="0">
+              <a:rPr lang="et-EE" sz="4000" err="1" smtClean="0">
                 <a:latin typeface="+mn-lt"/>
               </a:rPr>
               <a:t>better</a:t>
             </a:r>
             <a:r>
-              <a:rPr lang="et-EE" sz="4000" dirty="0" smtClean="0">
-                <a:latin typeface="+mn-lt"/>
-              </a:rPr>
-              <a:t> </a:t>
-            </a:r>
-            <a:r>
-              <a:rPr lang="et-EE" sz="4000" dirty="0" err="1" smtClean="0">
+              <a:rPr lang="et-EE" sz="4000" smtClean="0">
+                <a:latin typeface="+mn-lt"/>
+              </a:rPr>
+              <a:t> </a:t>
+            </a:r>
+            <a:r>
+              <a:rPr lang="et-EE" sz="4000" err="1" smtClean="0">
                 <a:latin typeface="+mn-lt"/>
               </a:rPr>
               <a:t>topic</a:t>
             </a:r>
             <a:r>
-              <a:rPr lang="et-EE" sz="4000" dirty="0" smtClean="0">
-                <a:latin typeface="+mn-lt"/>
-              </a:rPr>
-              <a:t> </a:t>
-            </a:r>
-            <a:r>
-              <a:rPr lang="et-EE" sz="4000" dirty="0" err="1" smtClean="0">
+              <a:rPr lang="et-EE" sz="4000" smtClean="0">
+                <a:latin typeface="+mn-lt"/>
+              </a:rPr>
+              <a:t> </a:t>
+            </a:r>
+            <a:r>
+              <a:rPr lang="et-EE" sz="4000" err="1" smtClean="0">
                 <a:latin typeface="+mn-lt"/>
               </a:rPr>
               <a:t>for</a:t>
             </a:r>
             <a:r>
-              <a:rPr lang="et-EE" sz="4000" dirty="0" smtClean="0">
-                <a:latin typeface="+mn-lt"/>
-              </a:rPr>
-              <a:t> </a:t>
-            </a:r>
-            <a:r>
-              <a:rPr lang="et-EE" sz="4000" dirty="0" err="1" smtClean="0">
+              <a:rPr lang="et-EE" sz="4000" smtClean="0">
+                <a:latin typeface="+mn-lt"/>
+              </a:rPr>
+              <a:t> </a:t>
+            </a:r>
+            <a:r>
+              <a:rPr lang="et-EE" sz="4000" err="1" smtClean="0">
                 <a:latin typeface="+mn-lt"/>
               </a:rPr>
               <a:t>this</a:t>
             </a:r>
             <a:r>
-              <a:rPr lang="et-EE" sz="4000" dirty="0" smtClean="0">
-                <a:latin typeface="+mn-lt"/>
-              </a:rPr>
-              <a:t> </a:t>
-            </a:r>
-            <a:r>
-              <a:rPr lang="et-EE" sz="4000" dirty="0" err="1" smtClean="0">
+              <a:rPr lang="et-EE" sz="4000" smtClean="0">
+                <a:latin typeface="+mn-lt"/>
+              </a:rPr>
+              <a:t> </a:t>
+            </a:r>
+            <a:r>
+              <a:rPr lang="et-EE" sz="4000" err="1" smtClean="0">
                 <a:latin typeface="+mn-lt"/>
               </a:rPr>
               <a:t>project</a:t>
             </a:r>
             <a:r>
-              <a:rPr lang="et-EE" sz="4000" dirty="0" smtClean="0">
+              <a:rPr lang="et-EE" sz="4000" smtClean="0">
                 <a:latin typeface="+mn-lt"/>
               </a:rPr>
               <a:t>.</a:t>
@@ -3272,912 +3266,909 @@
           <a:p>
             <a:pPr algn="just"/>
             <a:r>
-              <a:rPr lang="et-EE" sz="4000" dirty="0" err="1" smtClean="0">
+              <a:rPr lang="et-EE" sz="4000" err="1" smtClean="0">
                 <a:latin typeface="+mn-lt"/>
               </a:rPr>
               <a:t>The</a:t>
             </a:r>
             <a:r>
-              <a:rPr lang="et-EE" sz="4000" dirty="0" smtClean="0">
-                <a:latin typeface="+mn-lt"/>
-              </a:rPr>
-              <a:t> </a:t>
-            </a:r>
-            <a:r>
-              <a:rPr lang="et-EE" sz="4000" dirty="0" err="1" smtClean="0">
+              <a:rPr lang="et-EE" sz="4000" smtClean="0">
+                <a:latin typeface="+mn-lt"/>
+              </a:rPr>
+              <a:t> </a:t>
+            </a:r>
+            <a:r>
+              <a:rPr lang="et-EE" sz="4000" err="1" smtClean="0">
                 <a:latin typeface="+mn-lt"/>
               </a:rPr>
               <a:t>goal</a:t>
             </a:r>
             <a:r>
-              <a:rPr lang="et-EE" sz="4000" dirty="0" smtClean="0">
-                <a:latin typeface="+mn-lt"/>
-              </a:rPr>
-              <a:t> </a:t>
-            </a:r>
-            <a:r>
-              <a:rPr lang="et-EE" sz="4000" dirty="0" err="1" smtClean="0">
+              <a:rPr lang="et-EE" sz="4000" smtClean="0">
+                <a:latin typeface="+mn-lt"/>
+              </a:rPr>
+              <a:t> </a:t>
+            </a:r>
+            <a:r>
+              <a:rPr lang="et-EE" sz="4000" err="1" smtClean="0">
                 <a:latin typeface="+mn-lt"/>
               </a:rPr>
               <a:t>was</a:t>
             </a:r>
             <a:r>
-              <a:rPr lang="et-EE" sz="4000" dirty="0" smtClean="0">
-                <a:latin typeface="+mn-lt"/>
-              </a:rPr>
-              <a:t> </a:t>
-            </a:r>
-            <a:r>
-              <a:rPr lang="et-EE" sz="4000" dirty="0" err="1" smtClean="0">
+              <a:rPr lang="et-EE" sz="4000" smtClean="0">
+                <a:latin typeface="+mn-lt"/>
+              </a:rPr>
+              <a:t> </a:t>
+            </a:r>
+            <a:r>
+              <a:rPr lang="et-EE" sz="4000" err="1" smtClean="0">
                 <a:latin typeface="+mn-lt"/>
               </a:rPr>
               <a:t>to</a:t>
             </a:r>
             <a:r>
-              <a:rPr lang="et-EE" sz="4000" dirty="0" smtClean="0">
+              <a:rPr lang="et-EE" sz="4000" smtClean="0">
                 <a:latin typeface="+mn-lt"/>
               </a:rPr>
               <a:t> take </a:t>
             </a:r>
             <a:r>
-              <a:rPr lang="et-EE" sz="4000" dirty="0" err="1" smtClean="0">
+              <a:rPr lang="et-EE" sz="4000" err="1" smtClean="0">
                 <a:latin typeface="+mn-lt"/>
               </a:rPr>
               <a:t>different</a:t>
             </a:r>
             <a:r>
-              <a:rPr lang="et-EE" sz="4000" dirty="0" smtClean="0">
-                <a:latin typeface="+mn-lt"/>
-              </a:rPr>
-              <a:t> </a:t>
-            </a:r>
-            <a:r>
-              <a:rPr lang="et-EE" sz="4000" dirty="0" err="1" smtClean="0">
+              <a:rPr lang="et-EE" sz="4000" smtClean="0">
+                <a:latin typeface="+mn-lt"/>
+              </a:rPr>
+              <a:t> </a:t>
+            </a:r>
+            <a:r>
+              <a:rPr lang="et-EE" sz="4000" err="1" smtClean="0">
                 <a:latin typeface="+mn-lt"/>
               </a:rPr>
               <a:t>datasets</a:t>
             </a:r>
             <a:r>
-              <a:rPr lang="et-EE" sz="4000" dirty="0" smtClean="0">
-                <a:latin typeface="+mn-lt"/>
-              </a:rPr>
-              <a:t> </a:t>
-            </a:r>
-            <a:r>
-              <a:rPr lang="et-EE" sz="4000" dirty="0" err="1" smtClean="0">
+              <a:rPr lang="et-EE" sz="4000" smtClean="0">
+                <a:latin typeface="+mn-lt"/>
+              </a:rPr>
+              <a:t> </a:t>
+            </a:r>
+            <a:r>
+              <a:rPr lang="et-EE" sz="4000" err="1" smtClean="0">
                 <a:latin typeface="+mn-lt"/>
               </a:rPr>
               <a:t>from</a:t>
             </a:r>
             <a:r>
-              <a:rPr lang="et-EE" sz="4000" dirty="0" smtClean="0">
-                <a:latin typeface="+mn-lt"/>
-              </a:rPr>
-              <a:t> </a:t>
-            </a:r>
-            <a:r>
-              <a:rPr lang="et-EE" sz="4000" dirty="0" err="1" smtClean="0">
+              <a:rPr lang="et-EE" sz="4000" smtClean="0">
+                <a:latin typeface="+mn-lt"/>
+              </a:rPr>
+              <a:t> </a:t>
+            </a:r>
+            <a:r>
+              <a:rPr lang="et-EE" sz="4000" err="1" smtClean="0">
                 <a:latin typeface="+mn-lt"/>
               </a:rPr>
               <a:t>Kaggle</a:t>
             </a:r>
             <a:r>
-              <a:rPr lang="et-EE" sz="4000" dirty="0" smtClean="0">
-                <a:latin typeface="+mn-lt"/>
-              </a:rPr>
-              <a:t> </a:t>
-            </a:r>
-            <a:r>
-              <a:rPr lang="et-EE" sz="4000" dirty="0" err="1" smtClean="0">
+              <a:rPr lang="et-EE" sz="4000" smtClean="0">
+                <a:latin typeface="+mn-lt"/>
+              </a:rPr>
+              <a:t> </a:t>
+            </a:r>
+            <a:r>
+              <a:rPr lang="et-EE" sz="4000" err="1" smtClean="0">
                 <a:latin typeface="+mn-lt"/>
               </a:rPr>
               <a:t>that</a:t>
             </a:r>
             <a:r>
-              <a:rPr lang="et-EE" sz="4000" dirty="0" smtClean="0">
+              <a:rPr lang="et-EE" sz="4000" smtClean="0">
                 <a:latin typeface="+mn-lt"/>
               </a:rPr>
               <a:t> all </a:t>
             </a:r>
             <a:r>
-              <a:rPr lang="et-EE" sz="4000" dirty="0" err="1" smtClean="0">
+              <a:rPr lang="et-EE" sz="4000" err="1" smtClean="0">
                 <a:latin typeface="+mn-lt"/>
               </a:rPr>
               <a:t>include</a:t>
             </a:r>
             <a:r>
-              <a:rPr lang="et-EE" sz="4000" dirty="0" smtClean="0">
-                <a:latin typeface="+mn-lt"/>
-              </a:rPr>
-              <a:t> </a:t>
-            </a:r>
-            <a:r>
-              <a:rPr lang="et-EE" sz="4000" dirty="0" err="1" smtClean="0">
+              <a:rPr lang="et-EE" sz="4000" smtClean="0">
+                <a:latin typeface="+mn-lt"/>
+              </a:rPr>
+              <a:t> </a:t>
+            </a:r>
+            <a:r>
+              <a:rPr lang="et-EE" sz="4000" err="1" smtClean="0">
                 <a:latin typeface="+mn-lt"/>
               </a:rPr>
               <a:t>songs</a:t>
             </a:r>
             <a:r>
-              <a:rPr lang="et-EE" sz="4000" dirty="0" smtClean="0">
-                <a:latin typeface="+mn-lt"/>
-              </a:rPr>
-              <a:t> </a:t>
-            </a:r>
-            <a:r>
-              <a:rPr lang="et-EE" sz="4000" dirty="0" err="1" smtClean="0">
+              <a:rPr lang="et-EE" sz="4000" smtClean="0">
+                <a:latin typeface="+mn-lt"/>
+              </a:rPr>
+              <a:t> </a:t>
+            </a:r>
+            <a:r>
+              <a:rPr lang="et-EE" sz="4000" err="1" smtClean="0">
                 <a:latin typeface="+mn-lt"/>
               </a:rPr>
               <a:t>with</a:t>
             </a:r>
             <a:r>
-              <a:rPr lang="et-EE" sz="4000" dirty="0" smtClean="0">
-                <a:latin typeface="+mn-lt"/>
-              </a:rPr>
-              <a:t> </a:t>
-            </a:r>
-            <a:r>
-              <a:rPr lang="et-EE" sz="4000" dirty="0" err="1" smtClean="0">
+              <a:rPr lang="et-EE" sz="4000" smtClean="0">
+                <a:latin typeface="+mn-lt"/>
+              </a:rPr>
+              <a:t> </a:t>
+            </a:r>
+            <a:r>
+              <a:rPr lang="et-EE" sz="4000" err="1" smtClean="0">
                 <a:latin typeface="+mn-lt"/>
               </a:rPr>
               <a:t>their</a:t>
             </a:r>
             <a:r>
-              <a:rPr lang="et-EE" sz="4000" dirty="0" smtClean="0">
-                <a:latin typeface="+mn-lt"/>
-              </a:rPr>
-              <a:t> </a:t>
-            </a:r>
-            <a:r>
-              <a:rPr lang="et-EE" sz="4000" dirty="0" err="1" smtClean="0">
+              <a:rPr lang="et-EE" sz="4000" smtClean="0">
+                <a:latin typeface="+mn-lt"/>
+              </a:rPr>
+              <a:t> </a:t>
+            </a:r>
+            <a:r>
+              <a:rPr lang="et-EE" sz="4000" err="1" smtClean="0">
                 <a:latin typeface="+mn-lt"/>
               </a:rPr>
               <a:t>attributes</a:t>
             </a:r>
             <a:r>
-              <a:rPr lang="et-EE" sz="4000" dirty="0" smtClean="0">
+              <a:rPr lang="et-EE" sz="4000" smtClean="0">
                 <a:latin typeface="+mn-lt"/>
               </a:rPr>
               <a:t> and </a:t>
             </a:r>
             <a:r>
-              <a:rPr lang="et-EE" sz="4000" dirty="0" err="1" smtClean="0">
+              <a:rPr lang="et-EE" sz="4000" err="1" smtClean="0">
                 <a:latin typeface="+mn-lt"/>
               </a:rPr>
               <a:t>try</a:t>
             </a:r>
             <a:r>
-              <a:rPr lang="et-EE" sz="4000" dirty="0" smtClean="0">
-                <a:latin typeface="+mn-lt"/>
-              </a:rPr>
-              <a:t> </a:t>
-            </a:r>
-            <a:r>
-              <a:rPr lang="et-EE" sz="4000" dirty="0" err="1" smtClean="0">
+              <a:rPr lang="et-EE" sz="4000" smtClean="0">
+                <a:latin typeface="+mn-lt"/>
+              </a:rPr>
+              <a:t> </a:t>
+            </a:r>
+            <a:r>
+              <a:rPr lang="et-EE" sz="4000" err="1" smtClean="0">
                 <a:latin typeface="+mn-lt"/>
               </a:rPr>
               <a:t>to</a:t>
             </a:r>
             <a:r>
-              <a:rPr lang="et-EE" sz="4000" dirty="0" smtClean="0">
-                <a:latin typeface="+mn-lt"/>
-              </a:rPr>
-              <a:t> </a:t>
-            </a:r>
-            <a:r>
-              <a:rPr lang="et-EE" sz="4000" dirty="0" err="1" smtClean="0">
+              <a:rPr lang="et-EE" sz="4000" smtClean="0">
+                <a:latin typeface="+mn-lt"/>
+              </a:rPr>
+              <a:t> </a:t>
+            </a:r>
+            <a:r>
+              <a:rPr lang="et-EE" sz="4000" err="1" smtClean="0">
                 <a:latin typeface="+mn-lt"/>
               </a:rPr>
               <a:t>predict</a:t>
             </a:r>
             <a:r>
-              <a:rPr lang="et-EE" sz="4000" dirty="0" smtClean="0">
-                <a:latin typeface="+mn-lt"/>
-              </a:rPr>
-              <a:t> </a:t>
-            </a:r>
-            <a:r>
-              <a:rPr lang="et-EE" sz="4000" dirty="0" err="1" smtClean="0">
+              <a:rPr lang="et-EE" sz="4000" smtClean="0">
+                <a:latin typeface="+mn-lt"/>
+              </a:rPr>
+              <a:t> </a:t>
+            </a:r>
+            <a:r>
+              <a:rPr lang="et-EE" sz="4000" err="1" smtClean="0">
                 <a:latin typeface="+mn-lt"/>
               </a:rPr>
               <a:t>if</a:t>
             </a:r>
             <a:r>
-              <a:rPr lang="et-EE" sz="4000" dirty="0" smtClean="0">
+              <a:rPr lang="et-EE" sz="4000" smtClean="0">
                 <a:latin typeface="+mn-lt"/>
               </a:rPr>
               <a:t> a song </a:t>
             </a:r>
             <a:r>
-              <a:rPr lang="et-EE" sz="4000" dirty="0" err="1" smtClean="0">
+              <a:rPr lang="et-EE" sz="4000" err="1" smtClean="0">
                 <a:latin typeface="+mn-lt"/>
               </a:rPr>
               <a:t>would</a:t>
             </a:r>
             <a:r>
-              <a:rPr lang="et-EE" sz="4000" dirty="0" smtClean="0">
-                <a:latin typeface="+mn-lt"/>
-              </a:rPr>
-              <a:t> </a:t>
-            </a:r>
-            <a:r>
-              <a:rPr lang="et-EE" sz="4000" dirty="0" err="1" smtClean="0">
+              <a:rPr lang="et-EE" sz="4000" smtClean="0">
+                <a:latin typeface="+mn-lt"/>
+              </a:rPr>
+              <a:t> </a:t>
+            </a:r>
+            <a:r>
+              <a:rPr lang="et-EE" sz="4000" err="1" smtClean="0">
                 <a:latin typeface="+mn-lt"/>
               </a:rPr>
               <a:t>be</a:t>
             </a:r>
             <a:r>
-              <a:rPr lang="et-EE" sz="4000" dirty="0" smtClean="0">
-                <a:latin typeface="+mn-lt"/>
-              </a:rPr>
-              <a:t> </a:t>
-            </a:r>
-            <a:r>
-              <a:rPr lang="et-EE" sz="4000" dirty="0" err="1" smtClean="0">
+              <a:rPr lang="et-EE" sz="4000" smtClean="0">
+                <a:latin typeface="+mn-lt"/>
+              </a:rPr>
+              <a:t> </a:t>
+            </a:r>
+            <a:r>
+              <a:rPr lang="et-EE" sz="4000" err="1" smtClean="0">
                 <a:latin typeface="+mn-lt"/>
               </a:rPr>
               <a:t>popular</a:t>
             </a:r>
             <a:r>
-              <a:rPr lang="et-EE" sz="4000" dirty="0" smtClean="0">
-                <a:latin typeface="+mn-lt"/>
-              </a:rPr>
-              <a:t> </a:t>
-            </a:r>
-            <a:r>
-              <a:rPr lang="et-EE" sz="4000" dirty="0" err="1" smtClean="0">
+              <a:rPr lang="et-EE" sz="4000" smtClean="0">
+                <a:latin typeface="+mn-lt"/>
+              </a:rPr>
+              <a:t> </a:t>
+            </a:r>
+            <a:r>
+              <a:rPr lang="et-EE" sz="4000" err="1" smtClean="0">
                 <a:latin typeface="+mn-lt"/>
               </a:rPr>
               <a:t>or</a:t>
             </a:r>
             <a:r>
-              <a:rPr lang="et-EE" sz="4000" dirty="0" smtClean="0">
-                <a:latin typeface="+mn-lt"/>
-              </a:rPr>
-              <a:t> </a:t>
-            </a:r>
-            <a:r>
-              <a:rPr lang="et-EE" sz="4000" dirty="0" err="1" smtClean="0">
+              <a:rPr lang="et-EE" sz="4000" smtClean="0">
+                <a:latin typeface="+mn-lt"/>
+              </a:rPr>
+              <a:t> </a:t>
+            </a:r>
+            <a:r>
+              <a:rPr lang="et-EE" sz="4000" err="1" smtClean="0">
                 <a:latin typeface="+mn-lt"/>
               </a:rPr>
               <a:t>not</a:t>
             </a:r>
             <a:r>
-              <a:rPr lang="et-EE" sz="4000" dirty="0" smtClean="0">
-                <a:latin typeface="+mn-lt"/>
-              </a:rPr>
-              <a:t> </a:t>
-            </a:r>
-            <a:r>
-              <a:rPr lang="et-EE" sz="4000" dirty="0" err="1" smtClean="0">
+              <a:rPr lang="et-EE" sz="4000" smtClean="0">
+                <a:latin typeface="+mn-lt"/>
+              </a:rPr>
+              <a:t> </a:t>
+            </a:r>
+            <a:r>
+              <a:rPr lang="et-EE" sz="4000" err="1" smtClean="0">
                 <a:latin typeface="+mn-lt"/>
               </a:rPr>
               <a:t>based</a:t>
             </a:r>
             <a:r>
-              <a:rPr lang="et-EE" sz="4000" dirty="0" smtClean="0">
+              <a:rPr lang="et-EE" sz="4000" smtClean="0">
                 <a:latin typeface="+mn-lt"/>
               </a:rPr>
               <a:t> on </a:t>
             </a:r>
             <a:r>
-              <a:rPr lang="et-EE" sz="4000" dirty="0" err="1" smtClean="0">
+              <a:rPr lang="et-EE" sz="4000" err="1" smtClean="0">
                 <a:latin typeface="+mn-lt"/>
               </a:rPr>
               <a:t>those</a:t>
             </a:r>
             <a:r>
-              <a:rPr lang="et-EE" sz="4000" dirty="0" smtClean="0">
-                <a:latin typeface="+mn-lt"/>
-              </a:rPr>
-              <a:t> </a:t>
-            </a:r>
-            <a:r>
-              <a:rPr lang="et-EE" sz="4000" dirty="0" err="1" smtClean="0">
+              <a:rPr lang="et-EE" sz="4000" smtClean="0">
+                <a:latin typeface="+mn-lt"/>
+              </a:rPr>
+              <a:t> </a:t>
+            </a:r>
+            <a:r>
+              <a:rPr lang="et-EE" sz="4000" err="1" smtClean="0">
                 <a:latin typeface="+mn-lt"/>
               </a:rPr>
               <a:t>features</a:t>
             </a:r>
             <a:r>
-              <a:rPr lang="et-EE" sz="4000" dirty="0" smtClean="0">
+              <a:rPr lang="et-EE" sz="4000" smtClean="0">
                 <a:latin typeface="+mn-lt"/>
               </a:rPr>
               <a:t>. </a:t>
             </a:r>
             <a:r>
-              <a:rPr lang="et-EE" sz="4000" dirty="0" err="1" smtClean="0">
+              <a:rPr lang="et-EE" sz="4000" err="1" smtClean="0">
                 <a:latin typeface="+mn-lt"/>
               </a:rPr>
               <a:t>We</a:t>
             </a:r>
             <a:r>
-              <a:rPr lang="et-EE" sz="4000" dirty="0" smtClean="0">
-                <a:latin typeface="+mn-lt"/>
-              </a:rPr>
-              <a:t> </a:t>
-            </a:r>
-            <a:r>
-              <a:rPr lang="et-EE" sz="4000" dirty="0" err="1" smtClean="0">
+              <a:rPr lang="et-EE" sz="4000" smtClean="0">
+                <a:latin typeface="+mn-lt"/>
+              </a:rPr>
+              <a:t> </a:t>
+            </a:r>
+            <a:r>
+              <a:rPr lang="et-EE" sz="4000" err="1" smtClean="0">
                 <a:latin typeface="+mn-lt"/>
               </a:rPr>
               <a:t>found</a:t>
             </a:r>
             <a:r>
-              <a:rPr lang="et-EE" sz="4000" dirty="0" smtClean="0">
+              <a:rPr lang="et-EE" sz="4000" smtClean="0">
                 <a:latin typeface="+mn-lt"/>
               </a:rPr>
               <a:t> a </a:t>
             </a:r>
             <a:r>
-              <a:rPr lang="et-EE" sz="4000" dirty="0" err="1" smtClean="0">
+              <a:rPr lang="et-EE" sz="4000" err="1" smtClean="0">
                 <a:latin typeface="+mn-lt"/>
               </a:rPr>
               <a:t>very</a:t>
             </a:r>
             <a:r>
-              <a:rPr lang="et-EE" sz="4000" dirty="0" smtClean="0">
-                <a:latin typeface="+mn-lt"/>
-              </a:rPr>
-              <a:t> </a:t>
-            </a:r>
-            <a:r>
-              <a:rPr lang="et-EE" sz="4000" dirty="0" err="1" smtClean="0">
+              <a:rPr lang="et-EE" sz="4000" smtClean="0">
+                <a:latin typeface="+mn-lt"/>
+              </a:rPr>
+              <a:t> </a:t>
+            </a:r>
+            <a:r>
+              <a:rPr lang="et-EE" sz="4000" err="1" smtClean="0">
                 <a:latin typeface="+mn-lt"/>
               </a:rPr>
               <a:t>large</a:t>
             </a:r>
             <a:r>
-              <a:rPr lang="et-EE" sz="4000" dirty="0" smtClean="0">
-                <a:latin typeface="+mn-lt"/>
-              </a:rPr>
-              <a:t> </a:t>
-            </a:r>
-            <a:r>
-              <a:rPr lang="et-EE" sz="4000" dirty="0" err="1" smtClean="0">
+              <a:rPr lang="et-EE" sz="4000" smtClean="0">
+                <a:latin typeface="+mn-lt"/>
+              </a:rPr>
+              <a:t> </a:t>
+            </a:r>
+            <a:r>
+              <a:rPr lang="et-EE" sz="4000" err="1" smtClean="0">
                 <a:latin typeface="+mn-lt"/>
               </a:rPr>
               <a:t>dataset</a:t>
             </a:r>
             <a:r>
-              <a:rPr lang="et-EE" sz="4000" dirty="0" smtClean="0">
-                <a:latin typeface="+mn-lt"/>
-              </a:rPr>
-              <a:t> </a:t>
-            </a:r>
-            <a:r>
-              <a:rPr lang="et-EE" sz="4000" dirty="0" err="1" smtClean="0">
+              <a:rPr lang="et-EE" sz="4000" smtClean="0">
+                <a:latin typeface="+mn-lt"/>
+              </a:rPr>
+              <a:t> </a:t>
+            </a:r>
+            <a:r>
+              <a:rPr lang="et-EE" sz="4000" err="1" smtClean="0">
                 <a:latin typeface="+mn-lt"/>
               </a:rPr>
               <a:t>with</a:t>
             </a:r>
             <a:r>
-              <a:rPr lang="et-EE" sz="4000" dirty="0" smtClean="0">
-                <a:latin typeface="+mn-lt"/>
-              </a:rPr>
-              <a:t> </a:t>
-            </a:r>
-            <a:r>
-              <a:rPr lang="et-EE" sz="4000" dirty="0" err="1" smtClean="0">
+              <a:rPr lang="et-EE" sz="4000" smtClean="0">
+                <a:latin typeface="+mn-lt"/>
+              </a:rPr>
+              <a:t> </a:t>
+            </a:r>
+            <a:r>
+              <a:rPr lang="et-EE" sz="4000" err="1" smtClean="0">
                 <a:latin typeface="+mn-lt"/>
               </a:rPr>
               <a:t>over</a:t>
             </a:r>
             <a:r>
-              <a:rPr lang="et-EE" sz="4000" dirty="0" smtClean="0">
+              <a:rPr lang="et-EE" sz="4000" smtClean="0">
                 <a:latin typeface="+mn-lt"/>
               </a:rPr>
               <a:t> 200 000 </a:t>
             </a:r>
             <a:r>
-              <a:rPr lang="et-EE" sz="4000" dirty="0" err="1" smtClean="0">
+              <a:rPr lang="et-EE" sz="4000" err="1" smtClean="0">
                 <a:latin typeface="+mn-lt"/>
               </a:rPr>
               <a:t>songs</a:t>
             </a:r>
             <a:r>
-              <a:rPr lang="et-EE" sz="4000" dirty="0" smtClean="0">
+              <a:rPr lang="et-EE" sz="4000" smtClean="0">
                 <a:latin typeface="+mn-lt"/>
               </a:rPr>
               <a:t>, so </a:t>
             </a:r>
             <a:r>
-              <a:rPr lang="et-EE" sz="4000" dirty="0" err="1" smtClean="0">
+              <a:rPr lang="et-EE" sz="4000" err="1" smtClean="0">
                 <a:latin typeface="+mn-lt"/>
               </a:rPr>
               <a:t>we</a:t>
             </a:r>
             <a:r>
-              <a:rPr lang="et-EE" sz="4000" dirty="0" smtClean="0">
-                <a:latin typeface="+mn-lt"/>
-              </a:rPr>
-              <a:t> </a:t>
-            </a:r>
-            <a:r>
-              <a:rPr lang="et-EE" sz="4000" dirty="0" err="1" smtClean="0">
+              <a:rPr lang="et-EE" sz="4000" smtClean="0">
+                <a:latin typeface="+mn-lt"/>
+              </a:rPr>
+              <a:t> </a:t>
+            </a:r>
+            <a:r>
+              <a:rPr lang="et-EE" sz="4000" err="1" smtClean="0">
                 <a:latin typeface="+mn-lt"/>
               </a:rPr>
               <a:t>split</a:t>
             </a:r>
             <a:r>
-              <a:rPr lang="et-EE" sz="4000" dirty="0" smtClean="0">
-                <a:latin typeface="+mn-lt"/>
-              </a:rPr>
-              <a:t> </a:t>
-            </a:r>
-            <a:r>
-              <a:rPr lang="et-EE" sz="4000" dirty="0" err="1" smtClean="0">
+              <a:rPr lang="et-EE" sz="4000" smtClean="0">
+                <a:latin typeface="+mn-lt"/>
+              </a:rPr>
+              <a:t> </a:t>
+            </a:r>
+            <a:r>
+              <a:rPr lang="et-EE" sz="4000" err="1" smtClean="0">
                 <a:latin typeface="+mn-lt"/>
               </a:rPr>
               <a:t>that</a:t>
             </a:r>
             <a:r>
-              <a:rPr lang="et-EE" sz="4000" dirty="0" smtClean="0">
-                <a:latin typeface="+mn-lt"/>
-              </a:rPr>
-              <a:t> </a:t>
-            </a:r>
-            <a:r>
-              <a:rPr lang="et-EE" sz="4000" dirty="0" err="1" smtClean="0">
+              <a:rPr lang="et-EE" sz="4000" smtClean="0">
+                <a:latin typeface="+mn-lt"/>
+              </a:rPr>
+              <a:t> </a:t>
+            </a:r>
+            <a:r>
+              <a:rPr lang="et-EE" sz="4000" err="1" smtClean="0">
                 <a:latin typeface="+mn-lt"/>
               </a:rPr>
               <a:t>into</a:t>
             </a:r>
             <a:r>
-              <a:rPr lang="et-EE" sz="4000" dirty="0" smtClean="0">
+              <a:rPr lang="et-EE" sz="4000" smtClean="0">
                 <a:latin typeface="+mn-lt"/>
               </a:rPr>
               <a:t> a </a:t>
             </a:r>
             <a:r>
-              <a:rPr lang="et-EE" sz="4000" dirty="0" err="1" smtClean="0">
+              <a:rPr lang="et-EE" sz="4000" err="1" smtClean="0">
                 <a:latin typeface="+mn-lt"/>
               </a:rPr>
               <a:t>trainset</a:t>
             </a:r>
             <a:r>
-              <a:rPr lang="et-EE" sz="4000" dirty="0" smtClean="0">
+              <a:rPr lang="et-EE" sz="4000" smtClean="0">
                 <a:latin typeface="+mn-lt"/>
               </a:rPr>
               <a:t> and a </a:t>
             </a:r>
             <a:r>
-              <a:rPr lang="et-EE" sz="4000" dirty="0" err="1" smtClean="0">
+              <a:rPr lang="et-EE" sz="4000" err="1" smtClean="0">
                 <a:latin typeface="+mn-lt"/>
               </a:rPr>
               <a:t>testset</a:t>
             </a:r>
             <a:r>
-              <a:rPr lang="et-EE" sz="4000" dirty="0" smtClean="0">
+              <a:rPr lang="et-EE" sz="4000" smtClean="0">
                 <a:latin typeface="+mn-lt"/>
               </a:rPr>
               <a:t>. </a:t>
             </a:r>
             <a:r>
-              <a:rPr lang="et-EE" sz="4000" dirty="0" err="1" smtClean="0">
+              <a:rPr lang="et-EE" sz="4000" err="1" smtClean="0">
                 <a:latin typeface="+mn-lt"/>
               </a:rPr>
               <a:t>For</a:t>
             </a:r>
             <a:r>
-              <a:rPr lang="et-EE" sz="4000" dirty="0" smtClean="0">
-                <a:latin typeface="+mn-lt"/>
-              </a:rPr>
-              <a:t> </a:t>
-            </a:r>
-            <a:r>
-              <a:rPr lang="et-EE" sz="4000" dirty="0" err="1" smtClean="0">
+              <a:rPr lang="et-EE" sz="4000" smtClean="0">
+                <a:latin typeface="+mn-lt"/>
+              </a:rPr>
+              <a:t> </a:t>
+            </a:r>
+            <a:r>
+              <a:rPr lang="et-EE" sz="4000" err="1" smtClean="0">
                 <a:latin typeface="+mn-lt"/>
               </a:rPr>
               <a:t>testing</a:t>
             </a:r>
             <a:r>
-              <a:rPr lang="et-EE" sz="4000" dirty="0" smtClean="0">
+              <a:rPr lang="et-EE" sz="4000" smtClean="0">
                 <a:latin typeface="+mn-lt"/>
               </a:rPr>
               <a:t>, </a:t>
             </a:r>
             <a:r>
-              <a:rPr lang="et-EE" sz="4000" dirty="0" err="1" smtClean="0">
+              <a:rPr lang="et-EE" sz="4000" err="1" smtClean="0">
                 <a:latin typeface="+mn-lt"/>
               </a:rPr>
               <a:t>we</a:t>
             </a:r>
             <a:r>
-              <a:rPr lang="et-EE" sz="4000" dirty="0" smtClean="0">
-                <a:latin typeface="+mn-lt"/>
-              </a:rPr>
-              <a:t> </a:t>
-            </a:r>
-            <a:r>
-              <a:rPr lang="et-EE" sz="4000" dirty="0" err="1" smtClean="0">
+              <a:rPr lang="et-EE" sz="4000" smtClean="0">
+                <a:latin typeface="+mn-lt"/>
+              </a:rPr>
+              <a:t> </a:t>
+            </a:r>
+            <a:r>
+              <a:rPr lang="et-EE" sz="4000" err="1" smtClean="0">
                 <a:latin typeface="+mn-lt"/>
               </a:rPr>
               <a:t>also</a:t>
             </a:r>
             <a:r>
-              <a:rPr lang="et-EE" sz="4000" dirty="0" smtClean="0">
-                <a:latin typeface="+mn-lt"/>
-              </a:rPr>
-              <a:t> </a:t>
-            </a:r>
-            <a:r>
-              <a:rPr lang="et-EE" sz="4000" dirty="0" err="1" smtClean="0">
+              <a:rPr lang="et-EE" sz="4000" smtClean="0">
+                <a:latin typeface="+mn-lt"/>
+              </a:rPr>
+              <a:t> </a:t>
+            </a:r>
+            <a:r>
+              <a:rPr lang="et-EE" sz="4000" err="1" smtClean="0">
                 <a:latin typeface="+mn-lt"/>
               </a:rPr>
               <a:t>used</a:t>
             </a:r>
             <a:r>
-              <a:rPr lang="et-EE" sz="4000" dirty="0" smtClean="0">
+              <a:rPr lang="et-EE" sz="4000" smtClean="0">
                 <a:latin typeface="+mn-lt"/>
               </a:rPr>
               <a:t> tops of 2017 and 2018, </a:t>
             </a:r>
             <a:r>
-              <a:rPr lang="et-EE" sz="4000" dirty="0" err="1" smtClean="0">
+              <a:rPr lang="et-EE" sz="4000" err="1" smtClean="0">
                 <a:latin typeface="+mn-lt"/>
               </a:rPr>
               <a:t>assuming</a:t>
             </a:r>
             <a:r>
-              <a:rPr lang="et-EE" sz="4000" dirty="0" smtClean="0">
-                <a:latin typeface="+mn-lt"/>
-              </a:rPr>
-              <a:t> </a:t>
-            </a:r>
-            <a:r>
-              <a:rPr lang="et-EE" sz="4000" dirty="0" err="1" smtClean="0">
+              <a:rPr lang="et-EE" sz="4000" smtClean="0">
+                <a:latin typeface="+mn-lt"/>
+              </a:rPr>
+              <a:t> </a:t>
+            </a:r>
+            <a:r>
+              <a:rPr lang="et-EE" sz="4000" err="1" smtClean="0">
                 <a:latin typeface="+mn-lt"/>
               </a:rPr>
               <a:t>that</a:t>
             </a:r>
             <a:r>
-              <a:rPr lang="et-EE" sz="4000" dirty="0" smtClean="0">
-                <a:latin typeface="+mn-lt"/>
-              </a:rPr>
-              <a:t> </a:t>
-            </a:r>
-            <a:r>
-              <a:rPr lang="et-EE" sz="4000" dirty="0" err="1" smtClean="0">
+              <a:rPr lang="et-EE" sz="4000" smtClean="0">
+                <a:latin typeface="+mn-lt"/>
+              </a:rPr>
+              <a:t> </a:t>
+            </a:r>
+            <a:r>
+              <a:rPr lang="et-EE" sz="4000" err="1" smtClean="0">
                 <a:latin typeface="+mn-lt"/>
               </a:rPr>
               <a:t>those</a:t>
             </a:r>
             <a:r>
-              <a:rPr lang="et-EE" sz="4000" dirty="0" smtClean="0">
-                <a:latin typeface="+mn-lt"/>
-              </a:rPr>
-              <a:t> </a:t>
-            </a:r>
-            <a:r>
-              <a:rPr lang="et-EE" sz="4000" dirty="0" err="1" smtClean="0">
+              <a:rPr lang="et-EE" sz="4000" smtClean="0">
+                <a:latin typeface="+mn-lt"/>
+              </a:rPr>
+              <a:t> </a:t>
+            </a:r>
+            <a:r>
+              <a:rPr lang="et-EE" sz="4000" err="1" smtClean="0">
                 <a:latin typeface="+mn-lt"/>
               </a:rPr>
               <a:t>were</a:t>
             </a:r>
             <a:r>
-              <a:rPr lang="et-EE" sz="4000" dirty="0" smtClean="0">
+              <a:rPr lang="et-EE" sz="4000" smtClean="0">
                 <a:latin typeface="+mn-lt"/>
               </a:rPr>
               <a:t> all </a:t>
             </a:r>
             <a:r>
-              <a:rPr lang="et-EE" sz="4000" dirty="0" err="1" smtClean="0">
+              <a:rPr lang="et-EE" sz="4000" err="1" smtClean="0">
                 <a:latin typeface="+mn-lt"/>
               </a:rPr>
               <a:t>popular</a:t>
             </a:r>
             <a:r>
-              <a:rPr lang="et-EE" sz="4000" dirty="0" smtClean="0">
-                <a:latin typeface="+mn-lt"/>
-              </a:rPr>
-              <a:t> </a:t>
-            </a:r>
-            <a:r>
-              <a:rPr lang="et-EE" sz="4000" dirty="0" err="1" smtClean="0">
+              <a:rPr lang="et-EE" sz="4000" smtClean="0">
+                <a:latin typeface="+mn-lt"/>
+              </a:rPr>
+              <a:t> </a:t>
+            </a:r>
+            <a:r>
+              <a:rPr lang="et-EE" sz="4000" err="1" smtClean="0">
                 <a:latin typeface="+mn-lt"/>
               </a:rPr>
               <a:t>songs</a:t>
             </a:r>
             <a:r>
-              <a:rPr lang="et-EE" sz="4000" dirty="0" smtClean="0">
+              <a:rPr lang="et-EE" sz="4000" smtClean="0">
                 <a:latin typeface="+mn-lt"/>
               </a:rPr>
               <a:t>.</a:t>
             </a:r>
-            <a:endParaRPr lang="et-EE" sz="4000" dirty="0" smtClean="0">
-              <a:latin typeface="+mn-lt"/>
-            </a:endParaRPr>
           </a:p>
           <a:p>
             <a:pPr algn="just"/>
             <a:r>
-              <a:rPr lang="et-EE" sz="4000" dirty="0" err="1" smtClean="0">
+              <a:rPr lang="et-EE" sz="4000" err="1" smtClean="0">
                 <a:latin typeface="+mn-lt"/>
               </a:rPr>
               <a:t>Another</a:t>
             </a:r>
             <a:r>
-              <a:rPr lang="et-EE" sz="4000" dirty="0" smtClean="0">
-                <a:latin typeface="+mn-lt"/>
-              </a:rPr>
-              <a:t> </a:t>
-            </a:r>
-            <a:r>
-              <a:rPr lang="et-EE" sz="4000" dirty="0" err="1" smtClean="0">
+              <a:rPr lang="et-EE" sz="4000" smtClean="0">
+                <a:latin typeface="+mn-lt"/>
+              </a:rPr>
+              <a:t> </a:t>
+            </a:r>
+            <a:r>
+              <a:rPr lang="et-EE" sz="4000" err="1" smtClean="0">
                 <a:latin typeface="+mn-lt"/>
               </a:rPr>
               <a:t>goal</a:t>
             </a:r>
             <a:r>
-              <a:rPr lang="et-EE" sz="4000" dirty="0" smtClean="0">
-                <a:latin typeface="+mn-lt"/>
-              </a:rPr>
-              <a:t> </a:t>
-            </a:r>
-            <a:r>
-              <a:rPr lang="et-EE" sz="4000" dirty="0" err="1" smtClean="0">
+              <a:rPr lang="et-EE" sz="4000" smtClean="0">
+                <a:latin typeface="+mn-lt"/>
+              </a:rPr>
+              <a:t> </a:t>
+            </a:r>
+            <a:r>
+              <a:rPr lang="et-EE" sz="4000" err="1" smtClean="0">
                 <a:latin typeface="+mn-lt"/>
               </a:rPr>
               <a:t>we</a:t>
             </a:r>
             <a:r>
-              <a:rPr lang="et-EE" sz="4000" dirty="0" smtClean="0">
-                <a:latin typeface="+mn-lt"/>
-              </a:rPr>
-              <a:t> </a:t>
-            </a:r>
-            <a:r>
-              <a:rPr lang="et-EE" sz="4000" dirty="0" err="1" smtClean="0">
+              <a:rPr lang="et-EE" sz="4000" smtClean="0">
+                <a:latin typeface="+mn-lt"/>
+              </a:rPr>
+              <a:t> </a:t>
+            </a:r>
+            <a:r>
+              <a:rPr lang="et-EE" sz="4000" err="1" smtClean="0">
                 <a:latin typeface="+mn-lt"/>
               </a:rPr>
               <a:t>set</a:t>
             </a:r>
             <a:r>
-              <a:rPr lang="et-EE" sz="4000" dirty="0" smtClean="0">
-                <a:latin typeface="+mn-lt"/>
-              </a:rPr>
-              <a:t> </a:t>
-            </a:r>
-            <a:r>
-              <a:rPr lang="et-EE" sz="4000" dirty="0" err="1" smtClean="0">
+              <a:rPr lang="et-EE" sz="4000" smtClean="0">
+                <a:latin typeface="+mn-lt"/>
+              </a:rPr>
+              <a:t> </a:t>
+            </a:r>
+            <a:r>
+              <a:rPr lang="et-EE" sz="4000" err="1" smtClean="0">
                 <a:latin typeface="+mn-lt"/>
               </a:rPr>
               <a:t>based</a:t>
             </a:r>
             <a:r>
-              <a:rPr lang="et-EE" sz="4000" dirty="0" smtClean="0">
+              <a:rPr lang="et-EE" sz="4000" smtClean="0">
                 <a:latin typeface="+mn-lt"/>
               </a:rPr>
               <a:t> on </a:t>
             </a:r>
             <a:r>
-              <a:rPr lang="et-EE" sz="4000" dirty="0" err="1" smtClean="0">
+              <a:rPr lang="et-EE" sz="4000" err="1" smtClean="0">
                 <a:latin typeface="+mn-lt"/>
               </a:rPr>
               <a:t>the</a:t>
             </a:r>
             <a:r>
-              <a:rPr lang="et-EE" sz="4000" dirty="0" smtClean="0">
+              <a:rPr lang="et-EE" sz="4000" smtClean="0">
                 <a:latin typeface="+mn-lt"/>
               </a:rPr>
               <a:t> tops of 2017 and 2018 </a:t>
             </a:r>
             <a:r>
-              <a:rPr lang="et-EE" sz="4000" dirty="0" err="1" smtClean="0">
+              <a:rPr lang="et-EE" sz="4000" err="1" smtClean="0">
                 <a:latin typeface="+mn-lt"/>
               </a:rPr>
               <a:t>was</a:t>
             </a:r>
             <a:r>
-              <a:rPr lang="et-EE" sz="4000" dirty="0" smtClean="0">
-                <a:latin typeface="+mn-lt"/>
-              </a:rPr>
-              <a:t> </a:t>
-            </a:r>
-            <a:r>
-              <a:rPr lang="et-EE" sz="4000" dirty="0" err="1" smtClean="0">
+              <a:rPr lang="et-EE" sz="4000" smtClean="0">
+                <a:latin typeface="+mn-lt"/>
+              </a:rPr>
+              <a:t> </a:t>
+            </a:r>
+            <a:r>
+              <a:rPr lang="et-EE" sz="4000" err="1" smtClean="0">
                 <a:latin typeface="+mn-lt"/>
               </a:rPr>
               <a:t>to</a:t>
             </a:r>
             <a:r>
-              <a:rPr lang="et-EE" sz="4000" dirty="0" smtClean="0">
-                <a:latin typeface="+mn-lt"/>
-              </a:rPr>
-              <a:t> </a:t>
-            </a:r>
-            <a:r>
-              <a:rPr lang="et-EE" sz="4000" dirty="0" err="1" smtClean="0">
+              <a:rPr lang="et-EE" sz="4000" smtClean="0">
+                <a:latin typeface="+mn-lt"/>
+              </a:rPr>
+              <a:t> </a:t>
+            </a:r>
+            <a:r>
+              <a:rPr lang="et-EE" sz="4000" err="1" smtClean="0">
                 <a:latin typeface="+mn-lt"/>
               </a:rPr>
               <a:t>analyze</a:t>
             </a:r>
             <a:r>
-              <a:rPr lang="et-EE" sz="4000" dirty="0" smtClean="0">
-                <a:latin typeface="+mn-lt"/>
-              </a:rPr>
-              <a:t> </a:t>
-            </a:r>
-            <a:r>
-              <a:rPr lang="et-EE" sz="4000" dirty="0" err="1" smtClean="0">
+              <a:rPr lang="et-EE" sz="4000" smtClean="0">
+                <a:latin typeface="+mn-lt"/>
+              </a:rPr>
+              <a:t> </a:t>
+            </a:r>
+            <a:r>
+              <a:rPr lang="et-EE" sz="4000" err="1" smtClean="0">
                 <a:latin typeface="+mn-lt"/>
               </a:rPr>
               <a:t>the</a:t>
             </a:r>
             <a:r>
-              <a:rPr lang="et-EE" sz="4000" dirty="0" smtClean="0">
-                <a:latin typeface="+mn-lt"/>
-              </a:rPr>
-              <a:t> </a:t>
-            </a:r>
-            <a:r>
-              <a:rPr lang="et-EE" sz="4000" dirty="0" err="1" smtClean="0">
+              <a:rPr lang="et-EE" sz="4000" smtClean="0">
+                <a:latin typeface="+mn-lt"/>
+              </a:rPr>
+              <a:t> </a:t>
+            </a:r>
+            <a:r>
+              <a:rPr lang="et-EE" sz="4000" err="1" smtClean="0">
                 <a:latin typeface="+mn-lt"/>
               </a:rPr>
               <a:t>features</a:t>
             </a:r>
             <a:r>
-              <a:rPr lang="et-EE" sz="4000" dirty="0" smtClean="0">
+              <a:rPr lang="et-EE" sz="4000" smtClean="0">
                 <a:latin typeface="+mn-lt"/>
               </a:rPr>
               <a:t> of </a:t>
             </a:r>
             <a:r>
-              <a:rPr lang="et-EE" sz="4000" dirty="0" err="1" smtClean="0">
+              <a:rPr lang="et-EE" sz="4000" err="1" smtClean="0">
                 <a:latin typeface="+mn-lt"/>
               </a:rPr>
               <a:t>those</a:t>
             </a:r>
             <a:r>
-              <a:rPr lang="et-EE" sz="4000" dirty="0" smtClean="0">
-                <a:latin typeface="+mn-lt"/>
-              </a:rPr>
-              <a:t> </a:t>
-            </a:r>
-            <a:r>
-              <a:rPr lang="et-EE" sz="4000" dirty="0" err="1" smtClean="0">
+              <a:rPr lang="et-EE" sz="4000" smtClean="0">
+                <a:latin typeface="+mn-lt"/>
+              </a:rPr>
+              <a:t> </a:t>
+            </a:r>
+            <a:r>
+              <a:rPr lang="et-EE" sz="4000" err="1" smtClean="0">
                 <a:latin typeface="+mn-lt"/>
               </a:rPr>
               <a:t>songs</a:t>
             </a:r>
             <a:r>
-              <a:rPr lang="et-EE" sz="4000" dirty="0" smtClean="0">
+              <a:rPr lang="et-EE" sz="4000" smtClean="0">
                 <a:latin typeface="+mn-lt"/>
               </a:rPr>
               <a:t> and see </a:t>
             </a:r>
             <a:r>
-              <a:rPr lang="et-EE" sz="4000" dirty="0" err="1" smtClean="0">
+              <a:rPr lang="et-EE" sz="4000" err="1" smtClean="0">
                 <a:latin typeface="+mn-lt"/>
               </a:rPr>
               <a:t>whether</a:t>
             </a:r>
             <a:r>
-              <a:rPr lang="et-EE" sz="4000" dirty="0" smtClean="0">
-                <a:latin typeface="+mn-lt"/>
-              </a:rPr>
-              <a:t> </a:t>
-            </a:r>
-            <a:r>
-              <a:rPr lang="et-EE" sz="4000" dirty="0" err="1" smtClean="0">
+              <a:rPr lang="et-EE" sz="4000" smtClean="0">
+                <a:latin typeface="+mn-lt"/>
+              </a:rPr>
+              <a:t> </a:t>
+            </a:r>
+            <a:r>
+              <a:rPr lang="et-EE" sz="4000" err="1" smtClean="0">
                 <a:latin typeface="+mn-lt"/>
               </a:rPr>
               <a:t>the</a:t>
             </a:r>
             <a:r>
-              <a:rPr lang="et-EE" sz="4000" dirty="0" smtClean="0">
-                <a:latin typeface="+mn-lt"/>
-              </a:rPr>
-              <a:t> </a:t>
-            </a:r>
-            <a:r>
-              <a:rPr lang="et-EE" sz="4000" dirty="0" err="1" smtClean="0">
+              <a:rPr lang="et-EE" sz="4000" smtClean="0">
+                <a:latin typeface="+mn-lt"/>
+              </a:rPr>
+              <a:t> </a:t>
+            </a:r>
+            <a:r>
+              <a:rPr lang="et-EE" sz="4000" err="1" smtClean="0">
                 <a:latin typeface="+mn-lt"/>
               </a:rPr>
               <a:t>music</a:t>
             </a:r>
             <a:r>
-              <a:rPr lang="et-EE" sz="4000" dirty="0" smtClean="0">
-                <a:latin typeface="+mn-lt"/>
-              </a:rPr>
-              <a:t> </a:t>
-            </a:r>
-            <a:r>
-              <a:rPr lang="et-EE" sz="4000" dirty="0" err="1" smtClean="0">
+              <a:rPr lang="et-EE" sz="4000" smtClean="0">
+                <a:latin typeface="+mn-lt"/>
+              </a:rPr>
+              <a:t> </a:t>
+            </a:r>
+            <a:r>
+              <a:rPr lang="et-EE" sz="4000" err="1" smtClean="0">
                 <a:latin typeface="+mn-lt"/>
               </a:rPr>
               <a:t>people</a:t>
             </a:r>
             <a:r>
-              <a:rPr lang="et-EE" sz="4000" dirty="0" smtClean="0">
-                <a:latin typeface="+mn-lt"/>
-              </a:rPr>
-              <a:t> </a:t>
-            </a:r>
-            <a:r>
-              <a:rPr lang="et-EE" sz="4000" dirty="0" err="1" smtClean="0">
+              <a:rPr lang="et-EE" sz="4000" smtClean="0">
+                <a:latin typeface="+mn-lt"/>
+              </a:rPr>
+              <a:t> </a:t>
+            </a:r>
+            <a:r>
+              <a:rPr lang="et-EE" sz="4000" err="1" smtClean="0">
                 <a:latin typeface="+mn-lt"/>
               </a:rPr>
               <a:t>listen</a:t>
             </a:r>
             <a:r>
-              <a:rPr lang="et-EE" sz="4000" dirty="0" smtClean="0">
-                <a:latin typeface="+mn-lt"/>
-              </a:rPr>
-              <a:t> </a:t>
-            </a:r>
-            <a:r>
-              <a:rPr lang="et-EE" sz="4000" dirty="0" err="1" smtClean="0">
+              <a:rPr lang="et-EE" sz="4000" smtClean="0">
+                <a:latin typeface="+mn-lt"/>
+              </a:rPr>
+              <a:t> </a:t>
+            </a:r>
+            <a:r>
+              <a:rPr lang="et-EE" sz="4000" err="1" smtClean="0">
                 <a:latin typeface="+mn-lt"/>
               </a:rPr>
               <a:t>to</a:t>
             </a:r>
             <a:r>
-              <a:rPr lang="et-EE" sz="4000" dirty="0" smtClean="0">
-                <a:latin typeface="+mn-lt"/>
-              </a:rPr>
-              <a:t> </a:t>
-            </a:r>
-            <a:r>
-              <a:rPr lang="et-EE" sz="4000" dirty="0" err="1" smtClean="0">
+              <a:rPr lang="et-EE" sz="4000" smtClean="0">
+                <a:latin typeface="+mn-lt"/>
+              </a:rPr>
+              <a:t> </a:t>
+            </a:r>
+            <a:r>
+              <a:rPr lang="et-EE" sz="4000" err="1" smtClean="0">
                 <a:latin typeface="+mn-lt"/>
               </a:rPr>
               <a:t>had</a:t>
             </a:r>
             <a:r>
-              <a:rPr lang="et-EE" sz="4000" dirty="0" smtClean="0">
-                <a:latin typeface="+mn-lt"/>
-              </a:rPr>
-              <a:t> </a:t>
-            </a:r>
-            <a:r>
-              <a:rPr lang="et-EE" sz="4000" dirty="0" err="1" smtClean="0">
+              <a:rPr lang="et-EE" sz="4000" smtClean="0">
+                <a:latin typeface="+mn-lt"/>
+              </a:rPr>
+              <a:t> </a:t>
+            </a:r>
+            <a:r>
+              <a:rPr lang="et-EE" sz="4000" err="1" smtClean="0">
                 <a:latin typeface="+mn-lt"/>
               </a:rPr>
               <a:t>changed</a:t>
             </a:r>
             <a:r>
-              <a:rPr lang="et-EE" sz="4000" dirty="0" smtClean="0">
+              <a:rPr lang="et-EE" sz="4000" smtClean="0">
                 <a:latin typeface="+mn-lt"/>
               </a:rPr>
               <a:t> in a </a:t>
             </a:r>
             <a:r>
-              <a:rPr lang="et-EE" sz="4000" dirty="0" err="1" smtClean="0">
+              <a:rPr lang="et-EE" sz="4000" err="1" smtClean="0">
                 <a:latin typeface="+mn-lt"/>
               </a:rPr>
               <a:t>year</a:t>
             </a:r>
             <a:r>
-              <a:rPr lang="et-EE" sz="4000" dirty="0" smtClean="0">
-                <a:latin typeface="+mn-lt"/>
-              </a:rPr>
-              <a:t> </a:t>
-            </a:r>
-            <a:r>
-              <a:rPr lang="et-EE" sz="4000" dirty="0" err="1" smtClean="0">
+              <a:rPr lang="et-EE" sz="4000" smtClean="0">
+                <a:latin typeface="+mn-lt"/>
+              </a:rPr>
+              <a:t> </a:t>
+            </a:r>
+            <a:r>
+              <a:rPr lang="et-EE" sz="4000" err="1" smtClean="0">
                 <a:latin typeface="+mn-lt"/>
               </a:rPr>
               <a:t>or</a:t>
             </a:r>
             <a:r>
-              <a:rPr lang="et-EE" sz="4000" dirty="0" smtClean="0">
-                <a:latin typeface="+mn-lt"/>
-              </a:rPr>
-              <a:t> </a:t>
-            </a:r>
-            <a:r>
-              <a:rPr lang="et-EE" sz="4000" dirty="0" err="1" smtClean="0">
+              <a:rPr lang="et-EE" sz="4000" smtClean="0">
+                <a:latin typeface="+mn-lt"/>
+              </a:rPr>
+              <a:t> </a:t>
+            </a:r>
+            <a:r>
+              <a:rPr lang="et-EE" sz="4000" err="1" smtClean="0">
                 <a:latin typeface="+mn-lt"/>
               </a:rPr>
               <a:t>not</a:t>
             </a:r>
             <a:r>
-              <a:rPr lang="et-EE" sz="4000" dirty="0" smtClean="0">
+              <a:rPr lang="et-EE" sz="4000" smtClean="0">
                 <a:latin typeface="+mn-lt"/>
               </a:rPr>
               <a:t>.</a:t>
             </a:r>
-            <a:endParaRPr lang="en-US" sz="4000" dirty="0">
+            <a:endParaRPr lang="en-US" sz="4000">
               <a:latin typeface="+mn-lt"/>
             </a:endParaRPr>
           </a:p>
@@ -4223,14 +4214,14 @@
           <a:p>
             <a:pPr algn="ctr"/>
             <a:r>
-              <a:rPr lang="en-US" sz="5400" b="1" dirty="0" smtClean="0">
+              <a:rPr lang="en-US" sz="5400" b="1" smtClean="0">
                 <a:solidFill>
                   <a:schemeClr val="bg1"/>
                 </a:solidFill>
               </a:rPr>
               <a:t>Introduction</a:t>
             </a:r>
-            <a:endParaRPr lang="en-US" sz="5400" b="1" dirty="0">
+            <a:endParaRPr lang="en-US" sz="5400" b="1">
               <a:solidFill>
                 <a:schemeClr val="bg1"/>
               </a:solidFill>
@@ -4371,349 +4362,349 @@
           <a:p>
             <a:pPr algn="just" eaLnBrk="1" hangingPunct="1"/>
             <a:r>
-              <a:rPr lang="et-EE" sz="4000" dirty="0" err="1" smtClean="0">
+              <a:rPr lang="et-EE" sz="4000" err="1" smtClean="0">
                 <a:latin typeface="+mn-lt"/>
               </a:rPr>
               <a:t>Since</a:t>
             </a:r>
             <a:r>
-              <a:rPr lang="et-EE" sz="4000" dirty="0" smtClean="0">
-                <a:latin typeface="+mn-lt"/>
-              </a:rPr>
-              <a:t> </a:t>
-            </a:r>
-            <a:r>
-              <a:rPr lang="et-EE" sz="4000" dirty="0" err="1" smtClean="0">
+              <a:rPr lang="et-EE" sz="4000" smtClean="0">
+                <a:latin typeface="+mn-lt"/>
+              </a:rPr>
+              <a:t> </a:t>
+            </a:r>
+            <a:r>
+              <a:rPr lang="et-EE" sz="4000" err="1" smtClean="0">
                 <a:latin typeface="+mn-lt"/>
               </a:rPr>
               <a:t>the</a:t>
             </a:r>
             <a:r>
-              <a:rPr lang="et-EE" sz="4000" dirty="0" smtClean="0">
-                <a:latin typeface="+mn-lt"/>
-              </a:rPr>
-              <a:t> </a:t>
-            </a:r>
-            <a:r>
-              <a:rPr lang="et-EE" sz="4000" dirty="0" err="1" smtClean="0">
+              <a:rPr lang="et-EE" sz="4000" smtClean="0">
+                <a:latin typeface="+mn-lt"/>
+              </a:rPr>
+              <a:t> </a:t>
+            </a:r>
+            <a:r>
+              <a:rPr lang="et-EE" sz="4000" err="1" smtClean="0">
                 <a:latin typeface="+mn-lt"/>
               </a:rPr>
               <a:t>datasets</a:t>
             </a:r>
             <a:r>
-              <a:rPr lang="et-EE" sz="4000" dirty="0" smtClean="0">
-                <a:latin typeface="+mn-lt"/>
-              </a:rPr>
-              <a:t> </a:t>
-            </a:r>
-            <a:r>
-              <a:rPr lang="et-EE" sz="4000" dirty="0" err="1" smtClean="0">
+              <a:rPr lang="et-EE" sz="4000" smtClean="0">
+                <a:latin typeface="+mn-lt"/>
+              </a:rPr>
+              <a:t> </a:t>
+            </a:r>
+            <a:r>
+              <a:rPr lang="et-EE" sz="4000" err="1" smtClean="0">
                 <a:latin typeface="+mn-lt"/>
               </a:rPr>
               <a:t>didn’t</a:t>
             </a:r>
             <a:r>
-              <a:rPr lang="et-EE" sz="4000" dirty="0" smtClean="0">
-                <a:latin typeface="+mn-lt"/>
-              </a:rPr>
-              <a:t> </a:t>
-            </a:r>
-            <a:r>
-              <a:rPr lang="et-EE" sz="4000" dirty="0" err="1" smtClean="0">
+              <a:rPr lang="et-EE" sz="4000" smtClean="0">
+                <a:latin typeface="+mn-lt"/>
+              </a:rPr>
+              <a:t> </a:t>
+            </a:r>
+            <a:r>
+              <a:rPr lang="et-EE" sz="4000" err="1" smtClean="0">
                 <a:latin typeface="+mn-lt"/>
               </a:rPr>
               <a:t>have</a:t>
             </a:r>
             <a:r>
-              <a:rPr lang="et-EE" sz="4000" dirty="0" smtClean="0">
-                <a:latin typeface="+mn-lt"/>
-              </a:rPr>
-              <a:t> </a:t>
-            </a:r>
-            <a:r>
-              <a:rPr lang="et-EE" sz="4000" dirty="0" err="1" smtClean="0">
+              <a:rPr lang="et-EE" sz="4000" smtClean="0">
+                <a:latin typeface="+mn-lt"/>
+              </a:rPr>
+              <a:t> </a:t>
+            </a:r>
+            <a:r>
+              <a:rPr lang="et-EE" sz="4000" err="1" smtClean="0">
                 <a:latin typeface="+mn-lt"/>
               </a:rPr>
               <a:t>any</a:t>
             </a:r>
             <a:r>
-              <a:rPr lang="et-EE" sz="4000" dirty="0" smtClean="0">
+              <a:rPr lang="et-EE" sz="4000" smtClean="0">
                 <a:latin typeface="+mn-lt"/>
               </a:rPr>
               <a:t> null </a:t>
             </a:r>
             <a:r>
-              <a:rPr lang="et-EE" sz="4000" dirty="0" err="1" smtClean="0">
+              <a:rPr lang="et-EE" sz="4000" err="1" smtClean="0">
                 <a:latin typeface="+mn-lt"/>
               </a:rPr>
               <a:t>values</a:t>
             </a:r>
             <a:r>
-              <a:rPr lang="et-EE" sz="4000" dirty="0" smtClean="0">
+              <a:rPr lang="et-EE" sz="4000" smtClean="0">
                 <a:latin typeface="+mn-lt"/>
               </a:rPr>
               <a:t>, </a:t>
             </a:r>
             <a:r>
-              <a:rPr lang="et-EE" sz="4000" dirty="0" err="1" smtClean="0">
+              <a:rPr lang="et-EE" sz="4000" err="1" smtClean="0">
                 <a:latin typeface="+mn-lt"/>
               </a:rPr>
               <a:t>we</a:t>
             </a:r>
             <a:r>
-              <a:rPr lang="et-EE" sz="4000" dirty="0" smtClean="0">
-                <a:latin typeface="+mn-lt"/>
-              </a:rPr>
-              <a:t> </a:t>
-            </a:r>
-            <a:r>
-              <a:rPr lang="et-EE" sz="4000" dirty="0" err="1" smtClean="0">
+              <a:rPr lang="et-EE" sz="4000" smtClean="0">
+                <a:latin typeface="+mn-lt"/>
+              </a:rPr>
+              <a:t> </a:t>
+            </a:r>
+            <a:r>
+              <a:rPr lang="et-EE" sz="4000" err="1" smtClean="0">
                 <a:latin typeface="+mn-lt"/>
               </a:rPr>
               <a:t>didn’t</a:t>
             </a:r>
             <a:r>
-              <a:rPr lang="et-EE" sz="4000" dirty="0" smtClean="0">
-                <a:latin typeface="+mn-lt"/>
-              </a:rPr>
-              <a:t> </a:t>
-            </a:r>
-            <a:r>
-              <a:rPr lang="et-EE" sz="4000" dirty="0" err="1" smtClean="0">
+              <a:rPr lang="et-EE" sz="4000" smtClean="0">
+                <a:latin typeface="+mn-lt"/>
+              </a:rPr>
+              <a:t> </a:t>
+            </a:r>
+            <a:r>
+              <a:rPr lang="et-EE" sz="4000" err="1" smtClean="0">
                 <a:latin typeface="+mn-lt"/>
               </a:rPr>
               <a:t>have</a:t>
             </a:r>
             <a:r>
-              <a:rPr lang="et-EE" sz="4000" dirty="0" smtClean="0">
-                <a:latin typeface="+mn-lt"/>
-              </a:rPr>
-              <a:t> </a:t>
-            </a:r>
-            <a:r>
-              <a:rPr lang="et-EE" sz="4000" dirty="0" err="1" smtClean="0">
+              <a:rPr lang="et-EE" sz="4000" smtClean="0">
+                <a:latin typeface="+mn-lt"/>
+              </a:rPr>
+              <a:t> </a:t>
+            </a:r>
+            <a:r>
+              <a:rPr lang="et-EE" sz="4000" err="1" smtClean="0">
                 <a:latin typeface="+mn-lt"/>
               </a:rPr>
               <a:t>to</a:t>
             </a:r>
             <a:r>
-              <a:rPr lang="et-EE" sz="4000" dirty="0" smtClean="0">
-                <a:latin typeface="+mn-lt"/>
-              </a:rPr>
-              <a:t> </a:t>
-            </a:r>
-            <a:r>
-              <a:rPr lang="et-EE" sz="4000" dirty="0" err="1" smtClean="0">
+              <a:rPr lang="et-EE" sz="4000" smtClean="0">
+                <a:latin typeface="+mn-lt"/>
+              </a:rPr>
+              <a:t> </a:t>
+            </a:r>
+            <a:r>
+              <a:rPr lang="et-EE" sz="4000" err="1" smtClean="0">
                 <a:latin typeface="+mn-lt"/>
               </a:rPr>
               <a:t>worry</a:t>
             </a:r>
             <a:r>
-              <a:rPr lang="et-EE" sz="4000" dirty="0" smtClean="0">
-                <a:latin typeface="+mn-lt"/>
-              </a:rPr>
-              <a:t> </a:t>
-            </a:r>
-            <a:r>
-              <a:rPr lang="et-EE" sz="4000" dirty="0" err="1" smtClean="0">
+              <a:rPr lang="et-EE" sz="4000" smtClean="0">
+                <a:latin typeface="+mn-lt"/>
+              </a:rPr>
+              <a:t> </a:t>
+            </a:r>
+            <a:r>
+              <a:rPr lang="et-EE" sz="4000" err="1" smtClean="0">
                 <a:latin typeface="+mn-lt"/>
               </a:rPr>
               <a:t>about</a:t>
             </a:r>
             <a:r>
-              <a:rPr lang="et-EE" sz="4000" dirty="0" smtClean="0">
-                <a:latin typeface="+mn-lt"/>
-              </a:rPr>
-              <a:t> </a:t>
-            </a:r>
-            <a:r>
-              <a:rPr lang="et-EE" sz="4000" dirty="0" err="1" smtClean="0">
+              <a:rPr lang="et-EE" sz="4000" smtClean="0">
+                <a:latin typeface="+mn-lt"/>
+              </a:rPr>
+              <a:t> </a:t>
+            </a:r>
+            <a:r>
+              <a:rPr lang="et-EE" sz="4000" err="1" smtClean="0">
                 <a:latin typeface="+mn-lt"/>
               </a:rPr>
               <a:t>dealing</a:t>
             </a:r>
             <a:r>
-              <a:rPr lang="et-EE" sz="4000" dirty="0" smtClean="0">
-                <a:latin typeface="+mn-lt"/>
-              </a:rPr>
-              <a:t> </a:t>
-            </a:r>
-            <a:r>
-              <a:rPr lang="et-EE" sz="4000" dirty="0" err="1" smtClean="0">
+              <a:rPr lang="et-EE" sz="4000" smtClean="0">
+                <a:latin typeface="+mn-lt"/>
+              </a:rPr>
+              <a:t> </a:t>
+            </a:r>
+            <a:r>
+              <a:rPr lang="et-EE" sz="4000" err="1" smtClean="0">
                 <a:latin typeface="+mn-lt"/>
               </a:rPr>
               <a:t>with</a:t>
             </a:r>
             <a:r>
-              <a:rPr lang="et-EE" sz="4000" dirty="0" smtClean="0">
-                <a:latin typeface="+mn-lt"/>
-              </a:rPr>
-              <a:t> </a:t>
-            </a:r>
-            <a:r>
-              <a:rPr lang="et-EE" sz="4000" dirty="0" err="1" smtClean="0">
+              <a:rPr lang="et-EE" sz="4000" smtClean="0">
+                <a:latin typeface="+mn-lt"/>
+              </a:rPr>
+              <a:t> </a:t>
+            </a:r>
+            <a:r>
+              <a:rPr lang="et-EE" sz="4000" err="1" smtClean="0">
                 <a:latin typeface="+mn-lt"/>
               </a:rPr>
               <a:t>those</a:t>
             </a:r>
             <a:r>
-              <a:rPr lang="et-EE" sz="4000" dirty="0" smtClean="0">
+              <a:rPr lang="et-EE" sz="4000" smtClean="0">
                 <a:latin typeface="+mn-lt"/>
               </a:rPr>
               <a:t>. </a:t>
             </a:r>
             <a:r>
-              <a:rPr lang="et-EE" sz="4000" dirty="0" err="1" smtClean="0">
+              <a:rPr lang="et-EE" sz="4000" err="1" smtClean="0">
                 <a:latin typeface="+mn-lt"/>
               </a:rPr>
               <a:t>However</a:t>
             </a:r>
             <a:r>
-              <a:rPr lang="et-EE" sz="4000" dirty="0" smtClean="0">
+              <a:rPr lang="et-EE" sz="4000" smtClean="0">
                 <a:latin typeface="+mn-lt"/>
               </a:rPr>
               <a:t>, </a:t>
             </a:r>
             <a:r>
-              <a:rPr lang="et-EE" sz="4000" dirty="0" err="1" smtClean="0">
+              <a:rPr lang="et-EE" sz="4000" err="1" smtClean="0">
                 <a:latin typeface="+mn-lt"/>
               </a:rPr>
               <a:t>the</a:t>
             </a:r>
             <a:r>
-              <a:rPr lang="et-EE" sz="4000" dirty="0" smtClean="0">
-                <a:latin typeface="+mn-lt"/>
-              </a:rPr>
-              <a:t> </a:t>
-            </a:r>
-            <a:r>
-              <a:rPr lang="et-EE" sz="4000" dirty="0" err="1" smtClean="0">
+              <a:rPr lang="et-EE" sz="4000" smtClean="0">
+                <a:latin typeface="+mn-lt"/>
+              </a:rPr>
+              <a:t> </a:t>
+            </a:r>
+            <a:r>
+              <a:rPr lang="et-EE" sz="4000" err="1" smtClean="0">
                 <a:latin typeface="+mn-lt"/>
               </a:rPr>
               <a:t>large</a:t>
             </a:r>
             <a:r>
-              <a:rPr lang="et-EE" sz="4000" dirty="0" smtClean="0">
-                <a:latin typeface="+mn-lt"/>
-              </a:rPr>
-              <a:t> </a:t>
-            </a:r>
-            <a:r>
-              <a:rPr lang="et-EE" sz="4000" dirty="0" err="1" smtClean="0">
+              <a:rPr lang="et-EE" sz="4000" smtClean="0">
+                <a:latin typeface="+mn-lt"/>
+              </a:rPr>
+              <a:t> </a:t>
+            </a:r>
+            <a:r>
+              <a:rPr lang="et-EE" sz="4000" err="1" smtClean="0">
                 <a:latin typeface="+mn-lt"/>
               </a:rPr>
               <a:t>dataset</a:t>
             </a:r>
             <a:r>
-              <a:rPr lang="et-EE" sz="4000" dirty="0" smtClean="0">
-                <a:latin typeface="+mn-lt"/>
-              </a:rPr>
-              <a:t> </a:t>
-            </a:r>
-            <a:r>
-              <a:rPr lang="et-EE" sz="4000" dirty="0" err="1" smtClean="0">
+              <a:rPr lang="et-EE" sz="4000" smtClean="0">
+                <a:latin typeface="+mn-lt"/>
+              </a:rPr>
+              <a:t> </a:t>
+            </a:r>
+            <a:r>
+              <a:rPr lang="et-EE" sz="4000" err="1" smtClean="0">
                 <a:latin typeface="+mn-lt"/>
               </a:rPr>
               <a:t>had</a:t>
             </a:r>
             <a:r>
-              <a:rPr lang="et-EE" sz="4000" dirty="0" smtClean="0">
-                <a:latin typeface="+mn-lt"/>
-              </a:rPr>
-              <a:t> </a:t>
-            </a:r>
-            <a:r>
-              <a:rPr lang="et-EE" sz="4000" dirty="0" err="1" smtClean="0">
+              <a:rPr lang="et-EE" sz="4000" smtClean="0">
+                <a:latin typeface="+mn-lt"/>
+              </a:rPr>
+              <a:t> </a:t>
+            </a:r>
+            <a:r>
+              <a:rPr lang="et-EE" sz="4000" err="1" smtClean="0">
                 <a:latin typeface="+mn-lt"/>
               </a:rPr>
               <a:t>some</a:t>
             </a:r>
             <a:r>
-              <a:rPr lang="et-EE" sz="4000" dirty="0" smtClean="0">
-                <a:latin typeface="+mn-lt"/>
-              </a:rPr>
-              <a:t> </a:t>
-            </a:r>
-            <a:r>
-              <a:rPr lang="et-EE" sz="4000" dirty="0" err="1" smtClean="0">
+              <a:rPr lang="et-EE" sz="4000" smtClean="0">
+                <a:latin typeface="+mn-lt"/>
+              </a:rPr>
+              <a:t> </a:t>
+            </a:r>
+            <a:r>
+              <a:rPr lang="et-EE" sz="4000" err="1" smtClean="0">
                 <a:latin typeface="+mn-lt"/>
               </a:rPr>
               <a:t>duplicate</a:t>
             </a:r>
             <a:r>
-              <a:rPr lang="et-EE" sz="4000" dirty="0" smtClean="0">
-                <a:latin typeface="+mn-lt"/>
-              </a:rPr>
-              <a:t> </a:t>
-            </a:r>
-            <a:r>
-              <a:rPr lang="et-EE" sz="4000" dirty="0" err="1" smtClean="0">
+              <a:rPr lang="et-EE" sz="4000" smtClean="0">
+                <a:latin typeface="+mn-lt"/>
+              </a:rPr>
+              <a:t> </a:t>
+            </a:r>
+            <a:r>
+              <a:rPr lang="et-EE" sz="4000" err="1" smtClean="0">
                 <a:latin typeface="+mn-lt"/>
               </a:rPr>
               <a:t>rows</a:t>
             </a:r>
             <a:r>
-              <a:rPr lang="et-EE" sz="4000" dirty="0" smtClean="0">
+              <a:rPr lang="et-EE" sz="4000" smtClean="0">
                 <a:latin typeface="+mn-lt"/>
               </a:rPr>
               <a:t>, so </a:t>
             </a:r>
             <a:r>
-              <a:rPr lang="et-EE" sz="4000" dirty="0" err="1" smtClean="0">
+              <a:rPr lang="et-EE" sz="4000" err="1" smtClean="0">
                 <a:latin typeface="+mn-lt"/>
               </a:rPr>
               <a:t>we</a:t>
             </a:r>
             <a:r>
-              <a:rPr lang="et-EE" sz="4000" dirty="0" smtClean="0">
-                <a:latin typeface="+mn-lt"/>
-              </a:rPr>
-              <a:t> </a:t>
-            </a:r>
-            <a:r>
-              <a:rPr lang="et-EE" sz="4000" dirty="0" err="1" smtClean="0">
+              <a:rPr lang="et-EE" sz="4000" smtClean="0">
+                <a:latin typeface="+mn-lt"/>
+              </a:rPr>
+              <a:t> </a:t>
+            </a:r>
+            <a:r>
+              <a:rPr lang="et-EE" sz="4000" err="1" smtClean="0">
                 <a:latin typeface="+mn-lt"/>
               </a:rPr>
               <a:t>had</a:t>
             </a:r>
             <a:r>
-              <a:rPr lang="et-EE" sz="4000" dirty="0" smtClean="0">
-                <a:latin typeface="+mn-lt"/>
-              </a:rPr>
-              <a:t> </a:t>
-            </a:r>
-            <a:r>
-              <a:rPr lang="et-EE" sz="4000" dirty="0" err="1" smtClean="0">
+              <a:rPr lang="et-EE" sz="4000" smtClean="0">
+                <a:latin typeface="+mn-lt"/>
+              </a:rPr>
+              <a:t> </a:t>
+            </a:r>
+            <a:r>
+              <a:rPr lang="et-EE" sz="4000" err="1" smtClean="0">
                 <a:latin typeface="+mn-lt"/>
               </a:rPr>
               <a:t>to</a:t>
             </a:r>
             <a:r>
-              <a:rPr lang="et-EE" sz="4000" dirty="0" smtClean="0">
-                <a:latin typeface="+mn-lt"/>
-              </a:rPr>
-              <a:t> </a:t>
-            </a:r>
-            <a:r>
-              <a:rPr lang="et-EE" sz="4000" dirty="0" err="1" smtClean="0">
+              <a:rPr lang="et-EE" sz="4000" smtClean="0">
+                <a:latin typeface="+mn-lt"/>
+              </a:rPr>
+              <a:t> </a:t>
+            </a:r>
+            <a:r>
+              <a:rPr lang="et-EE" sz="4000" err="1" smtClean="0">
                 <a:latin typeface="+mn-lt"/>
               </a:rPr>
               <a:t>remove</a:t>
             </a:r>
             <a:r>
-              <a:rPr lang="et-EE" sz="4000" dirty="0" smtClean="0">
-                <a:latin typeface="+mn-lt"/>
-              </a:rPr>
-              <a:t> </a:t>
-            </a:r>
-            <a:r>
-              <a:rPr lang="et-EE" sz="4000" dirty="0" err="1" smtClean="0">
+              <a:rPr lang="et-EE" sz="4000" smtClean="0">
+                <a:latin typeface="+mn-lt"/>
+              </a:rPr>
+              <a:t> </a:t>
+            </a:r>
+            <a:r>
+              <a:rPr lang="et-EE" sz="4000" err="1" smtClean="0">
                 <a:latin typeface="+mn-lt"/>
               </a:rPr>
               <a:t>them</a:t>
             </a:r>
             <a:r>
-              <a:rPr lang="et-EE" sz="4000" dirty="0" smtClean="0">
+              <a:rPr lang="et-EE" sz="4000" smtClean="0">
                 <a:latin typeface="+mn-lt"/>
               </a:rPr>
               <a:t>.</a:t>
@@ -4722,277 +4713,277 @@
           <a:p>
             <a:pPr algn="just" eaLnBrk="1" hangingPunct="1"/>
             <a:r>
-              <a:rPr lang="et-EE" sz="4000" dirty="0" err="1" smtClean="0">
+              <a:rPr lang="et-EE" sz="4000" err="1" smtClean="0">
                 <a:latin typeface="+mn-lt"/>
               </a:rPr>
               <a:t>Although</a:t>
             </a:r>
             <a:r>
-              <a:rPr lang="et-EE" sz="4000" dirty="0" smtClean="0">
-                <a:latin typeface="+mn-lt"/>
-              </a:rPr>
-              <a:t> </a:t>
-            </a:r>
-            <a:r>
-              <a:rPr lang="et-EE" sz="4000" dirty="0" err="1" smtClean="0">
+              <a:rPr lang="et-EE" sz="4000" smtClean="0">
+                <a:latin typeface="+mn-lt"/>
+              </a:rPr>
+              <a:t> </a:t>
+            </a:r>
+            <a:r>
+              <a:rPr lang="et-EE" sz="4000" err="1" smtClean="0">
                 <a:latin typeface="+mn-lt"/>
               </a:rPr>
               <a:t>the</a:t>
             </a:r>
             <a:r>
-              <a:rPr lang="et-EE" sz="4000" dirty="0" smtClean="0">
-                <a:latin typeface="+mn-lt"/>
-              </a:rPr>
-              <a:t> </a:t>
-            </a:r>
-            <a:r>
-              <a:rPr lang="et-EE" sz="4000" dirty="0" err="1" smtClean="0">
+              <a:rPr lang="et-EE" sz="4000" smtClean="0">
+                <a:latin typeface="+mn-lt"/>
+              </a:rPr>
+              <a:t> </a:t>
+            </a:r>
+            <a:r>
+              <a:rPr lang="et-EE" sz="4000" err="1" smtClean="0">
                 <a:latin typeface="+mn-lt"/>
               </a:rPr>
               <a:t>attributes</a:t>
             </a:r>
             <a:r>
-              <a:rPr lang="et-EE" sz="4000" dirty="0" smtClean="0">
+              <a:rPr lang="et-EE" sz="4000" smtClean="0">
                 <a:latin typeface="+mn-lt"/>
               </a:rPr>
               <a:t> in </a:t>
             </a:r>
             <a:r>
-              <a:rPr lang="et-EE" sz="4000" dirty="0" err="1" smtClean="0">
+              <a:rPr lang="et-EE" sz="4000" err="1" smtClean="0">
                 <a:latin typeface="+mn-lt"/>
               </a:rPr>
               <a:t>the</a:t>
             </a:r>
             <a:r>
-              <a:rPr lang="et-EE" sz="4000" dirty="0" smtClean="0">
-                <a:latin typeface="+mn-lt"/>
-              </a:rPr>
-              <a:t> </a:t>
-            </a:r>
-            <a:r>
-              <a:rPr lang="et-EE" sz="4000" dirty="0" err="1" smtClean="0">
+              <a:rPr lang="et-EE" sz="4000" smtClean="0">
+                <a:latin typeface="+mn-lt"/>
+              </a:rPr>
+              <a:t> </a:t>
+            </a:r>
+            <a:r>
+              <a:rPr lang="et-EE" sz="4000" err="1" smtClean="0">
                 <a:latin typeface="+mn-lt"/>
               </a:rPr>
               <a:t>different</a:t>
             </a:r>
             <a:r>
-              <a:rPr lang="et-EE" sz="4000" dirty="0" smtClean="0">
-                <a:latin typeface="+mn-lt"/>
-              </a:rPr>
-              <a:t> </a:t>
-            </a:r>
-            <a:r>
-              <a:rPr lang="et-EE" sz="4000" dirty="0" err="1" smtClean="0">
+              <a:rPr lang="et-EE" sz="4000" smtClean="0">
+                <a:latin typeface="+mn-lt"/>
+              </a:rPr>
+              <a:t> </a:t>
+            </a:r>
+            <a:r>
+              <a:rPr lang="et-EE" sz="4000" err="1" smtClean="0">
                 <a:latin typeface="+mn-lt"/>
               </a:rPr>
               <a:t>datasets</a:t>
             </a:r>
             <a:r>
-              <a:rPr lang="et-EE" sz="4000" dirty="0" smtClean="0">
-                <a:latin typeface="+mn-lt"/>
-              </a:rPr>
-              <a:t> </a:t>
-            </a:r>
-            <a:r>
-              <a:rPr lang="et-EE" sz="4000" dirty="0" err="1" smtClean="0">
+              <a:rPr lang="et-EE" sz="4000" smtClean="0">
+                <a:latin typeface="+mn-lt"/>
+              </a:rPr>
+              <a:t> </a:t>
+            </a:r>
+            <a:r>
+              <a:rPr lang="et-EE" sz="4000" err="1" smtClean="0">
                 <a:latin typeface="+mn-lt"/>
               </a:rPr>
               <a:t>were</a:t>
             </a:r>
             <a:r>
-              <a:rPr lang="et-EE" sz="4000" dirty="0" smtClean="0">
-                <a:latin typeface="+mn-lt"/>
-              </a:rPr>
-              <a:t> </a:t>
-            </a:r>
-            <a:r>
-              <a:rPr lang="et-EE" sz="4000" dirty="0" err="1" smtClean="0">
+              <a:rPr lang="et-EE" sz="4000" smtClean="0">
+                <a:latin typeface="+mn-lt"/>
+              </a:rPr>
+              <a:t> </a:t>
+            </a:r>
+            <a:r>
+              <a:rPr lang="et-EE" sz="4000" err="1" smtClean="0">
                 <a:latin typeface="+mn-lt"/>
               </a:rPr>
               <a:t>the</a:t>
             </a:r>
             <a:r>
-              <a:rPr lang="et-EE" sz="4000" dirty="0" smtClean="0">
-                <a:latin typeface="+mn-lt"/>
-              </a:rPr>
-              <a:t> </a:t>
-            </a:r>
-            <a:r>
-              <a:rPr lang="et-EE" sz="4000" dirty="0" err="1" smtClean="0">
+              <a:rPr lang="et-EE" sz="4000" smtClean="0">
+                <a:latin typeface="+mn-lt"/>
+              </a:rPr>
+              <a:t> </a:t>
+            </a:r>
+            <a:r>
+              <a:rPr lang="et-EE" sz="4000" err="1" smtClean="0">
                 <a:latin typeface="+mn-lt"/>
               </a:rPr>
               <a:t>same</a:t>
             </a:r>
             <a:r>
-              <a:rPr lang="et-EE" sz="4000" dirty="0" smtClean="0">
+              <a:rPr lang="et-EE" sz="4000" smtClean="0">
                 <a:latin typeface="+mn-lt"/>
               </a:rPr>
               <a:t>, </a:t>
             </a:r>
             <a:r>
-              <a:rPr lang="et-EE" sz="4000" dirty="0" err="1" smtClean="0">
+              <a:rPr lang="et-EE" sz="4000" err="1" smtClean="0">
                 <a:latin typeface="+mn-lt"/>
               </a:rPr>
               <a:t>there</a:t>
             </a:r>
             <a:r>
-              <a:rPr lang="et-EE" sz="4000" dirty="0" smtClean="0">
-                <a:latin typeface="+mn-lt"/>
-              </a:rPr>
-              <a:t> </a:t>
-            </a:r>
-            <a:r>
-              <a:rPr lang="et-EE" sz="4000" dirty="0" err="1" smtClean="0">
+              <a:rPr lang="et-EE" sz="4000" smtClean="0">
+                <a:latin typeface="+mn-lt"/>
+              </a:rPr>
+              <a:t> </a:t>
+            </a:r>
+            <a:r>
+              <a:rPr lang="et-EE" sz="4000" err="1" smtClean="0">
                 <a:latin typeface="+mn-lt"/>
               </a:rPr>
               <a:t>were</a:t>
             </a:r>
             <a:r>
-              <a:rPr lang="et-EE" sz="4000" dirty="0" smtClean="0">
-                <a:latin typeface="+mn-lt"/>
-              </a:rPr>
-              <a:t> </a:t>
-            </a:r>
-            <a:r>
-              <a:rPr lang="et-EE" sz="4000" dirty="0" err="1" smtClean="0">
+              <a:rPr lang="et-EE" sz="4000" smtClean="0">
+                <a:latin typeface="+mn-lt"/>
+              </a:rPr>
+              <a:t> </a:t>
+            </a:r>
+            <a:r>
+              <a:rPr lang="et-EE" sz="4000" err="1" smtClean="0">
                 <a:latin typeface="+mn-lt"/>
               </a:rPr>
               <a:t>some</a:t>
             </a:r>
             <a:r>
-              <a:rPr lang="et-EE" sz="4000" dirty="0" smtClean="0">
-                <a:latin typeface="+mn-lt"/>
-              </a:rPr>
-              <a:t> </a:t>
-            </a:r>
-            <a:r>
-              <a:rPr lang="et-EE" sz="4000" dirty="0" err="1" smtClean="0">
+              <a:rPr lang="et-EE" sz="4000" smtClean="0">
+                <a:latin typeface="+mn-lt"/>
+              </a:rPr>
+              <a:t> </a:t>
+            </a:r>
+            <a:r>
+              <a:rPr lang="et-EE" sz="4000" err="1" smtClean="0">
                 <a:latin typeface="+mn-lt"/>
               </a:rPr>
               <a:t>that</a:t>
             </a:r>
             <a:r>
-              <a:rPr lang="et-EE" sz="4000" dirty="0" smtClean="0">
-                <a:latin typeface="+mn-lt"/>
-              </a:rPr>
-              <a:t> </a:t>
-            </a:r>
-            <a:r>
-              <a:rPr lang="et-EE" sz="4000" dirty="0" err="1" smtClean="0">
+              <a:rPr lang="et-EE" sz="4000" smtClean="0">
+                <a:latin typeface="+mn-lt"/>
+              </a:rPr>
+              <a:t> </a:t>
+            </a:r>
+            <a:r>
+              <a:rPr lang="et-EE" sz="4000" err="1" smtClean="0">
                 <a:latin typeface="+mn-lt"/>
               </a:rPr>
               <a:t>were</a:t>
             </a:r>
             <a:r>
-              <a:rPr lang="et-EE" sz="4000" dirty="0" smtClean="0">
-                <a:latin typeface="+mn-lt"/>
-              </a:rPr>
-              <a:t> </a:t>
-            </a:r>
-            <a:r>
-              <a:rPr lang="et-EE" sz="4000" dirty="0" err="1" smtClean="0">
+              <a:rPr lang="et-EE" sz="4000" smtClean="0">
+                <a:latin typeface="+mn-lt"/>
+              </a:rPr>
+              <a:t> </a:t>
+            </a:r>
+            <a:r>
+              <a:rPr lang="et-EE" sz="4000" err="1" smtClean="0">
                 <a:latin typeface="+mn-lt"/>
               </a:rPr>
               <a:t>named</a:t>
             </a:r>
             <a:r>
-              <a:rPr lang="et-EE" sz="4000" dirty="0" smtClean="0">
-                <a:latin typeface="+mn-lt"/>
-              </a:rPr>
-              <a:t> </a:t>
-            </a:r>
-            <a:r>
-              <a:rPr lang="et-EE" sz="4000" dirty="0" err="1" smtClean="0">
+              <a:rPr lang="et-EE" sz="4000" smtClean="0">
+                <a:latin typeface="+mn-lt"/>
+              </a:rPr>
+              <a:t> </a:t>
+            </a:r>
+            <a:r>
+              <a:rPr lang="et-EE" sz="4000" err="1" smtClean="0">
                 <a:latin typeface="+mn-lt"/>
               </a:rPr>
               <a:t>slightly</a:t>
             </a:r>
             <a:r>
-              <a:rPr lang="et-EE" sz="4000" dirty="0" smtClean="0">
-                <a:latin typeface="+mn-lt"/>
-              </a:rPr>
-              <a:t> </a:t>
-            </a:r>
-            <a:r>
-              <a:rPr lang="et-EE" sz="4000" dirty="0" err="1" smtClean="0">
+              <a:rPr lang="et-EE" sz="4000" smtClean="0">
+                <a:latin typeface="+mn-lt"/>
+              </a:rPr>
+              <a:t> </a:t>
+            </a:r>
+            <a:r>
+              <a:rPr lang="et-EE" sz="4000" err="1" smtClean="0">
                 <a:latin typeface="+mn-lt"/>
               </a:rPr>
               <a:t>differently</a:t>
             </a:r>
             <a:r>
-              <a:rPr lang="et-EE" sz="4000" dirty="0" smtClean="0">
+              <a:rPr lang="et-EE" sz="4000" smtClean="0">
                 <a:latin typeface="+mn-lt"/>
               </a:rPr>
               <a:t>, so </a:t>
             </a:r>
             <a:r>
-              <a:rPr lang="et-EE" sz="4000" dirty="0" err="1" smtClean="0">
+              <a:rPr lang="et-EE" sz="4000" err="1" smtClean="0">
                 <a:latin typeface="+mn-lt"/>
               </a:rPr>
               <a:t>we</a:t>
             </a:r>
             <a:r>
-              <a:rPr lang="et-EE" sz="4000" dirty="0" smtClean="0">
-                <a:latin typeface="+mn-lt"/>
-              </a:rPr>
-              <a:t> </a:t>
-            </a:r>
-            <a:r>
-              <a:rPr lang="et-EE" sz="4000" dirty="0" err="1" smtClean="0">
+              <a:rPr lang="et-EE" sz="4000" smtClean="0">
+                <a:latin typeface="+mn-lt"/>
+              </a:rPr>
+              <a:t> </a:t>
+            </a:r>
+            <a:r>
+              <a:rPr lang="et-EE" sz="4000" err="1" smtClean="0">
                 <a:latin typeface="+mn-lt"/>
               </a:rPr>
               <a:t>had</a:t>
             </a:r>
             <a:r>
-              <a:rPr lang="et-EE" sz="4000" dirty="0" smtClean="0">
-                <a:latin typeface="+mn-lt"/>
-              </a:rPr>
-              <a:t> </a:t>
-            </a:r>
-            <a:r>
-              <a:rPr lang="et-EE" sz="4000" dirty="0" err="1" smtClean="0">
+              <a:rPr lang="et-EE" sz="4000" smtClean="0">
+                <a:latin typeface="+mn-lt"/>
+              </a:rPr>
+              <a:t> </a:t>
+            </a:r>
+            <a:r>
+              <a:rPr lang="et-EE" sz="4000" err="1" smtClean="0">
                 <a:latin typeface="+mn-lt"/>
               </a:rPr>
               <a:t>to</a:t>
             </a:r>
             <a:r>
-              <a:rPr lang="et-EE" sz="4000" dirty="0" smtClean="0">
+              <a:rPr lang="et-EE" sz="4000" smtClean="0">
                 <a:latin typeface="+mn-lt"/>
               </a:rPr>
               <a:t> take </a:t>
             </a:r>
             <a:r>
-              <a:rPr lang="et-EE" sz="4000" dirty="0" err="1" smtClean="0">
+              <a:rPr lang="et-EE" sz="4000" err="1" smtClean="0">
                 <a:latin typeface="+mn-lt"/>
               </a:rPr>
               <a:t>that</a:t>
             </a:r>
             <a:r>
-              <a:rPr lang="et-EE" sz="4000" dirty="0" smtClean="0">
-                <a:latin typeface="+mn-lt"/>
-              </a:rPr>
-              <a:t> </a:t>
-            </a:r>
-            <a:r>
-              <a:rPr lang="et-EE" sz="4000" dirty="0" err="1" smtClean="0">
+              <a:rPr lang="et-EE" sz="4000" smtClean="0">
+                <a:latin typeface="+mn-lt"/>
+              </a:rPr>
+              <a:t> </a:t>
+            </a:r>
+            <a:r>
+              <a:rPr lang="et-EE" sz="4000" err="1" smtClean="0">
                 <a:latin typeface="+mn-lt"/>
               </a:rPr>
               <a:t>into</a:t>
             </a:r>
             <a:r>
-              <a:rPr lang="et-EE" sz="4000" dirty="0" smtClean="0">
-                <a:latin typeface="+mn-lt"/>
-              </a:rPr>
-              <a:t> </a:t>
-            </a:r>
-            <a:r>
-              <a:rPr lang="et-EE" sz="4000" dirty="0" err="1" smtClean="0">
+              <a:rPr lang="et-EE" sz="4000" smtClean="0">
+                <a:latin typeface="+mn-lt"/>
+              </a:rPr>
+              <a:t> </a:t>
+            </a:r>
+            <a:r>
+              <a:rPr lang="et-EE" sz="4000" err="1" smtClean="0">
                 <a:latin typeface="+mn-lt"/>
               </a:rPr>
               <a:t>consideration</a:t>
             </a:r>
             <a:r>
-              <a:rPr lang="et-EE" sz="4000" dirty="0" smtClean="0">
+              <a:rPr lang="et-EE" sz="4000" smtClean="0">
                 <a:latin typeface="+mn-lt"/>
               </a:rPr>
               <a:t>.</a:t>
@@ -5001,414 +4992,414 @@
           <a:p>
             <a:pPr algn="just" eaLnBrk="1" hangingPunct="1"/>
             <a:r>
-              <a:rPr lang="et-EE" sz="4000" dirty="0" err="1" smtClean="0">
+              <a:rPr lang="et-EE" sz="4000" err="1" smtClean="0">
                 <a:latin typeface="+mn-lt"/>
               </a:rPr>
               <a:t>We</a:t>
             </a:r>
             <a:r>
-              <a:rPr lang="et-EE" sz="4000" dirty="0" smtClean="0">
-                <a:latin typeface="+mn-lt"/>
-              </a:rPr>
-              <a:t> </a:t>
-            </a:r>
-            <a:r>
-              <a:rPr lang="et-EE" sz="4000" dirty="0" err="1" smtClean="0">
+              <a:rPr lang="et-EE" sz="4000" smtClean="0">
+                <a:latin typeface="+mn-lt"/>
+              </a:rPr>
+              <a:t> </a:t>
+            </a:r>
+            <a:r>
+              <a:rPr lang="et-EE" sz="4000" err="1" smtClean="0">
                 <a:latin typeface="+mn-lt"/>
               </a:rPr>
               <a:t>also</a:t>
             </a:r>
             <a:r>
-              <a:rPr lang="et-EE" sz="4000" dirty="0" smtClean="0">
-                <a:latin typeface="+mn-lt"/>
-              </a:rPr>
-              <a:t> </a:t>
-            </a:r>
-            <a:r>
-              <a:rPr lang="et-EE" sz="4000" dirty="0" err="1" smtClean="0">
+              <a:rPr lang="et-EE" sz="4000" smtClean="0">
+                <a:latin typeface="+mn-lt"/>
+              </a:rPr>
+              <a:t> </a:t>
+            </a:r>
+            <a:r>
+              <a:rPr lang="et-EE" sz="4000" err="1" smtClean="0">
                 <a:latin typeface="+mn-lt"/>
               </a:rPr>
               <a:t>noticed</a:t>
             </a:r>
             <a:r>
-              <a:rPr lang="et-EE" sz="4000" dirty="0" smtClean="0">
+              <a:rPr lang="et-EE" sz="4000" smtClean="0">
                 <a:latin typeface="+mn-lt"/>
               </a:rPr>
               <a:t>, </a:t>
             </a:r>
             <a:r>
-              <a:rPr lang="et-EE" sz="4000" dirty="0" err="1" smtClean="0">
+              <a:rPr lang="et-EE" sz="4000" err="1" smtClean="0">
                 <a:latin typeface="+mn-lt"/>
               </a:rPr>
               <a:t>that</a:t>
             </a:r>
             <a:r>
-              <a:rPr lang="et-EE" sz="4000" dirty="0" smtClean="0">
-                <a:latin typeface="+mn-lt"/>
-              </a:rPr>
-              <a:t> </a:t>
-            </a:r>
-            <a:r>
-              <a:rPr lang="et-EE" sz="4000" dirty="0" err="1" smtClean="0">
+              <a:rPr lang="et-EE" sz="4000" smtClean="0">
+                <a:latin typeface="+mn-lt"/>
+              </a:rPr>
+              <a:t> </a:t>
+            </a:r>
+            <a:r>
+              <a:rPr lang="et-EE" sz="4000" err="1" smtClean="0">
                 <a:latin typeface="+mn-lt"/>
               </a:rPr>
               <a:t>the</a:t>
             </a:r>
             <a:r>
-              <a:rPr lang="et-EE" sz="4000" dirty="0" smtClean="0">
-                <a:latin typeface="+mn-lt"/>
-              </a:rPr>
-              <a:t> </a:t>
-            </a:r>
-            <a:r>
-              <a:rPr lang="et-EE" sz="4000" dirty="0" err="1" smtClean="0">
+              <a:rPr lang="et-EE" sz="4000" smtClean="0">
+                <a:latin typeface="+mn-lt"/>
+              </a:rPr>
+              <a:t> </a:t>
+            </a:r>
+            <a:r>
+              <a:rPr lang="et-EE" sz="4000" err="1" smtClean="0">
                 <a:latin typeface="+mn-lt"/>
               </a:rPr>
               <a:t>best</a:t>
             </a:r>
             <a:r>
-              <a:rPr lang="et-EE" sz="4000" dirty="0" smtClean="0">
-                <a:latin typeface="+mn-lt"/>
-              </a:rPr>
-              <a:t> </a:t>
-            </a:r>
-            <a:r>
-              <a:rPr lang="et-EE" sz="4000" dirty="0" err="1" smtClean="0">
+              <a:rPr lang="et-EE" sz="4000" smtClean="0">
+                <a:latin typeface="+mn-lt"/>
+              </a:rPr>
+              <a:t> </a:t>
+            </a:r>
+            <a:r>
+              <a:rPr lang="et-EE" sz="4000" err="1" smtClean="0">
                 <a:latin typeface="+mn-lt"/>
               </a:rPr>
               <a:t>results</a:t>
             </a:r>
             <a:r>
-              <a:rPr lang="et-EE" sz="4000" dirty="0" smtClean="0">
-                <a:latin typeface="+mn-lt"/>
-              </a:rPr>
-              <a:t> </a:t>
-            </a:r>
-            <a:r>
-              <a:rPr lang="et-EE" sz="4000" dirty="0" err="1" smtClean="0">
+              <a:rPr lang="et-EE" sz="4000" smtClean="0">
+                <a:latin typeface="+mn-lt"/>
+              </a:rPr>
+              <a:t> </a:t>
+            </a:r>
+            <a:r>
+              <a:rPr lang="et-EE" sz="4000" err="1" smtClean="0">
                 <a:latin typeface="+mn-lt"/>
               </a:rPr>
               <a:t>were</a:t>
             </a:r>
             <a:r>
-              <a:rPr lang="et-EE" sz="4000" dirty="0" smtClean="0">
-                <a:latin typeface="+mn-lt"/>
-              </a:rPr>
-              <a:t> </a:t>
-            </a:r>
-            <a:r>
-              <a:rPr lang="et-EE" sz="4000" dirty="0" err="1" smtClean="0">
+              <a:rPr lang="et-EE" sz="4000" smtClean="0">
+                <a:latin typeface="+mn-lt"/>
+              </a:rPr>
+              <a:t> </a:t>
+            </a:r>
+            <a:r>
+              <a:rPr lang="et-EE" sz="4000" err="1" smtClean="0">
                 <a:latin typeface="+mn-lt"/>
               </a:rPr>
               <a:t>obtained</a:t>
             </a:r>
             <a:r>
-              <a:rPr lang="et-EE" sz="4000" dirty="0" smtClean="0">
+              <a:rPr lang="et-EE" sz="4000" smtClean="0">
                 <a:latin typeface="+mn-lt"/>
               </a:rPr>
               <a:t>, </a:t>
             </a:r>
             <a:r>
-              <a:rPr lang="et-EE" sz="4000" dirty="0" err="1" smtClean="0">
+              <a:rPr lang="et-EE" sz="4000" err="1" smtClean="0">
                 <a:latin typeface="+mn-lt"/>
               </a:rPr>
               <a:t>when</a:t>
             </a:r>
             <a:r>
-              <a:rPr lang="et-EE" sz="4000" dirty="0" smtClean="0">
-                <a:latin typeface="+mn-lt"/>
-              </a:rPr>
-              <a:t> </a:t>
-            </a:r>
-            <a:r>
-              <a:rPr lang="et-EE" sz="4000" dirty="0" err="1" smtClean="0">
+              <a:rPr lang="et-EE" sz="4000" smtClean="0">
+                <a:latin typeface="+mn-lt"/>
+              </a:rPr>
+              <a:t> </a:t>
+            </a:r>
+            <a:r>
+              <a:rPr lang="et-EE" sz="4000" err="1" smtClean="0">
                 <a:latin typeface="+mn-lt"/>
               </a:rPr>
               <a:t>we</a:t>
             </a:r>
             <a:r>
-              <a:rPr lang="et-EE" sz="4000" dirty="0" smtClean="0">
-                <a:latin typeface="+mn-lt"/>
-              </a:rPr>
-              <a:t> </a:t>
-            </a:r>
-            <a:r>
-              <a:rPr lang="et-EE" sz="4000" dirty="0" err="1" smtClean="0">
+              <a:rPr lang="et-EE" sz="4000" smtClean="0">
+                <a:latin typeface="+mn-lt"/>
+              </a:rPr>
+              <a:t> </a:t>
+            </a:r>
+            <a:r>
+              <a:rPr lang="et-EE" sz="4000" err="1" smtClean="0">
                 <a:latin typeface="+mn-lt"/>
               </a:rPr>
               <a:t>only</a:t>
             </a:r>
             <a:r>
-              <a:rPr lang="et-EE" sz="4000" dirty="0" smtClean="0">
-                <a:latin typeface="+mn-lt"/>
-              </a:rPr>
-              <a:t> </a:t>
-            </a:r>
-            <a:r>
-              <a:rPr lang="et-EE" sz="4000" dirty="0" err="1" smtClean="0">
+              <a:rPr lang="et-EE" sz="4000" smtClean="0">
+                <a:latin typeface="+mn-lt"/>
+              </a:rPr>
+              <a:t> </a:t>
+            </a:r>
+            <a:r>
+              <a:rPr lang="et-EE" sz="4000" err="1" smtClean="0">
                 <a:latin typeface="+mn-lt"/>
               </a:rPr>
               <a:t>used</a:t>
             </a:r>
             <a:r>
-              <a:rPr lang="et-EE" sz="4000" dirty="0" smtClean="0">
-                <a:latin typeface="+mn-lt"/>
-              </a:rPr>
-              <a:t> </a:t>
-            </a:r>
-            <a:r>
-              <a:rPr lang="et-EE" sz="4000" dirty="0" err="1" smtClean="0">
+              <a:rPr lang="et-EE" sz="4000" smtClean="0">
+                <a:latin typeface="+mn-lt"/>
+              </a:rPr>
+              <a:t> </a:t>
+            </a:r>
+            <a:r>
+              <a:rPr lang="et-EE" sz="4000" err="1" smtClean="0">
                 <a:latin typeface="+mn-lt"/>
               </a:rPr>
               <a:t>songs</a:t>
             </a:r>
             <a:r>
-              <a:rPr lang="et-EE" sz="4000" dirty="0" smtClean="0">
-                <a:latin typeface="+mn-lt"/>
-              </a:rPr>
-              <a:t> </a:t>
-            </a:r>
-            <a:r>
-              <a:rPr lang="et-EE" sz="4000" dirty="0" err="1" smtClean="0">
+              <a:rPr lang="et-EE" sz="4000" smtClean="0">
+                <a:latin typeface="+mn-lt"/>
+              </a:rPr>
+              <a:t> </a:t>
+            </a:r>
+            <a:r>
+              <a:rPr lang="et-EE" sz="4000" err="1" smtClean="0">
                 <a:latin typeface="+mn-lt"/>
               </a:rPr>
               <a:t>with</a:t>
             </a:r>
             <a:r>
-              <a:rPr lang="et-EE" sz="4000" dirty="0" smtClean="0">
-                <a:latin typeface="+mn-lt"/>
-              </a:rPr>
-              <a:t> </a:t>
-            </a:r>
-            <a:r>
-              <a:rPr lang="et-EE" sz="4000" dirty="0" err="1" smtClean="0">
+              <a:rPr lang="et-EE" sz="4000" smtClean="0">
+                <a:latin typeface="+mn-lt"/>
+              </a:rPr>
+              <a:t> </a:t>
+            </a:r>
+            <a:r>
+              <a:rPr lang="et-EE" sz="4000" err="1" smtClean="0">
                 <a:latin typeface="+mn-lt"/>
               </a:rPr>
               <a:t>popularity</a:t>
             </a:r>
             <a:r>
-              <a:rPr lang="et-EE" sz="4000" dirty="0" smtClean="0">
-                <a:latin typeface="+mn-lt"/>
-              </a:rPr>
-              <a:t> </a:t>
-            </a:r>
-            <a:r>
-              <a:rPr lang="et-EE" sz="4000" dirty="0" err="1" smtClean="0">
+              <a:rPr lang="et-EE" sz="4000" smtClean="0">
+                <a:latin typeface="+mn-lt"/>
+              </a:rPr>
+              <a:t> </a:t>
+            </a:r>
+            <a:r>
+              <a:rPr lang="et-EE" sz="4000" err="1" smtClean="0">
                 <a:latin typeface="+mn-lt"/>
               </a:rPr>
               <a:t>over</a:t>
             </a:r>
             <a:r>
-              <a:rPr lang="et-EE" sz="4000" dirty="0" smtClean="0">
+              <a:rPr lang="et-EE" sz="4000" smtClean="0">
                 <a:latin typeface="+mn-lt"/>
               </a:rPr>
               <a:t> 60 </a:t>
             </a:r>
             <a:r>
-              <a:rPr lang="et-EE" sz="4000" dirty="0" err="1" smtClean="0">
+              <a:rPr lang="et-EE" sz="4000" err="1" smtClean="0">
                 <a:latin typeface="+mn-lt"/>
               </a:rPr>
               <a:t>for</a:t>
             </a:r>
             <a:r>
-              <a:rPr lang="et-EE" sz="4000" dirty="0" smtClean="0">
-                <a:latin typeface="+mn-lt"/>
-              </a:rPr>
-              <a:t> </a:t>
-            </a:r>
-            <a:r>
-              <a:rPr lang="et-EE" sz="4000" dirty="0" err="1" smtClean="0">
+              <a:rPr lang="et-EE" sz="4000" smtClean="0">
+                <a:latin typeface="+mn-lt"/>
+              </a:rPr>
+              <a:t> </a:t>
+            </a:r>
+            <a:r>
+              <a:rPr lang="et-EE" sz="4000" err="1" smtClean="0">
                 <a:latin typeface="+mn-lt"/>
               </a:rPr>
               <a:t>popular</a:t>
             </a:r>
             <a:r>
-              <a:rPr lang="et-EE" sz="4000" dirty="0" smtClean="0">
+              <a:rPr lang="et-EE" sz="4000" smtClean="0">
                 <a:latin typeface="+mn-lt"/>
               </a:rPr>
               <a:t> and </a:t>
             </a:r>
             <a:r>
-              <a:rPr lang="et-EE" sz="4000" dirty="0" err="1" smtClean="0">
+              <a:rPr lang="et-EE" sz="4000" err="1" smtClean="0">
                 <a:latin typeface="+mn-lt"/>
               </a:rPr>
               <a:t>songs</a:t>
             </a:r>
             <a:r>
-              <a:rPr lang="et-EE" sz="4000" dirty="0" smtClean="0">
-                <a:latin typeface="+mn-lt"/>
-              </a:rPr>
-              <a:t> </a:t>
-            </a:r>
-            <a:r>
-              <a:rPr lang="et-EE" sz="4000" dirty="0" err="1" smtClean="0">
+              <a:rPr lang="et-EE" sz="4000" smtClean="0">
+                <a:latin typeface="+mn-lt"/>
+              </a:rPr>
+              <a:t> </a:t>
+            </a:r>
+            <a:r>
+              <a:rPr lang="et-EE" sz="4000" err="1" smtClean="0">
                 <a:latin typeface="+mn-lt"/>
               </a:rPr>
               <a:t>with</a:t>
             </a:r>
             <a:r>
-              <a:rPr lang="et-EE" sz="4000" dirty="0" smtClean="0">
-                <a:latin typeface="+mn-lt"/>
-              </a:rPr>
-              <a:t> </a:t>
-            </a:r>
-            <a:r>
-              <a:rPr lang="et-EE" sz="4000" dirty="0" err="1" smtClean="0">
+              <a:rPr lang="et-EE" sz="4000" smtClean="0">
+                <a:latin typeface="+mn-lt"/>
+              </a:rPr>
+              <a:t> </a:t>
+            </a:r>
+            <a:r>
+              <a:rPr lang="et-EE" sz="4000" err="1" smtClean="0">
                 <a:latin typeface="+mn-lt"/>
               </a:rPr>
               <a:t>popularity</a:t>
             </a:r>
             <a:r>
-              <a:rPr lang="et-EE" sz="4000" dirty="0" smtClean="0">
-                <a:latin typeface="+mn-lt"/>
-              </a:rPr>
-              <a:t> </a:t>
-            </a:r>
-            <a:r>
-              <a:rPr lang="et-EE" sz="4000" dirty="0" err="1" smtClean="0">
+              <a:rPr lang="et-EE" sz="4000" smtClean="0">
+                <a:latin typeface="+mn-lt"/>
+              </a:rPr>
+              <a:t> </a:t>
+            </a:r>
+            <a:r>
+              <a:rPr lang="et-EE" sz="4000" err="1" smtClean="0">
                 <a:latin typeface="+mn-lt"/>
               </a:rPr>
               <a:t>under</a:t>
             </a:r>
             <a:r>
-              <a:rPr lang="et-EE" sz="4000" dirty="0" smtClean="0">
+              <a:rPr lang="et-EE" sz="4000" smtClean="0">
                 <a:latin typeface="+mn-lt"/>
               </a:rPr>
               <a:t> 40 </a:t>
             </a:r>
             <a:r>
-              <a:rPr lang="et-EE" sz="4000" dirty="0" err="1" smtClean="0">
+              <a:rPr lang="et-EE" sz="4000" err="1" smtClean="0">
                 <a:latin typeface="+mn-lt"/>
               </a:rPr>
               <a:t>for</a:t>
             </a:r>
             <a:r>
-              <a:rPr lang="et-EE" sz="4000" dirty="0" smtClean="0">
+              <a:rPr lang="et-EE" sz="4000" smtClean="0">
                 <a:latin typeface="+mn-lt"/>
               </a:rPr>
               <a:t> non-</a:t>
             </a:r>
             <a:r>
-              <a:rPr lang="et-EE" sz="4000" dirty="0" err="1" smtClean="0">
+              <a:rPr lang="et-EE" sz="4000" err="1" smtClean="0">
                 <a:latin typeface="+mn-lt"/>
               </a:rPr>
               <a:t>popular</a:t>
             </a:r>
             <a:r>
-              <a:rPr lang="et-EE" sz="4000" dirty="0" smtClean="0">
-                <a:latin typeface="+mn-lt"/>
-              </a:rPr>
-              <a:t> </a:t>
-            </a:r>
-            <a:r>
-              <a:rPr lang="et-EE" sz="4000" dirty="0" err="1" smtClean="0">
+              <a:rPr lang="et-EE" sz="4000" smtClean="0">
+                <a:latin typeface="+mn-lt"/>
+              </a:rPr>
+              <a:t> </a:t>
+            </a:r>
+            <a:r>
+              <a:rPr lang="et-EE" sz="4000" err="1" smtClean="0">
                 <a:latin typeface="+mn-lt"/>
               </a:rPr>
               <a:t>songs</a:t>
             </a:r>
             <a:r>
-              <a:rPr lang="et-EE" sz="4000" dirty="0" smtClean="0">
-                <a:latin typeface="+mn-lt"/>
-              </a:rPr>
-              <a:t> </a:t>
-            </a:r>
-            <a:r>
-              <a:rPr lang="et-EE" sz="4000" dirty="0" err="1" smtClean="0">
+              <a:rPr lang="et-EE" sz="4000" smtClean="0">
+                <a:latin typeface="+mn-lt"/>
+              </a:rPr>
+              <a:t> </a:t>
+            </a:r>
+            <a:r>
+              <a:rPr lang="et-EE" sz="4000" err="1" smtClean="0">
                 <a:latin typeface="+mn-lt"/>
               </a:rPr>
               <a:t>for</a:t>
             </a:r>
             <a:r>
-              <a:rPr lang="et-EE" sz="4000" dirty="0" smtClean="0">
-                <a:latin typeface="+mn-lt"/>
-              </a:rPr>
-              <a:t> </a:t>
-            </a:r>
-            <a:r>
-              <a:rPr lang="et-EE" sz="4000" dirty="0" err="1" smtClean="0">
+              <a:rPr lang="et-EE" sz="4000" smtClean="0">
+                <a:latin typeface="+mn-lt"/>
+              </a:rPr>
+              <a:t> </a:t>
+            </a:r>
+            <a:r>
+              <a:rPr lang="et-EE" sz="4000" err="1" smtClean="0">
                 <a:latin typeface="+mn-lt"/>
               </a:rPr>
               <a:t>training</a:t>
             </a:r>
             <a:r>
-              <a:rPr lang="et-EE" sz="4000" dirty="0" smtClean="0">
+              <a:rPr lang="et-EE" sz="4000" smtClean="0">
                 <a:latin typeface="+mn-lt"/>
               </a:rPr>
               <a:t>, so </a:t>
             </a:r>
             <a:r>
-              <a:rPr lang="et-EE" sz="4000" dirty="0" err="1" smtClean="0">
+              <a:rPr lang="et-EE" sz="4000" err="1" smtClean="0">
                 <a:latin typeface="+mn-lt"/>
               </a:rPr>
               <a:t>we</a:t>
             </a:r>
             <a:r>
-              <a:rPr lang="et-EE" sz="4000" dirty="0" smtClean="0">
-                <a:latin typeface="+mn-lt"/>
-              </a:rPr>
-              <a:t> </a:t>
-            </a:r>
-            <a:r>
-              <a:rPr lang="et-EE" sz="4000" dirty="0" err="1" smtClean="0">
+              <a:rPr lang="et-EE" sz="4000" smtClean="0">
+                <a:latin typeface="+mn-lt"/>
+              </a:rPr>
+              <a:t> </a:t>
+            </a:r>
+            <a:r>
+              <a:rPr lang="et-EE" sz="4000" err="1" smtClean="0">
                 <a:latin typeface="+mn-lt"/>
               </a:rPr>
               <a:t>discarded</a:t>
             </a:r>
             <a:r>
-              <a:rPr lang="et-EE" sz="4000" dirty="0" smtClean="0">
-                <a:latin typeface="+mn-lt"/>
-              </a:rPr>
-              <a:t> </a:t>
-            </a:r>
-            <a:r>
-              <a:rPr lang="et-EE" sz="4000" dirty="0" err="1" smtClean="0">
+              <a:rPr lang="et-EE" sz="4000" smtClean="0">
+                <a:latin typeface="+mn-lt"/>
+              </a:rPr>
+              <a:t> </a:t>
+            </a:r>
+            <a:r>
+              <a:rPr lang="et-EE" sz="4000" err="1" smtClean="0">
                 <a:latin typeface="+mn-lt"/>
               </a:rPr>
               <a:t>those</a:t>
             </a:r>
             <a:r>
-              <a:rPr lang="et-EE" sz="4000" dirty="0" smtClean="0">
-                <a:latin typeface="+mn-lt"/>
-              </a:rPr>
-              <a:t> </a:t>
-            </a:r>
-            <a:r>
-              <a:rPr lang="et-EE" sz="4000" dirty="0" err="1" smtClean="0">
+              <a:rPr lang="et-EE" sz="4000" smtClean="0">
+                <a:latin typeface="+mn-lt"/>
+              </a:rPr>
+              <a:t> </a:t>
+            </a:r>
+            <a:r>
+              <a:rPr lang="et-EE" sz="4000" err="1" smtClean="0">
                 <a:latin typeface="+mn-lt"/>
               </a:rPr>
               <a:t>that</a:t>
             </a:r>
             <a:r>
-              <a:rPr lang="et-EE" sz="4000" dirty="0" smtClean="0">
-                <a:latin typeface="+mn-lt"/>
-              </a:rPr>
-              <a:t> </a:t>
-            </a:r>
-            <a:r>
-              <a:rPr lang="et-EE" sz="4000" dirty="0" err="1" smtClean="0">
+              <a:rPr lang="et-EE" sz="4000" smtClean="0">
+                <a:latin typeface="+mn-lt"/>
+              </a:rPr>
+              <a:t> </a:t>
+            </a:r>
+            <a:r>
+              <a:rPr lang="et-EE" sz="4000" err="1" smtClean="0">
                 <a:latin typeface="+mn-lt"/>
               </a:rPr>
               <a:t>were</a:t>
             </a:r>
             <a:r>
-              <a:rPr lang="et-EE" sz="4000" dirty="0" smtClean="0">
-                <a:latin typeface="+mn-lt"/>
-              </a:rPr>
-              <a:t> </a:t>
-            </a:r>
-            <a:r>
-              <a:rPr lang="et-EE" sz="4000" dirty="0" err="1" smtClean="0">
+              <a:rPr lang="et-EE" sz="4000" smtClean="0">
+                <a:latin typeface="+mn-lt"/>
+              </a:rPr>
+              <a:t> </a:t>
+            </a:r>
+            <a:r>
+              <a:rPr lang="et-EE" sz="4000" err="1" smtClean="0">
                 <a:latin typeface="+mn-lt"/>
               </a:rPr>
               <a:t>inbetween</a:t>
             </a:r>
             <a:r>
-              <a:rPr lang="et-EE" sz="4000" dirty="0" smtClean="0">
+              <a:rPr lang="et-EE" sz="4000" smtClean="0">
                 <a:latin typeface="+mn-lt"/>
               </a:rPr>
               <a:t>.</a:t>
             </a:r>
-            <a:endParaRPr lang="et-EE" sz="4000" dirty="0">
+            <a:endParaRPr lang="et-EE" sz="4000">
               <a:latin typeface="+mn-lt"/>
             </a:endParaRPr>
           </a:p>
@@ -5547,103 +5538,103 @@
           <a:p>
             <a:pPr algn="just"/>
             <a:r>
-              <a:rPr lang="et-EE" sz="4000" dirty="0" smtClean="0">
+              <a:rPr lang="et-EE" sz="4000" smtClean="0">
                 <a:latin typeface="+mn-lt"/>
               </a:rPr>
               <a:t>All of </a:t>
             </a:r>
             <a:r>
-              <a:rPr lang="et-EE" sz="4000" dirty="0" err="1" smtClean="0">
+              <a:rPr lang="et-EE" sz="4000" err="1" smtClean="0">
                 <a:latin typeface="+mn-lt"/>
               </a:rPr>
               <a:t>the</a:t>
             </a:r>
             <a:r>
-              <a:rPr lang="et-EE" sz="4000" dirty="0" smtClean="0">
-                <a:latin typeface="+mn-lt"/>
-              </a:rPr>
-              <a:t> </a:t>
-            </a:r>
-            <a:r>
-              <a:rPr lang="et-EE" sz="4000" dirty="0" err="1" smtClean="0">
+              <a:rPr lang="et-EE" sz="4000" smtClean="0">
+                <a:latin typeface="+mn-lt"/>
+              </a:rPr>
+              <a:t> </a:t>
+            </a:r>
+            <a:r>
+              <a:rPr lang="et-EE" sz="4000" err="1" smtClean="0">
                 <a:latin typeface="+mn-lt"/>
               </a:rPr>
               <a:t>data</a:t>
             </a:r>
             <a:r>
-              <a:rPr lang="et-EE" sz="4000" dirty="0" smtClean="0">
-                <a:latin typeface="+mn-lt"/>
-              </a:rPr>
-              <a:t> </a:t>
-            </a:r>
-            <a:r>
-              <a:rPr lang="et-EE" sz="4000" dirty="0" err="1" smtClean="0">
+              <a:rPr lang="et-EE" sz="4000" smtClean="0">
+                <a:latin typeface="+mn-lt"/>
+              </a:rPr>
+              <a:t> </a:t>
+            </a:r>
+            <a:r>
+              <a:rPr lang="et-EE" sz="4000" err="1" smtClean="0">
                 <a:latin typeface="+mn-lt"/>
               </a:rPr>
               <a:t>we</a:t>
             </a:r>
             <a:r>
-              <a:rPr lang="et-EE" sz="4000" dirty="0" smtClean="0">
-                <a:latin typeface="+mn-lt"/>
-              </a:rPr>
-              <a:t> </a:t>
-            </a:r>
-            <a:r>
-              <a:rPr lang="et-EE" sz="4000" dirty="0" err="1" smtClean="0">
+              <a:rPr lang="et-EE" sz="4000" smtClean="0">
+                <a:latin typeface="+mn-lt"/>
+              </a:rPr>
+              <a:t> </a:t>
+            </a:r>
+            <a:r>
+              <a:rPr lang="et-EE" sz="4000" err="1" smtClean="0">
                 <a:latin typeface="+mn-lt"/>
               </a:rPr>
               <a:t>used</a:t>
             </a:r>
             <a:r>
-              <a:rPr lang="et-EE" sz="4000" dirty="0" smtClean="0">
-                <a:latin typeface="+mn-lt"/>
-              </a:rPr>
-              <a:t> </a:t>
-            </a:r>
-            <a:r>
-              <a:rPr lang="et-EE" sz="4000" dirty="0" err="1" smtClean="0">
+              <a:rPr lang="et-EE" sz="4000" smtClean="0">
+                <a:latin typeface="+mn-lt"/>
+              </a:rPr>
+              <a:t> </a:t>
+            </a:r>
+            <a:r>
+              <a:rPr lang="et-EE" sz="4000" err="1" smtClean="0">
                 <a:latin typeface="+mn-lt"/>
               </a:rPr>
               <a:t>was</a:t>
             </a:r>
             <a:r>
-              <a:rPr lang="et-EE" sz="4000" dirty="0" smtClean="0">
-                <a:latin typeface="+mn-lt"/>
-              </a:rPr>
-              <a:t> </a:t>
-            </a:r>
-            <a:r>
-              <a:rPr lang="et-EE" sz="4000" dirty="0" err="1" smtClean="0">
+              <a:rPr lang="et-EE" sz="4000" smtClean="0">
+                <a:latin typeface="+mn-lt"/>
+              </a:rPr>
+              <a:t> </a:t>
+            </a:r>
+            <a:r>
+              <a:rPr lang="et-EE" sz="4000" err="1" smtClean="0">
                 <a:latin typeface="+mn-lt"/>
               </a:rPr>
               <a:t>taken</a:t>
             </a:r>
             <a:r>
-              <a:rPr lang="et-EE" sz="4000" dirty="0" smtClean="0">
-                <a:latin typeface="+mn-lt"/>
-              </a:rPr>
-              <a:t> </a:t>
-            </a:r>
-            <a:r>
-              <a:rPr lang="et-EE" sz="4000" dirty="0" err="1" smtClean="0">
+              <a:rPr lang="et-EE" sz="4000" smtClean="0">
+                <a:latin typeface="+mn-lt"/>
+              </a:rPr>
+              <a:t> </a:t>
+            </a:r>
+            <a:r>
+              <a:rPr lang="et-EE" sz="4000" err="1" smtClean="0">
                 <a:latin typeface="+mn-lt"/>
               </a:rPr>
               <a:t>from</a:t>
             </a:r>
             <a:r>
-              <a:rPr lang="et-EE" sz="4000" dirty="0" smtClean="0">
-                <a:latin typeface="+mn-lt"/>
-              </a:rPr>
-              <a:t> </a:t>
-            </a:r>
-            <a:r>
-              <a:rPr lang="et-EE" sz="4000" dirty="0" err="1" smtClean="0">
+              <a:rPr lang="et-EE" sz="4000" smtClean="0">
+                <a:latin typeface="+mn-lt"/>
+              </a:rPr>
+              <a:t> </a:t>
+            </a:r>
+            <a:r>
+              <a:rPr lang="et-EE" sz="4000" err="1" smtClean="0">
                 <a:latin typeface="+mn-lt"/>
               </a:rPr>
               <a:t>Kaggle</a:t>
             </a:r>
             <a:r>
-              <a:rPr lang="et-EE" sz="4000" dirty="0" smtClean="0">
+              <a:rPr lang="et-EE" sz="4000" smtClean="0">
                 <a:latin typeface="+mn-lt"/>
               </a:rPr>
               <a:t>.</a:t>
@@ -5652,277 +5643,277 @@
           <a:p>
             <a:pPr algn="just"/>
             <a:r>
-              <a:rPr lang="et-EE" sz="4000" dirty="0" err="1" smtClean="0">
+              <a:rPr lang="et-EE" sz="4000" err="1" smtClean="0">
                 <a:latin typeface="+mn-lt"/>
               </a:rPr>
               <a:t>For</a:t>
             </a:r>
             <a:r>
-              <a:rPr lang="et-EE" sz="4000" dirty="0" smtClean="0">
-                <a:latin typeface="+mn-lt"/>
-              </a:rPr>
-              <a:t> </a:t>
-            </a:r>
-            <a:r>
-              <a:rPr lang="et-EE" sz="4000" dirty="0" err="1" smtClean="0">
+              <a:rPr lang="et-EE" sz="4000" smtClean="0">
+                <a:latin typeface="+mn-lt"/>
+              </a:rPr>
+              <a:t> </a:t>
+            </a:r>
+            <a:r>
+              <a:rPr lang="et-EE" sz="4000" err="1" smtClean="0">
                 <a:latin typeface="+mn-lt"/>
               </a:rPr>
               <a:t>the</a:t>
             </a:r>
             <a:r>
-              <a:rPr lang="et-EE" sz="4000" dirty="0" smtClean="0">
-                <a:latin typeface="+mn-lt"/>
-              </a:rPr>
-              <a:t> </a:t>
-            </a:r>
-            <a:r>
-              <a:rPr lang="et-EE" sz="4000" dirty="0" err="1" smtClean="0">
+              <a:rPr lang="et-EE" sz="4000" smtClean="0">
+                <a:latin typeface="+mn-lt"/>
+              </a:rPr>
+              <a:t> </a:t>
+            </a:r>
+            <a:r>
+              <a:rPr lang="et-EE" sz="4000" err="1" smtClean="0">
                 <a:latin typeface="+mn-lt"/>
               </a:rPr>
               <a:t>comparison</a:t>
             </a:r>
             <a:r>
-              <a:rPr lang="et-EE" sz="4000" dirty="0" smtClean="0">
-                <a:latin typeface="+mn-lt"/>
-              </a:rPr>
-              <a:t> </a:t>
-            </a:r>
-            <a:r>
-              <a:rPr lang="et-EE" sz="4000" dirty="0" err="1" smtClean="0">
+              <a:rPr lang="et-EE" sz="4000" smtClean="0">
+                <a:latin typeface="+mn-lt"/>
+              </a:rPr>
+              <a:t> </a:t>
+            </a:r>
+            <a:r>
+              <a:rPr lang="et-EE" sz="4000" err="1" smtClean="0">
                 <a:latin typeface="+mn-lt"/>
               </a:rPr>
               <a:t>we</a:t>
             </a:r>
             <a:r>
-              <a:rPr lang="et-EE" sz="4000" dirty="0" smtClean="0">
-                <a:latin typeface="+mn-lt"/>
-              </a:rPr>
-              <a:t> </a:t>
-            </a:r>
-            <a:r>
-              <a:rPr lang="et-EE" sz="4000" dirty="0" err="1" smtClean="0">
+              <a:rPr lang="et-EE" sz="4000" smtClean="0">
+                <a:latin typeface="+mn-lt"/>
+              </a:rPr>
+              <a:t> </a:t>
+            </a:r>
+            <a:r>
+              <a:rPr lang="et-EE" sz="4000" err="1" smtClean="0">
                 <a:latin typeface="+mn-lt"/>
               </a:rPr>
               <a:t>used</a:t>
             </a:r>
             <a:r>
-              <a:rPr lang="et-EE" sz="4000" dirty="0" smtClean="0">
-                <a:latin typeface="+mn-lt"/>
-              </a:rPr>
-              <a:t> </a:t>
-            </a:r>
-            <a:r>
-              <a:rPr lang="et-EE" sz="4000" dirty="0" err="1" smtClean="0">
+              <a:rPr lang="et-EE" sz="4000" smtClean="0">
+                <a:latin typeface="+mn-lt"/>
+              </a:rPr>
+              <a:t> </a:t>
+            </a:r>
+            <a:r>
+              <a:rPr lang="et-EE" sz="4000" err="1" smtClean="0">
                 <a:latin typeface="+mn-lt"/>
               </a:rPr>
               <a:t>two</a:t>
             </a:r>
             <a:r>
-              <a:rPr lang="et-EE" sz="4000" dirty="0" smtClean="0">
-                <a:latin typeface="+mn-lt"/>
-              </a:rPr>
-              <a:t> </a:t>
-            </a:r>
-            <a:r>
-              <a:rPr lang="et-EE" sz="4000" dirty="0" err="1" smtClean="0">
+              <a:rPr lang="et-EE" sz="4000" smtClean="0">
+                <a:latin typeface="+mn-lt"/>
+              </a:rPr>
+              <a:t> </a:t>
+            </a:r>
+            <a:r>
+              <a:rPr lang="et-EE" sz="4000" err="1" smtClean="0">
                 <a:latin typeface="+mn-lt"/>
               </a:rPr>
               <a:t>datasets</a:t>
             </a:r>
             <a:r>
-              <a:rPr lang="et-EE" sz="4000" dirty="0" smtClean="0">
+              <a:rPr lang="et-EE" sz="4000" smtClean="0">
                 <a:latin typeface="+mn-lt"/>
               </a:rPr>
               <a:t>, </a:t>
             </a:r>
             <a:r>
-              <a:rPr lang="et-EE" sz="4000" dirty="0" err="1" smtClean="0">
+              <a:rPr lang="et-EE" sz="4000" err="1" smtClean="0">
                 <a:latin typeface="+mn-lt"/>
               </a:rPr>
               <a:t>one</a:t>
             </a:r>
             <a:r>
-              <a:rPr lang="et-EE" sz="4000" dirty="0" smtClean="0">
-                <a:latin typeface="+mn-lt"/>
-              </a:rPr>
-              <a:t> </a:t>
-            </a:r>
-            <a:r>
-              <a:rPr lang="et-EE" sz="4000" dirty="0" err="1" smtClean="0">
+              <a:rPr lang="et-EE" sz="4000" smtClean="0">
+                <a:latin typeface="+mn-lt"/>
+              </a:rPr>
+              <a:t> </a:t>
+            </a:r>
+            <a:r>
+              <a:rPr lang="et-EE" sz="4000" err="1" smtClean="0">
                 <a:latin typeface="+mn-lt"/>
               </a:rPr>
               <a:t>including</a:t>
             </a:r>
             <a:r>
-              <a:rPr lang="et-EE" sz="4000" dirty="0" smtClean="0">
-                <a:latin typeface="+mn-lt"/>
-              </a:rPr>
-              <a:t> </a:t>
-            </a:r>
-            <a:r>
-              <a:rPr lang="et-EE" sz="4000" dirty="0" err="1" smtClean="0">
+              <a:rPr lang="et-EE" sz="4000" smtClean="0">
+                <a:latin typeface="+mn-lt"/>
+              </a:rPr>
+              <a:t> </a:t>
+            </a:r>
+            <a:r>
+              <a:rPr lang="et-EE" sz="4000" err="1" smtClean="0">
                 <a:latin typeface="+mn-lt"/>
               </a:rPr>
               <a:t>the</a:t>
             </a:r>
             <a:r>
-              <a:rPr lang="et-EE" sz="4000" dirty="0" smtClean="0">
-                <a:latin typeface="+mn-lt"/>
-              </a:rPr>
-              <a:t> </a:t>
-            </a:r>
-            <a:r>
-              <a:rPr lang="et-EE" sz="4000" dirty="0" err="1" smtClean="0">
+              <a:rPr lang="et-EE" sz="4000" smtClean="0">
+                <a:latin typeface="+mn-lt"/>
+              </a:rPr>
+              <a:t> </a:t>
+            </a:r>
+            <a:r>
+              <a:rPr lang="et-EE" sz="4000" err="1" smtClean="0">
                 <a:latin typeface="+mn-lt"/>
               </a:rPr>
               <a:t>top</a:t>
             </a:r>
             <a:r>
-              <a:rPr lang="et-EE" sz="4000" dirty="0" smtClean="0">
+              <a:rPr lang="et-EE" sz="4000" smtClean="0">
                 <a:latin typeface="+mn-lt"/>
               </a:rPr>
               <a:t> 100 of 2017 and </a:t>
             </a:r>
             <a:r>
-              <a:rPr lang="et-EE" sz="4000" dirty="0" err="1" smtClean="0">
+              <a:rPr lang="et-EE" sz="4000" err="1" smtClean="0">
                 <a:latin typeface="+mn-lt"/>
               </a:rPr>
               <a:t>the</a:t>
             </a:r>
             <a:r>
-              <a:rPr lang="et-EE" sz="4000" dirty="0" smtClean="0">
-                <a:latin typeface="+mn-lt"/>
-              </a:rPr>
-              <a:t> </a:t>
-            </a:r>
-            <a:r>
-              <a:rPr lang="et-EE" sz="4000" dirty="0" err="1" smtClean="0">
+              <a:rPr lang="et-EE" sz="4000" smtClean="0">
+                <a:latin typeface="+mn-lt"/>
+              </a:rPr>
+              <a:t> </a:t>
+            </a:r>
+            <a:r>
+              <a:rPr lang="et-EE" sz="4000" err="1" smtClean="0">
                 <a:latin typeface="+mn-lt"/>
               </a:rPr>
               <a:t>other</a:t>
             </a:r>
             <a:r>
-              <a:rPr lang="et-EE" sz="4000" dirty="0" smtClean="0">
-                <a:latin typeface="+mn-lt"/>
-              </a:rPr>
-              <a:t> </a:t>
-            </a:r>
-            <a:r>
-              <a:rPr lang="et-EE" sz="4000" dirty="0" err="1" smtClean="0">
+              <a:rPr lang="et-EE" sz="4000" smtClean="0">
+                <a:latin typeface="+mn-lt"/>
+              </a:rPr>
+              <a:t> </a:t>
+            </a:r>
+            <a:r>
+              <a:rPr lang="et-EE" sz="4000" err="1" smtClean="0">
                 <a:latin typeface="+mn-lt"/>
               </a:rPr>
               <a:t>including</a:t>
             </a:r>
             <a:r>
-              <a:rPr lang="et-EE" sz="4000" dirty="0" smtClean="0">
-                <a:latin typeface="+mn-lt"/>
-              </a:rPr>
-              <a:t> </a:t>
-            </a:r>
-            <a:r>
-              <a:rPr lang="et-EE" sz="4000" dirty="0" err="1" smtClean="0">
+              <a:rPr lang="et-EE" sz="4000" smtClean="0">
+                <a:latin typeface="+mn-lt"/>
+              </a:rPr>
+              <a:t> </a:t>
+            </a:r>
+            <a:r>
+              <a:rPr lang="et-EE" sz="4000" err="1" smtClean="0">
                 <a:latin typeface="+mn-lt"/>
               </a:rPr>
               <a:t>the</a:t>
             </a:r>
             <a:r>
-              <a:rPr lang="et-EE" sz="4000" dirty="0" smtClean="0">
-                <a:latin typeface="+mn-lt"/>
-              </a:rPr>
-              <a:t> </a:t>
-            </a:r>
-            <a:r>
-              <a:rPr lang="et-EE" sz="4000" dirty="0" err="1" smtClean="0">
+              <a:rPr lang="et-EE" sz="4000" smtClean="0">
+                <a:latin typeface="+mn-lt"/>
+              </a:rPr>
+              <a:t> </a:t>
+            </a:r>
+            <a:r>
+              <a:rPr lang="et-EE" sz="4000" err="1" smtClean="0">
                 <a:latin typeface="+mn-lt"/>
               </a:rPr>
               <a:t>top</a:t>
             </a:r>
             <a:r>
-              <a:rPr lang="et-EE" sz="4000" dirty="0" smtClean="0">
+              <a:rPr lang="et-EE" sz="4000" smtClean="0">
                 <a:latin typeface="+mn-lt"/>
               </a:rPr>
               <a:t> 100 of 2018. </a:t>
             </a:r>
             <a:r>
-              <a:rPr lang="et-EE" sz="4000" dirty="0" err="1" smtClean="0">
+              <a:rPr lang="et-EE" sz="4000" err="1" smtClean="0">
                 <a:latin typeface="+mn-lt"/>
               </a:rPr>
               <a:t>Both</a:t>
             </a:r>
             <a:r>
-              <a:rPr lang="et-EE" sz="4000" dirty="0" smtClean="0">
-                <a:latin typeface="+mn-lt"/>
-              </a:rPr>
-              <a:t> </a:t>
-            </a:r>
-            <a:r>
-              <a:rPr lang="et-EE" sz="4000" dirty="0" err="1" smtClean="0">
+              <a:rPr lang="et-EE" sz="4000" smtClean="0">
+                <a:latin typeface="+mn-lt"/>
+              </a:rPr>
+              <a:t> </a:t>
+            </a:r>
+            <a:r>
+              <a:rPr lang="et-EE" sz="4000" err="1" smtClean="0">
                 <a:latin typeface="+mn-lt"/>
               </a:rPr>
               <a:t>datasets</a:t>
             </a:r>
             <a:r>
-              <a:rPr lang="et-EE" sz="4000" dirty="0" smtClean="0">
-                <a:latin typeface="+mn-lt"/>
-              </a:rPr>
-              <a:t> </a:t>
-            </a:r>
-            <a:r>
-              <a:rPr lang="et-EE" sz="4000" dirty="0" err="1" smtClean="0">
+              <a:rPr lang="et-EE" sz="4000" smtClean="0">
+                <a:latin typeface="+mn-lt"/>
+              </a:rPr>
+              <a:t> </a:t>
+            </a:r>
+            <a:r>
+              <a:rPr lang="et-EE" sz="4000" err="1" smtClean="0">
                 <a:latin typeface="+mn-lt"/>
               </a:rPr>
               <a:t>include</a:t>
             </a:r>
             <a:r>
-              <a:rPr lang="et-EE" sz="4000" dirty="0" smtClean="0">
-                <a:latin typeface="+mn-lt"/>
-              </a:rPr>
-              <a:t> </a:t>
-            </a:r>
-            <a:r>
-              <a:rPr lang="et-EE" sz="4000" dirty="0" err="1" smtClean="0">
+              <a:rPr lang="et-EE" sz="4000" smtClean="0">
+                <a:latin typeface="+mn-lt"/>
+              </a:rPr>
+              <a:t> </a:t>
+            </a:r>
+            <a:r>
+              <a:rPr lang="et-EE" sz="4000" err="1" smtClean="0">
                 <a:latin typeface="+mn-lt"/>
               </a:rPr>
               <a:t>different</a:t>
             </a:r>
             <a:r>
-              <a:rPr lang="et-EE" sz="4000" dirty="0" smtClean="0">
-                <a:latin typeface="+mn-lt"/>
-              </a:rPr>
-              <a:t> </a:t>
-            </a:r>
-            <a:r>
-              <a:rPr lang="et-EE" sz="4000" dirty="0" err="1" smtClean="0">
+              <a:rPr lang="et-EE" sz="4000" smtClean="0">
+                <a:latin typeface="+mn-lt"/>
+              </a:rPr>
+              <a:t> </a:t>
+            </a:r>
+            <a:r>
+              <a:rPr lang="et-EE" sz="4000" err="1" smtClean="0">
                 <a:latin typeface="+mn-lt"/>
               </a:rPr>
               <a:t>attributes</a:t>
             </a:r>
             <a:r>
-              <a:rPr lang="et-EE" sz="4000" dirty="0" smtClean="0">
-                <a:latin typeface="+mn-lt"/>
-              </a:rPr>
-              <a:t> </a:t>
-            </a:r>
-            <a:r>
-              <a:rPr lang="et-EE" sz="4000" dirty="0" err="1" smtClean="0">
+              <a:rPr lang="et-EE" sz="4000" smtClean="0">
+                <a:latin typeface="+mn-lt"/>
+              </a:rPr>
+              <a:t> </a:t>
+            </a:r>
+            <a:r>
+              <a:rPr lang="et-EE" sz="4000" err="1" smtClean="0">
                 <a:latin typeface="+mn-lt"/>
               </a:rPr>
               <a:t>for</a:t>
             </a:r>
             <a:r>
-              <a:rPr lang="et-EE" sz="4000" dirty="0" smtClean="0">
-                <a:latin typeface="+mn-lt"/>
-              </a:rPr>
-              <a:t> </a:t>
-            </a:r>
-            <a:r>
-              <a:rPr lang="et-EE" sz="4000" dirty="0" err="1" smtClean="0">
+              <a:rPr lang="et-EE" sz="4000" smtClean="0">
+                <a:latin typeface="+mn-lt"/>
+              </a:rPr>
+              <a:t> </a:t>
+            </a:r>
+            <a:r>
+              <a:rPr lang="et-EE" sz="4000" err="1" smtClean="0">
                 <a:latin typeface="+mn-lt"/>
               </a:rPr>
               <a:t>each</a:t>
             </a:r>
             <a:r>
-              <a:rPr lang="et-EE" sz="4000" dirty="0" smtClean="0">
+              <a:rPr lang="et-EE" sz="4000" smtClean="0">
                 <a:latin typeface="+mn-lt"/>
               </a:rPr>
               <a:t> song.</a:t>
@@ -5931,205 +5922,205 @@
           <a:p>
             <a:pPr algn="just"/>
             <a:r>
-              <a:rPr lang="et-EE" sz="4000" dirty="0" err="1" smtClean="0">
+              <a:rPr lang="et-EE" sz="4000" err="1" smtClean="0">
                 <a:latin typeface="+mn-lt"/>
               </a:rPr>
               <a:t>The</a:t>
             </a:r>
             <a:r>
-              <a:rPr lang="et-EE" sz="4000" dirty="0" smtClean="0">
-                <a:latin typeface="+mn-lt"/>
-              </a:rPr>
-              <a:t> </a:t>
-            </a:r>
-            <a:r>
-              <a:rPr lang="et-EE" sz="4000" dirty="0" err="1" smtClean="0">
+              <a:rPr lang="et-EE" sz="4000" smtClean="0">
+                <a:latin typeface="+mn-lt"/>
+              </a:rPr>
+              <a:t> </a:t>
+            </a:r>
+            <a:r>
+              <a:rPr lang="et-EE" sz="4000" err="1" smtClean="0">
                 <a:latin typeface="+mn-lt"/>
               </a:rPr>
               <a:t>third</a:t>
             </a:r>
             <a:r>
-              <a:rPr lang="et-EE" sz="4000" dirty="0" smtClean="0">
-                <a:latin typeface="+mn-lt"/>
-              </a:rPr>
-              <a:t> </a:t>
-            </a:r>
-            <a:r>
-              <a:rPr lang="et-EE" sz="4000" dirty="0" err="1" smtClean="0">
+              <a:rPr lang="et-EE" sz="4000" smtClean="0">
+                <a:latin typeface="+mn-lt"/>
+              </a:rPr>
+              <a:t> </a:t>
+            </a:r>
+            <a:r>
+              <a:rPr lang="et-EE" sz="4000" err="1" smtClean="0">
                 <a:latin typeface="+mn-lt"/>
               </a:rPr>
               <a:t>dataset</a:t>
             </a:r>
             <a:r>
-              <a:rPr lang="et-EE" sz="4000" dirty="0" smtClean="0">
-                <a:latin typeface="+mn-lt"/>
-              </a:rPr>
-              <a:t> </a:t>
-            </a:r>
-            <a:r>
-              <a:rPr lang="et-EE" sz="4000" dirty="0" err="1" smtClean="0">
+              <a:rPr lang="et-EE" sz="4000" smtClean="0">
+                <a:latin typeface="+mn-lt"/>
+              </a:rPr>
+              <a:t> </a:t>
+            </a:r>
+            <a:r>
+              <a:rPr lang="et-EE" sz="4000" err="1" smtClean="0">
                 <a:latin typeface="+mn-lt"/>
               </a:rPr>
               <a:t>that</a:t>
             </a:r>
             <a:r>
-              <a:rPr lang="et-EE" sz="4000" dirty="0" smtClean="0">
-                <a:latin typeface="+mn-lt"/>
-              </a:rPr>
-              <a:t> </a:t>
-            </a:r>
-            <a:r>
-              <a:rPr lang="et-EE" sz="4000" dirty="0" err="1" smtClean="0">
+              <a:rPr lang="et-EE" sz="4000" smtClean="0">
+                <a:latin typeface="+mn-lt"/>
+              </a:rPr>
+              <a:t> </a:t>
+            </a:r>
+            <a:r>
+              <a:rPr lang="et-EE" sz="4000" err="1" smtClean="0">
                 <a:latin typeface="+mn-lt"/>
               </a:rPr>
               <a:t>was</a:t>
             </a:r>
             <a:r>
-              <a:rPr lang="et-EE" sz="4000" dirty="0" smtClean="0">
-                <a:latin typeface="+mn-lt"/>
-              </a:rPr>
-              <a:t> </a:t>
-            </a:r>
-            <a:r>
-              <a:rPr lang="et-EE" sz="4000" dirty="0" err="1" smtClean="0">
+              <a:rPr lang="et-EE" sz="4000" smtClean="0">
+                <a:latin typeface="+mn-lt"/>
+              </a:rPr>
+              <a:t> </a:t>
+            </a:r>
+            <a:r>
+              <a:rPr lang="et-EE" sz="4000" err="1" smtClean="0">
                 <a:latin typeface="+mn-lt"/>
               </a:rPr>
               <a:t>used</a:t>
             </a:r>
             <a:r>
-              <a:rPr lang="et-EE" sz="4000" dirty="0" smtClean="0">
-                <a:latin typeface="+mn-lt"/>
-              </a:rPr>
-              <a:t> </a:t>
-            </a:r>
-            <a:r>
-              <a:rPr lang="et-EE" sz="4000" dirty="0" err="1" smtClean="0">
+              <a:rPr lang="et-EE" sz="4000" smtClean="0">
+                <a:latin typeface="+mn-lt"/>
+              </a:rPr>
+              <a:t> </a:t>
+            </a:r>
+            <a:r>
+              <a:rPr lang="et-EE" sz="4000" err="1" smtClean="0">
                 <a:latin typeface="+mn-lt"/>
               </a:rPr>
               <a:t>was</a:t>
             </a:r>
             <a:r>
-              <a:rPr lang="et-EE" sz="4000" dirty="0" smtClean="0">
+              <a:rPr lang="et-EE" sz="4000" smtClean="0">
                 <a:latin typeface="+mn-lt"/>
               </a:rPr>
               <a:t> a </a:t>
             </a:r>
             <a:r>
-              <a:rPr lang="et-EE" sz="4000" dirty="0" err="1" smtClean="0">
+              <a:rPr lang="et-EE" sz="4000" err="1" smtClean="0">
                 <a:latin typeface="+mn-lt"/>
               </a:rPr>
               <a:t>large</a:t>
             </a:r>
             <a:r>
-              <a:rPr lang="et-EE" sz="4000" dirty="0" smtClean="0">
-                <a:latin typeface="+mn-lt"/>
-              </a:rPr>
-              <a:t> </a:t>
-            </a:r>
-            <a:r>
-              <a:rPr lang="et-EE" sz="4000" dirty="0" err="1" smtClean="0">
+              <a:rPr lang="et-EE" sz="4000" smtClean="0">
+                <a:latin typeface="+mn-lt"/>
+              </a:rPr>
+              <a:t> </a:t>
+            </a:r>
+            <a:r>
+              <a:rPr lang="et-EE" sz="4000" err="1" smtClean="0">
                 <a:latin typeface="+mn-lt"/>
               </a:rPr>
               <a:t>dataset</a:t>
             </a:r>
             <a:r>
-              <a:rPr lang="et-EE" sz="4000" dirty="0" smtClean="0">
-                <a:latin typeface="+mn-lt"/>
-              </a:rPr>
-              <a:t> </a:t>
-            </a:r>
-            <a:r>
-              <a:rPr lang="et-EE" sz="4000" dirty="0" err="1" smtClean="0">
+              <a:rPr lang="et-EE" sz="4000" smtClean="0">
+                <a:latin typeface="+mn-lt"/>
+              </a:rPr>
+              <a:t> </a:t>
+            </a:r>
+            <a:r>
+              <a:rPr lang="et-EE" sz="4000" err="1" smtClean="0">
                 <a:latin typeface="+mn-lt"/>
               </a:rPr>
               <a:t>with</a:t>
             </a:r>
             <a:r>
-              <a:rPr lang="et-EE" sz="4000" dirty="0" smtClean="0">
-                <a:latin typeface="+mn-lt"/>
-              </a:rPr>
-              <a:t> </a:t>
-            </a:r>
-            <a:r>
-              <a:rPr lang="et-EE" sz="4000" dirty="0" err="1" smtClean="0">
+              <a:rPr lang="et-EE" sz="4000" smtClean="0">
+                <a:latin typeface="+mn-lt"/>
+              </a:rPr>
+              <a:t> </a:t>
+            </a:r>
+            <a:r>
+              <a:rPr lang="et-EE" sz="4000" err="1" smtClean="0">
                 <a:latin typeface="+mn-lt"/>
               </a:rPr>
               <a:t>over</a:t>
             </a:r>
             <a:r>
-              <a:rPr lang="et-EE" sz="4000" dirty="0" smtClean="0">
+              <a:rPr lang="et-EE" sz="4000" smtClean="0">
                 <a:latin typeface="+mn-lt"/>
               </a:rPr>
               <a:t> 200 000 </a:t>
             </a:r>
             <a:r>
-              <a:rPr lang="et-EE" sz="4000" dirty="0" err="1" smtClean="0">
+              <a:rPr lang="et-EE" sz="4000" err="1" smtClean="0">
                 <a:latin typeface="+mn-lt"/>
               </a:rPr>
               <a:t>songs</a:t>
             </a:r>
             <a:r>
-              <a:rPr lang="et-EE" sz="4000" dirty="0">
-                <a:latin typeface="+mn-lt"/>
-              </a:rPr>
-              <a:t> </a:t>
-            </a:r>
-            <a:r>
-              <a:rPr lang="et-EE" sz="4000" dirty="0" err="1" smtClean="0">
+              <a:rPr lang="et-EE" sz="4000">
+                <a:latin typeface="+mn-lt"/>
+              </a:rPr>
+              <a:t> </a:t>
+            </a:r>
+            <a:r>
+              <a:rPr lang="et-EE" sz="4000" err="1" smtClean="0">
                 <a:latin typeface="+mn-lt"/>
               </a:rPr>
               <a:t>that</a:t>
             </a:r>
             <a:r>
-              <a:rPr lang="et-EE" sz="4000" dirty="0" smtClean="0">
-                <a:latin typeface="+mn-lt"/>
-              </a:rPr>
-              <a:t> </a:t>
-            </a:r>
-            <a:r>
-              <a:rPr lang="et-EE" sz="4000" dirty="0" err="1" smtClean="0">
+              <a:rPr lang="et-EE" sz="4000" smtClean="0">
+                <a:latin typeface="+mn-lt"/>
+              </a:rPr>
+              <a:t> </a:t>
+            </a:r>
+            <a:r>
+              <a:rPr lang="et-EE" sz="4000" err="1" smtClean="0">
                 <a:latin typeface="+mn-lt"/>
               </a:rPr>
               <a:t>included</a:t>
             </a:r>
             <a:r>
-              <a:rPr lang="et-EE" sz="4000" dirty="0" smtClean="0">
-                <a:latin typeface="+mn-lt"/>
-              </a:rPr>
-              <a:t> </a:t>
-            </a:r>
-            <a:r>
-              <a:rPr lang="et-EE" sz="4000" dirty="0" err="1" smtClean="0">
+              <a:rPr lang="et-EE" sz="4000" smtClean="0">
+                <a:latin typeface="+mn-lt"/>
+              </a:rPr>
+              <a:t> </a:t>
+            </a:r>
+            <a:r>
+              <a:rPr lang="et-EE" sz="4000" err="1" smtClean="0">
                 <a:latin typeface="+mn-lt"/>
               </a:rPr>
               <a:t>the</a:t>
             </a:r>
             <a:r>
-              <a:rPr lang="et-EE" sz="4000" dirty="0" smtClean="0">
-                <a:latin typeface="+mn-lt"/>
-              </a:rPr>
-              <a:t> </a:t>
-            </a:r>
-            <a:r>
-              <a:rPr lang="et-EE" sz="4000" dirty="0" err="1" smtClean="0">
+              <a:rPr lang="et-EE" sz="4000" smtClean="0">
+                <a:latin typeface="+mn-lt"/>
+              </a:rPr>
+              <a:t> </a:t>
+            </a:r>
+            <a:r>
+              <a:rPr lang="et-EE" sz="4000" err="1" smtClean="0">
                 <a:latin typeface="+mn-lt"/>
               </a:rPr>
               <a:t>same</a:t>
             </a:r>
             <a:r>
-              <a:rPr lang="et-EE" sz="4000" dirty="0" smtClean="0">
-                <a:latin typeface="+mn-lt"/>
-              </a:rPr>
-              <a:t> </a:t>
-            </a:r>
-            <a:r>
-              <a:rPr lang="et-EE" sz="4000" dirty="0" err="1" smtClean="0">
+              <a:rPr lang="et-EE" sz="4000" smtClean="0">
+                <a:latin typeface="+mn-lt"/>
+              </a:rPr>
+              <a:t> </a:t>
+            </a:r>
+            <a:r>
+              <a:rPr lang="et-EE" sz="4000" err="1" smtClean="0">
                 <a:latin typeface="+mn-lt"/>
               </a:rPr>
               <a:t>attributes</a:t>
             </a:r>
             <a:r>
-              <a:rPr lang="et-EE" sz="4000" dirty="0" smtClean="0">
+              <a:rPr lang="et-EE" sz="4000" smtClean="0">
                 <a:latin typeface="+mn-lt"/>
               </a:rPr>
               <a:t>.</a:t>
@@ -6138,174 +6129,174 @@
           <a:p>
             <a:pPr algn="just"/>
             <a:r>
-              <a:rPr lang="et-EE" sz="4000" dirty="0" err="1" smtClean="0">
+              <a:rPr lang="et-EE" sz="4000" err="1" smtClean="0">
                 <a:latin typeface="+mn-lt"/>
               </a:rPr>
               <a:t>The</a:t>
             </a:r>
             <a:r>
-              <a:rPr lang="et-EE" sz="4000" dirty="0" smtClean="0">
-                <a:latin typeface="+mn-lt"/>
-              </a:rPr>
-              <a:t> </a:t>
-            </a:r>
-            <a:r>
-              <a:rPr lang="et-EE" sz="4000" dirty="0" err="1" smtClean="0">
+              <a:rPr lang="et-EE" sz="4000" smtClean="0">
+                <a:latin typeface="+mn-lt"/>
+              </a:rPr>
+              <a:t> </a:t>
+            </a:r>
+            <a:r>
+              <a:rPr lang="et-EE" sz="4000" err="1" smtClean="0">
                 <a:latin typeface="+mn-lt"/>
               </a:rPr>
               <a:t>attributes</a:t>
             </a:r>
             <a:r>
-              <a:rPr lang="et-EE" sz="4000" dirty="0" smtClean="0">
-                <a:latin typeface="+mn-lt"/>
-              </a:rPr>
-              <a:t> </a:t>
-            </a:r>
-            <a:r>
-              <a:rPr lang="et-EE" sz="4000" dirty="0" err="1" smtClean="0">
+              <a:rPr lang="et-EE" sz="4000" smtClean="0">
+                <a:latin typeface="+mn-lt"/>
+              </a:rPr>
+              <a:t> </a:t>
+            </a:r>
+            <a:r>
+              <a:rPr lang="et-EE" sz="4000" err="1" smtClean="0">
                 <a:latin typeface="+mn-lt"/>
               </a:rPr>
               <a:t>were</a:t>
             </a:r>
             <a:r>
-              <a:rPr lang="et-EE" sz="4000" dirty="0" smtClean="0">
-                <a:latin typeface="+mn-lt"/>
-              </a:rPr>
-              <a:t> </a:t>
-            </a:r>
-            <a:r>
-              <a:rPr lang="et-EE" sz="4000" dirty="0" err="1" smtClean="0">
+              <a:rPr lang="et-EE" sz="4000" smtClean="0">
+                <a:latin typeface="+mn-lt"/>
+              </a:rPr>
+              <a:t> </a:t>
+            </a:r>
+            <a:r>
+              <a:rPr lang="et-EE" sz="4000" err="1" smtClean="0">
                 <a:latin typeface="+mn-lt"/>
               </a:rPr>
               <a:t>acousticness</a:t>
             </a:r>
             <a:r>
-              <a:rPr lang="et-EE" sz="4000" dirty="0" smtClean="0">
+              <a:rPr lang="et-EE" sz="4000" smtClean="0">
                 <a:latin typeface="+mn-lt"/>
               </a:rPr>
               <a:t>, </a:t>
             </a:r>
             <a:r>
-              <a:rPr lang="et-EE" sz="4000" dirty="0" err="1" smtClean="0">
+              <a:rPr lang="et-EE" sz="4000" err="1" smtClean="0">
                 <a:latin typeface="+mn-lt"/>
               </a:rPr>
               <a:t>danceability</a:t>
             </a:r>
             <a:r>
-              <a:rPr lang="et-EE" sz="4000" dirty="0" smtClean="0">
+              <a:rPr lang="et-EE" sz="4000" smtClean="0">
                 <a:latin typeface="+mn-lt"/>
               </a:rPr>
               <a:t>, </a:t>
             </a:r>
             <a:r>
-              <a:rPr lang="et-EE" sz="4000" dirty="0" err="1" smtClean="0">
+              <a:rPr lang="et-EE" sz="4000" err="1" smtClean="0">
                 <a:latin typeface="+mn-lt"/>
               </a:rPr>
               <a:t>duration_ms</a:t>
             </a:r>
             <a:r>
-              <a:rPr lang="et-EE" sz="4000" dirty="0" smtClean="0">
+              <a:rPr lang="et-EE" sz="4000" smtClean="0">
                 <a:latin typeface="+mn-lt"/>
               </a:rPr>
               <a:t>, </a:t>
             </a:r>
             <a:r>
-              <a:rPr lang="et-EE" sz="4000" dirty="0" err="1" smtClean="0">
+              <a:rPr lang="et-EE" sz="4000" err="1" smtClean="0">
                 <a:latin typeface="+mn-lt"/>
               </a:rPr>
               <a:t>energy</a:t>
             </a:r>
             <a:r>
-              <a:rPr lang="et-EE" sz="4000" dirty="0" smtClean="0">
+              <a:rPr lang="et-EE" sz="4000" smtClean="0">
                 <a:latin typeface="+mn-lt"/>
               </a:rPr>
               <a:t>, </a:t>
             </a:r>
             <a:r>
-              <a:rPr lang="et-EE" sz="4000" dirty="0" err="1" smtClean="0">
+              <a:rPr lang="et-EE" sz="4000" err="1" smtClean="0">
                 <a:latin typeface="+mn-lt"/>
               </a:rPr>
               <a:t>instrumentalness</a:t>
             </a:r>
             <a:r>
-              <a:rPr lang="et-EE" sz="4000" dirty="0" smtClean="0">
+              <a:rPr lang="et-EE" sz="4000" smtClean="0">
                 <a:latin typeface="+mn-lt"/>
               </a:rPr>
               <a:t>, </a:t>
             </a:r>
             <a:r>
-              <a:rPr lang="et-EE" sz="4000" dirty="0" err="1" smtClean="0">
+              <a:rPr lang="et-EE" sz="4000" err="1" smtClean="0">
                 <a:latin typeface="+mn-lt"/>
               </a:rPr>
               <a:t>key</a:t>
             </a:r>
             <a:r>
-              <a:rPr lang="et-EE" sz="4000" dirty="0" smtClean="0">
+              <a:rPr lang="et-EE" sz="4000" smtClean="0">
                 <a:latin typeface="+mn-lt"/>
               </a:rPr>
               <a:t>, </a:t>
             </a:r>
             <a:r>
-              <a:rPr lang="et-EE" sz="4000" dirty="0" err="1" smtClean="0">
+              <a:rPr lang="et-EE" sz="4000" err="1" smtClean="0">
                 <a:latin typeface="+mn-lt"/>
               </a:rPr>
               <a:t>liveness</a:t>
             </a:r>
             <a:r>
-              <a:rPr lang="et-EE" sz="4000" dirty="0" smtClean="0">
+              <a:rPr lang="et-EE" sz="4000" smtClean="0">
                 <a:latin typeface="+mn-lt"/>
               </a:rPr>
               <a:t>, </a:t>
             </a:r>
             <a:r>
-              <a:rPr lang="et-EE" sz="4000" dirty="0" err="1" smtClean="0">
+              <a:rPr lang="et-EE" sz="4000" err="1" smtClean="0">
                 <a:latin typeface="+mn-lt"/>
               </a:rPr>
               <a:t>loudness</a:t>
             </a:r>
             <a:r>
-              <a:rPr lang="et-EE" sz="4000" dirty="0" smtClean="0">
+              <a:rPr lang="et-EE" sz="4000" smtClean="0">
                 <a:latin typeface="+mn-lt"/>
               </a:rPr>
               <a:t>, </a:t>
             </a:r>
             <a:r>
-              <a:rPr lang="et-EE" sz="4000" dirty="0" err="1" smtClean="0">
+              <a:rPr lang="et-EE" sz="4000" err="1" smtClean="0">
                 <a:latin typeface="+mn-lt"/>
               </a:rPr>
               <a:t>mode</a:t>
             </a:r>
             <a:r>
-              <a:rPr lang="et-EE" sz="4000" dirty="0" smtClean="0">
+              <a:rPr lang="et-EE" sz="4000" smtClean="0">
                 <a:latin typeface="+mn-lt"/>
               </a:rPr>
               <a:t>, </a:t>
             </a:r>
             <a:r>
-              <a:rPr lang="et-EE" sz="4000" dirty="0" err="1" smtClean="0">
+              <a:rPr lang="et-EE" sz="4000" err="1" smtClean="0">
                 <a:latin typeface="+mn-lt"/>
               </a:rPr>
               <a:t>speechiness</a:t>
             </a:r>
             <a:r>
-              <a:rPr lang="et-EE" sz="4000" dirty="0" smtClean="0">
+              <a:rPr lang="et-EE" sz="4000" smtClean="0">
                 <a:latin typeface="+mn-lt"/>
               </a:rPr>
               <a:t>, tempo, and </a:t>
             </a:r>
             <a:r>
-              <a:rPr lang="et-EE" sz="4000" dirty="0" err="1" smtClean="0">
+              <a:rPr lang="et-EE" sz="4000" err="1" smtClean="0">
                 <a:latin typeface="+mn-lt"/>
               </a:rPr>
               <a:t>valence</a:t>
             </a:r>
             <a:r>
-              <a:rPr lang="et-EE" sz="4000" dirty="0" smtClean="0">
+              <a:rPr lang="et-EE" sz="4000" smtClean="0">
                 <a:latin typeface="+mn-lt"/>
               </a:rPr>
               <a:t>.</a:t>
             </a:r>
-            <a:endParaRPr lang="en-US" sz="4000" dirty="0">
+            <a:endParaRPr lang="en-US" sz="4000">
               <a:latin typeface="+mn-lt"/>
             </a:endParaRPr>
           </a:p>
@@ -6351,7 +6342,7 @@
           <a:p>
             <a:pPr algn="ctr"/>
             <a:r>
-              <a:rPr lang="en-US" sz="5400" b="1" dirty="0"/>
+              <a:rPr lang="en-US" sz="5400" b="1"/>
               <a:t>Data</a:t>
             </a:r>
           </a:p>
@@ -6367,7 +6358,7 @@
         </p:nvSpPr>
         <p:spPr bwMode="auto">
           <a:xfrm>
-            <a:off x="20352119" y="25705044"/>
+            <a:off x="20353904" y="25921073"/>
             <a:ext cx="8780024" cy="8112675"/>
           </a:xfrm>
           <a:prstGeom prst="rect">
@@ -7022,7 +7013,7 @@
         </p:nvSpPr>
         <p:spPr>
           <a:xfrm>
-            <a:off x="20352119" y="24776166"/>
+            <a:off x="20353904" y="24992195"/>
             <a:ext cx="8780024" cy="949008"/>
           </a:xfrm>
           <a:prstGeom prst="rect">
@@ -7054,7 +7045,7 @@
           <a:p>
             <a:pPr algn="ctr"/>
             <a:r>
-              <a:rPr lang="en-US" sz="5400" b="1" dirty="0">
+              <a:rPr lang="en-US" sz="5400" b="1">
                 <a:solidFill>
                   <a:schemeClr val="bg1"/>
                 </a:solidFill>
@@ -7062,14 +7053,14 @@
               <a:t>R</a:t>
             </a:r>
             <a:r>
-              <a:rPr lang="en-US" sz="5400" b="1" dirty="0" smtClean="0">
+              <a:rPr lang="en-US" sz="5400" b="1" smtClean="0">
                 <a:solidFill>
                   <a:schemeClr val="bg1"/>
                 </a:solidFill>
               </a:rPr>
               <a:t>esults</a:t>
             </a:r>
-            <a:endParaRPr lang="en-US" sz="5400" b="1" dirty="0">
+            <a:endParaRPr lang="en-US" sz="5400" b="1">
               <a:solidFill>
                 <a:schemeClr val="bg1"/>
               </a:solidFill>
@@ -7117,14 +7108,14 @@
           <a:p>
             <a:pPr algn="ctr"/>
             <a:r>
-              <a:rPr lang="en-US" sz="5400" b="1" dirty="0" smtClean="0">
+              <a:rPr lang="en-US" sz="5400" b="1" smtClean="0">
                 <a:solidFill>
                   <a:schemeClr val="bg1"/>
                 </a:solidFill>
               </a:rPr>
               <a:t>Preprocessing</a:t>
             </a:r>
-            <a:endParaRPr lang="en-US" sz="5400" b="1" dirty="0">
+            <a:endParaRPr lang="en-US" sz="5400" b="1">
               <a:solidFill>
                 <a:schemeClr val="bg1"/>
               </a:solidFill>
@@ -7329,8 +7320,8 @@
         </p:nvSpPr>
         <p:spPr>
           <a:xfrm>
-            <a:off x="10432052" y="27633988"/>
-            <a:ext cx="10019346" cy="492443"/>
+            <a:off x="12068237" y="27633988"/>
+            <a:ext cx="6746975" cy="492443"/>
           </a:xfrm>
           <a:prstGeom prst="rect">
             <a:avLst/>
@@ -7386,39 +7377,11 @@
             </a:r>
             <a:r>
               <a:rPr lang="et-EE" sz="2600" dirty="0" smtClean="0"/>
-              <a:t> 2017 (</a:t>
-            </a:r>
-            <a:r>
-              <a:rPr lang="et-EE" sz="2600" dirty="0" err="1" smtClean="0"/>
-              <a:t>first</a:t>
+              <a:t> 2017 </a:t>
             </a:r>
             <a:r>
               <a:rPr lang="et-EE" sz="2600" dirty="0" smtClean="0"/>
-              <a:t> </a:t>
-            </a:r>
-            <a:r>
-              <a:rPr lang="et-EE" sz="2600" dirty="0" err="1" smtClean="0"/>
-              <a:t>plot</a:t>
-            </a:r>
-            <a:r>
-              <a:rPr lang="et-EE" sz="2600" dirty="0" smtClean="0"/>
-              <a:t>) and 2018 (</a:t>
-            </a:r>
-            <a:r>
-              <a:rPr lang="et-EE" sz="2600" dirty="0" err="1" smtClean="0"/>
-              <a:t>second</a:t>
-            </a:r>
-            <a:r>
-              <a:rPr lang="et-EE" sz="2600" dirty="0" smtClean="0"/>
-              <a:t> </a:t>
-            </a:r>
-            <a:r>
-              <a:rPr lang="et-EE" sz="2600" dirty="0" err="1" smtClean="0"/>
-              <a:t>plot</a:t>
-            </a:r>
-            <a:r>
-              <a:rPr lang="et-EE" sz="2600" dirty="0" smtClean="0"/>
-              <a:t>)</a:t>
+              <a:t>and 2018</a:t>
             </a:r>
             <a:endParaRPr lang="et-EE" sz="2600" dirty="0"/>
           </a:p>
@@ -7557,517 +7520,517 @@
           <a:p>
             <a:pPr algn="just" eaLnBrk="1" hangingPunct="1"/>
             <a:r>
-              <a:rPr lang="et-EE" sz="4000" dirty="0" err="1" smtClean="0">
+              <a:rPr lang="et-EE" sz="4000" err="1" smtClean="0">
                 <a:latin typeface="+mn-lt"/>
               </a:rPr>
               <a:t>The</a:t>
             </a:r>
             <a:r>
-              <a:rPr lang="et-EE" sz="4000" dirty="0" smtClean="0">
-                <a:latin typeface="+mn-lt"/>
-              </a:rPr>
-              <a:t> </a:t>
-            </a:r>
-            <a:r>
-              <a:rPr lang="et-EE" sz="4000" dirty="0" err="1" smtClean="0">
+              <a:rPr lang="et-EE" sz="4000" smtClean="0">
+                <a:latin typeface="+mn-lt"/>
+              </a:rPr>
+              <a:t> </a:t>
+            </a:r>
+            <a:r>
+              <a:rPr lang="et-EE" sz="4000" err="1" smtClean="0">
                 <a:latin typeface="+mn-lt"/>
               </a:rPr>
               <a:t>models</a:t>
             </a:r>
             <a:r>
-              <a:rPr lang="et-EE" sz="4000" dirty="0" smtClean="0">
-                <a:latin typeface="+mn-lt"/>
-              </a:rPr>
-              <a:t> </a:t>
-            </a:r>
-            <a:r>
-              <a:rPr lang="et-EE" sz="4000" dirty="0" err="1" smtClean="0">
+              <a:rPr lang="et-EE" sz="4000" smtClean="0">
+                <a:latin typeface="+mn-lt"/>
+              </a:rPr>
+              <a:t> </a:t>
+            </a:r>
+            <a:r>
+              <a:rPr lang="et-EE" sz="4000" err="1" smtClean="0">
                 <a:latin typeface="+mn-lt"/>
               </a:rPr>
               <a:t>we</a:t>
             </a:r>
             <a:r>
-              <a:rPr lang="et-EE" sz="4000" dirty="0" smtClean="0">
-                <a:latin typeface="+mn-lt"/>
-              </a:rPr>
-              <a:t> </a:t>
-            </a:r>
-            <a:r>
-              <a:rPr lang="et-EE" sz="4000" dirty="0" err="1" smtClean="0">
+              <a:rPr lang="et-EE" sz="4000" smtClean="0">
+                <a:latin typeface="+mn-lt"/>
+              </a:rPr>
+              <a:t> </a:t>
+            </a:r>
+            <a:r>
+              <a:rPr lang="et-EE" sz="4000" err="1" smtClean="0">
                 <a:latin typeface="+mn-lt"/>
               </a:rPr>
               <a:t>used</a:t>
             </a:r>
             <a:r>
-              <a:rPr lang="et-EE" sz="4000" dirty="0" smtClean="0">
-                <a:latin typeface="+mn-lt"/>
-              </a:rPr>
-              <a:t> </a:t>
-            </a:r>
-            <a:r>
-              <a:rPr lang="et-EE" sz="4000" dirty="0" err="1" smtClean="0">
+              <a:rPr lang="et-EE" sz="4000" smtClean="0">
+                <a:latin typeface="+mn-lt"/>
+              </a:rPr>
+              <a:t> </a:t>
+            </a:r>
+            <a:r>
+              <a:rPr lang="et-EE" sz="4000" err="1" smtClean="0">
                 <a:latin typeface="+mn-lt"/>
               </a:rPr>
               <a:t>for</a:t>
             </a:r>
             <a:r>
-              <a:rPr lang="et-EE" sz="4000" dirty="0" smtClean="0">
-                <a:latin typeface="+mn-lt"/>
-              </a:rPr>
-              <a:t> </a:t>
-            </a:r>
-            <a:r>
-              <a:rPr lang="et-EE" sz="4000" dirty="0" err="1" smtClean="0">
+              <a:rPr lang="et-EE" sz="4000" smtClean="0">
+                <a:latin typeface="+mn-lt"/>
+              </a:rPr>
+              <a:t> </a:t>
+            </a:r>
+            <a:r>
+              <a:rPr lang="et-EE" sz="4000" err="1" smtClean="0">
                 <a:latin typeface="+mn-lt"/>
               </a:rPr>
               <a:t>training</a:t>
             </a:r>
             <a:r>
-              <a:rPr lang="et-EE" sz="4000" dirty="0" smtClean="0">
-                <a:latin typeface="+mn-lt"/>
-              </a:rPr>
-              <a:t> </a:t>
-            </a:r>
-            <a:r>
-              <a:rPr lang="et-EE" sz="4000" dirty="0" err="1" smtClean="0">
+              <a:rPr lang="et-EE" sz="4000" smtClean="0">
+                <a:latin typeface="+mn-lt"/>
+              </a:rPr>
+              <a:t> </a:t>
+            </a:r>
+            <a:r>
+              <a:rPr lang="et-EE" sz="4000" err="1" smtClean="0">
                 <a:latin typeface="+mn-lt"/>
               </a:rPr>
               <a:t>were</a:t>
             </a:r>
             <a:r>
-              <a:rPr lang="et-EE" sz="4000" dirty="0">
-                <a:latin typeface="+mn-lt"/>
-              </a:rPr>
-              <a:t> </a:t>
-            </a:r>
-            <a:r>
-              <a:rPr lang="et-EE" sz="4000" dirty="0" err="1" smtClean="0">
+              <a:rPr lang="et-EE" sz="4000">
+                <a:latin typeface="+mn-lt"/>
+              </a:rPr>
+              <a:t> </a:t>
+            </a:r>
+            <a:r>
+              <a:rPr lang="et-EE" sz="4000" err="1" smtClean="0">
                 <a:latin typeface="+mn-lt"/>
               </a:rPr>
               <a:t>random</a:t>
             </a:r>
             <a:r>
-              <a:rPr lang="et-EE" sz="4000" dirty="0" smtClean="0">
-                <a:latin typeface="+mn-lt"/>
-              </a:rPr>
-              <a:t> </a:t>
-            </a:r>
-            <a:r>
-              <a:rPr lang="et-EE" sz="4000" dirty="0" err="1" smtClean="0">
+              <a:rPr lang="et-EE" sz="4000" smtClean="0">
+                <a:latin typeface="+mn-lt"/>
+              </a:rPr>
+              <a:t> </a:t>
+            </a:r>
+            <a:r>
+              <a:rPr lang="et-EE" sz="4000" err="1" smtClean="0">
                 <a:latin typeface="+mn-lt"/>
               </a:rPr>
               <a:t>forest</a:t>
             </a:r>
             <a:r>
-              <a:rPr lang="et-EE" sz="4000" dirty="0" smtClean="0">
+              <a:rPr lang="et-EE" sz="4000" smtClean="0">
                 <a:latin typeface="+mn-lt"/>
               </a:rPr>
               <a:t>, K </a:t>
             </a:r>
             <a:r>
-              <a:rPr lang="et-EE" sz="4000" dirty="0" err="1" smtClean="0">
+              <a:rPr lang="et-EE" sz="4000" err="1" smtClean="0">
                 <a:latin typeface="+mn-lt"/>
               </a:rPr>
               <a:t>nearest</a:t>
             </a:r>
             <a:r>
-              <a:rPr lang="et-EE" sz="4000" dirty="0" smtClean="0">
-                <a:latin typeface="+mn-lt"/>
-              </a:rPr>
-              <a:t> </a:t>
-            </a:r>
-            <a:r>
-              <a:rPr lang="et-EE" sz="4000" dirty="0" err="1" smtClean="0">
+              <a:rPr lang="et-EE" sz="4000" smtClean="0">
+                <a:latin typeface="+mn-lt"/>
+              </a:rPr>
+              <a:t> </a:t>
+            </a:r>
+            <a:r>
+              <a:rPr lang="et-EE" sz="4000" err="1" smtClean="0">
                 <a:latin typeface="+mn-lt"/>
               </a:rPr>
               <a:t>neighbors</a:t>
             </a:r>
             <a:r>
-              <a:rPr lang="et-EE" sz="4000" dirty="0" smtClean="0">
+              <a:rPr lang="et-EE" sz="4000" smtClean="0">
                 <a:latin typeface="+mn-lt"/>
               </a:rPr>
               <a:t> and </a:t>
             </a:r>
             <a:r>
-              <a:rPr lang="et-EE" sz="4000" dirty="0" err="1" smtClean="0">
+              <a:rPr lang="et-EE" sz="4000" err="1" smtClean="0">
                 <a:latin typeface="+mn-lt"/>
               </a:rPr>
               <a:t>decision</a:t>
             </a:r>
             <a:r>
-              <a:rPr lang="et-EE" sz="4000" dirty="0" smtClean="0">
-                <a:latin typeface="+mn-lt"/>
-              </a:rPr>
-              <a:t> </a:t>
-            </a:r>
-            <a:r>
-              <a:rPr lang="et-EE" sz="4000" dirty="0" err="1" smtClean="0">
+              <a:rPr lang="et-EE" sz="4000" smtClean="0">
+                <a:latin typeface="+mn-lt"/>
+              </a:rPr>
+              <a:t> </a:t>
+            </a:r>
+            <a:r>
+              <a:rPr lang="et-EE" sz="4000" err="1" smtClean="0">
                 <a:latin typeface="+mn-lt"/>
               </a:rPr>
               <a:t>tree</a:t>
             </a:r>
             <a:r>
-              <a:rPr lang="et-EE" sz="4000" dirty="0" smtClean="0">
+              <a:rPr lang="et-EE" sz="4000" smtClean="0">
                 <a:latin typeface="+mn-lt"/>
               </a:rPr>
               <a:t>. </a:t>
             </a:r>
             <a:r>
-              <a:rPr lang="et-EE" sz="4000" dirty="0" err="1" smtClean="0">
+              <a:rPr lang="et-EE" sz="4000" err="1" smtClean="0">
                 <a:latin typeface="+mn-lt"/>
               </a:rPr>
               <a:t>To</a:t>
             </a:r>
             <a:r>
-              <a:rPr lang="et-EE" sz="4000" dirty="0" smtClean="0">
-                <a:latin typeface="+mn-lt"/>
-              </a:rPr>
-              <a:t> </a:t>
-            </a:r>
-            <a:r>
-              <a:rPr lang="et-EE" sz="4000" dirty="0" err="1" smtClean="0">
+              <a:rPr lang="et-EE" sz="4000" smtClean="0">
+                <a:latin typeface="+mn-lt"/>
+              </a:rPr>
+              <a:t> </a:t>
+            </a:r>
+            <a:r>
+              <a:rPr lang="et-EE" sz="4000" err="1" smtClean="0">
                 <a:latin typeface="+mn-lt"/>
               </a:rPr>
               <a:t>get</a:t>
             </a:r>
             <a:r>
-              <a:rPr lang="et-EE" sz="4000" dirty="0" smtClean="0">
-                <a:latin typeface="+mn-lt"/>
-              </a:rPr>
-              <a:t> </a:t>
-            </a:r>
-            <a:r>
-              <a:rPr lang="et-EE" sz="4000" dirty="0" err="1" smtClean="0">
+              <a:rPr lang="et-EE" sz="4000" smtClean="0">
+                <a:latin typeface="+mn-lt"/>
+              </a:rPr>
+              <a:t> </a:t>
+            </a:r>
+            <a:r>
+              <a:rPr lang="et-EE" sz="4000" err="1" smtClean="0">
                 <a:latin typeface="+mn-lt"/>
               </a:rPr>
               <a:t>better</a:t>
             </a:r>
             <a:r>
-              <a:rPr lang="et-EE" sz="4000" dirty="0" smtClean="0">
-                <a:latin typeface="+mn-lt"/>
-              </a:rPr>
-              <a:t> </a:t>
-            </a:r>
-            <a:r>
-              <a:rPr lang="et-EE" sz="4000" dirty="0" err="1" smtClean="0">
+              <a:rPr lang="et-EE" sz="4000" smtClean="0">
+                <a:latin typeface="+mn-lt"/>
+              </a:rPr>
+              <a:t> </a:t>
+            </a:r>
+            <a:r>
+              <a:rPr lang="et-EE" sz="4000" err="1" smtClean="0">
                 <a:latin typeface="+mn-lt"/>
               </a:rPr>
               <a:t>results</a:t>
             </a:r>
             <a:r>
-              <a:rPr lang="et-EE" sz="4000" dirty="0" smtClean="0">
+              <a:rPr lang="et-EE" sz="4000" smtClean="0">
                 <a:latin typeface="+mn-lt"/>
               </a:rPr>
               <a:t>, </a:t>
             </a:r>
             <a:r>
-              <a:rPr lang="et-EE" sz="4000" dirty="0" err="1" smtClean="0">
+              <a:rPr lang="et-EE" sz="4000" err="1" smtClean="0">
                 <a:latin typeface="+mn-lt"/>
               </a:rPr>
               <a:t>we</a:t>
             </a:r>
             <a:r>
-              <a:rPr lang="et-EE" sz="4000" dirty="0" smtClean="0">
-                <a:latin typeface="+mn-lt"/>
-              </a:rPr>
-              <a:t> </a:t>
-            </a:r>
-            <a:r>
-              <a:rPr lang="et-EE" sz="4000" dirty="0" err="1" smtClean="0">
+              <a:rPr lang="et-EE" sz="4000" smtClean="0">
+                <a:latin typeface="+mn-lt"/>
+              </a:rPr>
+              <a:t> </a:t>
+            </a:r>
+            <a:r>
+              <a:rPr lang="et-EE" sz="4000" err="1" smtClean="0">
                 <a:latin typeface="+mn-lt"/>
               </a:rPr>
               <a:t>tried</a:t>
             </a:r>
             <a:r>
-              <a:rPr lang="et-EE" sz="4000" dirty="0" smtClean="0">
-                <a:latin typeface="+mn-lt"/>
-              </a:rPr>
-              <a:t> </a:t>
-            </a:r>
-            <a:r>
-              <a:rPr lang="et-EE" sz="4000" dirty="0" err="1" smtClean="0">
+              <a:rPr lang="et-EE" sz="4000" smtClean="0">
+                <a:latin typeface="+mn-lt"/>
+              </a:rPr>
+              <a:t> </a:t>
+            </a:r>
+            <a:r>
+              <a:rPr lang="et-EE" sz="4000" err="1" smtClean="0">
                 <a:latin typeface="+mn-lt"/>
               </a:rPr>
               <a:t>different</a:t>
             </a:r>
             <a:r>
-              <a:rPr lang="et-EE" sz="4000" dirty="0" smtClean="0">
-                <a:latin typeface="+mn-lt"/>
-              </a:rPr>
-              <a:t> </a:t>
-            </a:r>
-            <a:r>
-              <a:rPr lang="et-EE" sz="4000" dirty="0" err="1" smtClean="0">
+              <a:rPr lang="et-EE" sz="4000" smtClean="0">
+                <a:latin typeface="+mn-lt"/>
+              </a:rPr>
+              <a:t> </a:t>
+            </a:r>
+            <a:r>
+              <a:rPr lang="et-EE" sz="4000" err="1" smtClean="0">
                 <a:latin typeface="+mn-lt"/>
               </a:rPr>
               <a:t>parameters</a:t>
             </a:r>
             <a:r>
-              <a:rPr lang="et-EE" sz="4000" dirty="0" smtClean="0">
+              <a:rPr lang="et-EE" sz="4000" smtClean="0">
                 <a:latin typeface="+mn-lt"/>
               </a:rPr>
               <a:t>, </a:t>
             </a:r>
             <a:r>
-              <a:rPr lang="et-EE" sz="4000" dirty="0" err="1" smtClean="0">
+              <a:rPr lang="et-EE" sz="4000" err="1" smtClean="0">
                 <a:latin typeface="+mn-lt"/>
               </a:rPr>
               <a:t>but</a:t>
             </a:r>
             <a:r>
-              <a:rPr lang="et-EE" sz="4000" dirty="0" smtClean="0">
-                <a:latin typeface="+mn-lt"/>
-              </a:rPr>
-              <a:t> </a:t>
-            </a:r>
-            <a:r>
-              <a:rPr lang="et-EE" sz="4000" dirty="0" err="1" smtClean="0">
+              <a:rPr lang="et-EE" sz="4000" smtClean="0">
+                <a:latin typeface="+mn-lt"/>
+              </a:rPr>
+              <a:t> </a:t>
+            </a:r>
+            <a:r>
+              <a:rPr lang="et-EE" sz="4000" err="1" smtClean="0">
                 <a:latin typeface="+mn-lt"/>
               </a:rPr>
               <a:t>parameter</a:t>
             </a:r>
             <a:r>
-              <a:rPr lang="et-EE" sz="4000" dirty="0" smtClean="0">
-                <a:latin typeface="+mn-lt"/>
-              </a:rPr>
-              <a:t> </a:t>
-            </a:r>
-            <a:r>
-              <a:rPr lang="et-EE" sz="4000" dirty="0" err="1" smtClean="0">
+              <a:rPr lang="et-EE" sz="4000" smtClean="0">
+                <a:latin typeface="+mn-lt"/>
+              </a:rPr>
+              <a:t> </a:t>
+            </a:r>
+            <a:r>
+              <a:rPr lang="et-EE" sz="4000" err="1" smtClean="0">
                 <a:latin typeface="+mn-lt"/>
               </a:rPr>
               <a:t>tuning</a:t>
             </a:r>
             <a:r>
-              <a:rPr lang="et-EE" sz="4000" dirty="0" smtClean="0">
-                <a:latin typeface="+mn-lt"/>
-              </a:rPr>
-              <a:t> </a:t>
-            </a:r>
-            <a:r>
-              <a:rPr lang="et-EE" sz="4000" dirty="0" err="1" smtClean="0">
+              <a:rPr lang="et-EE" sz="4000" smtClean="0">
+                <a:latin typeface="+mn-lt"/>
+              </a:rPr>
+              <a:t> </a:t>
+            </a:r>
+            <a:r>
+              <a:rPr lang="et-EE" sz="4000" err="1" smtClean="0">
                 <a:latin typeface="+mn-lt"/>
               </a:rPr>
               <a:t>didn’t</a:t>
             </a:r>
             <a:r>
-              <a:rPr lang="et-EE" sz="4000" dirty="0" smtClean="0">
-                <a:latin typeface="+mn-lt"/>
-              </a:rPr>
-              <a:t> </a:t>
-            </a:r>
-            <a:r>
-              <a:rPr lang="et-EE" sz="4000" dirty="0" err="1" smtClean="0">
+              <a:rPr lang="et-EE" sz="4000" smtClean="0">
+                <a:latin typeface="+mn-lt"/>
+              </a:rPr>
+              <a:t> </a:t>
+            </a:r>
+            <a:r>
+              <a:rPr lang="et-EE" sz="4000" err="1" smtClean="0">
                 <a:latin typeface="+mn-lt"/>
               </a:rPr>
               <a:t>improve</a:t>
             </a:r>
             <a:r>
-              <a:rPr lang="et-EE" sz="4000" dirty="0" smtClean="0">
-                <a:latin typeface="+mn-lt"/>
-              </a:rPr>
-              <a:t> </a:t>
-            </a:r>
-            <a:r>
-              <a:rPr lang="et-EE" sz="4000" dirty="0" err="1" smtClean="0">
+              <a:rPr lang="et-EE" sz="4000" smtClean="0">
+                <a:latin typeface="+mn-lt"/>
+              </a:rPr>
+              <a:t> </a:t>
+            </a:r>
+            <a:r>
+              <a:rPr lang="et-EE" sz="4000" err="1" smtClean="0">
                 <a:latin typeface="+mn-lt"/>
               </a:rPr>
               <a:t>results</a:t>
             </a:r>
             <a:r>
-              <a:rPr lang="et-EE" sz="4000" dirty="0" smtClean="0">
-                <a:latin typeface="+mn-lt"/>
-              </a:rPr>
-              <a:t> </a:t>
-            </a:r>
-            <a:r>
-              <a:rPr lang="et-EE" sz="4000" dirty="0" err="1" smtClean="0">
+              <a:rPr lang="et-EE" sz="4000" smtClean="0">
+                <a:latin typeface="+mn-lt"/>
+              </a:rPr>
+              <a:t> </a:t>
+            </a:r>
+            <a:r>
+              <a:rPr lang="et-EE" sz="4000" err="1" smtClean="0">
                 <a:latin typeface="+mn-lt"/>
               </a:rPr>
               <a:t>as</a:t>
             </a:r>
             <a:r>
-              <a:rPr lang="et-EE" sz="4000" dirty="0" smtClean="0">
-                <a:latin typeface="+mn-lt"/>
-              </a:rPr>
-              <a:t> </a:t>
-            </a:r>
-            <a:r>
-              <a:rPr lang="et-EE" sz="4000" dirty="0" err="1" smtClean="0">
+              <a:rPr lang="et-EE" sz="4000" smtClean="0">
+                <a:latin typeface="+mn-lt"/>
+              </a:rPr>
+              <a:t> </a:t>
+            </a:r>
+            <a:r>
+              <a:rPr lang="et-EE" sz="4000" err="1" smtClean="0">
                 <a:latin typeface="+mn-lt"/>
               </a:rPr>
               <a:t>much</a:t>
             </a:r>
             <a:r>
-              <a:rPr lang="et-EE" sz="4000" dirty="0" smtClean="0">
+              <a:rPr lang="et-EE" sz="4000" smtClean="0">
                 <a:latin typeface="+mn-lt"/>
               </a:rPr>
               <a:t>, so </a:t>
             </a:r>
             <a:r>
-              <a:rPr lang="et-EE" sz="4000" dirty="0" err="1" smtClean="0">
+              <a:rPr lang="et-EE" sz="4000" err="1" smtClean="0">
                 <a:latin typeface="+mn-lt"/>
               </a:rPr>
               <a:t>for</a:t>
             </a:r>
             <a:r>
-              <a:rPr lang="et-EE" sz="4000" dirty="0" smtClean="0">
-                <a:latin typeface="+mn-lt"/>
-              </a:rPr>
-              <a:t> </a:t>
-            </a:r>
-            <a:r>
-              <a:rPr lang="et-EE" sz="4000" dirty="0" err="1" smtClean="0">
+              <a:rPr lang="et-EE" sz="4000" smtClean="0">
+                <a:latin typeface="+mn-lt"/>
+              </a:rPr>
+              <a:t> </a:t>
+            </a:r>
+            <a:r>
+              <a:rPr lang="et-EE" sz="4000" err="1" smtClean="0">
                 <a:latin typeface="+mn-lt"/>
               </a:rPr>
               <a:t>the</a:t>
             </a:r>
             <a:r>
-              <a:rPr lang="et-EE" sz="4000" dirty="0" smtClean="0">
-                <a:latin typeface="+mn-lt"/>
-              </a:rPr>
-              <a:t> </a:t>
-            </a:r>
-            <a:r>
-              <a:rPr lang="et-EE" sz="4000" dirty="0" err="1" smtClean="0">
+              <a:rPr lang="et-EE" sz="4000" smtClean="0">
+                <a:latin typeface="+mn-lt"/>
+              </a:rPr>
+              <a:t> </a:t>
+            </a:r>
+            <a:r>
+              <a:rPr lang="et-EE" sz="4000" err="1" smtClean="0">
                 <a:latin typeface="+mn-lt"/>
               </a:rPr>
               <a:t>most</a:t>
             </a:r>
             <a:r>
-              <a:rPr lang="et-EE" sz="4000" dirty="0" smtClean="0">
+              <a:rPr lang="et-EE" sz="4000" smtClean="0">
                 <a:latin typeface="+mn-lt"/>
               </a:rPr>
               <a:t> part, </a:t>
             </a:r>
             <a:r>
-              <a:rPr lang="et-EE" sz="4000" dirty="0" err="1" smtClean="0">
+              <a:rPr lang="et-EE" sz="4000" err="1" smtClean="0">
                 <a:latin typeface="+mn-lt"/>
               </a:rPr>
               <a:t>we</a:t>
             </a:r>
             <a:r>
-              <a:rPr lang="et-EE" sz="4000" dirty="0" smtClean="0">
-                <a:latin typeface="+mn-lt"/>
-              </a:rPr>
-              <a:t> </a:t>
-            </a:r>
-            <a:r>
-              <a:rPr lang="et-EE" sz="4000" dirty="0" err="1" smtClean="0">
+              <a:rPr lang="et-EE" sz="4000" smtClean="0">
+                <a:latin typeface="+mn-lt"/>
+              </a:rPr>
+              <a:t> </a:t>
+            </a:r>
+            <a:r>
+              <a:rPr lang="et-EE" sz="4000" err="1" smtClean="0">
                 <a:latin typeface="+mn-lt"/>
               </a:rPr>
               <a:t>used</a:t>
             </a:r>
             <a:r>
-              <a:rPr lang="et-EE" sz="4000" dirty="0" smtClean="0">
-                <a:latin typeface="+mn-lt"/>
-              </a:rPr>
-              <a:t> </a:t>
-            </a:r>
-            <a:r>
-              <a:rPr lang="et-EE" sz="4000" dirty="0" err="1" smtClean="0">
+              <a:rPr lang="et-EE" sz="4000" smtClean="0">
+                <a:latin typeface="+mn-lt"/>
+              </a:rPr>
+              <a:t> </a:t>
+            </a:r>
+            <a:r>
+              <a:rPr lang="et-EE" sz="4000" err="1" smtClean="0">
                 <a:latin typeface="+mn-lt"/>
               </a:rPr>
               <a:t>default</a:t>
             </a:r>
             <a:r>
-              <a:rPr lang="et-EE" sz="4000" dirty="0" smtClean="0">
-                <a:latin typeface="+mn-lt"/>
-              </a:rPr>
-              <a:t> </a:t>
-            </a:r>
-            <a:r>
-              <a:rPr lang="et-EE" sz="4000" dirty="0" err="1" smtClean="0">
+              <a:rPr lang="et-EE" sz="4000" smtClean="0">
+                <a:latin typeface="+mn-lt"/>
+              </a:rPr>
+              <a:t> </a:t>
+            </a:r>
+            <a:r>
+              <a:rPr lang="et-EE" sz="4000" err="1" smtClean="0">
                 <a:latin typeface="+mn-lt"/>
               </a:rPr>
               <a:t>parameters</a:t>
             </a:r>
             <a:r>
-              <a:rPr lang="et-EE" sz="4000" dirty="0" smtClean="0">
+              <a:rPr lang="et-EE" sz="4000" smtClean="0">
                 <a:latin typeface="+mn-lt"/>
               </a:rPr>
               <a:t>, </a:t>
             </a:r>
             <a:r>
-              <a:rPr lang="et-EE" sz="4000" dirty="0" err="1" smtClean="0">
+              <a:rPr lang="et-EE" sz="4000" err="1" smtClean="0">
                 <a:latin typeface="+mn-lt"/>
               </a:rPr>
               <a:t>only</a:t>
             </a:r>
             <a:r>
-              <a:rPr lang="et-EE" sz="4000" dirty="0" smtClean="0">
-                <a:latin typeface="+mn-lt"/>
-              </a:rPr>
-              <a:t> </a:t>
-            </a:r>
-            <a:r>
-              <a:rPr lang="et-EE" sz="4000" dirty="0" err="1" smtClean="0">
+              <a:rPr lang="et-EE" sz="4000" smtClean="0">
+                <a:latin typeface="+mn-lt"/>
+              </a:rPr>
+              <a:t> </a:t>
+            </a:r>
+            <a:r>
+              <a:rPr lang="et-EE" sz="4000" err="1" smtClean="0">
                 <a:latin typeface="+mn-lt"/>
               </a:rPr>
               <a:t>changing</a:t>
             </a:r>
             <a:r>
-              <a:rPr lang="et-EE" sz="4000" dirty="0" smtClean="0">
-                <a:latin typeface="+mn-lt"/>
-              </a:rPr>
-              <a:t> </a:t>
-            </a:r>
-            <a:r>
-              <a:rPr lang="et-EE" sz="4000" dirty="0" err="1" smtClean="0">
+              <a:rPr lang="et-EE" sz="4000" smtClean="0">
+                <a:latin typeface="+mn-lt"/>
+              </a:rPr>
+              <a:t> </a:t>
+            </a:r>
+            <a:r>
+              <a:rPr lang="et-EE" sz="4000" err="1" smtClean="0">
                 <a:latin typeface="+mn-lt"/>
               </a:rPr>
               <a:t>n_neighbors</a:t>
             </a:r>
             <a:r>
-              <a:rPr lang="et-EE" sz="4000" dirty="0" smtClean="0">
-                <a:latin typeface="+mn-lt"/>
-              </a:rPr>
-              <a:t> </a:t>
-            </a:r>
-            <a:r>
-              <a:rPr lang="et-EE" sz="4000" dirty="0" err="1" smtClean="0">
+              <a:rPr lang="et-EE" sz="4000" smtClean="0">
+                <a:latin typeface="+mn-lt"/>
+              </a:rPr>
+              <a:t> </a:t>
+            </a:r>
+            <a:r>
+              <a:rPr lang="et-EE" sz="4000" err="1" smtClean="0">
                 <a:latin typeface="+mn-lt"/>
               </a:rPr>
               <a:t>for</a:t>
             </a:r>
             <a:r>
-              <a:rPr lang="et-EE" sz="4000" dirty="0" smtClean="0">
+              <a:rPr lang="et-EE" sz="4000" smtClean="0">
                 <a:latin typeface="+mn-lt"/>
               </a:rPr>
               <a:t> KNN and </a:t>
             </a:r>
             <a:r>
-              <a:rPr lang="et-EE" sz="4000" dirty="0" err="1" smtClean="0">
+              <a:rPr lang="et-EE" sz="4000" err="1" smtClean="0">
                 <a:latin typeface="+mn-lt"/>
               </a:rPr>
               <a:t>n_estimators</a:t>
             </a:r>
             <a:r>
-              <a:rPr lang="et-EE" sz="4000" dirty="0" smtClean="0">
-                <a:latin typeface="+mn-lt"/>
-              </a:rPr>
-              <a:t> </a:t>
-            </a:r>
-            <a:r>
-              <a:rPr lang="et-EE" sz="4000" dirty="0" err="1" smtClean="0">
+              <a:rPr lang="et-EE" sz="4000" smtClean="0">
+                <a:latin typeface="+mn-lt"/>
+              </a:rPr>
+              <a:t> </a:t>
+            </a:r>
+            <a:r>
+              <a:rPr lang="et-EE" sz="4000" err="1" smtClean="0">
                 <a:latin typeface="+mn-lt"/>
               </a:rPr>
               <a:t>for</a:t>
             </a:r>
             <a:r>
-              <a:rPr lang="et-EE" sz="4000" dirty="0" smtClean="0">
+              <a:rPr lang="et-EE" sz="4000" smtClean="0">
                 <a:latin typeface="+mn-lt"/>
               </a:rPr>
               <a:t> RF </a:t>
             </a:r>
             <a:r>
-              <a:rPr lang="et-EE" sz="4000" dirty="0" err="1" smtClean="0">
+              <a:rPr lang="et-EE" sz="4000" err="1" smtClean="0">
                 <a:latin typeface="+mn-lt"/>
               </a:rPr>
               <a:t>to</a:t>
             </a:r>
             <a:r>
-              <a:rPr lang="et-EE" sz="4000" dirty="0" smtClean="0">
+              <a:rPr lang="et-EE" sz="4000" smtClean="0">
                 <a:latin typeface="+mn-lt"/>
               </a:rPr>
               <a:t> 100.</a:t>
@@ -8076,229 +8039,229 @@
           <a:p>
             <a:pPr algn="just" eaLnBrk="1" hangingPunct="1"/>
             <a:r>
-              <a:rPr lang="et-EE" sz="4000" dirty="0" err="1" smtClean="0">
+              <a:rPr lang="et-EE" sz="4000" err="1" smtClean="0">
                 <a:latin typeface="+mn-lt"/>
               </a:rPr>
               <a:t>The</a:t>
             </a:r>
             <a:r>
-              <a:rPr lang="et-EE" sz="4000" dirty="0" smtClean="0">
-                <a:latin typeface="+mn-lt"/>
-              </a:rPr>
-              <a:t> </a:t>
-            </a:r>
-            <a:r>
-              <a:rPr lang="et-EE" sz="4000" dirty="0" err="1" smtClean="0">
+              <a:rPr lang="et-EE" sz="4000" smtClean="0">
+                <a:latin typeface="+mn-lt"/>
+              </a:rPr>
+              <a:t> </a:t>
+            </a:r>
+            <a:r>
+              <a:rPr lang="et-EE" sz="4000" err="1" smtClean="0">
                 <a:latin typeface="+mn-lt"/>
               </a:rPr>
               <a:t>best</a:t>
             </a:r>
             <a:r>
-              <a:rPr lang="et-EE" sz="4000" dirty="0" smtClean="0">
-                <a:latin typeface="+mn-lt"/>
-              </a:rPr>
-              <a:t> </a:t>
-            </a:r>
-            <a:r>
-              <a:rPr lang="et-EE" sz="4000" dirty="0" err="1" smtClean="0">
+              <a:rPr lang="et-EE" sz="4000" smtClean="0">
+                <a:latin typeface="+mn-lt"/>
+              </a:rPr>
+              <a:t> </a:t>
+            </a:r>
+            <a:r>
+              <a:rPr lang="et-EE" sz="4000" err="1" smtClean="0">
                 <a:latin typeface="+mn-lt"/>
               </a:rPr>
               <a:t>results</a:t>
             </a:r>
             <a:r>
-              <a:rPr lang="et-EE" sz="4000" dirty="0" smtClean="0">
-                <a:latin typeface="+mn-lt"/>
-              </a:rPr>
-              <a:t> </a:t>
-            </a:r>
-            <a:r>
-              <a:rPr lang="et-EE" sz="4000" dirty="0" err="1" smtClean="0">
+              <a:rPr lang="et-EE" sz="4000" smtClean="0">
+                <a:latin typeface="+mn-lt"/>
+              </a:rPr>
+              <a:t> </a:t>
+            </a:r>
+            <a:r>
+              <a:rPr lang="et-EE" sz="4000" err="1" smtClean="0">
                 <a:latin typeface="+mn-lt"/>
               </a:rPr>
               <a:t>were</a:t>
             </a:r>
             <a:r>
-              <a:rPr lang="et-EE" sz="4000" dirty="0" smtClean="0">
-                <a:latin typeface="+mn-lt"/>
-              </a:rPr>
-              <a:t> </a:t>
-            </a:r>
-            <a:r>
-              <a:rPr lang="et-EE" sz="4000" dirty="0" err="1" smtClean="0">
+              <a:rPr lang="et-EE" sz="4000" smtClean="0">
+                <a:latin typeface="+mn-lt"/>
+              </a:rPr>
+              <a:t> </a:t>
+            </a:r>
+            <a:r>
+              <a:rPr lang="et-EE" sz="4000" err="1" smtClean="0">
                 <a:latin typeface="+mn-lt"/>
               </a:rPr>
               <a:t>obtained</a:t>
             </a:r>
             <a:r>
-              <a:rPr lang="et-EE" sz="4000" dirty="0" smtClean="0">
-                <a:latin typeface="+mn-lt"/>
-              </a:rPr>
-              <a:t> </a:t>
-            </a:r>
-            <a:r>
-              <a:rPr lang="et-EE" sz="4000" dirty="0" err="1" smtClean="0">
+              <a:rPr lang="et-EE" sz="4000" smtClean="0">
+                <a:latin typeface="+mn-lt"/>
+              </a:rPr>
+              <a:t> </a:t>
+            </a:r>
+            <a:r>
+              <a:rPr lang="et-EE" sz="4000" err="1" smtClean="0">
                 <a:latin typeface="+mn-lt"/>
               </a:rPr>
               <a:t>using</a:t>
             </a:r>
             <a:r>
-              <a:rPr lang="et-EE" sz="4000" dirty="0" smtClean="0">
-                <a:latin typeface="+mn-lt"/>
-              </a:rPr>
-              <a:t> </a:t>
-            </a:r>
-            <a:r>
-              <a:rPr lang="et-EE" sz="4000" dirty="0" err="1" smtClean="0">
+              <a:rPr lang="et-EE" sz="4000" smtClean="0">
+                <a:latin typeface="+mn-lt"/>
+              </a:rPr>
+              <a:t> </a:t>
+            </a:r>
+            <a:r>
+              <a:rPr lang="et-EE" sz="4000" err="1" smtClean="0">
                 <a:latin typeface="+mn-lt"/>
               </a:rPr>
               <a:t>the</a:t>
             </a:r>
             <a:r>
-              <a:rPr lang="et-EE" sz="4000" dirty="0" smtClean="0">
-                <a:latin typeface="+mn-lt"/>
-              </a:rPr>
-              <a:t> </a:t>
-            </a:r>
-            <a:r>
-              <a:rPr lang="et-EE" sz="4000" dirty="0" err="1" smtClean="0">
+              <a:rPr lang="et-EE" sz="4000" smtClean="0">
+                <a:latin typeface="+mn-lt"/>
+              </a:rPr>
+              <a:t> </a:t>
+            </a:r>
+            <a:r>
+              <a:rPr lang="et-EE" sz="4000" err="1" smtClean="0">
                 <a:latin typeface="+mn-lt"/>
               </a:rPr>
               <a:t>random</a:t>
             </a:r>
             <a:r>
-              <a:rPr lang="et-EE" sz="4000" dirty="0" smtClean="0">
-                <a:latin typeface="+mn-lt"/>
-              </a:rPr>
-              <a:t> </a:t>
-            </a:r>
-            <a:r>
-              <a:rPr lang="et-EE" sz="4000" dirty="0" err="1" smtClean="0">
+              <a:rPr lang="et-EE" sz="4000" smtClean="0">
+                <a:latin typeface="+mn-lt"/>
+              </a:rPr>
+              <a:t> </a:t>
+            </a:r>
+            <a:r>
+              <a:rPr lang="et-EE" sz="4000" err="1" smtClean="0">
                 <a:latin typeface="+mn-lt"/>
               </a:rPr>
               <a:t>forest</a:t>
             </a:r>
             <a:r>
-              <a:rPr lang="et-EE" sz="4000" dirty="0" smtClean="0">
-                <a:latin typeface="+mn-lt"/>
-              </a:rPr>
-              <a:t> </a:t>
-            </a:r>
-            <a:r>
-              <a:rPr lang="et-EE" sz="4000" dirty="0" err="1" smtClean="0">
+              <a:rPr lang="et-EE" sz="4000" smtClean="0">
+                <a:latin typeface="+mn-lt"/>
+              </a:rPr>
+              <a:t> </a:t>
+            </a:r>
+            <a:r>
+              <a:rPr lang="et-EE" sz="4000" err="1" smtClean="0">
                 <a:latin typeface="+mn-lt"/>
               </a:rPr>
               <a:t>classifier</a:t>
             </a:r>
             <a:r>
-              <a:rPr lang="et-EE" sz="4000" dirty="0" smtClean="0">
+              <a:rPr lang="et-EE" sz="4000" smtClean="0">
                 <a:latin typeface="+mn-lt"/>
               </a:rPr>
               <a:t>. </a:t>
             </a:r>
             <a:r>
-              <a:rPr lang="et-EE" sz="4000" dirty="0" err="1" smtClean="0">
+              <a:rPr lang="et-EE" sz="4000" err="1" smtClean="0">
                 <a:latin typeface="+mn-lt"/>
               </a:rPr>
               <a:t>It</a:t>
             </a:r>
             <a:r>
-              <a:rPr lang="et-EE" sz="4000" dirty="0" smtClean="0">
-                <a:latin typeface="+mn-lt"/>
-              </a:rPr>
-              <a:t> </a:t>
-            </a:r>
-            <a:r>
-              <a:rPr lang="et-EE" sz="4000" dirty="0" err="1" smtClean="0">
+              <a:rPr lang="et-EE" sz="4000" smtClean="0">
+                <a:latin typeface="+mn-lt"/>
+              </a:rPr>
+              <a:t> </a:t>
+            </a:r>
+            <a:r>
+              <a:rPr lang="et-EE" sz="4000" err="1" smtClean="0">
                 <a:latin typeface="+mn-lt"/>
               </a:rPr>
               <a:t>had</a:t>
             </a:r>
             <a:r>
-              <a:rPr lang="et-EE" sz="4000" dirty="0" smtClean="0">
-                <a:latin typeface="+mn-lt"/>
-              </a:rPr>
-              <a:t> </a:t>
-            </a:r>
-            <a:r>
-              <a:rPr lang="et-EE" sz="4000" dirty="0" err="1" smtClean="0">
+              <a:rPr lang="et-EE" sz="4000" smtClean="0">
+                <a:latin typeface="+mn-lt"/>
+              </a:rPr>
+              <a:t> </a:t>
+            </a:r>
+            <a:r>
+              <a:rPr lang="et-EE" sz="4000" err="1" smtClean="0">
                 <a:latin typeface="+mn-lt"/>
               </a:rPr>
               <a:t>an</a:t>
             </a:r>
             <a:r>
-              <a:rPr lang="et-EE" sz="4000" dirty="0" smtClean="0">
-                <a:latin typeface="+mn-lt"/>
-              </a:rPr>
-              <a:t> </a:t>
-            </a:r>
-            <a:r>
-              <a:rPr lang="et-EE" sz="4000" dirty="0" err="1" smtClean="0">
+              <a:rPr lang="et-EE" sz="4000" smtClean="0">
+                <a:latin typeface="+mn-lt"/>
+              </a:rPr>
+              <a:t> </a:t>
+            </a:r>
+            <a:r>
+              <a:rPr lang="et-EE" sz="4000" err="1" smtClean="0">
                 <a:latin typeface="+mn-lt"/>
               </a:rPr>
               <a:t>accuracy</a:t>
             </a:r>
             <a:r>
-              <a:rPr lang="et-EE" sz="4000" dirty="0" smtClean="0">
+              <a:rPr lang="et-EE" sz="4000" smtClean="0">
                 <a:latin typeface="+mn-lt"/>
               </a:rPr>
               <a:t> of 86.7% on </a:t>
             </a:r>
             <a:r>
-              <a:rPr lang="et-EE" sz="4000" dirty="0" err="1" smtClean="0">
+              <a:rPr lang="et-EE" sz="4000" err="1" smtClean="0">
                 <a:latin typeface="+mn-lt"/>
               </a:rPr>
               <a:t>the</a:t>
             </a:r>
             <a:r>
-              <a:rPr lang="et-EE" sz="4000" dirty="0" smtClean="0">
-                <a:latin typeface="+mn-lt"/>
-              </a:rPr>
-              <a:t> </a:t>
-            </a:r>
-            <a:r>
-              <a:rPr lang="et-EE" sz="4000" dirty="0" err="1" smtClean="0">
+              <a:rPr lang="et-EE" sz="4000" smtClean="0">
+                <a:latin typeface="+mn-lt"/>
+              </a:rPr>
+              <a:t> </a:t>
+            </a:r>
+            <a:r>
+              <a:rPr lang="et-EE" sz="4000" err="1" smtClean="0">
                 <a:latin typeface="+mn-lt"/>
               </a:rPr>
               <a:t>large</a:t>
             </a:r>
             <a:r>
-              <a:rPr lang="et-EE" sz="4000" dirty="0" smtClean="0">
-                <a:latin typeface="+mn-lt"/>
-              </a:rPr>
-              <a:t> </a:t>
-            </a:r>
-            <a:r>
-              <a:rPr lang="et-EE" sz="4000" dirty="0" err="1" smtClean="0">
+              <a:rPr lang="et-EE" sz="4000" smtClean="0">
+                <a:latin typeface="+mn-lt"/>
+              </a:rPr>
+              <a:t> </a:t>
+            </a:r>
+            <a:r>
+              <a:rPr lang="et-EE" sz="4000" err="1" smtClean="0">
                 <a:latin typeface="+mn-lt"/>
               </a:rPr>
               <a:t>dataset</a:t>
             </a:r>
             <a:r>
-              <a:rPr lang="et-EE" sz="4000" dirty="0" smtClean="0">
+              <a:rPr lang="et-EE" sz="4000" smtClean="0">
                 <a:latin typeface="+mn-lt"/>
               </a:rPr>
               <a:t> and 70% and 84% on </a:t>
             </a:r>
             <a:r>
-              <a:rPr lang="et-EE" sz="4000" dirty="0" err="1" smtClean="0">
+              <a:rPr lang="et-EE" sz="4000" err="1" smtClean="0">
                 <a:latin typeface="+mn-lt"/>
               </a:rPr>
               <a:t>the</a:t>
             </a:r>
             <a:r>
-              <a:rPr lang="et-EE" sz="4000" dirty="0" smtClean="0">
+              <a:rPr lang="et-EE" sz="4000" smtClean="0">
                 <a:latin typeface="+mn-lt"/>
               </a:rPr>
               <a:t> tops of 2017 and 2018 </a:t>
             </a:r>
             <a:r>
-              <a:rPr lang="et-EE" sz="4000" dirty="0" err="1" smtClean="0">
+              <a:rPr lang="et-EE" sz="4000" err="1" smtClean="0">
                 <a:latin typeface="+mn-lt"/>
               </a:rPr>
               <a:t>respectively</a:t>
             </a:r>
             <a:r>
-              <a:rPr lang="et-EE" sz="4000" dirty="0" smtClean="0">
+              <a:rPr lang="et-EE" sz="4000" smtClean="0">
                 <a:latin typeface="+mn-lt"/>
               </a:rPr>
               <a:t>.</a:t>
@@ -8346,14 +8309,14 @@
           <a:p>
             <a:pPr algn="ctr"/>
             <a:r>
-              <a:rPr lang="en-US" sz="5400" b="1" dirty="0" smtClean="0">
+              <a:rPr lang="en-US" sz="5400" b="1" smtClean="0">
                 <a:solidFill>
                   <a:schemeClr val="bg1"/>
                 </a:solidFill>
               </a:rPr>
               <a:t>Machine Learning</a:t>
             </a:r>
-            <a:endParaRPr lang="en-US" sz="5400" b="1" dirty="0">
+            <a:endParaRPr lang="en-US" sz="5400" b="1">
               <a:solidFill>
                 <a:schemeClr val="bg1"/>
               </a:solidFill>
@@ -8369,7 +8332,7 @@
         </p:nvSpPr>
         <p:spPr>
           <a:xfrm>
-            <a:off x="3856037" y="36725206"/>
+            <a:off x="3856037" y="36800698"/>
             <a:ext cx="13944599" cy="492443"/>
           </a:xfrm>
           <a:prstGeom prst="rect">
@@ -8496,10 +8459,10 @@
           <a:p>
             <a:pPr algn="just"/>
             <a:r>
-              <a:rPr lang="et-EE" sz="2600" dirty="0" smtClean="0"/>
-              <a:t> </a:t>
-            </a:r>
-            <a:endParaRPr lang="et-EE" sz="2600" dirty="0"/>
+              <a:rPr lang="et-EE" sz="2600" smtClean="0"/>
+              <a:t> </a:t>
+            </a:r>
+            <a:endParaRPr lang="et-EE" sz="2600"/>
           </a:p>
         </p:txBody>
       </p:sp>
@@ -8526,86 +8489,82 @@
           <a:lstStyle/>
           <a:p>
             <a:r>
-              <a:rPr lang="en-US" sz="2600" b="1" dirty="0"/>
+              <a:rPr lang="en-US" sz="2600" b="1"/>
               <a:t>Figure </a:t>
             </a:r>
             <a:r>
-              <a:rPr lang="et-EE" sz="2600" b="1" dirty="0" smtClean="0"/>
-              <a:t>3</a:t>
-            </a:r>
-            <a:r>
-              <a:rPr lang="et-EE" sz="2600" b="1" dirty="0" smtClean="0"/>
+              <a:rPr lang="et-EE" sz="2600" b="1" smtClean="0"/>
+              <a:t>3.</a:t>
+            </a:r>
+            <a:r>
+              <a:rPr lang="en-US" sz="2600" smtClean="0"/>
+              <a:t> </a:t>
+            </a:r>
+            <a:r>
+              <a:rPr lang="et-EE" sz="2600" err="1" smtClean="0"/>
+              <a:t>Accuracies</a:t>
+            </a:r>
+            <a:r>
+              <a:rPr lang="et-EE" sz="2600" smtClean="0"/>
+              <a:t> of </a:t>
+            </a:r>
+            <a:r>
+              <a:rPr lang="et-EE" sz="2600" err="1" smtClean="0"/>
+              <a:t>the</a:t>
+            </a:r>
+            <a:r>
+              <a:rPr lang="et-EE" sz="2600" smtClean="0"/>
+              <a:t> </a:t>
+            </a:r>
+            <a:r>
+              <a:rPr lang="et-EE" sz="2600" err="1" smtClean="0"/>
+              <a:t>three</a:t>
+            </a:r>
+            <a:r>
+              <a:rPr lang="et-EE" sz="2600" smtClean="0"/>
+              <a:t> </a:t>
+            </a:r>
+            <a:r>
+              <a:rPr lang="et-EE" sz="2600" err="1" smtClean="0"/>
+              <a:t>models</a:t>
+            </a:r>
+            <a:r>
+              <a:rPr lang="et-EE" sz="2600" smtClean="0"/>
+              <a:t> </a:t>
+            </a:r>
+            <a:r>
+              <a:rPr lang="et-EE" sz="2600" err="1" smtClean="0"/>
+              <a:t>we</a:t>
+            </a:r>
+            <a:r>
+              <a:rPr lang="et-EE" sz="2600" smtClean="0"/>
+              <a:t> </a:t>
+            </a:r>
+            <a:r>
+              <a:rPr lang="et-EE" sz="2600" err="1" smtClean="0"/>
+              <a:t>used</a:t>
+            </a:r>
+            <a:r>
+              <a:rPr lang="et-EE" sz="2600" smtClean="0"/>
+              <a:t> on </a:t>
+            </a:r>
+            <a:r>
+              <a:rPr lang="et-EE" sz="2600" err="1" smtClean="0"/>
+              <a:t>different</a:t>
+            </a:r>
+            <a:r>
+              <a:rPr lang="et-EE" sz="2600"/>
+              <a:t> </a:t>
+            </a:r>
+            <a:r>
+              <a:rPr lang="et-EE" sz="2600" err="1" smtClean="0"/>
+              <a:t>datasets</a:t>
+            </a:r>
+            <a:r>
+              <a:rPr lang="et-EE" sz="2600"/>
               <a:t>.</a:t>
             </a:r>
-            <a:r>
-              <a:rPr lang="en-US" sz="2600" dirty="0" smtClean="0"/>
-              <a:t> </a:t>
-            </a:r>
-            <a:r>
-              <a:rPr lang="et-EE" sz="2600" dirty="0" err="1" smtClean="0"/>
-              <a:t>Accuracies</a:t>
-            </a:r>
-            <a:r>
-              <a:rPr lang="et-EE" sz="2600" dirty="0" smtClean="0"/>
-              <a:t> of </a:t>
-            </a:r>
-            <a:r>
-              <a:rPr lang="et-EE" sz="2600" dirty="0" err="1" smtClean="0"/>
-              <a:t>the</a:t>
-            </a:r>
-            <a:r>
-              <a:rPr lang="et-EE" sz="2600" dirty="0" smtClean="0"/>
-              <a:t> </a:t>
-            </a:r>
-            <a:r>
-              <a:rPr lang="et-EE" sz="2600" dirty="0" err="1" smtClean="0"/>
-              <a:t>three</a:t>
-            </a:r>
-            <a:r>
-              <a:rPr lang="et-EE" sz="2600" dirty="0" smtClean="0"/>
-              <a:t> </a:t>
-            </a:r>
-            <a:r>
-              <a:rPr lang="et-EE" sz="2600" dirty="0" err="1" smtClean="0"/>
-              <a:t>models</a:t>
-            </a:r>
-            <a:r>
-              <a:rPr lang="et-EE" sz="2600" dirty="0" smtClean="0"/>
-              <a:t> </a:t>
-            </a:r>
-            <a:r>
-              <a:rPr lang="et-EE" sz="2600" dirty="0" err="1" smtClean="0"/>
-              <a:t>we</a:t>
-            </a:r>
-            <a:r>
-              <a:rPr lang="et-EE" sz="2600" dirty="0" smtClean="0"/>
-              <a:t> </a:t>
-            </a:r>
-            <a:r>
-              <a:rPr lang="et-EE" sz="2600" dirty="0" err="1" smtClean="0"/>
-              <a:t>used</a:t>
-            </a:r>
-            <a:r>
-              <a:rPr lang="et-EE" sz="2600" dirty="0" smtClean="0"/>
-              <a:t> on </a:t>
-            </a:r>
-            <a:r>
-              <a:rPr lang="et-EE" sz="2600" dirty="0" err="1" smtClean="0"/>
-              <a:t>different</a:t>
-            </a:r>
-            <a:r>
-              <a:rPr lang="et-EE" sz="2600" dirty="0"/>
-              <a:t> </a:t>
-            </a:r>
-            <a:r>
-              <a:rPr lang="et-EE" sz="2600" dirty="0" err="1" smtClean="0"/>
-              <a:t>datasets</a:t>
-            </a:r>
-            <a:r>
-              <a:rPr lang="et-EE" sz="2600" dirty="0"/>
-              <a:t>.</a:t>
-            </a:r>
-            <a:endParaRPr lang="en-US" dirty="0"/>
+            <a:endParaRPr lang="en-US"/>
           </a:p>
         </p:txBody>
       </p:sp>
@@ -8710,7 +8669,7 @@
                     <a:bodyPr/>
                     <a:lstStyle/>
                     <a:p>
-                      <a:endParaRPr lang="et-EE" dirty="0"/>
+                      <a:endParaRPr lang="et-EE"/>
                     </a:p>
                   </a:txBody>
                   <a:tcPr>
@@ -8726,18 +8685,18 @@
                     <a:p>
                       <a:pPr algn="ctr"/>
                       <a:r>
-                        <a:rPr lang="et-EE" sz="3600" dirty="0" err="1" smtClean="0"/>
+                        <a:rPr lang="et-EE" sz="3600" err="1" smtClean="0"/>
                         <a:t>Large</a:t>
                       </a:r>
                       <a:r>
-                        <a:rPr lang="et-EE" sz="3600" baseline="0" dirty="0" smtClean="0"/>
+                        <a:rPr lang="et-EE" sz="3600" baseline="0" smtClean="0"/>
                         <a:t> </a:t>
                       </a:r>
                       <a:r>
-                        <a:rPr lang="et-EE" sz="3600" baseline="0" dirty="0" err="1" smtClean="0"/>
+                        <a:rPr lang="et-EE" sz="3600" baseline="0" err="1" smtClean="0"/>
                         <a:t>dataset</a:t>
                       </a:r>
-                      <a:endParaRPr lang="et-EE" sz="3600" dirty="0"/>
+                      <a:endParaRPr lang="et-EE" sz="3600"/>
                     </a:p>
                   </a:txBody>
                   <a:tcPr>
@@ -8753,17 +8712,17 @@
                     <a:p>
                       <a:pPr algn="ctr"/>
                       <a:r>
-                        <a:rPr lang="et-EE" sz="3600" dirty="0" smtClean="0"/>
+                        <a:rPr lang="et-EE" sz="3600" smtClean="0"/>
                         <a:t>2017</a:t>
                       </a:r>
                     </a:p>
                     <a:p>
                       <a:pPr algn="ctr"/>
                       <a:r>
-                        <a:rPr lang="et-EE" sz="3600" dirty="0" err="1" smtClean="0"/>
+                        <a:rPr lang="et-EE" sz="3600" err="1" smtClean="0"/>
                         <a:t>top</a:t>
                       </a:r>
-                      <a:endParaRPr lang="et-EE" sz="3600" dirty="0"/>
+                      <a:endParaRPr lang="et-EE" sz="3600"/>
                     </a:p>
                   </a:txBody>
                   <a:tcPr>
@@ -8779,17 +8738,17 @@
                     <a:p>
                       <a:pPr algn="ctr"/>
                       <a:r>
-                        <a:rPr lang="et-EE" sz="3600" dirty="0" smtClean="0"/>
+                        <a:rPr lang="et-EE" sz="3600" smtClean="0"/>
                         <a:t>2018</a:t>
                       </a:r>
                     </a:p>
                     <a:p>
                       <a:pPr algn="ctr"/>
                       <a:r>
-                        <a:rPr lang="et-EE" sz="3600" dirty="0" err="1" smtClean="0"/>
+                        <a:rPr lang="et-EE" sz="3600" err="1" smtClean="0"/>
                         <a:t>top</a:t>
                       </a:r>
-                      <a:endParaRPr lang="et-EE" sz="3600" dirty="0"/>
+                      <a:endParaRPr lang="et-EE" sz="3600"/>
                     </a:p>
                   </a:txBody>
                   <a:tcPr>
@@ -8811,14 +8770,14 @@
                     <a:lstStyle/>
                     <a:p>
                       <a:r>
-                        <a:rPr lang="et-EE" dirty="0" smtClean="0">
+                        <a:rPr lang="et-EE" smtClean="0">
                           <a:solidFill>
                             <a:schemeClr val="bg1"/>
                           </a:solidFill>
                         </a:rPr>
                         <a:t>RF</a:t>
                       </a:r>
-                      <a:endParaRPr lang="et-EE" dirty="0">
+                      <a:endParaRPr lang="et-EE">
                         <a:solidFill>
                           <a:schemeClr val="bg1"/>
                         </a:solidFill>
@@ -8838,10 +8797,10 @@
                     <a:p>
                       <a:pPr algn="ctr"/>
                       <a:r>
-                        <a:rPr lang="et-EE" sz="6100" dirty="0" smtClean="0"/>
+                        <a:rPr lang="et-EE" sz="6100" smtClean="0"/>
                         <a:t>86.7%</a:t>
                       </a:r>
-                      <a:endParaRPr lang="et-EE" sz="6100" dirty="0"/>
+                      <a:endParaRPr lang="et-EE" sz="6100"/>
                     </a:p>
                   </a:txBody>
                   <a:tcPr>
@@ -8857,10 +8816,10 @@
                     <a:p>
                       <a:pPr algn="ctr"/>
                       <a:r>
-                        <a:rPr lang="et-EE" sz="6100" dirty="0" smtClean="0"/>
+                        <a:rPr lang="et-EE" sz="6100" smtClean="0"/>
                         <a:t>70%</a:t>
                       </a:r>
-                      <a:endParaRPr lang="et-EE" sz="6100" dirty="0"/>
+                      <a:endParaRPr lang="et-EE" sz="6100"/>
                     </a:p>
                   </a:txBody>
                   <a:tcPr>
@@ -8876,10 +8835,10 @@
                     <a:p>
                       <a:pPr algn="ctr"/>
                       <a:r>
-                        <a:rPr lang="et-EE" sz="6100" dirty="0" smtClean="0"/>
+                        <a:rPr lang="et-EE" sz="6100" smtClean="0"/>
                         <a:t>84%</a:t>
                       </a:r>
-                      <a:endParaRPr lang="et-EE" sz="6100" dirty="0"/>
+                      <a:endParaRPr lang="et-EE" sz="6100"/>
                     </a:p>
                   </a:txBody>
                   <a:tcPr>
@@ -8901,14 +8860,14 @@
                     <a:lstStyle/>
                     <a:p>
                       <a:r>
-                        <a:rPr lang="et-EE" dirty="0" smtClean="0">
+                        <a:rPr lang="et-EE" smtClean="0">
                           <a:solidFill>
                             <a:schemeClr val="bg1"/>
                           </a:solidFill>
                         </a:rPr>
                         <a:t>KNN</a:t>
                       </a:r>
-                      <a:endParaRPr lang="et-EE" dirty="0">
+                      <a:endParaRPr lang="et-EE">
                         <a:solidFill>
                           <a:schemeClr val="bg1"/>
                         </a:solidFill>
@@ -8928,10 +8887,10 @@
                     <a:p>
                       <a:pPr algn="ctr"/>
                       <a:r>
-                        <a:rPr lang="et-EE" sz="6100" dirty="0" smtClean="0"/>
+                        <a:rPr lang="et-EE" sz="6100" smtClean="0"/>
                         <a:t>79.5%</a:t>
                       </a:r>
-                      <a:endParaRPr lang="et-EE" sz="6100" dirty="0"/>
+                      <a:endParaRPr lang="et-EE" sz="6100"/>
                     </a:p>
                   </a:txBody>
                   <a:tcPr>
@@ -8947,10 +8906,10 @@
                     <a:p>
                       <a:pPr algn="ctr"/>
                       <a:r>
-                        <a:rPr lang="et-EE" sz="6100" dirty="0" smtClean="0"/>
+                        <a:rPr lang="et-EE" sz="6100" smtClean="0"/>
                         <a:t>60%</a:t>
                       </a:r>
-                      <a:endParaRPr lang="et-EE" sz="6100" dirty="0"/>
+                      <a:endParaRPr lang="et-EE" sz="6100"/>
                     </a:p>
                   </a:txBody>
                   <a:tcPr>
@@ -8966,10 +8925,10 @@
                     <a:p>
                       <a:pPr algn="ctr"/>
                       <a:r>
-                        <a:rPr lang="et-EE" sz="6100" dirty="0" smtClean="0"/>
+                        <a:rPr lang="et-EE" sz="6100" smtClean="0"/>
                         <a:t>74%</a:t>
                       </a:r>
-                      <a:endParaRPr lang="et-EE" sz="6100" dirty="0"/>
+                      <a:endParaRPr lang="et-EE" sz="6100"/>
                     </a:p>
                   </a:txBody>
                   <a:tcPr>
@@ -8991,14 +8950,14 @@
                     <a:lstStyle/>
                     <a:p>
                       <a:r>
-                        <a:rPr lang="et-EE" dirty="0" smtClean="0">
+                        <a:rPr lang="et-EE" smtClean="0">
                           <a:solidFill>
                             <a:schemeClr val="bg1"/>
                           </a:solidFill>
                         </a:rPr>
                         <a:t>DT</a:t>
                       </a:r>
-                      <a:endParaRPr lang="et-EE" dirty="0">
+                      <a:endParaRPr lang="et-EE">
                         <a:solidFill>
                           <a:schemeClr val="bg1"/>
                         </a:solidFill>
@@ -9018,10 +8977,10 @@
                     <a:p>
                       <a:pPr algn="ctr"/>
                       <a:r>
-                        <a:rPr lang="et-EE" sz="6100" dirty="0" smtClean="0"/>
+                        <a:rPr lang="et-EE" sz="6100" smtClean="0"/>
                         <a:t>79.5%</a:t>
                       </a:r>
-                      <a:endParaRPr lang="et-EE" sz="6100" dirty="0"/>
+                      <a:endParaRPr lang="et-EE" sz="6100"/>
                     </a:p>
                   </a:txBody>
                   <a:tcPr>
@@ -9037,10 +8996,10 @@
                     <a:p>
                       <a:pPr algn="ctr"/>
                       <a:r>
-                        <a:rPr lang="et-EE" sz="6100" dirty="0" smtClean="0"/>
+                        <a:rPr lang="et-EE" sz="6100" smtClean="0"/>
                         <a:t>66%</a:t>
                       </a:r>
-                      <a:endParaRPr lang="et-EE" sz="6100" dirty="0"/>
+                      <a:endParaRPr lang="et-EE" sz="6100"/>
                     </a:p>
                   </a:txBody>
                   <a:tcPr>
@@ -9056,10 +9015,10 @@
                     <a:p>
                       <a:pPr algn="ctr"/>
                       <a:r>
-                        <a:rPr lang="et-EE" sz="6100" dirty="0" smtClean="0"/>
+                        <a:rPr lang="et-EE" sz="6100" smtClean="0"/>
                         <a:t>76%</a:t>
                       </a:r>
-                      <a:endParaRPr lang="et-EE" sz="6100" dirty="0"/>
+                      <a:endParaRPr lang="et-EE" sz="6100"/>
                     </a:p>
                   </a:txBody>
                   <a:tcPr>
@@ -9078,23 +9037,69 @@
           </a:graphicData>
         </a:graphic>
       </p:graphicFrame>
+      <p:sp>
+        <p:nvSpPr>
+          <p:cNvPr id="20" name="AutoShape 14" descr="data:image/png;base64,iVBORw0KGgoAAAANSUhEUgAABBoAAAH2CAYAAADeYu8BAAAABHNCSVQICAgIfAhkiAAAAAlwSFlzAAALEgAACxIB0t1+/AAAADh0RVh0U29mdHdhcmUAbWF0cGxvdGxpYiB2ZXJzaW9uMy4xLjAsIGh0dHA6Ly9tYXRwbG90bGliLm9yZy+17YcXAAAgAElEQVR4nO3dfZzd85338fdkRiYEiRBrgxB3rZuS3bKpWsUq0V5byxQTYdDy2JWqsmxpQ4nGTRB2NXttEunVRWiNaBTVZZfW3bZNWyWI+9JsQtRNpkia28m5/mhlhYQh33NOJp7Pv3LO7zfn+8n3MfMwefmd32moVCqVAAAAABTQo94DAAAAAGsPoQEAAAAoRmgAAAAAihEaAAAAgGKEBgAAAKAYoQEAAAAopqneAwAA9bF00aI8c9NNeWrq1Lz4y19m/pw56dHUlA232ioD998/Hz/llPTddtt3fY3Hv/vdTJ8wIS8//HCWdXam30c+kp2POy6DR4xIj8bG95zh988+mzuOPz6z7r47e557bvYaNepdzx/b0NDlv19XXg8AKE9oAIAPoddmzsx399wz8+fMycY775xPnntu+n30o1m6cGGemjIlD/7rv+aRb387n508OTt8/vPv+PpKpZLbv/CFzLj66gz6zGdy8I03prG5OQ9feWV+fPLJ+c3NN6flttvS2LPnStevVCp58F//Nfd9/etZMn/++5q9sbk5PZpW/StM5+LFWbZkSfoMGvS+XhcAKENoAIAPoUUdHZk/Z0767bhj2n71qzT16rX82MB99826/fvnZ+edl9uGD0//Rx/NRttvv8LX/+ryyzPj6quzxd5759Bbb11+9cIWe++dzsWL8+QNN+Tu00/P/uPGvWPt12fNyo+OOiov/vKX2XPUqDz0f/9v3pg1q8uzHzBhQnY57rhVHr92yJB0PPlkPnL44V1+TQCgHPdoAIAPsb8644wVIsPy5888M03rrpvOxYsz/corVzi26LXX8vPRo5Mknxw16h1vkdjrT8emT5iQ3z/77Dte+3/uuiudS5ak7cEHM+TMM9PQo9yvIy899FBe/MUvstMxx2Sd9dYr9roAQNcJDQDwIbTepptm99NPz9YHHrjS4+usu276brddkuSVRx5Z4djTP/hBFr32WnpuuGG23Hffd3xtvx12SL+PfjTLli7N49dd947jgw46KEfef382/uhH3/fcxzz4YLY9+OBVHp8+YUKSZLcTT3zfrw0AlCE0AMCH0PoDBmTfsWOz/oABqzznzSsN1unde4XnZ/7nfyZJNh08eJVXI2y2++5Jkt/eccc7jvXebLMu3ShyZTYdPDjr9uu30mOL583L49/9brb41KeyyU47faDXBwBWn9AAALzDss7OvP7b3yZJNt9rrxWOvfLoo0mSDQcOXOXXb/CnY2+eWwuPXXttFr/xhqsZAKDOhAYA4B1m/td/LX97xMeOP36FY2/euHHdTTZZ5dev179/kj/ez2HxvHnVG/QtHp44Mev277/ST8kAAGpHaAAAVlCpVDLtoouSJPtedlma+/RZ4fib4aBxJTeRfNNbjy1+440qTLmiOdOm5aWHHsouX/jCKj9SEwCoDaEBAFjBQ+PHZ/a99+YjRxyRXU844YO9SKVSdqj38NCECUlDQ3b7+7+v6boAwDsJDQDAcjPvvDM/OfXUbLnvvvnMNdes9Jye66+fJOlcuHCVr9O5aNH/nr/BBmWHfJuFv/99nmxvz9YHHJC+225b1bUAgPcmNAAASZIXf/Wr3Pz5z2ez3XfPITffnKbm5pWet8GWWyZJFrzyyipf6w8vv5wkae7TZ3mYqJbHrrkmSxcsyG4jRlR1HQCga4QGACAvPvBAphxwQDbZeeccdscdad5ww1Weu8kuuyRJXv+f/1nlOW/eMPLNc6tp+sSJWX/zzbPt5z5X9bUAgPcmNADAh9zvfv3r3HjAAen30Y/m87ffvsJbHRbPm5fX/vQxl2/a6sADkyQvT5+eyrJlK33NF3/1qyTJ1kOHVmfoP5l177159bHH8rETTkiPxsaqrgUAdI3QAAAfYr978MFM+fSns9EOO6z0SoanbrwxkwYNWuG57Q85JM19+mTRa69l1j33vOM1O55+OnMffzw9mpqy4/DhVZ3/4YkT09DY+MFvWgkAFCc0AMCH1EsPPfS/keE///Nd3y7xVs19+uQT3/hGkuSn5533jqsa/vvcc5Mku514YlVvzviHV17JU9//frb927/NBltsUbV1AID3p6neAwAAtdfxzDOZ8ulPZ+HcuXl5+vRMGDBgpectW7p0pc/vftppeeWRRzLj6qsz9XOfy+6nnZbG5uY8fOWVeeJ738tWn/509r3sslWuP/epp9K5ePEf11iyJEnyh5deysuPPpok6bXRRtlg883f9e/w6L//ezoXLcpuJ574nn9fAKB2GiqVGn/QNQBQd0//4Ae5+dBDu3z+P63i14XHrrsu0ydMyMsPP5zKsmXp95GPZOfjjsvgESPe9Z4JV269dV6fOXOVx3c+9th85qqrVnm8Uqnk/+2wQyqdnTnhN79JQ0NDl/8uAEB1CQ0AAABAMe7RAAAAABQjNAAAAADFCA0AAABAMUIDAAAAUIzQAAAAABTTVO8BVmXIkCHZ/D0+PxsAAACoveeffz7Tpk1b6bE1NjRsvvnmmTp1ar3HAAAAAN6mpaVllce8dQIAAAAoRmgAAAAAihEaAAAAgGKEBgAAAKAYoQEAAAAoRmgAAAAAihEaAAAAgGKEBgAAAKAYoQEAAAAoRmgAAAAAihEaAAAAgGKEBgAAAKAYoQEAAAAoRmgAAAAAihEaAAAAgGKqFhqmT5+etra2FZ679dZb09raWq0lAQAAgDprqsaLTpo0KbfcckvWXXfd5c89/vjjufHGG1OpVKqxJAAAALAGqMoVDQMHDsy4ceOWP+7o6MjYsWMzcuTIaiwHAAAArCGqEhqGDh2apqY/XizR2dmZs846KyNHjkzv3r2rsRwAAACwhqjKWyfeasaMGZk5c2ZGjRqVRYsW5ZlnnskFF1yQs8466x3ntre3p729Pckfr4KgtipLF6ehqWe9x6g7+wAAAPDBVT007LrrrrntttuSJLNnz85pp5220siQJK2trctvFtnS0lLt0Xibhqae+Z9vHVbvMepu4FdurPcIAAAA3ZaPtwQAAACKqVpo2GKLLXLDDTe853MAAADA2sMVDQAAAEAxQgMAAABQjNAAAAAAFCM0AAAAAMUIDQAAAEAxQgMAAABQjNAAAAAAFCM0AAAAAMUIDQAAAEAxQgMAAABQjNAAAAAAFCM0AAAAAMUIDQAAAEAxQgMAAABQjNAAAAAAFCM0AAAAAMUIDQAAAEAxQgMAAABQjNAAAAAAFCM0AAAAAMUIDQAAAEAxQgMAAABQjNAAAAAAFCM0AAAAAMUIDQAAAEAxQgMAAAAkqSxdVu8R1giruw9NheYAAACAbq2hqUd+d8XP6j1G3f3ZKXuu1te7ogEAAAAoRmgAAAAAihEaAAAAgGKEBgAAAKAYoQEAAAAoRmgAAAAAihEaAAAAgGKEBgAAAKAYoQEAAAAoRmgAAAAAihEaAAAAgGKEBgAAAKAYoQEAAAAoRmgAAAAAihEaAAAAgGKEBgAAAKAYoQEAAAAoRmgAAAAAihEaAAAAgGKEBgAAAKAYoQEAAAAoRmgAAAAAihEaAAAAgGKEBgAAAKAYoQEAAAAopmqhYfr06Wlra0uSPP744xk+fHja2tpy/PHH55VXXqnWsgAAAEAdVSU0TJo0KWeffXYWLVqUJLngggvyjW98I5MnT84BBxyQSZMmVWNZAAAAoM6qEhoGDhyYcePGLX98+eWXZ8cdd0ySdHZ2prm5uRrLAgAAAHXWVI0XHTp0aGbPnr388aabbpok+fWvf51rr70211133Uq/rr29Pe3t7UmSjo6OaowGAADvy5LOStZpbKj3GGsEewF0RVVCw8r86Ec/yvjx43PllVemX79+Kz2ntbU1ra2tSZKWlpZajQYAAKu0TmNDvnLTrHqPsUb41qFb1nsEoBuoSWi4+eab097ensmTJ6dv3761WBIAAACog6qHhs7OzlxwwQX58z//85x88slJkj322CNf+cpXqr00AAAAUGNVCw1bbLFFbrjhhiTJL37xi2otAwAAAKxBqvKpEwAAAMCHk9AAAAAAFCM0AAAAAMUIDQAAAEAxQgMAAABQjNAAAAAAFCM0AAAAAMUIDQAAAEAxQgMAAABQjNAAAAAAFCM0AAAAAMUIDQAAAEAxQgMAAABQjNAAAAAAFCM0AAAAAMUIDQAAAEAxQgMAAABQjNAAAAAAFCM0AAAAAMUIDQAAAEAxQgMAAABQjNAAAAAAFCM0AAAAAMUIDQAAAEAxQgMAAABQjNAAAAAAFCM0AAAAAMUIDQAAAEAxQgMAAABQjNAAAAAAFCM0AAAAAMUIDQAAAEAxQgMAAABQjNAAAAAAFCM0AAAAAMUIDQAAAEAxQgMAAABQjNAAAAAAFCM0AAAAAMUIDQAAAEAxQgMAAABQjNAAAAAAFCM0AAAAAMUIDQAAAEAxQgMAAABQjNAAAAAAFCM0AAAAAMUIDQAAAEAxQgMAAABQjNAAAAAAFCM0AAAAAMVULTRMnz49bW1tSZKZM2fmyCOPzPDhw3Puuedm2bJl1VoWAAAAqKOqhIZJkybl7LPPzqJFi5IkF110UU499dR897vfTaVSyV133VWNZQEAAIA6q0poGDhwYMaNG7f88YwZM/JXf/VXSZJPfepT+elPf1qNZQEAAIA6a6rGiw4dOjSzZ89e/rhSqaShoSFJ0rt377zxxhsr/br29va0t7cnSTo6Ot5zncrSzjQ0NRaYuPuzFwAAAKwJqhIa3q5Hj/+9cGL+/PnZcMMNV3pea2trWltbkyQtLS3v+boNTY15efy1ZYbs5vqPOLreIwAAAEBtPnVip512yrRp05Ik9957b3bfffdaLAsAAADUWE1Cw5lnnplx48altbU1S5YsydChQ2uxLAAAAFBjVXvrxBZbbJEbbrghSTJo0KBce623OAAAAMDariZXNAAAAAAfDkIDAAAAUIzQAAAAABQjNAAAAADFCA0AAABAMUIDAAAAUIzQAAAAABQjNAAAAADFCA0AAABAMUIDAAAAUIzQAAAAABQjNAAAAADFCA0AAABAMUIDAAAAUIzQAAAAABQjNAAAAADFCA0AAABAMUIDAAAAUIzQAAAAABQjNAAAAADFCA0AAABAMUIDAAAAUIzQAAAAABQjNAAAAADFCA0AAABAMUIDAHxAizuX1nuENUaJvVjc2VlgkrWDvWBt1tlZqfcIawx7wdqqqd4DAEB31bOxKf/npkvrPcYa4bZDv7rar9GzsTF/e+N1Babp/n542FH1HgGqprGxIf/R/kq9x1gjfKZ1k3qPAFXhigYAAACgGKEBAAAAKEZoAAAAAIoRGgAAAIBihAYAAACgGKEBAAAAKEZoAAAAAIoRGgAAAIBihAYAAACgGKEBAAAAKEZoAAAAAIoRGgAAAIBihAYAAACgGKEBAAAAKEZoAAAAAIoRGgAAAIBihAYAAACgGKEBAAAAKEZoAAAAAIoRGgAAAIBihAYAAACgGKEBAAAAKEZoAAAAAIoRGgAAAIBimmq10JIlS/K1r30tzz//fHr06JHRo0dn2223rdXyAAAAQA3U7IqGe+65J0uXLs3111+fk046Kf/yL/9Sq6UBAACAGqlZaBg0aFA6OzuzbNmyzJs3L01NNbuYAgAAAKiRmv1rf7311svzzz+fz3zmM+no6MiECRPecU57e3va29uTJB0dHbUaDYrrXLo4jU096z3GGsFeAADAh0vNQsNVV12Vv/7rv87pp5+eOXPm5Nhjj82tt96a5ubm5ee0tramtbU1SdLS0lKr0aC4xqaeueP/fbbeY6wRhh7/o3qPAAAA1FDNQsOGG26YddZZJ0nSp0+fLF26NJ2dnbVaHgAAAKiBmoWG4447LiNHjszw4cOzZMmS/OM//mPWW2+9Wi0PAAAA1EDNQkPv3r1zxRVX1Go5AAAAoA5q9qkTAAAAwNpPaAAAAACKERoAAACAYoQGAAAAoJguhYYpU6as8Piaa66pyjAAAABA9/aunzrxwx/+MD/+8Y8zbdq0/PznP0+SdHZ25umnn84xxxxTkwEBAACA7uNdQ8Pee++d/v375/e//31aW1uTJD169MiWW25Zk+EAAACA7uVdQ0OfPn0yZMiQDBkyJK+++moWLVqU5I9XNQAAAAC83buGhjedd955ueeee7LpppumUqmkoaEh119/fbVnAwAAALqZLoWG6dOn584770yPHj6kAgAAAFi1LpWDrbbaavnbJgAAAABWpUtXNMyZMyf77bdfttpqqyTx1gkAAABgpboUGi677LJqzwEAAACsBboUGm666aZ3PPflL3+5+DAAAABA99al0LDJJpskSSqVSh577LEsW7asqkMBAAAA3VOXQsOwYcNWeHzCCSdUZRgAAACge+tSaHjuueeW//nll1/OnDlzqjYQAAAA0H11KTScc845y//c3NycM844o2oDAQAAAN1Xl0LD5MmT09HRkVmzZmWLLbZIv379qj0XAAAA0A316MpJ//Ef/5Fhw4ZlwoQJaW1tzc0331ztuQAAAIBuqEtXNFx11VWZOnVqevfunXnz5uXYY4/N3/3d31V7NgAAAKCb6dIVDQ0NDendu3eSZP31109zc3NVhwIAAAC6py5d0TBw4MCMGTMmu+++ex544IEMHDiw2nMBAAAA3VCXrmg44ogj0qdPn/z0pz/N1KlTc9RRR1V7LgAAAKAb6lJoGDNmTA444ICcc845ufHGGzNmzJhqzwUAAAB0Q10KDU1NTdluu+2SJFtuuWV69OjSlwEAUCeLOzvrPcIaw14A1FaX7tEwYMCAXH755Rk8eHAefvjhbLrpptWeCwCA1dCzsTGH3HhXvcdYI/zgsP3rPQLAh0qXLk246KKL0q9fv9xzzz3p169fLrroomrPBQAAAHRDXbqiobm5Occdd1yVRwEAAAC6OzdbAAAAAIoRGgAAAIBihAYAAACgGKEBAAAAKEZoAAAAAIoRGgAAAIBihAYAAACgGKEBAAAAKEZoAAAAAIoRGgAAAIBihAYAAACgGKEBAAAAKEZoAAAAAIoRGgAAAIBihAYAAACgGKEBAAAAKEZoAAAAAIoRGgAAAIBihAYAAACgGKEBAAAAKEZoAAAAAIoRGgAAAIBimmq52MSJE/PjH/84S5YsyZFHHpnDDz+8lssDAAAAVVaz0DBt2rQ8+OCD+d73vpcFCxbkO9/5Tq2WBgAAAGqkZqHh/vvvzw477JCTTjop8+bNyxlnnFGrpQEAAIAaqVlo6OjoyAsvvJAJEyZk9uzZGTFiRG6//fY0NDQsP6e9vT3t7e3LzwcAAAC6l5qFhr59+2abbbZJz549s80226S5uTlz587NxhtvvPyc1tbWtLa2JklaWlpqNRoAAABQSM0+deLjH/947rvvvlQqlfzud7/LggUL0rdv31otDwAAANRAza5o2G+//fLLX/4yhx12WCqVSs4555w0NjbWankAAACgBmr68ZZuAAkAAABrt5q9dQIAAABY+wkNAAAAQDFCAwAAAFCM0AAAAAAUIzQAAAAAxQgNAAAAQDFCAwAAAFCM0AAAAAAUIzQAAAAAxQgNAAAAQDFCAwAAAFCM0AAAAAAUIzQAAAAAxQgNAAAAQDFCAwAAAFCM0AAAAAAUIzQAAAAAxQgNAAAAQDFCAwAAAFCM0AAAAAAUIzQAAAAAxQgNAAAAQDFCAwAAAFCM0AAAAAAUIzQAAAAAxQgNAAAAQDFCAwAAAFCM0AAAAAAUIzQAAAAAxQgNAAAAQDFCAwAAAFCM0AAAAAAUIzQAAAAAxQgNAAAAQDFCAwAAAFCM0AAAAAAUIzQAAAAAxQgNAAAAQDFCAwAAAFCM0AAAAAAUIzQAAAAAxQgNAAAAQDFCAwAAAFCM0AAAAAAUIzQAAAAAxQgNAAAAQDFCAwAAAFCM0AAAAAAUIzQAAAAAxQgNAAAAQDFCAwAAAFBMzUPDq6++mn322Se/+c1var00AAAAUGU1DQ1LlizJOeeck169etVyWQAAAKBGahoaLr744gwbNiybbrppLZcFAAAAaqRmoWHq1Knp169f9t5771We097enpaWlrS0tKSjo6NWowF8qCzpXFzvEdYY9gKA7m7Z0kq9R1hj2Is1R1OtFvr+97+fhoaG/OxnP8vjjz+eM888M+PHj0///v2Xn9Pa2prW1tYkSUtLS61GA/hQWaexZ75w00H1HmON8O+H3l7vEQBgtfRoashv/+XFeo+xRtj61M3qPQJ/UrPQcN111y3/c1tbW0aNGrVCZAAAAAC6Px9vCQAAABRTsysa3mry5Mn1WBYAAACoMlc0AAAAAMUIDQAAAEAxQgMAAABQjNAAAAAAFCM0AAAAAMUIDQAAAEAxQgMAAABQjNAAAAAAFCM0AAAAAMUIDQAAAEAxQgMAAABQjNAAAAAAFCM0AAAAAMUIDQAAAEAxQgMAAABQjNAAAAAAFCM0AAAAAMUIDQAAAEAxQgMAAABQjNAAAAAAFCM0AAAAAMUIDQAAAEAxQgMAAABQjNAAAAAAFCM0AAAAAMUIDQAAAEAxQgMAAABQjNAAAAAAFCM0AAAAAMUIDQAAAEAxQgMAAABQjNAAAAAAFCM0AAAAAMUIDQAAAEAxQgMAAABQjNAAAAAAFCM0AAAAAMUIDQAAAEAxQgMAAABQjNAAAAAAFCM0AAAAAMUIDQAAAEAxQgMAAABQjNAAAAAAFCM0AAAAAMUIDQAAAEAxQgMAAABQjNAAAAAAFCM0AAAAAMUIDQAAAEAxQgMAAABQTFOtFlqyZElGjhyZ559/PosXL86IESOy//7712p5AAAAoAZqFhpuueWW9O3bN5deemk6Ojpy6KGHCg0AAACwlqlZaDjooIMydOjQ5Y8bGxtrtTQAAABQIzULDb17906SzJs3L1/5yldy6qmn1mppAAAAoEZqFhqSZM6cOTnppJMyfPjwfO5zn3vH8fb29rS3tydJOjo6ajkaAAAAUEDNQsMrr7ySL37xiznnnHOy5557rvSc1tbWtLa2JklaWlpqNRoAAABQSM0+3nLChAl5/fXX82//9m9pa2tLW1tbFi5cWKvlAQAAgBqo2RUNZ599ds4+++xaLQcAAADUQc2uaAAAAADWfkIDAAAAUIzQAAAAABQjNAAAAADFCA0AAABAMUIDAAAAUIzQAAAAABQjNAAAAADFCA0AAABAMUIDAAAAUIzQAAAAABQjNAAAAADFCA0AAABAMUIDAAAAUIzQAAAAABQjNAAAAADFCA0AAABAMUIDAAAAUIzQAAAAABQjNAAAAADFCA0AAABAMUIDAAAAUIzQAAAAABQjNAAAAADFCA0AAABAMUIDsMZb2rm43iOsMewFAABruqZ6DwDwXpoae2bi5KH1HmON8A9td9R7BAAAeFeuaAAAAACKERoAAACAYoQGAAAAoBihAQAAAChGaAAAAACKERoAAACAYoQGAAAAoBihAQAAAChGaAAAAACKERoAAACAYoQGAAAAoBihAQAAAChGaAAAAACKERoAAACAYoQGAAAAoBihAQAAAChGaAAAAACKERoAAACAYoQGAAAAoBihAQAAAChGaAAAAACKERoAAACAYoQGAAAAoBihAQAAAChGaAAAAACKaarVQsuWLcuoUaPy5JNPpmfPnjn//POz1VZb1Wp5AAAAoAZqdkXDnXfemcWLF6e9vT2nn356xowZU6ulAQAAgBqpWWh44IEHsvfeeydJBg8enEcffbRWSwMAAAA10lCpVCq1WOiss87KgQcemH322SdJsu++++bOO+9MU9P/vnujvb097e3tSZLnnnsugwYNqsVoq6WjoyMbbbRRvcdYa9jPsuxnOfayLPtZlv0sy36WYy/Lsp9l2c9y7GVZ3WU/n3/++UybNm2lx2p2j4b1118/8+fPX/542bJlK0SGJGltbU1ra2utRiqipaUlU6dOrfcYaw37WZb9LMdelmU/y7KfZdnPcuxlWfazLPtZjr0sa23Yz5q9deIv//Ivc++99yZJHnrooeywww61WhoAAACokZpd0XDAAQfkv//7vzNs2LBUKpVceOGFtVoaAAAAqJHGUaNGjarFQg0NDdlvv/1y2GGH5fDDD0+/fv1qsWxN7LLLLvUeYa1iP8uyn+XYy7LsZ1n2syz7WY69LMt+lmU/y7GXZXX3/azZzSABAACAtV/N7tEAAAAArP1qdo+GtdWVV16Za665JnfddVeam5vrPU63tLI9nDhxYgYPHpz11lsvd9xxR/7pn/6pzlN2H9OmTcupp56a7bbbLpVKJUuXLs0FF1yQbbfdtt6jdUtPP/10Lr300ixYsCB/+MMfss8+++Tkk09OQ0NDvUfrNla1h8uWLcuXvvSlTJw4MV/60pcyduzYrLfeevUet9tY2c/6Mccck89+9rP1Hq3beLc97Ozs9P25Gt66t2/aaKON8q1vfauOU3Vfs2fPzsEHH5ydd955+XNDhgzJl7/85TpO1b2sag9HjBjhZ301zJo1K5deemlefPHF9OrVK7169cpXv/rVbL/99vUerdt4tz384Q9/mMWLF2fffffN+eefn8svv7ze43aZ0LCabr311nz2s5/NbbfdlpaWlnqP0y2tbA8feeSRHHXUUbnllluy66671nnC7ucTn/hE/vmf/zlJcv/99+eSSy7JxIkT6zxV9/P666/ntNNOy7hx47L11luns7Mzp5xySq6//voceeSR9R6vW3i3PRw8ePDyALZgwQK/2H0Ab/1Znz9/ftra2jJo0KDsuOOOdZ6s+1jVHibx/bma3rq3rL7tttsukydPrvcY3drK9vDxxx/3s/4BLViwICNGjMjo0aPzF3/xF0mShx9+ON/85jd9r3bRe+3h9OnT09ramkceeSQf+9jH6jzt+yM0rIZp06Zl4MCBGTZsWL761a8KDR/A2/dwhx12yMUXX5wnn3wyI0aMyFNPPZXtt98+e+21V3r37l3vcbul18xku6wAAAZcSURBVF9/PZtvvnm9x+iW7rrrrgwZMiRbb711kqSxsTEXX3xx1llnnfoO1o2sag8vueSSfPvb387666+flpaWdHR05Nprr83RRx9d34G7sd69e6e1tTW333670PABvbmH119/fe6//37fn7CWGz16dO6++24/6x/QT37yk3ziE59Y/g/kJNl1111zzTXX1HGq7mVVezh27Ni0tbXliSeeyBNPPJHf/va32WyzzfI3f/M32Wqrreo4cdcJDathypQpOfzww7PNNtukZ8+emT59enbbbbd6j9WtvH0POzs7c+GFF2bSpEn55je/meOOOy5XXXVVvcfsdn7+85+nra0tixcvzpNPPulqhg/opZdeypZbbrnCc4LX+7OqPTzvvPNyxhln5PTTT8/PfvazJMkhhxxSjxHXKhtvvHFmzJhR7zG6tY033jiVSiUf//jHfX+upjf/W/SmffbZJyeccEIdJ+rennnmmRX2c+zYsfmzP/uzOk7U/axsD9944w0/6x/Q7NmzM3DgwOWPR4wYkXnz5uWll17K1Vdfnc0226yO03UP77aHV111Vc4777xMmDAh//AP/5Bx48alZ8+edZz2/REaPqDXXnst9957b+bOnZvJkydn3rx5ufbaa4WG92Flezh+/PjMnDkzSTJs2LDMmjUrbW1tmTBhgn/gvQ9vvVz12WefzbBhw3LvvfemV69edZ6sexkwYEAee+yxFZ6bNWtWXnzxxeyxxx51mqp7WdUejhw5Mk888UTmzJmT5557LgMGDMi8efP8X6TV9MILL/jFbjW98MILaW9vz4Ybbuj7czV560RZ3jqx+t6+h6NHj85PfvITP+sf0GabbZZHH310+ePx48cnSY444ogsXbq0XmN1K6vawwMPPDAHH3xwNthggxx11FF55plncvzxx+f88893RcPa7pZbbsnnP//5nHnmmUn++P6a/fffP3Pnzk2/fv3qPF33sKo9HDp0aNra2vLss8/mhRdeyDHHHFPnSbu3TTbZpN4jdFv77bdfJk6cmCOPPDIDBw7MkiVLMmbMmHzyk58UGrpoVXs4ZMiQ9O/fP5dffnmOPfbYXH311fUetdubN29epkyZkiuuuKLeo3Rbb+7hDTfckKuvvtr3J6zlTjrppHR0dPhZ/4D233//TJo0KQ899FAGDx6cJJk5c2ZefPFFN83uolXt4cKFC3Psscdmt912S//+/XPTTTfl61//ep2nfX+Ehg9oypQpueSSS5Y/XnfddXPggQfmhhtuyIknnljHybqPVe3hlClT8o1vfCO33XZb9tprrzpO2H29eblqjx49Mn/+/Hzta19zNcMHsP7662fMmDE5++yzU6lUMn/+/Oy3334ZPnx4vUfrNla1h7vttlt69eqVJUuWZN111633mN3WW3/WOzs7c/LJJ2ebbbap91jdysr28PXXX89OO+3k+3M1vf2tE0kyadIk/z1ijTFjxgw/66uhd+/eGT9+fC677LKMHTs2S5cuTVNTU0aPHu3+YF30bnt4yy23ZPjw4bn77ruzyy671HvU962hUqlU6j0EAAAAsHboUe8BAAAAgLWH0AAAAAAUIzQAAAAAxQgNAAAAQDFCAwAAAFCM0AAAFDN16tSMHTu23mMAAHUkNAAAAADFCA0AQHFz587NsGHDct9992XkyJE56qijcuSRR2batGl57rnncthhhy0/99RTT83DDz9cx2kBgJKa6j0AALB2efXVVzNixIiMHDkyM2bMyEYbbZQLL7wwHR0dOfroo3PbbbelV69eeeaZZ7LJJptk9uzZ2XXXXes9NgBQiNAAABR13333pX///lm2bFmeeuqpPPDAA8uvWFi6dGk6Ojpy+OGHZ+rUqRkwYEAOPvjgOk8MAJQkNAAARR1yyCE55JBDcsopp+SII47IZpttlhNPPDELFy7M+PHj06dPnxx00EH5zne+k759++aKK66o98gAQEFCAwBQ3HbbbZeDDz44TzzxRDo7O3P00Udn3rx5GT58eHr06JHm5ubssccemTt3bvr27VvvcQGAghoqlUql3kMAAB8+o0aNytChQ7PnnnvWexQAoCCfOgEA1NwXv/jFLFy4UGQAgLWQKxoAAACAYlzRAAAAABQjNAAAAADFCA0AAABAMUIDAAAAUIzQAAAAABQjNAAAAADF/H9AnyJo4B+PtQAAAABJRU5ErkJggg=="/>
+          <p:cNvSpPr>
+            <a:spLocks noChangeAspect="1" noChangeArrowheads="1"/>
+          </p:cNvSpPr>
+          <p:nvPr/>
+        </p:nvSpPr>
+        <p:spPr bwMode="auto">
+          <a:xfrm>
+            <a:off x="-2697163" y="518319"/>
+            <a:ext cx="1828800" cy="1828806"/>
+          </a:xfrm>
+          <a:prstGeom prst="rect">
+            <a:avLst/>
+          </a:prstGeom>
+          <a:noFill/>
+          <a:extLst>
+            <a:ext uri="{909E8E84-426E-40DD-AFC4-6F175D3DCCD1}">
+              <a14:hiddenFill xmlns:a14="http://schemas.microsoft.com/office/drawing/2010/main">
+                <a:solidFill>
+                  <a:srgbClr val="FFFFFF"/>
+                </a:solidFill>
+              </a14:hiddenFill>
+            </a:ext>
+          </a:extLst>
+        </p:spPr>
+        <p:txBody>
+          <a:bodyPr vert="horz" wrap="square" lIns="91440" tIns="45720" rIns="91440" bIns="45720" numCol="1" anchor="t" anchorCtr="0" compatLnSpc="1">
+            <a:prstTxWarp prst="textNoShape">
+              <a:avLst/>
+            </a:prstTxWarp>
+          </a:bodyPr>
+          <a:lstStyle/>
+          <a:p>
+            <a:endParaRPr lang="en-US"/>
+          </a:p>
+        </p:txBody>
+      </p:sp>
       <p:pic>
         <p:nvPicPr>
-          <p:cNvPr id="24" name="Picture 23"/>
+          <p:cNvPr id="23" name="Picture 22"/>
           <p:cNvPicPr>
             <a:picLocks noChangeAspect="1"/>
           </p:cNvPicPr>
           <p:nvPr/>
         </p:nvPicPr>
-        <p:blipFill rotWithShape="1">
-          <a:blip r:embed="rId5"/>
-          <a:srcRect l="18168" t="14816" r="50998" b="11110"/>
-          <a:stretch/>
+        <p:blipFill>
+          <a:blip r:embed="rId5">
+            <a:extLst>
+              <a:ext uri="{28A0092B-C50C-407E-A947-70E740481C1C}">
+                <a14:useLocalDpi xmlns:a14="http://schemas.microsoft.com/office/drawing/2010/main" val="0"/>
+              </a:ext>
+            </a:extLst>
+          </a:blip>
+          <a:stretch>
+            <a:fillRect/>
+          </a:stretch>
         </p:blipFill>
         <p:spPr>
           <a:xfrm>
-            <a:off x="2162258" y="28958978"/>
-            <a:ext cx="5638801" cy="7620000"/>
+            <a:off x="10400833" y="18201550"/>
+            <a:ext cx="9778942" cy="4675265"/>
           </a:xfrm>
           <a:prstGeom prst="rect">
             <a:avLst/>
@@ -9103,21 +9108,28 @@
       </p:pic>
       <p:pic>
         <p:nvPicPr>
-          <p:cNvPr id="25" name="Picture 24"/>
+          <p:cNvPr id="28" name="Picture 27"/>
           <p:cNvPicPr>
             <a:picLocks noChangeAspect="1"/>
           </p:cNvPicPr>
           <p:nvPr/>
         </p:nvPicPr>
-        <p:blipFill rotWithShape="1">
-          <a:blip r:embed="rId6"/>
-          <a:srcRect l="19816" t="15836" r="50365" b="10830"/>
-          <a:stretch/>
+        <p:blipFill>
+          <a:blip r:embed="rId6">
+            <a:extLst>
+              <a:ext uri="{28A0092B-C50C-407E-A947-70E740481C1C}">
+                <a14:useLocalDpi xmlns:a14="http://schemas.microsoft.com/office/drawing/2010/main" val="0"/>
+              </a:ext>
+            </a:extLst>
+          </a:blip>
+          <a:stretch>
+            <a:fillRect/>
+          </a:stretch>
         </p:blipFill>
         <p:spPr>
           <a:xfrm>
-            <a:off x="7670593" y="28997078"/>
-            <a:ext cx="5453319" cy="7543800"/>
+            <a:off x="10392097" y="22917769"/>
+            <a:ext cx="9783365" cy="4677380"/>
           </a:xfrm>
           <a:prstGeom prst="rect">
             <a:avLst/>
@@ -9126,21 +9138,28 @@
       </p:pic>
       <p:pic>
         <p:nvPicPr>
-          <p:cNvPr id="26" name="Picture 25"/>
+          <p:cNvPr id="46" name="Picture 45"/>
           <p:cNvPicPr>
             <a:picLocks noChangeAspect="1"/>
           </p:cNvPicPr>
           <p:nvPr/>
         </p:nvPicPr>
-        <p:blipFill rotWithShape="1">
-          <a:blip r:embed="rId7"/>
-          <a:srcRect l="19584" t="14348" r="50047" b="11577"/>
-          <a:stretch/>
+        <p:blipFill>
+          <a:blip r:embed="rId7">
+            <a:extLst>
+              <a:ext uri="{28A0092B-C50C-407E-A947-70E740481C1C}">
+                <a14:useLocalDpi xmlns:a14="http://schemas.microsoft.com/office/drawing/2010/main" val="0"/>
+              </a:ext>
+            </a:extLst>
+          </a:blip>
+          <a:stretch>
+            <a:fillRect/>
+          </a:stretch>
         </p:blipFill>
         <p:spPr>
           <a:xfrm>
-            <a:off x="13073660" y="28958978"/>
-            <a:ext cx="5553824" cy="7620000"/>
+            <a:off x="12454646" y="28926616"/>
+            <a:ext cx="4898082" cy="3976661"/>
           </a:xfrm>
           <a:prstGeom prst="rect">
             <a:avLst/>
@@ -9149,21 +9168,28 @@
       </p:pic>
       <p:pic>
         <p:nvPicPr>
-          <p:cNvPr id="27" name="Picture 26"/>
+          <p:cNvPr id="47" name="Picture 46"/>
           <p:cNvPicPr>
             <a:picLocks noChangeAspect="1"/>
           </p:cNvPicPr>
           <p:nvPr/>
         </p:nvPicPr>
-        <p:blipFill rotWithShape="1">
-          <a:blip r:embed="rId8"/>
-          <a:srcRect l="17917" t="27037" r="15833" b="21111"/>
-          <a:stretch/>
+        <p:blipFill>
+          <a:blip r:embed="rId8">
+            <a:extLst>
+              <a:ext uri="{28A0092B-C50C-407E-A947-70E740481C1C}">
+                <a14:useLocalDpi xmlns:a14="http://schemas.microsoft.com/office/drawing/2010/main" val="0"/>
+              </a:ext>
+            </a:extLst>
+          </a:blip>
+          <a:stretch>
+            <a:fillRect/>
+          </a:stretch>
         </p:blipFill>
         <p:spPr>
           <a:xfrm>
-            <a:off x="10264008" y="18414438"/>
-            <a:ext cx="9924430" cy="4369246"/>
+            <a:off x="7468183" y="28964377"/>
+            <a:ext cx="4859281" cy="3945159"/>
           </a:xfrm>
           <a:prstGeom prst="rect">
             <a:avLst/>
@@ -9172,21 +9198,118 @@
       </p:pic>
       <p:pic>
         <p:nvPicPr>
-          <p:cNvPr id="30" name="Picture 29"/>
+          <p:cNvPr id="48" name="Picture 47"/>
           <p:cNvPicPr>
             <a:picLocks noChangeAspect="1"/>
           </p:cNvPicPr>
           <p:nvPr/>
         </p:nvPicPr>
-        <p:blipFill rotWithShape="1">
-          <a:blip r:embed="rId9"/>
-          <a:srcRect l="17916" t="20371" r="16667" b="25555"/>
-          <a:stretch/>
+        <p:blipFill>
+          <a:blip r:embed="rId9">
+            <a:extLst>
+              <a:ext uri="{28A0092B-C50C-407E-A947-70E740481C1C}">
+                <a14:useLocalDpi xmlns:a14="http://schemas.microsoft.com/office/drawing/2010/main" val="0"/>
+              </a:ext>
+            </a:extLst>
+          </a:blip>
+          <a:stretch>
+            <a:fillRect/>
+          </a:stretch>
         </p:blipFill>
         <p:spPr>
           <a:xfrm>
-            <a:off x="10264008" y="22984942"/>
-            <a:ext cx="9954593" cy="4628568"/>
+            <a:off x="2457383" y="28967816"/>
+            <a:ext cx="4850809" cy="3938280"/>
+          </a:xfrm>
+          <a:prstGeom prst="rect">
+            <a:avLst/>
+          </a:prstGeom>
+        </p:spPr>
+      </p:pic>
+      <p:pic>
+        <p:nvPicPr>
+          <p:cNvPr id="49" name="Picture 48"/>
+          <p:cNvPicPr>
+            <a:picLocks noChangeAspect="1"/>
+          </p:cNvPicPr>
+          <p:nvPr/>
+        </p:nvPicPr>
+        <p:blipFill>
+          <a:blip r:embed="rId10">
+            <a:extLst>
+              <a:ext uri="{28A0092B-C50C-407E-A947-70E740481C1C}">
+                <a14:useLocalDpi xmlns:a14="http://schemas.microsoft.com/office/drawing/2010/main" val="0"/>
+              </a:ext>
+            </a:extLst>
+          </a:blip>
+          <a:stretch>
+            <a:fillRect/>
+          </a:stretch>
+        </p:blipFill>
+        <p:spPr>
+          <a:xfrm>
+            <a:off x="12440655" y="32867568"/>
+            <a:ext cx="4907666" cy="3951836"/>
+          </a:xfrm>
+          <a:prstGeom prst="rect">
+            <a:avLst/>
+          </a:prstGeom>
+        </p:spPr>
+      </p:pic>
+      <p:pic>
+        <p:nvPicPr>
+          <p:cNvPr id="50" name="Picture 49"/>
+          <p:cNvPicPr>
+            <a:picLocks noChangeAspect="1"/>
+          </p:cNvPicPr>
+          <p:nvPr/>
+        </p:nvPicPr>
+        <p:blipFill>
+          <a:blip r:embed="rId11">
+            <a:extLst>
+              <a:ext uri="{28A0092B-C50C-407E-A947-70E740481C1C}">
+                <a14:useLocalDpi xmlns:a14="http://schemas.microsoft.com/office/drawing/2010/main" val="0"/>
+              </a:ext>
+            </a:extLst>
+          </a:blip>
+          <a:stretch>
+            <a:fillRect/>
+          </a:stretch>
+        </p:blipFill>
+        <p:spPr>
+          <a:xfrm>
+            <a:off x="7581374" y="32887318"/>
+            <a:ext cx="4732099" cy="3893299"/>
+          </a:xfrm>
+          <a:prstGeom prst="rect">
+            <a:avLst/>
+          </a:prstGeom>
+        </p:spPr>
+      </p:pic>
+      <p:pic>
+        <p:nvPicPr>
+          <p:cNvPr id="51" name="Picture 50"/>
+          <p:cNvPicPr>
+            <a:picLocks noChangeAspect="1"/>
+          </p:cNvPicPr>
+          <p:nvPr/>
+        </p:nvPicPr>
+        <p:blipFill>
+          <a:blip r:embed="rId12">
+            <a:extLst>
+              <a:ext uri="{28A0092B-C50C-407E-A947-70E740481C1C}">
+                <a14:useLocalDpi xmlns:a14="http://schemas.microsoft.com/office/drawing/2010/main" val="0"/>
+              </a:ext>
+            </a:extLst>
+          </a:blip>
+          <a:stretch>
+            <a:fillRect/>
+          </a:stretch>
+        </p:blipFill>
+        <p:spPr>
+          <a:xfrm>
+            <a:off x="2457383" y="32909536"/>
+            <a:ext cx="4850599" cy="3867901"/>
           </a:xfrm>
           <a:prstGeom prst="rect">
             <a:avLst/>

--- a/poster.pptx
+++ b/poster.pptx
@@ -1832,7 +1832,7 @@
           <a:p>
             <a:fld id="{985D6BDF-9D0E-4E2B-85B8-D8F4790360C9}" type="datetimeFigureOut">
               <a:rPr lang="en-US" smtClean="0"/>
-              <a:t>15-Dec-19</a:t>
+              <a:t>12/16/2019</a:t>
             </a:fld>
             <a:endParaRPr lang="en-US"/>
           </a:p>
@@ -2052,7 +2052,7 @@
           <a:p>
             <a:fld id="{985D6BDF-9D0E-4E2B-85B8-D8F4790360C9}" type="datetimeFigureOut">
               <a:rPr lang="en-US" smtClean="0"/>
-              <a:t>15-Dec-19</a:t>
+              <a:t>12/16/2019</a:t>
             </a:fld>
             <a:endParaRPr lang="en-US"/>
           </a:p>
@@ -4362,349 +4362,349 @@
           <a:p>
             <a:pPr algn="just" eaLnBrk="1" hangingPunct="1"/>
             <a:r>
-              <a:rPr lang="et-EE" sz="4000" err="1" smtClean="0">
+              <a:rPr lang="et-EE" sz="4000" dirty="0" err="1" smtClean="0">
                 <a:latin typeface="+mn-lt"/>
               </a:rPr>
               <a:t>Since</a:t>
             </a:r>
             <a:r>
-              <a:rPr lang="et-EE" sz="4000" smtClean="0">
-                <a:latin typeface="+mn-lt"/>
-              </a:rPr>
-              <a:t> </a:t>
-            </a:r>
-            <a:r>
-              <a:rPr lang="et-EE" sz="4000" err="1" smtClean="0">
+              <a:rPr lang="et-EE" sz="4000" dirty="0" smtClean="0">
+                <a:latin typeface="+mn-lt"/>
+              </a:rPr>
+              <a:t> </a:t>
+            </a:r>
+            <a:r>
+              <a:rPr lang="et-EE" sz="4000" dirty="0" err="1" smtClean="0">
                 <a:latin typeface="+mn-lt"/>
               </a:rPr>
               <a:t>the</a:t>
             </a:r>
             <a:r>
-              <a:rPr lang="et-EE" sz="4000" smtClean="0">
-                <a:latin typeface="+mn-lt"/>
-              </a:rPr>
-              <a:t> </a:t>
-            </a:r>
-            <a:r>
-              <a:rPr lang="et-EE" sz="4000" err="1" smtClean="0">
+              <a:rPr lang="et-EE" sz="4000" dirty="0" smtClean="0">
+                <a:latin typeface="+mn-lt"/>
+              </a:rPr>
+              <a:t> </a:t>
+            </a:r>
+            <a:r>
+              <a:rPr lang="et-EE" sz="4000" dirty="0" err="1" smtClean="0">
                 <a:latin typeface="+mn-lt"/>
               </a:rPr>
               <a:t>datasets</a:t>
             </a:r>
             <a:r>
-              <a:rPr lang="et-EE" sz="4000" smtClean="0">
-                <a:latin typeface="+mn-lt"/>
-              </a:rPr>
-              <a:t> </a:t>
-            </a:r>
-            <a:r>
-              <a:rPr lang="et-EE" sz="4000" err="1" smtClean="0">
+              <a:rPr lang="et-EE" sz="4000" dirty="0" smtClean="0">
+                <a:latin typeface="+mn-lt"/>
+              </a:rPr>
+              <a:t> </a:t>
+            </a:r>
+            <a:r>
+              <a:rPr lang="et-EE" sz="4000" dirty="0" err="1" smtClean="0">
                 <a:latin typeface="+mn-lt"/>
               </a:rPr>
               <a:t>didn’t</a:t>
             </a:r>
             <a:r>
-              <a:rPr lang="et-EE" sz="4000" smtClean="0">
-                <a:latin typeface="+mn-lt"/>
-              </a:rPr>
-              <a:t> </a:t>
-            </a:r>
-            <a:r>
-              <a:rPr lang="et-EE" sz="4000" err="1" smtClean="0">
+              <a:rPr lang="et-EE" sz="4000" dirty="0" smtClean="0">
+                <a:latin typeface="+mn-lt"/>
+              </a:rPr>
+              <a:t> </a:t>
+            </a:r>
+            <a:r>
+              <a:rPr lang="et-EE" sz="4000" dirty="0" err="1" smtClean="0">
                 <a:latin typeface="+mn-lt"/>
               </a:rPr>
               <a:t>have</a:t>
             </a:r>
             <a:r>
-              <a:rPr lang="et-EE" sz="4000" smtClean="0">
-                <a:latin typeface="+mn-lt"/>
-              </a:rPr>
-              <a:t> </a:t>
-            </a:r>
-            <a:r>
-              <a:rPr lang="et-EE" sz="4000" err="1" smtClean="0">
+              <a:rPr lang="et-EE" sz="4000" dirty="0" smtClean="0">
+                <a:latin typeface="+mn-lt"/>
+              </a:rPr>
+              <a:t> </a:t>
+            </a:r>
+            <a:r>
+              <a:rPr lang="et-EE" sz="4000" dirty="0" err="1" smtClean="0">
                 <a:latin typeface="+mn-lt"/>
               </a:rPr>
               <a:t>any</a:t>
             </a:r>
             <a:r>
-              <a:rPr lang="et-EE" sz="4000" smtClean="0">
+              <a:rPr lang="et-EE" sz="4000" dirty="0" smtClean="0">
                 <a:latin typeface="+mn-lt"/>
               </a:rPr>
               <a:t> null </a:t>
             </a:r>
             <a:r>
-              <a:rPr lang="et-EE" sz="4000" err="1" smtClean="0">
+              <a:rPr lang="et-EE" sz="4000" dirty="0" err="1" smtClean="0">
                 <a:latin typeface="+mn-lt"/>
               </a:rPr>
               <a:t>values</a:t>
             </a:r>
             <a:r>
-              <a:rPr lang="et-EE" sz="4000" smtClean="0">
+              <a:rPr lang="et-EE" sz="4000" dirty="0" smtClean="0">
                 <a:latin typeface="+mn-lt"/>
               </a:rPr>
               <a:t>, </a:t>
             </a:r>
             <a:r>
-              <a:rPr lang="et-EE" sz="4000" err="1" smtClean="0">
+              <a:rPr lang="et-EE" sz="4000" dirty="0" err="1" smtClean="0">
                 <a:latin typeface="+mn-lt"/>
               </a:rPr>
               <a:t>we</a:t>
             </a:r>
             <a:r>
-              <a:rPr lang="et-EE" sz="4000" smtClean="0">
-                <a:latin typeface="+mn-lt"/>
-              </a:rPr>
-              <a:t> </a:t>
-            </a:r>
-            <a:r>
-              <a:rPr lang="et-EE" sz="4000" err="1" smtClean="0">
+              <a:rPr lang="et-EE" sz="4000" dirty="0" smtClean="0">
+                <a:latin typeface="+mn-lt"/>
+              </a:rPr>
+              <a:t> </a:t>
+            </a:r>
+            <a:r>
+              <a:rPr lang="et-EE" sz="4000" dirty="0" err="1" smtClean="0">
                 <a:latin typeface="+mn-lt"/>
               </a:rPr>
               <a:t>didn’t</a:t>
             </a:r>
             <a:r>
-              <a:rPr lang="et-EE" sz="4000" smtClean="0">
-                <a:latin typeface="+mn-lt"/>
-              </a:rPr>
-              <a:t> </a:t>
-            </a:r>
-            <a:r>
-              <a:rPr lang="et-EE" sz="4000" err="1" smtClean="0">
+              <a:rPr lang="et-EE" sz="4000" dirty="0" smtClean="0">
+                <a:latin typeface="+mn-lt"/>
+              </a:rPr>
+              <a:t> </a:t>
+            </a:r>
+            <a:r>
+              <a:rPr lang="et-EE" sz="4000" dirty="0" err="1" smtClean="0">
                 <a:latin typeface="+mn-lt"/>
               </a:rPr>
               <a:t>have</a:t>
             </a:r>
             <a:r>
-              <a:rPr lang="et-EE" sz="4000" smtClean="0">
-                <a:latin typeface="+mn-lt"/>
-              </a:rPr>
-              <a:t> </a:t>
-            </a:r>
-            <a:r>
-              <a:rPr lang="et-EE" sz="4000" err="1" smtClean="0">
+              <a:rPr lang="et-EE" sz="4000" dirty="0" smtClean="0">
+                <a:latin typeface="+mn-lt"/>
+              </a:rPr>
+              <a:t> </a:t>
+            </a:r>
+            <a:r>
+              <a:rPr lang="et-EE" sz="4000" dirty="0" err="1" smtClean="0">
                 <a:latin typeface="+mn-lt"/>
               </a:rPr>
               <a:t>to</a:t>
             </a:r>
             <a:r>
-              <a:rPr lang="et-EE" sz="4000" smtClean="0">
-                <a:latin typeface="+mn-lt"/>
-              </a:rPr>
-              <a:t> </a:t>
-            </a:r>
-            <a:r>
-              <a:rPr lang="et-EE" sz="4000" err="1" smtClean="0">
+              <a:rPr lang="et-EE" sz="4000" dirty="0" smtClean="0">
+                <a:latin typeface="+mn-lt"/>
+              </a:rPr>
+              <a:t> </a:t>
+            </a:r>
+            <a:r>
+              <a:rPr lang="et-EE" sz="4000" dirty="0" err="1" smtClean="0">
                 <a:latin typeface="+mn-lt"/>
               </a:rPr>
               <a:t>worry</a:t>
             </a:r>
             <a:r>
-              <a:rPr lang="et-EE" sz="4000" smtClean="0">
-                <a:latin typeface="+mn-lt"/>
-              </a:rPr>
-              <a:t> </a:t>
-            </a:r>
-            <a:r>
-              <a:rPr lang="et-EE" sz="4000" err="1" smtClean="0">
+              <a:rPr lang="et-EE" sz="4000" dirty="0" smtClean="0">
+                <a:latin typeface="+mn-lt"/>
+              </a:rPr>
+              <a:t> </a:t>
+            </a:r>
+            <a:r>
+              <a:rPr lang="et-EE" sz="4000" dirty="0" err="1" smtClean="0">
                 <a:latin typeface="+mn-lt"/>
               </a:rPr>
               <a:t>about</a:t>
             </a:r>
             <a:r>
-              <a:rPr lang="et-EE" sz="4000" smtClean="0">
-                <a:latin typeface="+mn-lt"/>
-              </a:rPr>
-              <a:t> </a:t>
-            </a:r>
-            <a:r>
-              <a:rPr lang="et-EE" sz="4000" err="1" smtClean="0">
+              <a:rPr lang="et-EE" sz="4000" dirty="0" smtClean="0">
+                <a:latin typeface="+mn-lt"/>
+              </a:rPr>
+              <a:t> </a:t>
+            </a:r>
+            <a:r>
+              <a:rPr lang="et-EE" sz="4000" dirty="0" err="1" smtClean="0">
                 <a:latin typeface="+mn-lt"/>
               </a:rPr>
               <a:t>dealing</a:t>
             </a:r>
             <a:r>
-              <a:rPr lang="et-EE" sz="4000" smtClean="0">
-                <a:latin typeface="+mn-lt"/>
-              </a:rPr>
-              <a:t> </a:t>
-            </a:r>
-            <a:r>
-              <a:rPr lang="et-EE" sz="4000" err="1" smtClean="0">
+              <a:rPr lang="et-EE" sz="4000" dirty="0" smtClean="0">
+                <a:latin typeface="+mn-lt"/>
+              </a:rPr>
+              <a:t> </a:t>
+            </a:r>
+            <a:r>
+              <a:rPr lang="et-EE" sz="4000" dirty="0" err="1" smtClean="0">
                 <a:latin typeface="+mn-lt"/>
               </a:rPr>
               <a:t>with</a:t>
             </a:r>
             <a:r>
-              <a:rPr lang="et-EE" sz="4000" smtClean="0">
-                <a:latin typeface="+mn-lt"/>
-              </a:rPr>
-              <a:t> </a:t>
-            </a:r>
-            <a:r>
-              <a:rPr lang="et-EE" sz="4000" err="1" smtClean="0">
+              <a:rPr lang="et-EE" sz="4000" dirty="0" smtClean="0">
+                <a:latin typeface="+mn-lt"/>
+              </a:rPr>
+              <a:t> </a:t>
+            </a:r>
+            <a:r>
+              <a:rPr lang="et-EE" sz="4000" dirty="0" err="1" smtClean="0">
                 <a:latin typeface="+mn-lt"/>
               </a:rPr>
               <a:t>those</a:t>
             </a:r>
             <a:r>
-              <a:rPr lang="et-EE" sz="4000" smtClean="0">
+              <a:rPr lang="et-EE" sz="4000" dirty="0" smtClean="0">
                 <a:latin typeface="+mn-lt"/>
               </a:rPr>
               <a:t>. </a:t>
             </a:r>
             <a:r>
-              <a:rPr lang="et-EE" sz="4000" err="1" smtClean="0">
+              <a:rPr lang="et-EE" sz="4000" dirty="0" err="1" smtClean="0">
                 <a:latin typeface="+mn-lt"/>
               </a:rPr>
               <a:t>However</a:t>
             </a:r>
             <a:r>
-              <a:rPr lang="et-EE" sz="4000" smtClean="0">
+              <a:rPr lang="et-EE" sz="4000" dirty="0" smtClean="0">
                 <a:latin typeface="+mn-lt"/>
               </a:rPr>
               <a:t>, </a:t>
             </a:r>
             <a:r>
-              <a:rPr lang="et-EE" sz="4000" err="1" smtClean="0">
+              <a:rPr lang="et-EE" sz="4000" dirty="0" err="1" smtClean="0">
                 <a:latin typeface="+mn-lt"/>
               </a:rPr>
               <a:t>the</a:t>
             </a:r>
             <a:r>
-              <a:rPr lang="et-EE" sz="4000" smtClean="0">
-                <a:latin typeface="+mn-lt"/>
-              </a:rPr>
-              <a:t> </a:t>
-            </a:r>
-            <a:r>
-              <a:rPr lang="et-EE" sz="4000" err="1" smtClean="0">
+              <a:rPr lang="et-EE" sz="4000" dirty="0" smtClean="0">
+                <a:latin typeface="+mn-lt"/>
+              </a:rPr>
+              <a:t> </a:t>
+            </a:r>
+            <a:r>
+              <a:rPr lang="et-EE" sz="4000" dirty="0" err="1" smtClean="0">
                 <a:latin typeface="+mn-lt"/>
               </a:rPr>
               <a:t>large</a:t>
             </a:r>
             <a:r>
-              <a:rPr lang="et-EE" sz="4000" smtClean="0">
-                <a:latin typeface="+mn-lt"/>
-              </a:rPr>
-              <a:t> </a:t>
-            </a:r>
-            <a:r>
-              <a:rPr lang="et-EE" sz="4000" err="1" smtClean="0">
+              <a:rPr lang="et-EE" sz="4000" dirty="0" smtClean="0">
+                <a:latin typeface="+mn-lt"/>
+              </a:rPr>
+              <a:t> </a:t>
+            </a:r>
+            <a:r>
+              <a:rPr lang="et-EE" sz="4000" dirty="0" err="1" smtClean="0">
                 <a:latin typeface="+mn-lt"/>
               </a:rPr>
               <a:t>dataset</a:t>
             </a:r>
             <a:r>
-              <a:rPr lang="et-EE" sz="4000" smtClean="0">
-                <a:latin typeface="+mn-lt"/>
-              </a:rPr>
-              <a:t> </a:t>
-            </a:r>
-            <a:r>
-              <a:rPr lang="et-EE" sz="4000" err="1" smtClean="0">
+              <a:rPr lang="et-EE" sz="4000" dirty="0" smtClean="0">
+                <a:latin typeface="+mn-lt"/>
+              </a:rPr>
+              <a:t> </a:t>
+            </a:r>
+            <a:r>
+              <a:rPr lang="et-EE" sz="4000" dirty="0" err="1" smtClean="0">
                 <a:latin typeface="+mn-lt"/>
               </a:rPr>
               <a:t>had</a:t>
             </a:r>
             <a:r>
-              <a:rPr lang="et-EE" sz="4000" smtClean="0">
-                <a:latin typeface="+mn-lt"/>
-              </a:rPr>
-              <a:t> </a:t>
-            </a:r>
-            <a:r>
-              <a:rPr lang="et-EE" sz="4000" err="1" smtClean="0">
+              <a:rPr lang="et-EE" sz="4000" dirty="0" smtClean="0">
+                <a:latin typeface="+mn-lt"/>
+              </a:rPr>
+              <a:t> </a:t>
+            </a:r>
+            <a:r>
+              <a:rPr lang="et-EE" sz="4000" dirty="0" err="1" smtClean="0">
                 <a:latin typeface="+mn-lt"/>
               </a:rPr>
               <a:t>some</a:t>
             </a:r>
             <a:r>
-              <a:rPr lang="et-EE" sz="4000" smtClean="0">
-                <a:latin typeface="+mn-lt"/>
-              </a:rPr>
-              <a:t> </a:t>
-            </a:r>
-            <a:r>
-              <a:rPr lang="et-EE" sz="4000" err="1" smtClean="0">
+              <a:rPr lang="et-EE" sz="4000" dirty="0" smtClean="0">
+                <a:latin typeface="+mn-lt"/>
+              </a:rPr>
+              <a:t> </a:t>
+            </a:r>
+            <a:r>
+              <a:rPr lang="et-EE" sz="4000" dirty="0" err="1" smtClean="0">
                 <a:latin typeface="+mn-lt"/>
               </a:rPr>
               <a:t>duplicate</a:t>
             </a:r>
             <a:r>
-              <a:rPr lang="et-EE" sz="4000" smtClean="0">
-                <a:latin typeface="+mn-lt"/>
-              </a:rPr>
-              <a:t> </a:t>
-            </a:r>
-            <a:r>
-              <a:rPr lang="et-EE" sz="4000" err="1" smtClean="0">
+              <a:rPr lang="et-EE" sz="4000" dirty="0" smtClean="0">
+                <a:latin typeface="+mn-lt"/>
+              </a:rPr>
+              <a:t> </a:t>
+            </a:r>
+            <a:r>
+              <a:rPr lang="et-EE" sz="4000" dirty="0" err="1" smtClean="0">
                 <a:latin typeface="+mn-lt"/>
               </a:rPr>
               <a:t>rows</a:t>
             </a:r>
             <a:r>
-              <a:rPr lang="et-EE" sz="4000" smtClean="0">
+              <a:rPr lang="et-EE" sz="4000" dirty="0" smtClean="0">
                 <a:latin typeface="+mn-lt"/>
               </a:rPr>
               <a:t>, so </a:t>
             </a:r>
             <a:r>
-              <a:rPr lang="et-EE" sz="4000" err="1" smtClean="0">
+              <a:rPr lang="et-EE" sz="4000" dirty="0" err="1" smtClean="0">
                 <a:latin typeface="+mn-lt"/>
               </a:rPr>
               <a:t>we</a:t>
             </a:r>
             <a:r>
-              <a:rPr lang="et-EE" sz="4000" smtClean="0">
-                <a:latin typeface="+mn-lt"/>
-              </a:rPr>
-              <a:t> </a:t>
-            </a:r>
-            <a:r>
-              <a:rPr lang="et-EE" sz="4000" err="1" smtClean="0">
+              <a:rPr lang="et-EE" sz="4000" dirty="0" smtClean="0">
+                <a:latin typeface="+mn-lt"/>
+              </a:rPr>
+              <a:t> </a:t>
+            </a:r>
+            <a:r>
+              <a:rPr lang="et-EE" sz="4000" dirty="0" err="1" smtClean="0">
                 <a:latin typeface="+mn-lt"/>
               </a:rPr>
               <a:t>had</a:t>
             </a:r>
             <a:r>
-              <a:rPr lang="et-EE" sz="4000" smtClean="0">
-                <a:latin typeface="+mn-lt"/>
-              </a:rPr>
-              <a:t> </a:t>
-            </a:r>
-            <a:r>
-              <a:rPr lang="et-EE" sz="4000" err="1" smtClean="0">
+              <a:rPr lang="et-EE" sz="4000" dirty="0" smtClean="0">
+                <a:latin typeface="+mn-lt"/>
+              </a:rPr>
+              <a:t> </a:t>
+            </a:r>
+            <a:r>
+              <a:rPr lang="et-EE" sz="4000" dirty="0" err="1" smtClean="0">
                 <a:latin typeface="+mn-lt"/>
               </a:rPr>
               <a:t>to</a:t>
             </a:r>
             <a:r>
-              <a:rPr lang="et-EE" sz="4000" smtClean="0">
-                <a:latin typeface="+mn-lt"/>
-              </a:rPr>
-              <a:t> </a:t>
-            </a:r>
-            <a:r>
-              <a:rPr lang="et-EE" sz="4000" err="1" smtClean="0">
+              <a:rPr lang="et-EE" sz="4000" dirty="0" smtClean="0">
+                <a:latin typeface="+mn-lt"/>
+              </a:rPr>
+              <a:t> </a:t>
+            </a:r>
+            <a:r>
+              <a:rPr lang="et-EE" sz="4000" dirty="0" err="1" smtClean="0">
                 <a:latin typeface="+mn-lt"/>
               </a:rPr>
               <a:t>remove</a:t>
             </a:r>
             <a:r>
-              <a:rPr lang="et-EE" sz="4000" smtClean="0">
-                <a:latin typeface="+mn-lt"/>
-              </a:rPr>
-              <a:t> </a:t>
-            </a:r>
-            <a:r>
-              <a:rPr lang="et-EE" sz="4000" err="1" smtClean="0">
+              <a:rPr lang="et-EE" sz="4000" dirty="0" smtClean="0">
+                <a:latin typeface="+mn-lt"/>
+              </a:rPr>
+              <a:t> </a:t>
+            </a:r>
+            <a:r>
+              <a:rPr lang="et-EE" sz="4000" dirty="0" err="1" smtClean="0">
                 <a:latin typeface="+mn-lt"/>
               </a:rPr>
               <a:t>them</a:t>
             </a:r>
             <a:r>
-              <a:rPr lang="et-EE" sz="4000" smtClean="0">
+              <a:rPr lang="et-EE" sz="4000" dirty="0" smtClean="0">
                 <a:latin typeface="+mn-lt"/>
               </a:rPr>
               <a:t>.</a:t>
@@ -4713,277 +4713,277 @@
           <a:p>
             <a:pPr algn="just" eaLnBrk="1" hangingPunct="1"/>
             <a:r>
-              <a:rPr lang="et-EE" sz="4000" err="1" smtClean="0">
+              <a:rPr lang="et-EE" sz="4000" dirty="0" err="1" smtClean="0">
                 <a:latin typeface="+mn-lt"/>
               </a:rPr>
               <a:t>Although</a:t>
             </a:r>
             <a:r>
-              <a:rPr lang="et-EE" sz="4000" smtClean="0">
-                <a:latin typeface="+mn-lt"/>
-              </a:rPr>
-              <a:t> </a:t>
-            </a:r>
-            <a:r>
-              <a:rPr lang="et-EE" sz="4000" err="1" smtClean="0">
+              <a:rPr lang="et-EE" sz="4000" dirty="0" smtClean="0">
+                <a:latin typeface="+mn-lt"/>
+              </a:rPr>
+              <a:t> </a:t>
+            </a:r>
+            <a:r>
+              <a:rPr lang="et-EE" sz="4000" dirty="0" err="1" smtClean="0">
                 <a:latin typeface="+mn-lt"/>
               </a:rPr>
               <a:t>the</a:t>
             </a:r>
             <a:r>
-              <a:rPr lang="et-EE" sz="4000" smtClean="0">
-                <a:latin typeface="+mn-lt"/>
-              </a:rPr>
-              <a:t> </a:t>
-            </a:r>
-            <a:r>
-              <a:rPr lang="et-EE" sz="4000" err="1" smtClean="0">
+              <a:rPr lang="et-EE" sz="4000" dirty="0" smtClean="0">
+                <a:latin typeface="+mn-lt"/>
+              </a:rPr>
+              <a:t> </a:t>
+            </a:r>
+            <a:r>
+              <a:rPr lang="et-EE" sz="4000" dirty="0" err="1" smtClean="0">
                 <a:latin typeface="+mn-lt"/>
               </a:rPr>
               <a:t>attributes</a:t>
             </a:r>
             <a:r>
-              <a:rPr lang="et-EE" sz="4000" smtClean="0">
+              <a:rPr lang="et-EE" sz="4000" dirty="0" smtClean="0">
                 <a:latin typeface="+mn-lt"/>
               </a:rPr>
               <a:t> in </a:t>
             </a:r>
             <a:r>
-              <a:rPr lang="et-EE" sz="4000" err="1" smtClean="0">
+              <a:rPr lang="et-EE" sz="4000" dirty="0" err="1" smtClean="0">
                 <a:latin typeface="+mn-lt"/>
               </a:rPr>
               <a:t>the</a:t>
             </a:r>
             <a:r>
-              <a:rPr lang="et-EE" sz="4000" smtClean="0">
-                <a:latin typeface="+mn-lt"/>
-              </a:rPr>
-              <a:t> </a:t>
-            </a:r>
-            <a:r>
-              <a:rPr lang="et-EE" sz="4000" err="1" smtClean="0">
+              <a:rPr lang="et-EE" sz="4000" dirty="0" smtClean="0">
+                <a:latin typeface="+mn-lt"/>
+              </a:rPr>
+              <a:t> </a:t>
+            </a:r>
+            <a:r>
+              <a:rPr lang="et-EE" sz="4000" dirty="0" err="1" smtClean="0">
                 <a:latin typeface="+mn-lt"/>
               </a:rPr>
               <a:t>different</a:t>
             </a:r>
             <a:r>
-              <a:rPr lang="et-EE" sz="4000" smtClean="0">
-                <a:latin typeface="+mn-lt"/>
-              </a:rPr>
-              <a:t> </a:t>
-            </a:r>
-            <a:r>
-              <a:rPr lang="et-EE" sz="4000" err="1" smtClean="0">
+              <a:rPr lang="et-EE" sz="4000" dirty="0" smtClean="0">
+                <a:latin typeface="+mn-lt"/>
+              </a:rPr>
+              <a:t> </a:t>
+            </a:r>
+            <a:r>
+              <a:rPr lang="et-EE" sz="4000" dirty="0" err="1" smtClean="0">
                 <a:latin typeface="+mn-lt"/>
               </a:rPr>
               <a:t>datasets</a:t>
             </a:r>
             <a:r>
-              <a:rPr lang="et-EE" sz="4000" smtClean="0">
-                <a:latin typeface="+mn-lt"/>
-              </a:rPr>
-              <a:t> </a:t>
-            </a:r>
-            <a:r>
-              <a:rPr lang="et-EE" sz="4000" err="1" smtClean="0">
+              <a:rPr lang="et-EE" sz="4000" dirty="0" smtClean="0">
+                <a:latin typeface="+mn-lt"/>
+              </a:rPr>
+              <a:t> </a:t>
+            </a:r>
+            <a:r>
+              <a:rPr lang="et-EE" sz="4000" dirty="0" err="1" smtClean="0">
                 <a:latin typeface="+mn-lt"/>
               </a:rPr>
               <a:t>were</a:t>
             </a:r>
             <a:r>
-              <a:rPr lang="et-EE" sz="4000" smtClean="0">
-                <a:latin typeface="+mn-lt"/>
-              </a:rPr>
-              <a:t> </a:t>
-            </a:r>
-            <a:r>
-              <a:rPr lang="et-EE" sz="4000" err="1" smtClean="0">
+              <a:rPr lang="et-EE" sz="4000" dirty="0" smtClean="0">
+                <a:latin typeface="+mn-lt"/>
+              </a:rPr>
+              <a:t> </a:t>
+            </a:r>
+            <a:r>
+              <a:rPr lang="et-EE" sz="4000" dirty="0" err="1" smtClean="0">
                 <a:latin typeface="+mn-lt"/>
               </a:rPr>
               <a:t>the</a:t>
             </a:r>
             <a:r>
-              <a:rPr lang="et-EE" sz="4000" smtClean="0">
-                <a:latin typeface="+mn-lt"/>
-              </a:rPr>
-              <a:t> </a:t>
-            </a:r>
-            <a:r>
-              <a:rPr lang="et-EE" sz="4000" err="1" smtClean="0">
+              <a:rPr lang="et-EE" sz="4000" dirty="0" smtClean="0">
+                <a:latin typeface="+mn-lt"/>
+              </a:rPr>
+              <a:t> </a:t>
+            </a:r>
+            <a:r>
+              <a:rPr lang="et-EE" sz="4000" dirty="0" err="1" smtClean="0">
                 <a:latin typeface="+mn-lt"/>
               </a:rPr>
               <a:t>same</a:t>
             </a:r>
             <a:r>
-              <a:rPr lang="et-EE" sz="4000" smtClean="0">
+              <a:rPr lang="et-EE" sz="4000" dirty="0" smtClean="0">
                 <a:latin typeface="+mn-lt"/>
               </a:rPr>
               <a:t>, </a:t>
             </a:r>
             <a:r>
-              <a:rPr lang="et-EE" sz="4000" err="1" smtClean="0">
+              <a:rPr lang="et-EE" sz="4000" dirty="0" err="1" smtClean="0">
                 <a:latin typeface="+mn-lt"/>
               </a:rPr>
               <a:t>there</a:t>
             </a:r>
             <a:r>
-              <a:rPr lang="et-EE" sz="4000" smtClean="0">
-                <a:latin typeface="+mn-lt"/>
-              </a:rPr>
-              <a:t> </a:t>
-            </a:r>
-            <a:r>
-              <a:rPr lang="et-EE" sz="4000" err="1" smtClean="0">
+              <a:rPr lang="et-EE" sz="4000" dirty="0" smtClean="0">
+                <a:latin typeface="+mn-lt"/>
+              </a:rPr>
+              <a:t> </a:t>
+            </a:r>
+            <a:r>
+              <a:rPr lang="et-EE" sz="4000" dirty="0" err="1" smtClean="0">
                 <a:latin typeface="+mn-lt"/>
               </a:rPr>
               <a:t>were</a:t>
             </a:r>
             <a:r>
-              <a:rPr lang="et-EE" sz="4000" smtClean="0">
-                <a:latin typeface="+mn-lt"/>
-              </a:rPr>
-              <a:t> </a:t>
-            </a:r>
-            <a:r>
-              <a:rPr lang="et-EE" sz="4000" err="1" smtClean="0">
+              <a:rPr lang="et-EE" sz="4000" dirty="0" smtClean="0">
+                <a:latin typeface="+mn-lt"/>
+              </a:rPr>
+              <a:t> </a:t>
+            </a:r>
+            <a:r>
+              <a:rPr lang="et-EE" sz="4000" dirty="0" err="1" smtClean="0">
                 <a:latin typeface="+mn-lt"/>
               </a:rPr>
               <a:t>some</a:t>
             </a:r>
             <a:r>
-              <a:rPr lang="et-EE" sz="4000" smtClean="0">
-                <a:latin typeface="+mn-lt"/>
-              </a:rPr>
-              <a:t> </a:t>
-            </a:r>
-            <a:r>
-              <a:rPr lang="et-EE" sz="4000" err="1" smtClean="0">
+              <a:rPr lang="et-EE" sz="4000" dirty="0" smtClean="0">
+                <a:latin typeface="+mn-lt"/>
+              </a:rPr>
+              <a:t> </a:t>
+            </a:r>
+            <a:r>
+              <a:rPr lang="et-EE" sz="4000" dirty="0" err="1" smtClean="0">
                 <a:latin typeface="+mn-lt"/>
               </a:rPr>
               <a:t>that</a:t>
             </a:r>
             <a:r>
-              <a:rPr lang="et-EE" sz="4000" smtClean="0">
-                <a:latin typeface="+mn-lt"/>
-              </a:rPr>
-              <a:t> </a:t>
-            </a:r>
-            <a:r>
-              <a:rPr lang="et-EE" sz="4000" err="1" smtClean="0">
+              <a:rPr lang="et-EE" sz="4000" dirty="0" smtClean="0">
+                <a:latin typeface="+mn-lt"/>
+              </a:rPr>
+              <a:t> </a:t>
+            </a:r>
+            <a:r>
+              <a:rPr lang="et-EE" sz="4000" dirty="0" err="1" smtClean="0">
                 <a:latin typeface="+mn-lt"/>
               </a:rPr>
               <a:t>were</a:t>
             </a:r>
             <a:r>
-              <a:rPr lang="et-EE" sz="4000" smtClean="0">
-                <a:latin typeface="+mn-lt"/>
-              </a:rPr>
-              <a:t> </a:t>
-            </a:r>
-            <a:r>
-              <a:rPr lang="et-EE" sz="4000" err="1" smtClean="0">
+              <a:rPr lang="et-EE" sz="4000" dirty="0" smtClean="0">
+                <a:latin typeface="+mn-lt"/>
+              </a:rPr>
+              <a:t> </a:t>
+            </a:r>
+            <a:r>
+              <a:rPr lang="et-EE" sz="4000" dirty="0" err="1" smtClean="0">
                 <a:latin typeface="+mn-lt"/>
               </a:rPr>
               <a:t>named</a:t>
             </a:r>
             <a:r>
-              <a:rPr lang="et-EE" sz="4000" smtClean="0">
-                <a:latin typeface="+mn-lt"/>
-              </a:rPr>
-              <a:t> </a:t>
-            </a:r>
-            <a:r>
-              <a:rPr lang="et-EE" sz="4000" err="1" smtClean="0">
+              <a:rPr lang="et-EE" sz="4000" dirty="0" smtClean="0">
+                <a:latin typeface="+mn-lt"/>
+              </a:rPr>
+              <a:t> </a:t>
+            </a:r>
+            <a:r>
+              <a:rPr lang="et-EE" sz="4000" dirty="0" err="1" smtClean="0">
                 <a:latin typeface="+mn-lt"/>
               </a:rPr>
               <a:t>slightly</a:t>
             </a:r>
             <a:r>
-              <a:rPr lang="et-EE" sz="4000" smtClean="0">
-                <a:latin typeface="+mn-lt"/>
-              </a:rPr>
-              <a:t> </a:t>
-            </a:r>
-            <a:r>
-              <a:rPr lang="et-EE" sz="4000" err="1" smtClean="0">
+              <a:rPr lang="et-EE" sz="4000" dirty="0" smtClean="0">
+                <a:latin typeface="+mn-lt"/>
+              </a:rPr>
+              <a:t> </a:t>
+            </a:r>
+            <a:r>
+              <a:rPr lang="et-EE" sz="4000" dirty="0" err="1" smtClean="0">
                 <a:latin typeface="+mn-lt"/>
               </a:rPr>
               <a:t>differently</a:t>
             </a:r>
             <a:r>
-              <a:rPr lang="et-EE" sz="4000" smtClean="0">
+              <a:rPr lang="et-EE" sz="4000" dirty="0" smtClean="0">
                 <a:latin typeface="+mn-lt"/>
               </a:rPr>
               <a:t>, so </a:t>
             </a:r>
             <a:r>
-              <a:rPr lang="et-EE" sz="4000" err="1" smtClean="0">
+              <a:rPr lang="et-EE" sz="4000" dirty="0" err="1" smtClean="0">
                 <a:latin typeface="+mn-lt"/>
               </a:rPr>
               <a:t>we</a:t>
             </a:r>
             <a:r>
-              <a:rPr lang="et-EE" sz="4000" smtClean="0">
-                <a:latin typeface="+mn-lt"/>
-              </a:rPr>
-              <a:t> </a:t>
-            </a:r>
-            <a:r>
-              <a:rPr lang="et-EE" sz="4000" err="1" smtClean="0">
+              <a:rPr lang="et-EE" sz="4000" dirty="0" smtClean="0">
+                <a:latin typeface="+mn-lt"/>
+              </a:rPr>
+              <a:t> </a:t>
+            </a:r>
+            <a:r>
+              <a:rPr lang="et-EE" sz="4000" dirty="0" err="1" smtClean="0">
                 <a:latin typeface="+mn-lt"/>
               </a:rPr>
               <a:t>had</a:t>
             </a:r>
             <a:r>
-              <a:rPr lang="et-EE" sz="4000" smtClean="0">
-                <a:latin typeface="+mn-lt"/>
-              </a:rPr>
-              <a:t> </a:t>
-            </a:r>
-            <a:r>
-              <a:rPr lang="et-EE" sz="4000" err="1" smtClean="0">
+              <a:rPr lang="et-EE" sz="4000" dirty="0" smtClean="0">
+                <a:latin typeface="+mn-lt"/>
+              </a:rPr>
+              <a:t> </a:t>
+            </a:r>
+            <a:r>
+              <a:rPr lang="et-EE" sz="4000" dirty="0" err="1" smtClean="0">
                 <a:latin typeface="+mn-lt"/>
               </a:rPr>
               <a:t>to</a:t>
             </a:r>
             <a:r>
-              <a:rPr lang="et-EE" sz="4000" smtClean="0">
+              <a:rPr lang="et-EE" sz="4000" dirty="0" smtClean="0">
                 <a:latin typeface="+mn-lt"/>
               </a:rPr>
               <a:t> take </a:t>
             </a:r>
             <a:r>
-              <a:rPr lang="et-EE" sz="4000" err="1" smtClean="0">
+              <a:rPr lang="et-EE" sz="4000" dirty="0" err="1" smtClean="0">
                 <a:latin typeface="+mn-lt"/>
               </a:rPr>
               <a:t>that</a:t>
             </a:r>
             <a:r>
-              <a:rPr lang="et-EE" sz="4000" smtClean="0">
-                <a:latin typeface="+mn-lt"/>
-              </a:rPr>
-              <a:t> </a:t>
-            </a:r>
-            <a:r>
-              <a:rPr lang="et-EE" sz="4000" err="1" smtClean="0">
+              <a:rPr lang="et-EE" sz="4000" dirty="0" smtClean="0">
+                <a:latin typeface="+mn-lt"/>
+              </a:rPr>
+              <a:t> </a:t>
+            </a:r>
+            <a:r>
+              <a:rPr lang="et-EE" sz="4000" dirty="0" err="1" smtClean="0">
                 <a:latin typeface="+mn-lt"/>
               </a:rPr>
               <a:t>into</a:t>
             </a:r>
             <a:r>
-              <a:rPr lang="et-EE" sz="4000" smtClean="0">
-                <a:latin typeface="+mn-lt"/>
-              </a:rPr>
-              <a:t> </a:t>
-            </a:r>
-            <a:r>
-              <a:rPr lang="et-EE" sz="4000" err="1" smtClean="0">
+              <a:rPr lang="et-EE" sz="4000" dirty="0" smtClean="0">
+                <a:latin typeface="+mn-lt"/>
+              </a:rPr>
+              <a:t> </a:t>
+            </a:r>
+            <a:r>
+              <a:rPr lang="et-EE" sz="4000" dirty="0" err="1" smtClean="0">
                 <a:latin typeface="+mn-lt"/>
               </a:rPr>
               <a:t>consideration</a:t>
             </a:r>
             <a:r>
-              <a:rPr lang="et-EE" sz="4000" smtClean="0">
+              <a:rPr lang="et-EE" sz="4000" dirty="0" smtClean="0">
                 <a:latin typeface="+mn-lt"/>
               </a:rPr>
               <a:t>.</a:t>
@@ -4992,414 +4992,408 @@
           <a:p>
             <a:pPr algn="just" eaLnBrk="1" hangingPunct="1"/>
             <a:r>
-              <a:rPr lang="et-EE" sz="4000" err="1" smtClean="0">
+              <a:rPr lang="et-EE" sz="4000" dirty="0" err="1" smtClean="0">
                 <a:latin typeface="+mn-lt"/>
               </a:rPr>
               <a:t>We</a:t>
             </a:r>
             <a:r>
-              <a:rPr lang="et-EE" sz="4000" smtClean="0">
-                <a:latin typeface="+mn-lt"/>
-              </a:rPr>
-              <a:t> </a:t>
-            </a:r>
-            <a:r>
-              <a:rPr lang="et-EE" sz="4000" err="1" smtClean="0">
+              <a:rPr lang="et-EE" sz="4000" dirty="0" smtClean="0">
+                <a:latin typeface="+mn-lt"/>
+              </a:rPr>
+              <a:t> </a:t>
+            </a:r>
+            <a:r>
+              <a:rPr lang="et-EE" sz="4000" dirty="0" err="1" smtClean="0">
                 <a:latin typeface="+mn-lt"/>
               </a:rPr>
               <a:t>also</a:t>
             </a:r>
             <a:r>
-              <a:rPr lang="et-EE" sz="4000" smtClean="0">
-                <a:latin typeface="+mn-lt"/>
-              </a:rPr>
-              <a:t> </a:t>
-            </a:r>
-            <a:r>
-              <a:rPr lang="et-EE" sz="4000" err="1" smtClean="0">
+              <a:rPr lang="et-EE" sz="4000" dirty="0" smtClean="0">
+                <a:latin typeface="+mn-lt"/>
+              </a:rPr>
+              <a:t> </a:t>
+            </a:r>
+            <a:r>
+              <a:rPr lang="et-EE" sz="4000" dirty="0" err="1" smtClean="0">
                 <a:latin typeface="+mn-lt"/>
               </a:rPr>
               <a:t>noticed</a:t>
             </a:r>
             <a:r>
-              <a:rPr lang="et-EE" sz="4000" smtClean="0">
+              <a:rPr lang="et-EE" sz="4000" dirty="0" smtClean="0">
                 <a:latin typeface="+mn-lt"/>
               </a:rPr>
               <a:t>, </a:t>
             </a:r>
             <a:r>
-              <a:rPr lang="et-EE" sz="4000" err="1" smtClean="0">
+              <a:rPr lang="et-EE" sz="4000" dirty="0" err="1" smtClean="0">
                 <a:latin typeface="+mn-lt"/>
               </a:rPr>
               <a:t>that</a:t>
             </a:r>
             <a:r>
-              <a:rPr lang="et-EE" sz="4000" smtClean="0">
-                <a:latin typeface="+mn-lt"/>
-              </a:rPr>
-              <a:t> </a:t>
-            </a:r>
-            <a:r>
-              <a:rPr lang="et-EE" sz="4000" err="1" smtClean="0">
+              <a:rPr lang="et-EE" sz="4000" dirty="0" smtClean="0">
+                <a:latin typeface="+mn-lt"/>
+              </a:rPr>
+              <a:t> </a:t>
+            </a:r>
+            <a:r>
+              <a:rPr lang="et-EE" sz="4000" dirty="0" err="1" smtClean="0">
                 <a:latin typeface="+mn-lt"/>
               </a:rPr>
               <a:t>the</a:t>
             </a:r>
             <a:r>
-              <a:rPr lang="et-EE" sz="4000" smtClean="0">
-                <a:latin typeface="+mn-lt"/>
-              </a:rPr>
-              <a:t> </a:t>
-            </a:r>
-            <a:r>
-              <a:rPr lang="et-EE" sz="4000" err="1" smtClean="0">
+              <a:rPr lang="et-EE" sz="4000" dirty="0" smtClean="0">
+                <a:latin typeface="+mn-lt"/>
+              </a:rPr>
+              <a:t> </a:t>
+            </a:r>
+            <a:r>
+              <a:rPr lang="et-EE" sz="4000" dirty="0" err="1" smtClean="0">
                 <a:latin typeface="+mn-lt"/>
               </a:rPr>
               <a:t>best</a:t>
             </a:r>
             <a:r>
-              <a:rPr lang="et-EE" sz="4000" smtClean="0">
-                <a:latin typeface="+mn-lt"/>
-              </a:rPr>
-              <a:t> </a:t>
-            </a:r>
-            <a:r>
-              <a:rPr lang="et-EE" sz="4000" err="1" smtClean="0">
+              <a:rPr lang="et-EE" sz="4000" dirty="0" smtClean="0">
+                <a:latin typeface="+mn-lt"/>
+              </a:rPr>
+              <a:t> </a:t>
+            </a:r>
+            <a:r>
+              <a:rPr lang="et-EE" sz="4000" dirty="0" err="1" smtClean="0">
                 <a:latin typeface="+mn-lt"/>
               </a:rPr>
               <a:t>results</a:t>
             </a:r>
             <a:r>
-              <a:rPr lang="et-EE" sz="4000" smtClean="0">
-                <a:latin typeface="+mn-lt"/>
-              </a:rPr>
-              <a:t> </a:t>
-            </a:r>
-            <a:r>
-              <a:rPr lang="et-EE" sz="4000" err="1" smtClean="0">
+              <a:rPr lang="et-EE" sz="4000" dirty="0" smtClean="0">
+                <a:latin typeface="+mn-lt"/>
+              </a:rPr>
+              <a:t> </a:t>
+            </a:r>
+            <a:r>
+              <a:rPr lang="et-EE" sz="4000" dirty="0" err="1" smtClean="0">
                 <a:latin typeface="+mn-lt"/>
               </a:rPr>
               <a:t>were</a:t>
             </a:r>
             <a:r>
-              <a:rPr lang="et-EE" sz="4000" smtClean="0">
-                <a:latin typeface="+mn-lt"/>
-              </a:rPr>
-              <a:t> </a:t>
-            </a:r>
-            <a:r>
-              <a:rPr lang="et-EE" sz="4000" err="1" smtClean="0">
-                <a:latin typeface="+mn-lt"/>
-              </a:rPr>
-              <a:t>obtained</a:t>
-            </a:r>
-            <a:r>
-              <a:rPr lang="et-EE" sz="4000" smtClean="0">
-                <a:latin typeface="+mn-lt"/>
-              </a:rPr>
-              <a:t>, </a:t>
-            </a:r>
-            <a:r>
-              <a:rPr lang="et-EE" sz="4000" err="1" smtClean="0">
+              <a:rPr lang="et-EE" sz="4000" dirty="0" smtClean="0">
+                <a:latin typeface="+mn-lt"/>
+              </a:rPr>
+              <a:t> </a:t>
+            </a:r>
+            <a:r>
+              <a:rPr lang="et-EE" sz="4000" smtClean="0">
+                <a:latin typeface="+mn-lt"/>
+              </a:rPr>
+              <a:t>obtained </a:t>
+            </a:r>
+            <a:r>
+              <a:rPr lang="et-EE" sz="4000" dirty="0" err="1" smtClean="0">
                 <a:latin typeface="+mn-lt"/>
               </a:rPr>
               <a:t>when</a:t>
             </a:r>
             <a:r>
-              <a:rPr lang="et-EE" sz="4000" smtClean="0">
-                <a:latin typeface="+mn-lt"/>
-              </a:rPr>
-              <a:t> </a:t>
-            </a:r>
-            <a:r>
-              <a:rPr lang="et-EE" sz="4000" err="1" smtClean="0">
+              <a:rPr lang="et-EE" sz="4000" dirty="0" smtClean="0">
+                <a:latin typeface="+mn-lt"/>
+              </a:rPr>
+              <a:t> </a:t>
+            </a:r>
+            <a:r>
+              <a:rPr lang="et-EE" sz="4000" dirty="0" err="1" smtClean="0">
                 <a:latin typeface="+mn-lt"/>
               </a:rPr>
               <a:t>we</a:t>
             </a:r>
             <a:r>
-              <a:rPr lang="et-EE" sz="4000" smtClean="0">
-                <a:latin typeface="+mn-lt"/>
-              </a:rPr>
-              <a:t> </a:t>
-            </a:r>
-            <a:r>
-              <a:rPr lang="et-EE" sz="4000" err="1" smtClean="0">
+              <a:rPr lang="et-EE" sz="4000" dirty="0" smtClean="0">
+                <a:latin typeface="+mn-lt"/>
+              </a:rPr>
+              <a:t> </a:t>
+            </a:r>
+            <a:r>
+              <a:rPr lang="et-EE" sz="4000" dirty="0" err="1" smtClean="0">
                 <a:latin typeface="+mn-lt"/>
               </a:rPr>
               <a:t>only</a:t>
             </a:r>
             <a:r>
-              <a:rPr lang="et-EE" sz="4000" smtClean="0">
-                <a:latin typeface="+mn-lt"/>
-              </a:rPr>
-              <a:t> </a:t>
-            </a:r>
-            <a:r>
-              <a:rPr lang="et-EE" sz="4000" err="1" smtClean="0">
+              <a:rPr lang="et-EE" sz="4000" dirty="0" smtClean="0">
+                <a:latin typeface="+mn-lt"/>
+              </a:rPr>
+              <a:t> </a:t>
+            </a:r>
+            <a:r>
+              <a:rPr lang="et-EE" sz="4000" dirty="0" err="1" smtClean="0">
                 <a:latin typeface="+mn-lt"/>
               </a:rPr>
               <a:t>used</a:t>
             </a:r>
             <a:r>
-              <a:rPr lang="et-EE" sz="4000" smtClean="0">
-                <a:latin typeface="+mn-lt"/>
-              </a:rPr>
-              <a:t> </a:t>
-            </a:r>
-            <a:r>
-              <a:rPr lang="et-EE" sz="4000" err="1" smtClean="0">
+              <a:rPr lang="et-EE" sz="4000" dirty="0" smtClean="0">
+                <a:latin typeface="+mn-lt"/>
+              </a:rPr>
+              <a:t> </a:t>
+            </a:r>
+            <a:r>
+              <a:rPr lang="et-EE" sz="4000" dirty="0" err="1" smtClean="0">
                 <a:latin typeface="+mn-lt"/>
               </a:rPr>
               <a:t>songs</a:t>
             </a:r>
             <a:r>
-              <a:rPr lang="et-EE" sz="4000" smtClean="0">
-                <a:latin typeface="+mn-lt"/>
-              </a:rPr>
-              <a:t> </a:t>
-            </a:r>
-            <a:r>
-              <a:rPr lang="et-EE" sz="4000" err="1" smtClean="0">
+              <a:rPr lang="et-EE" sz="4000" dirty="0" smtClean="0">
+                <a:latin typeface="+mn-lt"/>
+              </a:rPr>
+              <a:t> </a:t>
+            </a:r>
+            <a:r>
+              <a:rPr lang="et-EE" sz="4000" dirty="0" err="1" smtClean="0">
                 <a:latin typeface="+mn-lt"/>
               </a:rPr>
               <a:t>with</a:t>
             </a:r>
             <a:r>
-              <a:rPr lang="et-EE" sz="4000" smtClean="0">
-                <a:latin typeface="+mn-lt"/>
-              </a:rPr>
-              <a:t> </a:t>
-            </a:r>
-            <a:r>
-              <a:rPr lang="et-EE" sz="4000" err="1" smtClean="0">
+              <a:rPr lang="et-EE" sz="4000" dirty="0" smtClean="0">
+                <a:latin typeface="+mn-lt"/>
+              </a:rPr>
+              <a:t> </a:t>
+            </a:r>
+            <a:r>
+              <a:rPr lang="et-EE" sz="4000" dirty="0" err="1" smtClean="0">
                 <a:latin typeface="+mn-lt"/>
               </a:rPr>
               <a:t>popularity</a:t>
             </a:r>
             <a:r>
-              <a:rPr lang="et-EE" sz="4000" smtClean="0">
-                <a:latin typeface="+mn-lt"/>
-              </a:rPr>
-              <a:t> </a:t>
-            </a:r>
-            <a:r>
-              <a:rPr lang="et-EE" sz="4000" err="1" smtClean="0">
+              <a:rPr lang="et-EE" sz="4000" dirty="0" smtClean="0">
+                <a:latin typeface="+mn-lt"/>
+              </a:rPr>
+              <a:t> </a:t>
+            </a:r>
+            <a:r>
+              <a:rPr lang="et-EE" sz="4000" dirty="0" err="1" smtClean="0">
                 <a:latin typeface="+mn-lt"/>
               </a:rPr>
               <a:t>over</a:t>
             </a:r>
             <a:r>
-              <a:rPr lang="et-EE" sz="4000" smtClean="0">
+              <a:rPr lang="et-EE" sz="4000" dirty="0" smtClean="0">
                 <a:latin typeface="+mn-lt"/>
               </a:rPr>
               <a:t> 60 </a:t>
             </a:r>
             <a:r>
-              <a:rPr lang="et-EE" sz="4000" err="1" smtClean="0">
+              <a:rPr lang="et-EE" sz="4000" dirty="0" err="1" smtClean="0">
                 <a:latin typeface="+mn-lt"/>
               </a:rPr>
               <a:t>for</a:t>
             </a:r>
             <a:r>
-              <a:rPr lang="et-EE" sz="4000" smtClean="0">
-                <a:latin typeface="+mn-lt"/>
-              </a:rPr>
-              <a:t> </a:t>
-            </a:r>
-            <a:r>
-              <a:rPr lang="et-EE" sz="4000" err="1" smtClean="0">
+              <a:rPr lang="et-EE" sz="4000" dirty="0" smtClean="0">
+                <a:latin typeface="+mn-lt"/>
+              </a:rPr>
+              <a:t> </a:t>
+            </a:r>
+            <a:r>
+              <a:rPr lang="et-EE" sz="4000" dirty="0" err="1" smtClean="0">
                 <a:latin typeface="+mn-lt"/>
               </a:rPr>
               <a:t>popular</a:t>
             </a:r>
             <a:r>
-              <a:rPr lang="et-EE" sz="4000" smtClean="0">
+              <a:rPr lang="et-EE" sz="4000" dirty="0" smtClean="0">
                 <a:latin typeface="+mn-lt"/>
               </a:rPr>
               <a:t> and </a:t>
             </a:r>
             <a:r>
-              <a:rPr lang="et-EE" sz="4000" err="1" smtClean="0">
+              <a:rPr lang="et-EE" sz="4000" dirty="0" err="1" smtClean="0">
                 <a:latin typeface="+mn-lt"/>
               </a:rPr>
               <a:t>songs</a:t>
             </a:r>
             <a:r>
-              <a:rPr lang="et-EE" sz="4000" smtClean="0">
-                <a:latin typeface="+mn-lt"/>
-              </a:rPr>
-              <a:t> </a:t>
-            </a:r>
-            <a:r>
-              <a:rPr lang="et-EE" sz="4000" err="1" smtClean="0">
+              <a:rPr lang="et-EE" sz="4000" dirty="0" smtClean="0">
+                <a:latin typeface="+mn-lt"/>
+              </a:rPr>
+              <a:t> </a:t>
+            </a:r>
+            <a:r>
+              <a:rPr lang="et-EE" sz="4000" dirty="0" err="1" smtClean="0">
                 <a:latin typeface="+mn-lt"/>
               </a:rPr>
               <a:t>with</a:t>
             </a:r>
             <a:r>
-              <a:rPr lang="et-EE" sz="4000" smtClean="0">
-                <a:latin typeface="+mn-lt"/>
-              </a:rPr>
-              <a:t> </a:t>
-            </a:r>
-            <a:r>
-              <a:rPr lang="et-EE" sz="4000" err="1" smtClean="0">
+              <a:rPr lang="et-EE" sz="4000" dirty="0" smtClean="0">
+                <a:latin typeface="+mn-lt"/>
+              </a:rPr>
+              <a:t> </a:t>
+            </a:r>
+            <a:r>
+              <a:rPr lang="et-EE" sz="4000" dirty="0" err="1" smtClean="0">
                 <a:latin typeface="+mn-lt"/>
               </a:rPr>
               <a:t>popularity</a:t>
             </a:r>
             <a:r>
-              <a:rPr lang="et-EE" sz="4000" smtClean="0">
-                <a:latin typeface="+mn-lt"/>
-              </a:rPr>
-              <a:t> </a:t>
-            </a:r>
-            <a:r>
-              <a:rPr lang="et-EE" sz="4000" err="1" smtClean="0">
+              <a:rPr lang="et-EE" sz="4000" dirty="0" smtClean="0">
+                <a:latin typeface="+mn-lt"/>
+              </a:rPr>
+              <a:t> </a:t>
+            </a:r>
+            <a:r>
+              <a:rPr lang="et-EE" sz="4000" dirty="0" err="1" smtClean="0">
                 <a:latin typeface="+mn-lt"/>
               </a:rPr>
               <a:t>under</a:t>
             </a:r>
             <a:r>
-              <a:rPr lang="et-EE" sz="4000" smtClean="0">
+              <a:rPr lang="et-EE" sz="4000" dirty="0" smtClean="0">
                 <a:latin typeface="+mn-lt"/>
               </a:rPr>
               <a:t> 40 </a:t>
             </a:r>
             <a:r>
-              <a:rPr lang="et-EE" sz="4000" err="1" smtClean="0">
+              <a:rPr lang="et-EE" sz="4000" dirty="0" err="1" smtClean="0">
                 <a:latin typeface="+mn-lt"/>
               </a:rPr>
               <a:t>for</a:t>
             </a:r>
             <a:r>
-              <a:rPr lang="et-EE" sz="4000" smtClean="0">
+              <a:rPr lang="et-EE" sz="4000" dirty="0" smtClean="0">
                 <a:latin typeface="+mn-lt"/>
               </a:rPr>
               <a:t> non-</a:t>
             </a:r>
             <a:r>
-              <a:rPr lang="et-EE" sz="4000" err="1" smtClean="0">
+              <a:rPr lang="et-EE" sz="4000" dirty="0" err="1" smtClean="0">
                 <a:latin typeface="+mn-lt"/>
               </a:rPr>
               <a:t>popular</a:t>
             </a:r>
             <a:r>
-              <a:rPr lang="et-EE" sz="4000" smtClean="0">
-                <a:latin typeface="+mn-lt"/>
-              </a:rPr>
-              <a:t> </a:t>
-            </a:r>
-            <a:r>
-              <a:rPr lang="et-EE" sz="4000" err="1" smtClean="0">
+              <a:rPr lang="et-EE" sz="4000" dirty="0" smtClean="0">
+                <a:latin typeface="+mn-lt"/>
+              </a:rPr>
+              <a:t> </a:t>
+            </a:r>
+            <a:r>
+              <a:rPr lang="et-EE" sz="4000" dirty="0" err="1" smtClean="0">
                 <a:latin typeface="+mn-lt"/>
               </a:rPr>
               <a:t>songs</a:t>
             </a:r>
             <a:r>
-              <a:rPr lang="et-EE" sz="4000" smtClean="0">
-                <a:latin typeface="+mn-lt"/>
-              </a:rPr>
-              <a:t> </a:t>
-            </a:r>
-            <a:r>
-              <a:rPr lang="et-EE" sz="4000" err="1" smtClean="0">
+              <a:rPr lang="et-EE" sz="4000" dirty="0" smtClean="0">
+                <a:latin typeface="+mn-lt"/>
+              </a:rPr>
+              <a:t> </a:t>
+            </a:r>
+            <a:r>
+              <a:rPr lang="et-EE" sz="4000" dirty="0" err="1" smtClean="0">
                 <a:latin typeface="+mn-lt"/>
               </a:rPr>
               <a:t>for</a:t>
             </a:r>
             <a:r>
-              <a:rPr lang="et-EE" sz="4000" smtClean="0">
-                <a:latin typeface="+mn-lt"/>
-              </a:rPr>
-              <a:t> </a:t>
-            </a:r>
-            <a:r>
-              <a:rPr lang="et-EE" sz="4000" err="1" smtClean="0">
+              <a:rPr lang="et-EE" sz="4000" dirty="0" smtClean="0">
+                <a:latin typeface="+mn-lt"/>
+              </a:rPr>
+              <a:t> </a:t>
+            </a:r>
+            <a:r>
+              <a:rPr lang="et-EE" sz="4000" dirty="0" err="1" smtClean="0">
                 <a:latin typeface="+mn-lt"/>
               </a:rPr>
               <a:t>training</a:t>
             </a:r>
             <a:r>
-              <a:rPr lang="et-EE" sz="4000" smtClean="0">
+              <a:rPr lang="et-EE" sz="4000" dirty="0" smtClean="0">
                 <a:latin typeface="+mn-lt"/>
               </a:rPr>
               <a:t>, so </a:t>
             </a:r>
             <a:r>
-              <a:rPr lang="et-EE" sz="4000" err="1" smtClean="0">
+              <a:rPr lang="et-EE" sz="4000" dirty="0" err="1" smtClean="0">
                 <a:latin typeface="+mn-lt"/>
               </a:rPr>
               <a:t>we</a:t>
             </a:r>
             <a:r>
-              <a:rPr lang="et-EE" sz="4000" smtClean="0">
-                <a:latin typeface="+mn-lt"/>
-              </a:rPr>
-              <a:t> </a:t>
-            </a:r>
-            <a:r>
-              <a:rPr lang="et-EE" sz="4000" err="1" smtClean="0">
+              <a:rPr lang="et-EE" sz="4000" dirty="0" smtClean="0">
+                <a:latin typeface="+mn-lt"/>
+              </a:rPr>
+              <a:t> </a:t>
+            </a:r>
+            <a:r>
+              <a:rPr lang="et-EE" sz="4000" dirty="0" err="1" smtClean="0">
                 <a:latin typeface="+mn-lt"/>
               </a:rPr>
               <a:t>discarded</a:t>
             </a:r>
             <a:r>
-              <a:rPr lang="et-EE" sz="4000" smtClean="0">
-                <a:latin typeface="+mn-lt"/>
-              </a:rPr>
-              <a:t> </a:t>
-            </a:r>
-            <a:r>
-              <a:rPr lang="et-EE" sz="4000" err="1" smtClean="0">
+              <a:rPr lang="et-EE" sz="4000" dirty="0" smtClean="0">
+                <a:latin typeface="+mn-lt"/>
+              </a:rPr>
+              <a:t> </a:t>
+            </a:r>
+            <a:r>
+              <a:rPr lang="et-EE" sz="4000" dirty="0" err="1" smtClean="0">
                 <a:latin typeface="+mn-lt"/>
               </a:rPr>
               <a:t>those</a:t>
             </a:r>
             <a:r>
-              <a:rPr lang="et-EE" sz="4000" smtClean="0">
-                <a:latin typeface="+mn-lt"/>
-              </a:rPr>
-              <a:t> </a:t>
-            </a:r>
-            <a:r>
-              <a:rPr lang="et-EE" sz="4000" err="1" smtClean="0">
+              <a:rPr lang="et-EE" sz="4000" dirty="0" smtClean="0">
+                <a:latin typeface="+mn-lt"/>
+              </a:rPr>
+              <a:t> </a:t>
+            </a:r>
+            <a:r>
+              <a:rPr lang="et-EE" sz="4000" dirty="0" err="1" smtClean="0">
                 <a:latin typeface="+mn-lt"/>
               </a:rPr>
               <a:t>that</a:t>
             </a:r>
             <a:r>
-              <a:rPr lang="et-EE" sz="4000" smtClean="0">
-                <a:latin typeface="+mn-lt"/>
-              </a:rPr>
-              <a:t> </a:t>
-            </a:r>
-            <a:r>
-              <a:rPr lang="et-EE" sz="4000" err="1" smtClean="0">
+              <a:rPr lang="et-EE" sz="4000" dirty="0" smtClean="0">
+                <a:latin typeface="+mn-lt"/>
+              </a:rPr>
+              <a:t> </a:t>
+            </a:r>
+            <a:r>
+              <a:rPr lang="et-EE" sz="4000" dirty="0" err="1" smtClean="0">
                 <a:latin typeface="+mn-lt"/>
               </a:rPr>
               <a:t>were</a:t>
             </a:r>
             <a:r>
-              <a:rPr lang="et-EE" sz="4000" smtClean="0">
-                <a:latin typeface="+mn-lt"/>
-              </a:rPr>
-              <a:t> </a:t>
-            </a:r>
-            <a:r>
-              <a:rPr lang="et-EE" sz="4000" err="1" smtClean="0">
+              <a:rPr lang="et-EE" sz="4000" dirty="0" smtClean="0">
+                <a:latin typeface="+mn-lt"/>
+              </a:rPr>
+              <a:t> </a:t>
+            </a:r>
+            <a:r>
+              <a:rPr lang="et-EE" sz="4000" dirty="0" err="1" smtClean="0">
                 <a:latin typeface="+mn-lt"/>
               </a:rPr>
               <a:t>inbetween</a:t>
             </a:r>
             <a:r>
-              <a:rPr lang="et-EE" sz="4000" smtClean="0">
+              <a:rPr lang="et-EE" sz="4000" dirty="0" smtClean="0">
                 <a:latin typeface="+mn-lt"/>
               </a:rPr>
               <a:t>.</a:t>
             </a:r>
-            <a:endParaRPr lang="et-EE" sz="4000">
+            <a:endParaRPr lang="et-EE" sz="4000" dirty="0">
               <a:latin typeface="+mn-lt"/>
             </a:endParaRPr>
           </a:p>
@@ -6529,7 +6523,7 @@
               <a:rPr lang="et-EE" sz="4000" dirty="0" smtClean="0">
                 <a:latin typeface="+mn-lt"/>
               </a:rPr>
-              <a:t>, </a:t>
+              <a:t> </a:t>
             </a:r>
             <a:r>
               <a:rPr lang="et-EE" sz="4000" dirty="0" err="1" smtClean="0">
@@ -7377,11 +7371,7 @@
             </a:r>
             <a:r>
               <a:rPr lang="et-EE" sz="2600" dirty="0" smtClean="0"/>
-              <a:t> 2017 </a:t>
-            </a:r>
-            <a:r>
-              <a:rPr lang="et-EE" sz="2600" dirty="0" smtClean="0"/>
-              <a:t>and 2018</a:t>
+              <a:t> 2017 and 2018</a:t>
             </a:r>
             <a:endParaRPr lang="et-EE" sz="2600" dirty="0"/>
           </a:p>
